--- a/Documentation/ANG/BIAI_presentation.pptx
+++ b/Documentation/ANG/BIAI_presentation.pptx
@@ -7,6 +7,8 @@
   <p:sldIdLst>
     <p:sldId id="256" r:id="rId2"/>
     <p:sldId id="257" r:id="rId3"/>
+    <p:sldId id="258" r:id="rId4"/>
+    <p:sldId id="259" r:id="rId5"/>
   </p:sldIdLst>
   <p:sldSz cx="12192000" cy="6858000"/>
   <p:notesSz cx="6858000" cy="9144000"/>
@@ -3628,6 +3630,668 @@
 </p:sld>
 </file>
 
+<file path=ppt/slides/slide3.xml><?xml version="1.0" encoding="utf-8"?>
+<p:sld xmlns:a="http://schemas.openxmlformats.org/drawingml/2006/main" xmlns:r="http://schemas.openxmlformats.org/officeDocument/2006/relationships" xmlns:p="http://schemas.openxmlformats.org/presentationml/2006/main">
+  <p:cSld>
+    <p:spTree>
+      <p:nvGrpSpPr>
+        <p:cNvPr id="1" name=""/>
+        <p:cNvGrpSpPr/>
+        <p:nvPr/>
+      </p:nvGrpSpPr>
+      <p:grpSpPr>
+        <a:xfrm>
+          <a:off x="0" y="0"/>
+          <a:ext cx="0" cy="0"/>
+          <a:chOff x="0" y="0"/>
+          <a:chExt cx="0" cy="0"/>
+        </a:xfrm>
+      </p:grpSpPr>
+      <p:sp>
+        <p:nvSpPr>
+          <p:cNvPr id="2" name="Tytuł 1">
+            <a:extLst>
+              <a:ext uri="{FF2B5EF4-FFF2-40B4-BE49-F238E27FC236}">
+                <a16:creationId xmlns:a16="http://schemas.microsoft.com/office/drawing/2014/main" id="{F06B32C9-DE34-4F1B-BD2E-79CF7FFBF045}"/>
+              </a:ext>
+            </a:extLst>
+          </p:cNvPr>
+          <p:cNvSpPr>
+            <a:spLocks noGrp="1"/>
+          </p:cNvSpPr>
+          <p:nvPr>
+            <p:ph type="title"/>
+          </p:nvPr>
+        </p:nvSpPr>
+        <p:spPr/>
+        <p:txBody>
+          <a:bodyPr/>
+          <a:lstStyle/>
+          <a:p>
+            <a:r>
+              <a:rPr lang="pl-PL" dirty="0"/>
+              <a:t>DATA CLEANSING</a:t>
+            </a:r>
+          </a:p>
+        </p:txBody>
+      </p:sp>
+      <p:graphicFrame>
+        <p:nvGraphicFramePr>
+          <p:cNvPr id="6" name="Tabela 5">
+            <a:extLst>
+              <a:ext uri="{FF2B5EF4-FFF2-40B4-BE49-F238E27FC236}">
+                <a16:creationId xmlns:a16="http://schemas.microsoft.com/office/drawing/2014/main" id="{7D5AEF2A-0663-4EE4-A417-06C2FF0691CE}"/>
+              </a:ext>
+            </a:extLst>
+          </p:cNvPr>
+          <p:cNvGraphicFramePr>
+            <a:graphicFrameLocks noGrp="1"/>
+          </p:cNvGraphicFramePr>
+          <p:nvPr>
+            <p:extLst>
+              <p:ext uri="{D42A27DB-BD31-4B8C-83A1-F6EECF244321}">
+                <p14:modId xmlns:p14="http://schemas.microsoft.com/office/powerpoint/2010/main" val="3790481086"/>
+              </p:ext>
+            </p:extLst>
+          </p:nvPr>
+        </p:nvGraphicFramePr>
+        <p:xfrm>
+          <a:off x="2031999" y="1872963"/>
+          <a:ext cx="9204412" cy="4334452"/>
+        </p:xfrm>
+        <a:graphic>
+          <a:graphicData uri="http://schemas.openxmlformats.org/drawingml/2006/table">
+            <a:tbl>
+              <a:tblPr firstRow="1" bandRow="1">
+                <a:tableStyleId>{2D5ABB26-0587-4C30-8999-92F81FD0307C}</a:tableStyleId>
+              </a:tblPr>
+              <a:tblGrid>
+                <a:gridCol w="4602206">
+                  <a:extLst>
+                    <a:ext uri="{9D8B030D-6E8A-4147-A177-3AD203B41FA5}">
+                      <a16:colId xmlns:a16="http://schemas.microsoft.com/office/drawing/2014/main" val="3825491113"/>
+                    </a:ext>
+                  </a:extLst>
+                </a:gridCol>
+                <a:gridCol w="4602206">
+                  <a:extLst>
+                    <a:ext uri="{9D8B030D-6E8A-4147-A177-3AD203B41FA5}">
+                      <a16:colId xmlns:a16="http://schemas.microsoft.com/office/drawing/2014/main" val="3142304272"/>
+                    </a:ext>
+                  </a:extLst>
+                </a:gridCol>
+              </a:tblGrid>
+              <a:tr h="433632">
+                <a:tc>
+                  <a:txBody>
+                    <a:bodyPr/>
+                    <a:lstStyle/>
+                    <a:p>
+                      <a:pPr algn="ctr"/>
+                      <a:r>
+                        <a:rPr lang="pl-PL" sz="2000" dirty="0"/>
+                        <a:t>GENRES</a:t>
+                      </a:r>
+                    </a:p>
+                  </a:txBody>
+                  <a:tcPr anchor="ctr"/>
+                </a:tc>
+                <a:tc>
+                  <a:txBody>
+                    <a:bodyPr/>
+                    <a:lstStyle/>
+                    <a:p>
+                      <a:pPr algn="ctr"/>
+                      <a:r>
+                        <a:rPr lang="pl-PL" sz="2000" dirty="0"/>
+                        <a:t>PLOTS</a:t>
+                      </a:r>
+                    </a:p>
+                  </a:txBody>
+                  <a:tcPr anchor="ctr"/>
+                </a:tc>
+                <a:extLst>
+                  <a:ext uri="{0D108BD9-81ED-4DB2-BD59-A6C34878D82A}">
+                    <a16:rowId xmlns:a16="http://schemas.microsoft.com/office/drawing/2014/main" val="2379597642"/>
+                  </a:ext>
+                </a:extLst>
+              </a:tr>
+              <a:tr h="3900820">
+                <a:tc>
+                  <a:txBody>
+                    <a:bodyPr/>
+                    <a:lstStyle/>
+                    <a:p>
+                      <a:pPr marL="285750" indent="-285750">
+                        <a:buFont typeface="Arial" panose="020B0604020202020204" pitchFamily="34" charset="0"/>
+                        <a:buChar char="•"/>
+                      </a:pPr>
+                      <a:r>
+                        <a:rPr lang="pl-PL" dirty="0"/>
+                        <a:t>2265 </a:t>
+                      </a:r>
+                      <a:r>
+                        <a:rPr lang="pl-PL" dirty="0" err="1"/>
+                        <a:t>different</a:t>
+                      </a:r>
+                      <a:r>
+                        <a:rPr lang="pl-PL" dirty="0"/>
+                        <a:t> </a:t>
+                      </a:r>
+                      <a:r>
+                        <a:rPr lang="pl-PL" dirty="0" err="1"/>
+                        <a:t>genres</a:t>
+                      </a:r>
+                      <a:r>
+                        <a:rPr lang="pl-PL" dirty="0"/>
+                        <a:t> </a:t>
+                      </a:r>
+                      <a:r>
+                        <a:rPr lang="pl-PL" dirty="0" err="1"/>
+                        <a:t>at</a:t>
+                      </a:r>
+                      <a:r>
+                        <a:rPr lang="pl-PL" dirty="0"/>
+                        <a:t> the </a:t>
+                      </a:r>
+                      <a:r>
+                        <a:rPr lang="pl-PL" dirty="0" err="1"/>
+                        <a:t>beggining</a:t>
+                      </a:r>
+                      <a:endParaRPr lang="pl-PL" dirty="0"/>
+                    </a:p>
+                    <a:p>
+                      <a:pPr marL="0" indent="0">
+                        <a:buFont typeface="Arial" panose="020B0604020202020204" pitchFamily="34" charset="0"/>
+                        <a:buNone/>
+                      </a:pPr>
+                      <a:endParaRPr lang="pl-PL" dirty="0"/>
+                    </a:p>
+                    <a:p>
+                      <a:pPr marL="285750" indent="-285750">
+                        <a:buFont typeface="Arial" panose="020B0604020202020204" pitchFamily="34" charset="0"/>
+                        <a:buChar char="•"/>
+                      </a:pPr>
+                      <a:r>
+                        <a:rPr lang="pl-PL" dirty="0" err="1"/>
+                        <a:t>Multiple</a:t>
+                      </a:r>
+                      <a:r>
+                        <a:rPr lang="pl-PL" dirty="0"/>
+                        <a:t> </a:t>
+                      </a:r>
+                      <a:r>
+                        <a:rPr lang="pl-PL" dirty="0" err="1"/>
+                        <a:t>genres</a:t>
+                      </a:r>
+                      <a:r>
+                        <a:rPr lang="pl-PL" dirty="0"/>
+                        <a:t> for one </a:t>
+                      </a:r>
+                      <a:r>
+                        <a:rPr lang="pl-PL" dirty="0" err="1"/>
+                        <a:t>movie</a:t>
+                      </a:r>
+                      <a:r>
+                        <a:rPr lang="pl-PL" dirty="0"/>
+                        <a:t> (</a:t>
+                      </a:r>
+                      <a:r>
+                        <a:rPr lang="pl-PL" dirty="0" err="1"/>
+                        <a:t>e.g</a:t>
+                      </a:r>
+                      <a:r>
+                        <a:rPr lang="pl-PL" dirty="0"/>
+                        <a:t>. drama </a:t>
+                      </a:r>
+                      <a:r>
+                        <a:rPr lang="pl-PL" dirty="0" err="1"/>
+                        <a:t>historical</a:t>
+                      </a:r>
+                      <a:r>
+                        <a:rPr lang="pl-PL" dirty="0"/>
+                        <a:t> </a:t>
+                      </a:r>
+                      <a:r>
+                        <a:rPr lang="pl-PL" dirty="0" err="1"/>
+                        <a:t>short</a:t>
+                      </a:r>
+                      <a:r>
+                        <a:rPr lang="pl-PL" dirty="0"/>
+                        <a:t>)</a:t>
+                      </a:r>
+                    </a:p>
+                    <a:p>
+                      <a:pPr marL="0" indent="0">
+                        <a:buFont typeface="Arial" panose="020B0604020202020204" pitchFamily="34" charset="0"/>
+                        <a:buNone/>
+                      </a:pPr>
+                      <a:endParaRPr lang="pl-PL" dirty="0"/>
+                    </a:p>
+                    <a:p>
+                      <a:pPr marL="285750" indent="-285750">
+                        <a:buFont typeface="Arial" panose="020B0604020202020204" pitchFamily="34" charset="0"/>
+                        <a:buChar char="•"/>
+                      </a:pPr>
+                      <a:r>
+                        <a:rPr lang="pl-PL" dirty="0" err="1"/>
+                        <a:t>Different</a:t>
+                      </a:r>
+                      <a:r>
+                        <a:rPr lang="pl-PL" dirty="0"/>
+                        <a:t> </a:t>
+                      </a:r>
+                      <a:r>
+                        <a:rPr lang="pl-PL" dirty="0" err="1"/>
+                        <a:t>names</a:t>
+                      </a:r>
+                      <a:r>
+                        <a:rPr lang="pl-PL" dirty="0"/>
+                        <a:t> for the same genre (</a:t>
+                      </a:r>
+                      <a:r>
+                        <a:rPr lang="pl-PL" dirty="0" err="1"/>
+                        <a:t>e.g</a:t>
+                      </a:r>
+                      <a:r>
+                        <a:rPr lang="pl-PL" dirty="0"/>
+                        <a:t>. </a:t>
+                      </a:r>
+                      <a:r>
+                        <a:rPr lang="pl-PL" dirty="0" err="1"/>
+                        <a:t>biographical</a:t>
+                      </a:r>
+                      <a:r>
+                        <a:rPr lang="pl-PL" dirty="0"/>
+                        <a:t>, </a:t>
+                      </a:r>
+                      <a:r>
+                        <a:rPr lang="pl-PL" dirty="0" err="1"/>
+                        <a:t>biography</a:t>
+                      </a:r>
+                      <a:r>
+                        <a:rPr lang="pl-PL" dirty="0"/>
+                        <a:t>, </a:t>
+                      </a:r>
+                      <a:r>
+                        <a:rPr lang="pl-PL" dirty="0" err="1"/>
+                        <a:t>biopiC</a:t>
+                      </a:r>
+                      <a:r>
+                        <a:rPr lang="pl-PL" dirty="0"/>
+                        <a:t>)</a:t>
+                      </a:r>
+                    </a:p>
+                    <a:p>
+                      <a:pPr marL="0" indent="0">
+                        <a:buFont typeface="Arial" panose="020B0604020202020204" pitchFamily="34" charset="0"/>
+                        <a:buNone/>
+                      </a:pPr>
+                      <a:endParaRPr lang="pl-PL" dirty="0"/>
+                    </a:p>
+                    <a:p>
+                      <a:pPr marL="285750" indent="-285750">
+                        <a:buFont typeface="Arial" panose="020B0604020202020204" pitchFamily="34" charset="0"/>
+                        <a:buChar char="•"/>
+                      </a:pPr>
+                      <a:r>
+                        <a:rPr lang="pl-PL" dirty="0"/>
+                        <a:t>Less </a:t>
+                      </a:r>
+                      <a:r>
+                        <a:rPr lang="pl-PL" dirty="0" err="1"/>
+                        <a:t>than</a:t>
+                      </a:r>
+                      <a:r>
+                        <a:rPr lang="pl-PL" dirty="0"/>
+                        <a:t> 1000 </a:t>
+                      </a:r>
+                      <a:r>
+                        <a:rPr lang="pl-PL" dirty="0" err="1"/>
+                        <a:t>after</a:t>
+                      </a:r>
+                      <a:r>
+                        <a:rPr lang="pl-PL" dirty="0"/>
+                        <a:t> </a:t>
+                      </a:r>
+                      <a:r>
+                        <a:rPr lang="pl-PL" dirty="0" err="1"/>
+                        <a:t>cleansing</a:t>
+                      </a:r>
+                      <a:endParaRPr lang="pl-PL" dirty="0"/>
+                    </a:p>
+                    <a:p>
+                      <a:endParaRPr lang="pl-PL" dirty="0"/>
+                    </a:p>
+                  </a:txBody>
+                  <a:tcPr/>
+                </a:tc>
+                <a:tc>
+                  <a:txBody>
+                    <a:bodyPr/>
+                    <a:lstStyle/>
+                    <a:p>
+                      <a:pPr marL="285750" indent="-285750">
+                        <a:buFont typeface="Arial" panose="020B0604020202020204" pitchFamily="34" charset="0"/>
+                        <a:buChar char="•"/>
+                      </a:pPr>
+                      <a:r>
+                        <a:rPr lang="pl-PL" dirty="0" err="1"/>
+                        <a:t>Extracting</a:t>
+                      </a:r>
+                      <a:r>
+                        <a:rPr lang="pl-PL" dirty="0"/>
+                        <a:t> single </a:t>
+                      </a:r>
+                      <a:r>
+                        <a:rPr lang="pl-PL" dirty="0" err="1"/>
+                        <a:t>words</a:t>
+                      </a:r>
+                      <a:endParaRPr lang="pl-PL" dirty="0"/>
+                    </a:p>
+                    <a:p>
+                      <a:pPr marL="285750" indent="-285750">
+                        <a:buFont typeface="Arial" panose="020B0604020202020204" pitchFamily="34" charset="0"/>
+                        <a:buChar char="•"/>
+                      </a:pPr>
+                      <a:endParaRPr lang="pl-PL" dirty="0"/>
+                    </a:p>
+                    <a:p>
+                      <a:pPr marL="285750" marR="0" lvl="0" indent="-285750" algn="l" defTabSz="914400" rtl="0" eaLnBrk="1" fontAlgn="auto" latinLnBrk="0" hangingPunct="1">
+                        <a:lnSpc>
+                          <a:spcPct val="100000"/>
+                        </a:lnSpc>
+                        <a:spcBef>
+                          <a:spcPts val="0"/>
+                        </a:spcBef>
+                        <a:spcAft>
+                          <a:spcPts val="0"/>
+                        </a:spcAft>
+                        <a:buClrTx/>
+                        <a:buSzTx/>
+                        <a:buFont typeface="Arial" panose="020B0604020202020204" pitchFamily="34" charset="0"/>
+                        <a:buChar char="•"/>
+                        <a:tabLst/>
+                        <a:defRPr/>
+                      </a:pPr>
+                      <a:r>
+                        <a:rPr lang="pl-PL" dirty="0" err="1"/>
+                        <a:t>Removing</a:t>
+                      </a:r>
+                      <a:r>
+                        <a:rPr lang="pl-PL" dirty="0"/>
+                        <a:t> </a:t>
+                      </a:r>
+                      <a:r>
+                        <a:rPr lang="pl-PL" sz="1800" u="none" kern="1200" dirty="0">
+                          <a:effectLst/>
+                        </a:rPr>
+                        <a:t>punctuation marks</a:t>
+                      </a:r>
+                    </a:p>
+                    <a:p>
+                      <a:pPr marL="285750" indent="-285750">
+                        <a:buFont typeface="Arial" panose="020B0604020202020204" pitchFamily="34" charset="0"/>
+                        <a:buChar char="•"/>
+                      </a:pPr>
+                      <a:endParaRPr lang="pl-PL" dirty="0"/>
+                    </a:p>
+                    <a:p>
+                      <a:pPr marL="285750" indent="-285750">
+                        <a:buFont typeface="Arial" panose="020B0604020202020204" pitchFamily="34" charset="0"/>
+                        <a:buChar char="•"/>
+                      </a:pPr>
+                      <a:r>
+                        <a:rPr lang="pl-PL" dirty="0" err="1"/>
+                        <a:t>Changing</a:t>
+                      </a:r>
+                      <a:r>
+                        <a:rPr lang="pl-PL" dirty="0"/>
+                        <a:t> </a:t>
+                      </a:r>
+                      <a:r>
+                        <a:rPr lang="pl-PL" dirty="0" err="1"/>
+                        <a:t>short</a:t>
+                      </a:r>
+                      <a:r>
+                        <a:rPr lang="pl-PL" dirty="0"/>
+                        <a:t> </a:t>
+                      </a:r>
+                      <a:r>
+                        <a:rPr lang="pl-PL" dirty="0" err="1"/>
+                        <a:t>forms</a:t>
+                      </a:r>
+                      <a:r>
+                        <a:rPr lang="pl-PL" dirty="0"/>
+                        <a:t> </a:t>
+                      </a:r>
+                      <a:r>
+                        <a:rPr lang="pl-PL" dirty="0" err="1"/>
+                        <a:t>into</a:t>
+                      </a:r>
+                      <a:r>
+                        <a:rPr lang="pl-PL" dirty="0"/>
+                        <a:t> </a:t>
+                      </a:r>
+                      <a:r>
+                        <a:rPr lang="pl-PL" dirty="0" err="1"/>
+                        <a:t>long</a:t>
+                      </a:r>
+                      <a:r>
+                        <a:rPr lang="pl-PL" dirty="0"/>
+                        <a:t> </a:t>
+                      </a:r>
+                      <a:r>
+                        <a:rPr lang="pl-PL" dirty="0" err="1"/>
+                        <a:t>forms</a:t>
+                      </a:r>
+                      <a:r>
+                        <a:rPr lang="pl-PL" dirty="0"/>
+                        <a:t> </a:t>
+                      </a:r>
+                      <a:br>
+                        <a:rPr lang="pl-PL" dirty="0"/>
+                      </a:br>
+                      <a:r>
+                        <a:rPr lang="pl-PL" dirty="0"/>
+                        <a:t>(</a:t>
+                      </a:r>
+                      <a:r>
+                        <a:rPr lang="pl-PL" dirty="0" err="1"/>
+                        <a:t>e.g</a:t>
+                      </a:r>
+                      <a:r>
+                        <a:rPr lang="pl-PL" dirty="0"/>
+                        <a:t>. </a:t>
+                      </a:r>
+                      <a:r>
+                        <a:rPr lang="pl-PL" dirty="0" err="1"/>
+                        <a:t>can’t</a:t>
+                      </a:r>
+                      <a:r>
+                        <a:rPr lang="pl-PL" dirty="0"/>
+                        <a:t> -&gt; </a:t>
+                      </a:r>
+                      <a:r>
+                        <a:rPr lang="pl-PL" dirty="0" err="1"/>
+                        <a:t>can</a:t>
+                      </a:r>
+                      <a:r>
+                        <a:rPr lang="pl-PL" dirty="0"/>
+                        <a:t> not)</a:t>
+                      </a:r>
+                    </a:p>
+                    <a:p>
+                      <a:pPr marL="285750" indent="-285750">
+                        <a:buFont typeface="Arial" panose="020B0604020202020204" pitchFamily="34" charset="0"/>
+                        <a:buChar char="•"/>
+                      </a:pPr>
+                      <a:endParaRPr lang="pl-PL" dirty="0"/>
+                    </a:p>
+                    <a:p>
+                      <a:pPr marL="285750" indent="-285750">
+                        <a:buFont typeface="Arial" panose="020B0604020202020204" pitchFamily="34" charset="0"/>
+                        <a:buChar char="•"/>
+                      </a:pPr>
+                      <a:r>
+                        <a:rPr lang="pl-PL" dirty="0" err="1"/>
+                        <a:t>Eliminating</a:t>
+                      </a:r>
+                      <a:r>
+                        <a:rPr lang="pl-PL" dirty="0"/>
+                        <a:t> </a:t>
+                      </a:r>
+                      <a:r>
+                        <a:rPr lang="pl-PL" dirty="0" err="1"/>
+                        <a:t>nonsignificant</a:t>
+                      </a:r>
+                      <a:r>
+                        <a:rPr lang="pl-PL" dirty="0"/>
+                        <a:t> </a:t>
+                      </a:r>
+                      <a:r>
+                        <a:rPr lang="pl-PL" dirty="0" err="1"/>
+                        <a:t>words</a:t>
+                      </a:r>
+                      <a:r>
+                        <a:rPr lang="pl-PL" dirty="0"/>
+                        <a:t> </a:t>
+                      </a:r>
+                      <a:br>
+                        <a:rPr lang="pl-PL" dirty="0"/>
+                      </a:br>
+                      <a:r>
+                        <a:rPr lang="pl-PL" dirty="0"/>
+                        <a:t>(</a:t>
+                      </a:r>
+                      <a:r>
+                        <a:rPr lang="pl-PL" dirty="0" err="1"/>
+                        <a:t>e.g</a:t>
+                      </a:r>
+                      <a:r>
+                        <a:rPr lang="pl-PL" dirty="0"/>
+                        <a:t>. </a:t>
+                      </a:r>
+                      <a:r>
+                        <a:rPr lang="pl-PL" dirty="0" err="1"/>
+                        <a:t>about</a:t>
+                      </a:r>
+                      <a:r>
+                        <a:rPr lang="pl-PL" dirty="0"/>
+                        <a:t>, with, but)</a:t>
+                      </a:r>
+                    </a:p>
+                  </a:txBody>
+                  <a:tcPr/>
+                </a:tc>
+                <a:extLst>
+                  <a:ext uri="{0D108BD9-81ED-4DB2-BD59-A6C34878D82A}">
+                    <a16:rowId xmlns:a16="http://schemas.microsoft.com/office/drawing/2014/main" val="64528084"/>
+                  </a:ext>
+                </a:extLst>
+              </a:tr>
+            </a:tbl>
+          </a:graphicData>
+        </a:graphic>
+      </p:graphicFrame>
+    </p:spTree>
+    <p:extLst>
+      <p:ext uri="{BB962C8B-B14F-4D97-AF65-F5344CB8AC3E}">
+        <p14:creationId xmlns:p14="http://schemas.microsoft.com/office/powerpoint/2010/main" val="4103853728"/>
+      </p:ext>
+    </p:extLst>
+  </p:cSld>
+  <p:clrMapOvr>
+    <a:masterClrMapping/>
+  </p:clrMapOvr>
+</p:sld>
+</file>
+
+<file path=ppt/slides/slide4.xml><?xml version="1.0" encoding="utf-8"?>
+<p:sld xmlns:a="http://schemas.openxmlformats.org/drawingml/2006/main" xmlns:r="http://schemas.openxmlformats.org/officeDocument/2006/relationships" xmlns:p="http://schemas.openxmlformats.org/presentationml/2006/main">
+  <p:cSld>
+    <p:spTree>
+      <p:nvGrpSpPr>
+        <p:cNvPr id="1" name=""/>
+        <p:cNvGrpSpPr/>
+        <p:nvPr/>
+      </p:nvGrpSpPr>
+      <p:grpSpPr>
+        <a:xfrm>
+          <a:off x="0" y="0"/>
+          <a:ext cx="0" cy="0"/>
+          <a:chOff x="0" y="0"/>
+          <a:chExt cx="0" cy="0"/>
+        </a:xfrm>
+      </p:grpSpPr>
+      <p:sp>
+        <p:nvSpPr>
+          <p:cNvPr id="2" name="Tytuł 1">
+            <a:extLst>
+              <a:ext uri="{FF2B5EF4-FFF2-40B4-BE49-F238E27FC236}">
+                <a16:creationId xmlns:a16="http://schemas.microsoft.com/office/drawing/2014/main" id="{D345AC1A-72D1-4266-9EE3-4C0431113D1C}"/>
+              </a:ext>
+            </a:extLst>
+          </p:cNvPr>
+          <p:cNvSpPr>
+            <a:spLocks noGrp="1"/>
+          </p:cNvSpPr>
+          <p:nvPr>
+            <p:ph type="title"/>
+          </p:nvPr>
+        </p:nvSpPr>
+        <p:spPr/>
+        <p:txBody>
+          <a:bodyPr/>
+          <a:lstStyle/>
+          <a:p>
+            <a:endParaRPr lang="pl-PL"/>
+          </a:p>
+        </p:txBody>
+      </p:sp>
+      <p:pic>
+        <p:nvPicPr>
+          <p:cNvPr id="4" name="Obraz 3">
+            <a:extLst>
+              <a:ext uri="{FF2B5EF4-FFF2-40B4-BE49-F238E27FC236}">
+                <a16:creationId xmlns:a16="http://schemas.microsoft.com/office/drawing/2014/main" id="{AE83C3D1-DFE5-4A9F-8813-256F15574F82}"/>
+              </a:ext>
+            </a:extLst>
+          </p:cNvPr>
+          <p:cNvPicPr>
+            <a:picLocks noChangeAspect="1"/>
+          </p:cNvPicPr>
+          <p:nvPr/>
+        </p:nvPicPr>
+        <p:blipFill>
+          <a:blip r:embed="rId2"/>
+          <a:stretch>
+            <a:fillRect/>
+          </a:stretch>
+        </p:blipFill>
+        <p:spPr>
+          <a:xfrm>
+            <a:off x="3462666" y="2303357"/>
+            <a:ext cx="5266667" cy="3800000"/>
+          </a:xfrm>
+          <a:prstGeom prst="rect">
+            <a:avLst/>
+          </a:prstGeom>
+        </p:spPr>
+      </p:pic>
+    </p:spTree>
+    <p:extLst>
+      <p:ext uri="{BB962C8B-B14F-4D97-AF65-F5344CB8AC3E}">
+        <p14:creationId xmlns:p14="http://schemas.microsoft.com/office/powerpoint/2010/main" val="557978693"/>
+      </p:ext>
+    </p:extLst>
+  </p:cSld>
+  <p:clrMapOvr>
+    <a:masterClrMapping/>
+  </p:clrMapOvr>
+</p:sld>
+</file>
+
 <file path=ppt/theme/theme1.xml><?xml version="1.0" encoding="utf-8"?>
 <a:theme xmlns:a="http://schemas.openxmlformats.org/drawingml/2006/main" name="Motyw pakietu Office">
   <a:themeElements>

--- a/Documentation/ANG/BIAI_presentation.pptx
+++ b/Documentation/ANG/BIAI_presentation.pptx
@@ -2,19 +2,26 @@
 <file path=ppt/presentation.xml><?xml version="1.0" encoding="utf-8"?>
 <p:presentation xmlns:a="http://schemas.openxmlformats.org/drawingml/2006/main" xmlns:r="http://schemas.openxmlformats.org/officeDocument/2006/relationships" xmlns:p="http://schemas.openxmlformats.org/presentationml/2006/main" saveSubsetFonts="1">
   <p:sldMasterIdLst>
-    <p:sldMasterId id="2147483648" r:id="rId1"/>
+    <p:sldMasterId id="2147483804" r:id="rId1"/>
+    <p:sldMasterId id="2147483834" r:id="rId2"/>
   </p:sldMasterIdLst>
   <p:sldIdLst>
-    <p:sldId id="256" r:id="rId2"/>
-    <p:sldId id="257" r:id="rId3"/>
-    <p:sldId id="258" r:id="rId4"/>
-    <p:sldId id="259" r:id="rId5"/>
+    <p:sldId id="256" r:id="rId3"/>
+    <p:sldId id="257" r:id="rId4"/>
+    <p:sldId id="258" r:id="rId5"/>
+    <p:sldId id="259" r:id="rId6"/>
+    <p:sldId id="260" r:id="rId7"/>
+    <p:sldId id="261" r:id="rId8"/>
+    <p:sldId id="262" r:id="rId9"/>
+    <p:sldId id="263" r:id="rId10"/>
+    <p:sldId id="265" r:id="rId11"/>
+    <p:sldId id="264" r:id="rId12"/>
   </p:sldIdLst>
   <p:sldSz cx="12192000" cy="6858000"/>
   <p:notesSz cx="6858000" cy="9144000"/>
   <p:defaultTextStyle>
     <a:defPPr>
-      <a:defRPr lang="pl-PL"/>
+      <a:defRPr lang="en-US"/>
     </a:defPPr>
     <a:lvl1pPr marL="0" algn="l" defTabSz="914400" rtl="0" eaLnBrk="1" latinLnBrk="0" hangingPunct="1">
       <a:defRPr sz="1800" kern="1200">
@@ -107,6 +114,11 @@
       </a:defRPr>
     </a:lvl9pPr>
   </p:defaultTextStyle>
+  <p:extLst>
+    <p:ext uri="{EFAFB233-063F-42B5-8137-9DF3F51BA10A}">
+      <p15:sldGuideLst xmlns:p15="http://schemas.microsoft.com/office/powerpoint/2012/main"/>
+    </p:ext>
+  </p:extLst>
 </p:presentation>
 </file>
 
@@ -129,13 +141,7 @@
       </p:grpSpPr>
       <p:sp>
         <p:nvSpPr>
-          <p:cNvPr id="2" name="Tytuł 1">
-            <a:extLst>
-              <a:ext uri="{FF2B5EF4-FFF2-40B4-BE49-F238E27FC236}">
-                <a16:creationId xmlns:a16="http://schemas.microsoft.com/office/drawing/2014/main" id="{3E006DCD-BF24-4581-BD6E-8748649B4369}"/>
-              </a:ext>
-            </a:extLst>
-          </p:cNvPr>
+          <p:cNvPr id="2" name="Title 1"/>
           <p:cNvSpPr>
             <a:spLocks noGrp="1"/>
           </p:cNvSpPr>
@@ -145,12 +151,14 @@
         </p:nvSpPr>
         <p:spPr>
           <a:xfrm>
-            <a:off x="1524000" y="1122363"/>
+            <a:off x="1524000" y="1124530"/>
             <a:ext cx="9144000" cy="2387600"/>
           </a:xfrm>
         </p:spPr>
         <p:txBody>
-          <a:bodyPr anchor="b"/>
+          <a:bodyPr anchor="b">
+            <a:normAutofit/>
+          </a:bodyPr>
           <a:lstStyle>
             <a:lvl1pPr algn="ctr">
               <a:defRPr sz="6000"/>
@@ -161,18 +169,13 @@
               <a:rPr lang="pl-PL"/>
               <a:t>Kliknij, aby edytować styl</a:t>
             </a:r>
-          </a:p>
-        </p:txBody>
-      </p:sp>
-      <p:sp>
-        <p:nvSpPr>
-          <p:cNvPr id="3" name="Podtytuł 2">
-            <a:extLst>
-              <a:ext uri="{FF2B5EF4-FFF2-40B4-BE49-F238E27FC236}">
-                <a16:creationId xmlns:a16="http://schemas.microsoft.com/office/drawing/2014/main" id="{BAEB7104-59B4-4CBC-9E81-129149B47F26}"/>
-              </a:ext>
-            </a:extLst>
-          </p:cNvPr>
+            <a:endParaRPr lang="en-US" dirty="0"/>
+          </a:p>
+        </p:txBody>
+      </p:sp>
+      <p:sp>
+        <p:nvSpPr>
+          <p:cNvPr id="3" name="Subtitle 2"/>
           <p:cNvSpPr>
             <a:spLocks noGrp="1"/>
           </p:cNvSpPr>
@@ -187,43 +190,52 @@
           </a:xfrm>
         </p:spPr>
         <p:txBody>
-          <a:bodyPr/>
+          <a:bodyPr>
+            <a:normAutofit/>
+          </a:bodyPr>
           <a:lstStyle>
             <a:lvl1pPr marL="0" indent="0" algn="ctr">
               <a:buNone/>
-              <a:defRPr sz="2400"/>
+              <a:defRPr sz="2400">
+                <a:solidFill>
+                  <a:schemeClr val="tx1">
+                    <a:lumMod val="75000"/>
+                    <a:lumOff val="25000"/>
+                  </a:schemeClr>
+                </a:solidFill>
+              </a:defRPr>
             </a:lvl1pPr>
             <a:lvl2pPr marL="457200" indent="0" algn="ctr">
               <a:buNone/>
-              <a:defRPr sz="2000"/>
+              <a:defRPr sz="2800"/>
             </a:lvl2pPr>
             <a:lvl3pPr marL="914400" indent="0" algn="ctr">
               <a:buNone/>
-              <a:defRPr sz="1800"/>
+              <a:defRPr sz="2400"/>
             </a:lvl3pPr>
             <a:lvl4pPr marL="1371600" indent="0" algn="ctr">
               <a:buNone/>
-              <a:defRPr sz="1600"/>
+              <a:defRPr sz="2000"/>
             </a:lvl4pPr>
             <a:lvl5pPr marL="1828800" indent="0" algn="ctr">
               <a:buNone/>
-              <a:defRPr sz="1600"/>
+              <a:defRPr sz="2000"/>
             </a:lvl5pPr>
             <a:lvl6pPr marL="2286000" indent="0" algn="ctr">
               <a:buNone/>
-              <a:defRPr sz="1600"/>
+              <a:defRPr sz="2000"/>
             </a:lvl6pPr>
             <a:lvl7pPr marL="2743200" indent="0" algn="ctr">
               <a:buNone/>
-              <a:defRPr sz="1600"/>
+              <a:defRPr sz="2000"/>
             </a:lvl7pPr>
             <a:lvl8pPr marL="3200400" indent="0" algn="ctr">
               <a:buNone/>
-              <a:defRPr sz="1600"/>
+              <a:defRPr sz="2000"/>
             </a:lvl8pPr>
             <a:lvl9pPr marL="3657600" indent="0" algn="ctr">
               <a:buNone/>
-              <a:defRPr sz="1600"/>
+              <a:defRPr sz="2000"/>
             </a:lvl9pPr>
           </a:lstStyle>
           <a:p>
@@ -231,18 +243,13 @@
               <a:rPr lang="pl-PL"/>
               <a:t>Kliknij, aby edytować styl wzorca podtytułu</a:t>
             </a:r>
-          </a:p>
-        </p:txBody>
-      </p:sp>
-      <p:sp>
-        <p:nvSpPr>
-          <p:cNvPr id="4" name="Symbol zastępczy daty 3">
-            <a:extLst>
-              <a:ext uri="{FF2B5EF4-FFF2-40B4-BE49-F238E27FC236}">
-                <a16:creationId xmlns:a16="http://schemas.microsoft.com/office/drawing/2014/main" id="{06F93292-D13F-4314-A026-D8528EC94089}"/>
-              </a:ext>
-            </a:extLst>
-          </p:cNvPr>
+            <a:endParaRPr lang="en-US" dirty="0"/>
+          </a:p>
+        </p:txBody>
+      </p:sp>
+      <p:sp>
+        <p:nvSpPr>
+          <p:cNvPr id="4" name="Date Placeholder 3"/>
           <p:cNvSpPr>
             <a:spLocks noGrp="1"/>
           </p:cNvSpPr>
@@ -257,7 +264,7 @@
           <a:p>
             <a:fld id="{4F87A324-FCA6-491D-BCE4-701652686B7A}" type="datetimeFigureOut">
               <a:rPr lang="pl-PL" smtClean="0"/>
-              <a:t>23.05.2019</a:t>
+              <a:t>27.05.2019</a:t>
             </a:fld>
             <a:endParaRPr lang="pl-PL"/>
           </a:p>
@@ -265,13 +272,7 @@
       </p:sp>
       <p:sp>
         <p:nvSpPr>
-          <p:cNvPr id="5" name="Symbol zastępczy stopki 4">
-            <a:extLst>
-              <a:ext uri="{FF2B5EF4-FFF2-40B4-BE49-F238E27FC236}">
-                <a16:creationId xmlns:a16="http://schemas.microsoft.com/office/drawing/2014/main" id="{FD15BA13-827B-497E-9A4D-F630CEE13C3B}"/>
-              </a:ext>
-            </a:extLst>
-          </p:cNvPr>
+          <p:cNvPr id="5" name="Footer Placeholder 4"/>
           <p:cNvSpPr>
             <a:spLocks noGrp="1"/>
           </p:cNvSpPr>
@@ -290,13 +291,7 @@
       </p:sp>
       <p:sp>
         <p:nvSpPr>
-          <p:cNvPr id="6" name="Symbol zastępczy numeru slajdu 5">
-            <a:extLst>
-              <a:ext uri="{FF2B5EF4-FFF2-40B4-BE49-F238E27FC236}">
-                <a16:creationId xmlns:a16="http://schemas.microsoft.com/office/drawing/2014/main" id="{8177583C-02B5-416A-8487-363E8F33AEBA}"/>
-              </a:ext>
-            </a:extLst>
-          </p:cNvPr>
+          <p:cNvPr id="6" name="Slide Number Placeholder 5"/>
           <p:cNvSpPr>
             <a:spLocks noGrp="1"/>
           </p:cNvSpPr>
@@ -320,7 +315,7 @@
     </p:spTree>
     <p:extLst>
       <p:ext uri="{BB962C8B-B14F-4D97-AF65-F5344CB8AC3E}">
-        <p14:creationId xmlns:p14="http://schemas.microsoft.com/office/powerpoint/2010/main" val="715081407"/>
+        <p14:creationId xmlns:p14="http://schemas.microsoft.com/office/powerpoint/2010/main" val="2600889163"/>
       </p:ext>
     </p:extLst>
   </p:cSld>
@@ -349,13 +344,7 @@
       </p:grpSpPr>
       <p:sp>
         <p:nvSpPr>
-          <p:cNvPr id="2" name="Tytuł 1">
-            <a:extLst>
-              <a:ext uri="{FF2B5EF4-FFF2-40B4-BE49-F238E27FC236}">
-                <a16:creationId xmlns:a16="http://schemas.microsoft.com/office/drawing/2014/main" id="{C807C7C9-3691-4BF5-92C7-ADA69F7D17FF}"/>
-              </a:ext>
-            </a:extLst>
-          </p:cNvPr>
+          <p:cNvPr id="2" name="Title 1"/>
           <p:cNvSpPr>
             <a:spLocks noGrp="1"/>
           </p:cNvSpPr>
@@ -372,18 +361,13 @@
               <a:rPr lang="pl-PL"/>
               <a:t>Kliknij, aby edytować styl</a:t>
             </a:r>
-          </a:p>
-        </p:txBody>
-      </p:sp>
-      <p:sp>
-        <p:nvSpPr>
-          <p:cNvPr id="3" name="Symbol zastępczy tytułu pionowego 2">
-            <a:extLst>
-              <a:ext uri="{FF2B5EF4-FFF2-40B4-BE49-F238E27FC236}">
-                <a16:creationId xmlns:a16="http://schemas.microsoft.com/office/drawing/2014/main" id="{E1CD8F98-8EF5-4C73-8BD3-8A0ABEAC666D}"/>
-              </a:ext>
-            </a:extLst>
-          </p:cNvPr>
+            <a:endParaRPr lang="en-US"/>
+          </a:p>
+        </p:txBody>
+      </p:sp>
+      <p:sp>
+        <p:nvSpPr>
+          <p:cNvPr id="3" name="Vertical Text Placeholder 2"/>
           <p:cNvSpPr>
             <a:spLocks noGrp="1"/>
           </p:cNvSpPr>
@@ -429,18 +413,13 @@
               <a:rPr lang="pl-PL"/>
               <a:t>Piąty poziom</a:t>
             </a:r>
-          </a:p>
-        </p:txBody>
-      </p:sp>
-      <p:sp>
-        <p:nvSpPr>
-          <p:cNvPr id="4" name="Symbol zastępczy daty 3">
-            <a:extLst>
-              <a:ext uri="{FF2B5EF4-FFF2-40B4-BE49-F238E27FC236}">
-                <a16:creationId xmlns:a16="http://schemas.microsoft.com/office/drawing/2014/main" id="{A254C52D-E3F1-445C-8188-8A9EF8D58A96}"/>
-              </a:ext>
-            </a:extLst>
-          </p:cNvPr>
+            <a:endParaRPr lang="en-US" dirty="0"/>
+          </a:p>
+        </p:txBody>
+      </p:sp>
+      <p:sp>
+        <p:nvSpPr>
+          <p:cNvPr id="4" name="Date Placeholder 3"/>
           <p:cNvSpPr>
             <a:spLocks noGrp="1"/>
           </p:cNvSpPr>
@@ -455,7 +434,7 @@
           <a:p>
             <a:fld id="{4F87A324-FCA6-491D-BCE4-701652686B7A}" type="datetimeFigureOut">
               <a:rPr lang="pl-PL" smtClean="0"/>
-              <a:t>23.05.2019</a:t>
+              <a:t>27.05.2019</a:t>
             </a:fld>
             <a:endParaRPr lang="pl-PL"/>
           </a:p>
@@ -463,13 +442,7 @@
       </p:sp>
       <p:sp>
         <p:nvSpPr>
-          <p:cNvPr id="5" name="Symbol zastępczy stopki 4">
-            <a:extLst>
-              <a:ext uri="{FF2B5EF4-FFF2-40B4-BE49-F238E27FC236}">
-                <a16:creationId xmlns:a16="http://schemas.microsoft.com/office/drawing/2014/main" id="{F5C14AD3-3B36-4FC1-8791-2408064610A9}"/>
-              </a:ext>
-            </a:extLst>
-          </p:cNvPr>
+          <p:cNvPr id="5" name="Footer Placeholder 4"/>
           <p:cNvSpPr>
             <a:spLocks noGrp="1"/>
           </p:cNvSpPr>
@@ -488,13 +461,7 @@
       </p:sp>
       <p:sp>
         <p:nvSpPr>
-          <p:cNvPr id="6" name="Symbol zastępczy numeru slajdu 5">
-            <a:extLst>
-              <a:ext uri="{FF2B5EF4-FFF2-40B4-BE49-F238E27FC236}">
-                <a16:creationId xmlns:a16="http://schemas.microsoft.com/office/drawing/2014/main" id="{9A99EE27-395C-4230-9E0C-AEFE9647C947}"/>
-              </a:ext>
-            </a:extLst>
-          </p:cNvPr>
+          <p:cNvPr id="6" name="Slide Number Placeholder 5"/>
           <p:cNvSpPr>
             <a:spLocks noGrp="1"/>
           </p:cNvSpPr>
@@ -518,7 +485,7 @@
     </p:spTree>
     <p:extLst>
       <p:ext uri="{BB962C8B-B14F-4D97-AF65-F5344CB8AC3E}">
-        <p14:creationId xmlns:p14="http://schemas.microsoft.com/office/powerpoint/2010/main" val="663609636"/>
+        <p14:creationId xmlns:p14="http://schemas.microsoft.com/office/powerpoint/2010/main" val="3415530412"/>
       </p:ext>
     </p:extLst>
   </p:cSld>
@@ -547,13 +514,7 @@
       </p:grpSpPr>
       <p:sp>
         <p:nvSpPr>
-          <p:cNvPr id="2" name="Tytuł pionowy 1">
-            <a:extLst>
-              <a:ext uri="{FF2B5EF4-FFF2-40B4-BE49-F238E27FC236}">
-                <a16:creationId xmlns:a16="http://schemas.microsoft.com/office/drawing/2014/main" id="{437FE6E9-771F-4264-BD98-7B072E3E4E75}"/>
-              </a:ext>
-            </a:extLst>
-          </p:cNvPr>
+          <p:cNvPr id="2" name="Vertical Title 1"/>
           <p:cNvSpPr>
             <a:spLocks noGrp="1"/>
           </p:cNvSpPr>
@@ -563,7 +524,7 @@
         </p:nvSpPr>
         <p:spPr>
           <a:xfrm>
-            <a:off x="8724900" y="365125"/>
+            <a:off x="8724900" y="360362"/>
             <a:ext cx="2628900" cy="5811838"/>
           </a:xfrm>
         </p:spPr>
@@ -575,18 +536,13 @@
               <a:rPr lang="pl-PL"/>
               <a:t>Kliknij, aby edytować styl</a:t>
             </a:r>
-          </a:p>
-        </p:txBody>
-      </p:sp>
-      <p:sp>
-        <p:nvSpPr>
-          <p:cNvPr id="3" name="Symbol zastępczy tytułu pionowego 2">
-            <a:extLst>
-              <a:ext uri="{FF2B5EF4-FFF2-40B4-BE49-F238E27FC236}">
-                <a16:creationId xmlns:a16="http://schemas.microsoft.com/office/drawing/2014/main" id="{613B0536-3805-4B6B-A122-503BB5DC0D35}"/>
-              </a:ext>
-            </a:extLst>
-          </p:cNvPr>
+            <a:endParaRPr lang="en-US"/>
+          </a:p>
+        </p:txBody>
+      </p:sp>
+      <p:sp>
+        <p:nvSpPr>
+          <p:cNvPr id="3" name="Vertical Text Placeholder 2"/>
           <p:cNvSpPr>
             <a:spLocks noGrp="1"/>
           </p:cNvSpPr>
@@ -596,8 +552,8 @@
         </p:nvSpPr>
         <p:spPr>
           <a:xfrm>
-            <a:off x="838200" y="365125"/>
-            <a:ext cx="7734300" cy="5811838"/>
+            <a:off x="838200" y="360362"/>
+            <a:ext cx="7734300" cy="5811837"/>
           </a:xfrm>
         </p:spPr>
         <p:txBody>
@@ -637,18 +593,13 @@
               <a:rPr lang="pl-PL"/>
               <a:t>Piąty poziom</a:t>
             </a:r>
-          </a:p>
-        </p:txBody>
-      </p:sp>
-      <p:sp>
-        <p:nvSpPr>
-          <p:cNvPr id="4" name="Symbol zastępczy daty 3">
-            <a:extLst>
-              <a:ext uri="{FF2B5EF4-FFF2-40B4-BE49-F238E27FC236}">
-                <a16:creationId xmlns:a16="http://schemas.microsoft.com/office/drawing/2014/main" id="{7FD730F5-8FE8-4A85-AC41-A3FBEA5990CF}"/>
-              </a:ext>
-            </a:extLst>
-          </p:cNvPr>
+            <a:endParaRPr lang="en-US"/>
+          </a:p>
+        </p:txBody>
+      </p:sp>
+      <p:sp>
+        <p:nvSpPr>
+          <p:cNvPr id="4" name="Date Placeholder 3"/>
           <p:cNvSpPr>
             <a:spLocks noGrp="1"/>
           </p:cNvSpPr>
@@ -663,7 +614,7 @@
           <a:p>
             <a:fld id="{4F87A324-FCA6-491D-BCE4-701652686B7A}" type="datetimeFigureOut">
               <a:rPr lang="pl-PL" smtClean="0"/>
-              <a:t>23.05.2019</a:t>
+              <a:t>27.05.2019</a:t>
             </a:fld>
             <a:endParaRPr lang="pl-PL"/>
           </a:p>
@@ -671,13 +622,7 @@
       </p:sp>
       <p:sp>
         <p:nvSpPr>
-          <p:cNvPr id="5" name="Symbol zastępczy stopki 4">
-            <a:extLst>
-              <a:ext uri="{FF2B5EF4-FFF2-40B4-BE49-F238E27FC236}">
-                <a16:creationId xmlns:a16="http://schemas.microsoft.com/office/drawing/2014/main" id="{868F8B03-6E14-4CF3-9C2E-C18D9CD6D369}"/>
-              </a:ext>
-            </a:extLst>
-          </p:cNvPr>
+          <p:cNvPr id="5" name="Footer Placeholder 4"/>
           <p:cNvSpPr>
             <a:spLocks noGrp="1"/>
           </p:cNvSpPr>
@@ -696,13 +641,7 @@
       </p:sp>
       <p:sp>
         <p:nvSpPr>
-          <p:cNvPr id="6" name="Symbol zastępczy numeru slajdu 5">
-            <a:extLst>
-              <a:ext uri="{FF2B5EF4-FFF2-40B4-BE49-F238E27FC236}">
-                <a16:creationId xmlns:a16="http://schemas.microsoft.com/office/drawing/2014/main" id="{61BECAEF-C752-46FD-BB1B-C6B54850AD88}"/>
-              </a:ext>
-            </a:extLst>
-          </p:cNvPr>
+          <p:cNvPr id="6" name="Slide Number Placeholder 5"/>
           <p:cNvSpPr>
             <a:spLocks noGrp="1"/>
           </p:cNvSpPr>
@@ -726,7 +665,7 @@
     </p:spTree>
     <p:extLst>
       <p:ext uri="{BB962C8B-B14F-4D97-AF65-F5344CB8AC3E}">
-        <p14:creationId xmlns:p14="http://schemas.microsoft.com/office/powerpoint/2010/main" val="3176049015"/>
+        <p14:creationId xmlns:p14="http://schemas.microsoft.com/office/powerpoint/2010/main" val="36708687"/>
       </p:ext>
     </p:extLst>
   </p:cSld>
@@ -736,7 +675,288 @@
 </p:sldLayout>
 </file>
 
-<file path=ppt/slideLayouts/slideLayout2.xml><?xml version="1.0" encoding="utf-8"?>
+<file path=ppt/slideLayouts/slideLayout12.xml><?xml version="1.0" encoding="utf-8"?>
+<p:sldLayout xmlns:a="http://schemas.openxmlformats.org/drawingml/2006/main" xmlns:r="http://schemas.openxmlformats.org/officeDocument/2006/relationships" xmlns:p="http://schemas.openxmlformats.org/presentationml/2006/main" type="title" preserve="1">
+  <p:cSld name="Slajd tytułowy">
+    <p:bg>
+      <p:bgPr>
+        <a:solidFill>
+          <a:schemeClr val="accent1"/>
+        </a:solidFill>
+        <a:effectLst/>
+      </p:bgPr>
+    </p:bg>
+    <p:spTree>
+      <p:nvGrpSpPr>
+        <p:cNvPr id="1" name=""/>
+        <p:cNvGrpSpPr/>
+        <p:nvPr/>
+      </p:nvGrpSpPr>
+      <p:grpSpPr>
+        <a:xfrm>
+          <a:off x="0" y="0"/>
+          <a:ext cx="0" cy="0"/>
+          <a:chOff x="0" y="0"/>
+          <a:chExt cx="0" cy="0"/>
+        </a:xfrm>
+      </p:grpSpPr>
+      <p:sp>
+        <p:nvSpPr>
+          <p:cNvPr id="4" name="Rectangle 3"/>
+          <p:cNvSpPr/>
+          <p:nvPr/>
+        </p:nvSpPr>
+        <p:spPr>
+          <a:xfrm>
+            <a:off x="0" y="0"/>
+            <a:ext cx="12192000" cy="6858000"/>
+          </a:xfrm>
+          <a:prstGeom prst="rect">
+            <a:avLst/>
+          </a:prstGeom>
+          <a:ln>
+            <a:noFill/>
+          </a:ln>
+        </p:spPr>
+        <p:style>
+          <a:lnRef idx="2">
+            <a:schemeClr val="accent1">
+              <a:shade val="50000"/>
+            </a:schemeClr>
+          </a:lnRef>
+          <a:fillRef idx="1">
+            <a:schemeClr val="accent1"/>
+          </a:fillRef>
+          <a:effectRef idx="0">
+            <a:schemeClr val="accent1"/>
+          </a:effectRef>
+          <a:fontRef idx="minor">
+            <a:schemeClr val="lt1"/>
+          </a:fontRef>
+        </p:style>
+      </p:sp>
+      <p:sp>
+        <p:nvSpPr>
+          <p:cNvPr id="2" name="Title 1"/>
+          <p:cNvSpPr>
+            <a:spLocks noGrp="1"/>
+          </p:cNvSpPr>
+          <p:nvPr>
+            <p:ph type="ctrTitle"/>
+          </p:nvPr>
+        </p:nvSpPr>
+        <p:spPr>
+          <a:xfrm>
+            <a:off x="603504" y="770467"/>
+            <a:ext cx="10782300" cy="3352800"/>
+          </a:xfrm>
+        </p:spPr>
+        <p:txBody>
+          <a:bodyPr anchor="b">
+            <a:noAutofit/>
+          </a:bodyPr>
+          <a:lstStyle>
+            <a:lvl1pPr algn="l">
+              <a:lnSpc>
+                <a:spcPct val="80000"/>
+              </a:lnSpc>
+              <a:defRPr sz="8800" spc="-120" baseline="0">
+                <a:solidFill>
+                  <a:srgbClr val="FFFFFF"/>
+                </a:solidFill>
+              </a:defRPr>
+            </a:lvl1pPr>
+          </a:lstStyle>
+          <a:p>
+            <a:r>
+              <a:rPr lang="pl-PL"/>
+              <a:t>Kliknij, aby edytować styl</a:t>
+            </a:r>
+            <a:endParaRPr lang="en-US" dirty="0"/>
+          </a:p>
+        </p:txBody>
+      </p:sp>
+      <p:sp>
+        <p:nvSpPr>
+          <p:cNvPr id="3" name="Subtitle 2"/>
+          <p:cNvSpPr>
+            <a:spLocks noGrp="1"/>
+          </p:cNvSpPr>
+          <p:nvPr>
+            <p:ph type="subTitle" idx="1"/>
+          </p:nvPr>
+        </p:nvSpPr>
+        <p:spPr>
+          <a:xfrm>
+            <a:off x="667512" y="4206876"/>
+            <a:ext cx="9228201" cy="1645920"/>
+          </a:xfrm>
+        </p:spPr>
+        <p:txBody>
+          <a:bodyPr>
+            <a:normAutofit/>
+          </a:bodyPr>
+          <a:lstStyle>
+            <a:lvl1pPr marL="0" indent="0" algn="l">
+              <a:buNone/>
+              <a:defRPr sz="3200">
+                <a:solidFill>
+                  <a:schemeClr val="bg1"/>
+                </a:solidFill>
+                <a:latin typeface="+mj-lt"/>
+              </a:defRPr>
+            </a:lvl1pPr>
+            <a:lvl2pPr marL="457200" indent="0" algn="ctr">
+              <a:buNone/>
+              <a:defRPr sz="2800"/>
+            </a:lvl2pPr>
+            <a:lvl3pPr marL="914400" indent="0" algn="ctr">
+              <a:buNone/>
+              <a:defRPr sz="2400"/>
+            </a:lvl3pPr>
+            <a:lvl4pPr marL="1371600" indent="0" algn="ctr">
+              <a:buNone/>
+              <a:defRPr sz="2000"/>
+            </a:lvl4pPr>
+            <a:lvl5pPr marL="1828800" indent="0" algn="ctr">
+              <a:buNone/>
+              <a:defRPr sz="2000"/>
+            </a:lvl5pPr>
+            <a:lvl6pPr marL="2286000" indent="0" algn="ctr">
+              <a:buNone/>
+              <a:defRPr sz="2000"/>
+            </a:lvl6pPr>
+            <a:lvl7pPr marL="2743200" indent="0" algn="ctr">
+              <a:buNone/>
+              <a:defRPr sz="2000"/>
+            </a:lvl7pPr>
+            <a:lvl8pPr marL="3200400" indent="0" algn="ctr">
+              <a:buNone/>
+              <a:defRPr sz="2000"/>
+            </a:lvl8pPr>
+            <a:lvl9pPr marL="3657600" indent="0" algn="ctr">
+              <a:buNone/>
+              <a:defRPr sz="2000"/>
+            </a:lvl9pPr>
+          </a:lstStyle>
+          <a:p>
+            <a:r>
+              <a:rPr lang="pl-PL"/>
+              <a:t>Kliknij, aby edytować styl wzorca podtytułu</a:t>
+            </a:r>
+            <a:endParaRPr lang="en-US" dirty="0"/>
+          </a:p>
+        </p:txBody>
+      </p:sp>
+      <p:sp>
+        <p:nvSpPr>
+          <p:cNvPr id="7" name="Date Placeholder 6"/>
+          <p:cNvSpPr>
+            <a:spLocks noGrp="1"/>
+          </p:cNvSpPr>
+          <p:nvPr>
+            <p:ph type="dt" sz="half" idx="10"/>
+          </p:nvPr>
+        </p:nvSpPr>
+        <p:spPr/>
+        <p:txBody>
+          <a:bodyPr/>
+          <a:lstStyle>
+            <a:lvl1pPr>
+              <a:defRPr>
+                <a:solidFill>
+                  <a:srgbClr val="FFFFFF">
+                    <a:alpha val="80000"/>
+                  </a:srgbClr>
+                </a:solidFill>
+              </a:defRPr>
+            </a:lvl1pPr>
+          </a:lstStyle>
+          <a:p>
+            <a:fld id="{4F87A324-FCA6-491D-BCE4-701652686B7A}" type="datetimeFigureOut">
+              <a:rPr lang="pl-PL" smtClean="0"/>
+              <a:t>27.05.2019</a:t>
+            </a:fld>
+            <a:endParaRPr lang="pl-PL"/>
+          </a:p>
+        </p:txBody>
+      </p:sp>
+      <p:sp>
+        <p:nvSpPr>
+          <p:cNvPr id="8" name="Footer Placeholder 7"/>
+          <p:cNvSpPr>
+            <a:spLocks noGrp="1"/>
+          </p:cNvSpPr>
+          <p:nvPr>
+            <p:ph type="ftr" sz="quarter" idx="11"/>
+          </p:nvPr>
+        </p:nvSpPr>
+        <p:spPr/>
+        <p:txBody>
+          <a:bodyPr/>
+          <a:lstStyle>
+            <a:lvl1pPr>
+              <a:defRPr>
+                <a:solidFill>
+                  <a:srgbClr val="FFFFFF">
+                    <a:alpha val="80000"/>
+                  </a:srgbClr>
+                </a:solidFill>
+              </a:defRPr>
+            </a:lvl1pPr>
+          </a:lstStyle>
+          <a:p>
+            <a:endParaRPr lang="pl-PL"/>
+          </a:p>
+        </p:txBody>
+      </p:sp>
+      <p:sp>
+        <p:nvSpPr>
+          <p:cNvPr id="9" name="Slide Number Placeholder 8"/>
+          <p:cNvSpPr>
+            <a:spLocks noGrp="1"/>
+          </p:cNvSpPr>
+          <p:nvPr>
+            <p:ph type="sldNum" sz="quarter" idx="12"/>
+          </p:nvPr>
+        </p:nvSpPr>
+        <p:spPr/>
+        <p:txBody>
+          <a:bodyPr/>
+          <a:lstStyle>
+            <a:lvl1pPr>
+              <a:defRPr>
+                <a:solidFill>
+                  <a:srgbClr val="FFFFFF">
+                    <a:alpha val="25000"/>
+                  </a:srgbClr>
+                </a:solidFill>
+              </a:defRPr>
+            </a:lvl1pPr>
+          </a:lstStyle>
+          <a:p>
+            <a:fld id="{FF98A3B4-756E-4363-85E0-B5CE2B042782}" type="slidenum">
+              <a:rPr lang="pl-PL" smtClean="0"/>
+              <a:t>‹#›</a:t>
+            </a:fld>
+            <a:endParaRPr lang="pl-PL"/>
+          </a:p>
+        </p:txBody>
+      </p:sp>
+    </p:spTree>
+    <p:extLst>
+      <p:ext uri="{BB962C8B-B14F-4D97-AF65-F5344CB8AC3E}">
+        <p14:creationId xmlns:p14="http://schemas.microsoft.com/office/powerpoint/2010/main" val="3158673270"/>
+      </p:ext>
+    </p:extLst>
+  </p:cSld>
+  <p:clrMapOvr>
+    <a:masterClrMapping/>
+  </p:clrMapOvr>
+</p:sldLayout>
+</file>
+
+<file path=ppt/slideLayouts/slideLayout13.xml><?xml version="1.0" encoding="utf-8"?>
 <p:sldLayout xmlns:a="http://schemas.openxmlformats.org/drawingml/2006/main" xmlns:r="http://schemas.openxmlformats.org/officeDocument/2006/relationships" xmlns:p="http://schemas.openxmlformats.org/presentationml/2006/main" type="obj" preserve="1">
   <p:cSld name="Tytuł i zawartość">
     <p:spTree>
@@ -755,13 +975,7 @@
       </p:grpSpPr>
       <p:sp>
         <p:nvSpPr>
-          <p:cNvPr id="2" name="Tytuł 1">
-            <a:extLst>
-              <a:ext uri="{FF2B5EF4-FFF2-40B4-BE49-F238E27FC236}">
-                <a16:creationId xmlns:a16="http://schemas.microsoft.com/office/drawing/2014/main" id="{A0368B48-DC23-42EF-A78D-7C8D60D39F03}"/>
-              </a:ext>
-            </a:extLst>
-          </p:cNvPr>
+          <p:cNvPr id="2" name="Title 1"/>
           <p:cNvSpPr>
             <a:spLocks noGrp="1"/>
           </p:cNvSpPr>
@@ -778,18 +992,13 @@
               <a:rPr lang="pl-PL"/>
               <a:t>Kliknij, aby edytować styl</a:t>
             </a:r>
-          </a:p>
-        </p:txBody>
-      </p:sp>
-      <p:sp>
-        <p:nvSpPr>
-          <p:cNvPr id="3" name="Symbol zastępczy zawartości 2">
-            <a:extLst>
-              <a:ext uri="{FF2B5EF4-FFF2-40B4-BE49-F238E27FC236}">
-                <a16:creationId xmlns:a16="http://schemas.microsoft.com/office/drawing/2014/main" id="{3D17D9CA-0D86-407E-8CF4-8172C60976DB}"/>
-              </a:ext>
-            </a:extLst>
-          </p:cNvPr>
+            <a:endParaRPr lang="en-US" dirty="0"/>
+          </a:p>
+        </p:txBody>
+      </p:sp>
+      <p:sp>
+        <p:nvSpPr>
+          <p:cNvPr id="3" name="Content Placeholder 2"/>
           <p:cNvSpPr>
             <a:spLocks noGrp="1"/>
           </p:cNvSpPr>
@@ -835,18 +1044,13 @@
               <a:rPr lang="pl-PL"/>
               <a:t>Piąty poziom</a:t>
             </a:r>
-          </a:p>
-        </p:txBody>
-      </p:sp>
-      <p:sp>
-        <p:nvSpPr>
-          <p:cNvPr id="4" name="Symbol zastępczy daty 3">
-            <a:extLst>
-              <a:ext uri="{FF2B5EF4-FFF2-40B4-BE49-F238E27FC236}">
-                <a16:creationId xmlns:a16="http://schemas.microsoft.com/office/drawing/2014/main" id="{BBF8FAF9-32AA-4CF6-896C-6F9714173EB6}"/>
-              </a:ext>
-            </a:extLst>
-          </p:cNvPr>
+            <a:endParaRPr lang="en-US" dirty="0"/>
+          </a:p>
+        </p:txBody>
+      </p:sp>
+      <p:sp>
+        <p:nvSpPr>
+          <p:cNvPr id="4" name="Date Placeholder 3"/>
           <p:cNvSpPr>
             <a:spLocks noGrp="1"/>
           </p:cNvSpPr>
@@ -861,7 +1065,7 @@
           <a:p>
             <a:fld id="{4F87A324-FCA6-491D-BCE4-701652686B7A}" type="datetimeFigureOut">
               <a:rPr lang="pl-PL" smtClean="0"/>
-              <a:t>23.05.2019</a:t>
+              <a:t>27.05.2019</a:t>
             </a:fld>
             <a:endParaRPr lang="pl-PL"/>
           </a:p>
@@ -869,13 +1073,7 @@
       </p:sp>
       <p:sp>
         <p:nvSpPr>
-          <p:cNvPr id="5" name="Symbol zastępczy stopki 4">
-            <a:extLst>
-              <a:ext uri="{FF2B5EF4-FFF2-40B4-BE49-F238E27FC236}">
-                <a16:creationId xmlns:a16="http://schemas.microsoft.com/office/drawing/2014/main" id="{C4744DE3-1F22-424A-9E82-7D728B222299}"/>
-              </a:ext>
-            </a:extLst>
-          </p:cNvPr>
+          <p:cNvPr id="5" name="Footer Placeholder 4"/>
           <p:cNvSpPr>
             <a:spLocks noGrp="1"/>
           </p:cNvSpPr>
@@ -894,13 +1092,7 @@
       </p:sp>
       <p:sp>
         <p:nvSpPr>
-          <p:cNvPr id="6" name="Symbol zastępczy numeru slajdu 5">
-            <a:extLst>
-              <a:ext uri="{FF2B5EF4-FFF2-40B4-BE49-F238E27FC236}">
-                <a16:creationId xmlns:a16="http://schemas.microsoft.com/office/drawing/2014/main" id="{3F46A5AB-876B-4BAB-B940-7B689A869A7F}"/>
-              </a:ext>
-            </a:extLst>
-          </p:cNvPr>
+          <p:cNvPr id="6" name="Slide Number Placeholder 5"/>
           <p:cNvSpPr>
             <a:spLocks noGrp="1"/>
           </p:cNvSpPr>
@@ -924,7 +1116,7 @@
     </p:spTree>
     <p:extLst>
       <p:ext uri="{BB962C8B-B14F-4D97-AF65-F5344CB8AC3E}">
-        <p14:creationId xmlns:p14="http://schemas.microsoft.com/office/powerpoint/2010/main" val="1294389246"/>
+        <p14:creationId xmlns:p14="http://schemas.microsoft.com/office/powerpoint/2010/main" val="727718663"/>
       </p:ext>
     </p:extLst>
   </p:cSld>
@@ -934,7 +1126,7 @@
 </p:sldLayout>
 </file>
 
-<file path=ppt/slideLayouts/slideLayout3.xml><?xml version="1.0" encoding="utf-8"?>
+<file path=ppt/slideLayouts/slideLayout14.xml><?xml version="1.0" encoding="utf-8"?>
 <p:sldLayout xmlns:a="http://schemas.openxmlformats.org/drawingml/2006/main" xmlns:r="http://schemas.openxmlformats.org/officeDocument/2006/relationships" xmlns:p="http://schemas.openxmlformats.org/presentationml/2006/main" type="secHead" preserve="1">
   <p:cSld name="Nagłówek sekcji">
     <p:spTree>
@@ -953,13 +1145,7 @@
       </p:grpSpPr>
       <p:sp>
         <p:nvSpPr>
-          <p:cNvPr id="2" name="Tytuł 1">
-            <a:extLst>
-              <a:ext uri="{FF2B5EF4-FFF2-40B4-BE49-F238E27FC236}">
-                <a16:creationId xmlns:a16="http://schemas.microsoft.com/office/drawing/2014/main" id="{8D5E911C-4E9E-4B93-87E6-3447B4D474BF}"/>
-              </a:ext>
-            </a:extLst>
-          </p:cNvPr>
+          <p:cNvPr id="2" name="Title 1"/>
           <p:cNvSpPr>
             <a:spLocks noGrp="1"/>
           </p:cNvSpPr>
@@ -969,15 +1155,24 @@
         </p:nvSpPr>
         <p:spPr>
           <a:xfrm>
-            <a:off x="831850" y="1709738"/>
-            <a:ext cx="10515600" cy="2852737"/>
+            <a:off x="603504" y="767419"/>
+            <a:ext cx="10780776" cy="3355848"/>
           </a:xfrm>
         </p:spPr>
         <p:txBody>
-          <a:bodyPr anchor="b"/>
+          <a:bodyPr anchor="b">
+            <a:normAutofit/>
+          </a:bodyPr>
           <a:lstStyle>
             <a:lvl1pPr>
-              <a:defRPr sz="6000"/>
+              <a:lnSpc>
+                <a:spcPct val="80000"/>
+              </a:lnSpc>
+              <a:defRPr sz="8800" b="0" baseline="0">
+                <a:solidFill>
+                  <a:schemeClr val="accent1"/>
+                </a:solidFill>
+              </a:defRPr>
             </a:lvl1pPr>
           </a:lstStyle>
           <a:p>
@@ -985,18 +1180,13 @@
               <a:rPr lang="pl-PL"/>
               <a:t>Kliknij, aby edytować styl</a:t>
             </a:r>
-          </a:p>
-        </p:txBody>
-      </p:sp>
-      <p:sp>
-        <p:nvSpPr>
-          <p:cNvPr id="3" name="Symbol zastępczy tekstu 2">
-            <a:extLst>
-              <a:ext uri="{FF2B5EF4-FFF2-40B4-BE49-F238E27FC236}">
-                <a16:creationId xmlns:a16="http://schemas.microsoft.com/office/drawing/2014/main" id="{9698C4F6-99B3-424E-B655-431E43F32191}"/>
-              </a:ext>
-            </a:extLst>
-          </p:cNvPr>
+            <a:endParaRPr lang="en-US" dirty="0"/>
+          </a:p>
+        </p:txBody>
+      </p:sp>
+      <p:sp>
+        <p:nvSpPr>
+          <p:cNvPr id="3" name="Text Placeholder 2"/>
           <p:cNvSpPr>
             <a:spLocks noGrp="1"/>
           </p:cNvSpPr>
@@ -1006,102 +1196,103 @@
         </p:nvSpPr>
         <p:spPr>
           <a:xfrm>
-            <a:off x="831850" y="4589463"/>
-            <a:ext cx="10515600" cy="1500187"/>
+            <a:off x="667512" y="4204209"/>
+            <a:ext cx="9226296" cy="1645920"/>
           </a:xfrm>
         </p:spPr>
         <p:txBody>
-          <a:bodyPr/>
+          <a:bodyPr anchor="t">
+            <a:normAutofit/>
+          </a:bodyPr>
           <a:lstStyle>
             <a:lvl1pPr marL="0" indent="0">
               <a:buNone/>
-              <a:defRPr sz="2400">
+              <a:defRPr sz="3200">
+                <a:solidFill>
+                  <a:schemeClr val="tx1"/>
+                </a:solidFill>
+                <a:latin typeface="+mj-lt"/>
+              </a:defRPr>
+            </a:lvl1pPr>
+            <a:lvl2pPr marL="457200" indent="0">
+              <a:buNone/>
+              <a:defRPr sz="1800">
                 <a:solidFill>
                   <a:schemeClr val="tx1">
                     <a:tint val="75000"/>
                   </a:schemeClr>
                 </a:solidFill>
               </a:defRPr>
-            </a:lvl1pPr>
-            <a:lvl2pPr marL="457200" indent="0">
-              <a:buNone/>
-              <a:defRPr sz="2000">
+            </a:lvl2pPr>
+            <a:lvl3pPr marL="914400" indent="0">
+              <a:buNone/>
+              <a:defRPr sz="1600">
                 <a:solidFill>
                   <a:schemeClr val="tx1">
                     <a:tint val="75000"/>
                   </a:schemeClr>
                 </a:solidFill>
               </a:defRPr>
-            </a:lvl2pPr>
-            <a:lvl3pPr marL="914400" indent="0">
-              <a:buNone/>
-              <a:defRPr sz="1800">
+            </a:lvl3pPr>
+            <a:lvl4pPr marL="1371600" indent="0">
+              <a:buNone/>
+              <a:defRPr sz="1400">
                 <a:solidFill>
                   <a:schemeClr val="tx1">
                     <a:tint val="75000"/>
                   </a:schemeClr>
                 </a:solidFill>
               </a:defRPr>
-            </a:lvl3pPr>
-            <a:lvl4pPr marL="1371600" indent="0">
-              <a:buNone/>
-              <a:defRPr sz="1600">
+            </a:lvl4pPr>
+            <a:lvl5pPr marL="1828800" indent="0">
+              <a:buNone/>
+              <a:defRPr sz="1400">
                 <a:solidFill>
                   <a:schemeClr val="tx1">
                     <a:tint val="75000"/>
                   </a:schemeClr>
                 </a:solidFill>
               </a:defRPr>
-            </a:lvl4pPr>
-            <a:lvl5pPr marL="1828800" indent="0">
-              <a:buNone/>
-              <a:defRPr sz="1600">
+            </a:lvl5pPr>
+            <a:lvl6pPr marL="2286000" indent="0">
+              <a:buNone/>
+              <a:defRPr sz="1400">
                 <a:solidFill>
                   <a:schemeClr val="tx1">
                     <a:tint val="75000"/>
                   </a:schemeClr>
                 </a:solidFill>
               </a:defRPr>
-            </a:lvl5pPr>
-            <a:lvl6pPr marL="2286000" indent="0">
-              <a:buNone/>
-              <a:defRPr sz="1600">
+            </a:lvl6pPr>
+            <a:lvl7pPr marL="2743200" indent="0">
+              <a:buNone/>
+              <a:defRPr sz="1400">
                 <a:solidFill>
                   <a:schemeClr val="tx1">
                     <a:tint val="75000"/>
                   </a:schemeClr>
                 </a:solidFill>
               </a:defRPr>
-            </a:lvl6pPr>
-            <a:lvl7pPr marL="2743200" indent="0">
-              <a:buNone/>
-              <a:defRPr sz="1600">
+            </a:lvl7pPr>
+            <a:lvl8pPr marL="3200400" indent="0">
+              <a:buNone/>
+              <a:defRPr sz="1400">
                 <a:solidFill>
                   <a:schemeClr val="tx1">
                     <a:tint val="75000"/>
                   </a:schemeClr>
                 </a:solidFill>
               </a:defRPr>
-            </a:lvl7pPr>
-            <a:lvl8pPr marL="3200400" indent="0">
-              <a:buNone/>
-              <a:defRPr sz="1600">
+            </a:lvl8pPr>
+            <a:lvl9pPr marL="3657600" indent="0">
+              <a:buNone/>
+              <a:defRPr sz="1400">
                 <a:solidFill>
                   <a:schemeClr val="tx1">
                     <a:tint val="75000"/>
                   </a:schemeClr>
                 </a:solidFill>
               </a:defRPr>
-            </a:lvl8pPr>
-            <a:lvl9pPr marL="3657600" indent="0">
-              <a:buNone/>
-              <a:defRPr sz="1600">
-                <a:solidFill>
-                  <a:schemeClr val="tx1">
-                    <a:tint val="75000"/>
-                  </a:schemeClr>
-                </a:solidFill>
-              </a:defRPr>
             </a:lvl9pPr>
           </a:lstStyle>
           <a:p>
@@ -1115,13 +1306,7 @@
       </p:sp>
       <p:sp>
         <p:nvSpPr>
-          <p:cNvPr id="4" name="Symbol zastępczy daty 3">
-            <a:extLst>
-              <a:ext uri="{FF2B5EF4-FFF2-40B4-BE49-F238E27FC236}">
-                <a16:creationId xmlns:a16="http://schemas.microsoft.com/office/drawing/2014/main" id="{3592D8A2-2CAA-4205-988F-A70593F0CD58}"/>
-              </a:ext>
-            </a:extLst>
-          </p:cNvPr>
+          <p:cNvPr id="4" name="Date Placeholder 3"/>
           <p:cNvSpPr>
             <a:spLocks noGrp="1"/>
           </p:cNvSpPr>
@@ -1136,7 +1321,7 @@
           <a:p>
             <a:fld id="{4F87A324-FCA6-491D-BCE4-701652686B7A}" type="datetimeFigureOut">
               <a:rPr lang="pl-PL" smtClean="0"/>
-              <a:t>23.05.2019</a:t>
+              <a:t>27.05.2019</a:t>
             </a:fld>
             <a:endParaRPr lang="pl-PL"/>
           </a:p>
@@ -1144,13 +1329,7 @@
       </p:sp>
       <p:sp>
         <p:nvSpPr>
-          <p:cNvPr id="5" name="Symbol zastępczy stopki 4">
-            <a:extLst>
-              <a:ext uri="{FF2B5EF4-FFF2-40B4-BE49-F238E27FC236}">
-                <a16:creationId xmlns:a16="http://schemas.microsoft.com/office/drawing/2014/main" id="{362ACEDB-334B-4187-AD83-4848941491E5}"/>
-              </a:ext>
-            </a:extLst>
-          </p:cNvPr>
+          <p:cNvPr id="5" name="Footer Placeholder 4"/>
           <p:cNvSpPr>
             <a:spLocks noGrp="1"/>
           </p:cNvSpPr>
@@ -1169,13 +1348,7 @@
       </p:sp>
       <p:sp>
         <p:nvSpPr>
-          <p:cNvPr id="6" name="Symbol zastępczy numeru slajdu 5">
-            <a:extLst>
-              <a:ext uri="{FF2B5EF4-FFF2-40B4-BE49-F238E27FC236}">
-                <a16:creationId xmlns:a16="http://schemas.microsoft.com/office/drawing/2014/main" id="{0C39B057-2CC4-4955-AB58-0EE1810C7B02}"/>
-              </a:ext>
-            </a:extLst>
-          </p:cNvPr>
+          <p:cNvPr id="6" name="Slide Number Placeholder 5"/>
           <p:cNvSpPr>
             <a:spLocks noGrp="1"/>
           </p:cNvSpPr>
@@ -1199,7 +1372,7 @@
     </p:spTree>
     <p:extLst>
       <p:ext uri="{BB962C8B-B14F-4D97-AF65-F5344CB8AC3E}">
-        <p14:creationId xmlns:p14="http://schemas.microsoft.com/office/powerpoint/2010/main" val="1476598868"/>
+        <p14:creationId xmlns:p14="http://schemas.microsoft.com/office/powerpoint/2010/main" val="2683046057"/>
       </p:ext>
     </p:extLst>
   </p:cSld>
@@ -1209,7 +1382,7 @@
 </p:sldLayout>
 </file>
 
-<file path=ppt/slideLayouts/slideLayout4.xml><?xml version="1.0" encoding="utf-8"?>
+<file path=ppt/slideLayouts/slideLayout15.xml><?xml version="1.0" encoding="utf-8"?>
 <p:sldLayout xmlns:a="http://schemas.openxmlformats.org/drawingml/2006/main" xmlns:r="http://schemas.openxmlformats.org/officeDocument/2006/relationships" xmlns:p="http://schemas.openxmlformats.org/presentationml/2006/main" type="twoObj" preserve="1">
   <p:cSld name="Dwa elementy zawartości">
     <p:spTree>
@@ -1228,13 +1401,7 @@
       </p:grpSpPr>
       <p:sp>
         <p:nvSpPr>
-          <p:cNvPr id="2" name="Tytuł 1">
-            <a:extLst>
-              <a:ext uri="{FF2B5EF4-FFF2-40B4-BE49-F238E27FC236}">
-                <a16:creationId xmlns:a16="http://schemas.microsoft.com/office/drawing/2014/main" id="{5438C482-E2BA-4219-938F-C90F8FC12159}"/>
-              </a:ext>
-            </a:extLst>
-          </p:cNvPr>
+          <p:cNvPr id="2" name="Title 1"/>
           <p:cNvSpPr>
             <a:spLocks noGrp="1"/>
           </p:cNvSpPr>
@@ -1251,18 +1418,13 @@
               <a:rPr lang="pl-PL"/>
               <a:t>Kliknij, aby edytować styl</a:t>
             </a:r>
-          </a:p>
-        </p:txBody>
-      </p:sp>
-      <p:sp>
-        <p:nvSpPr>
-          <p:cNvPr id="3" name="Symbol zastępczy zawartości 2">
-            <a:extLst>
-              <a:ext uri="{FF2B5EF4-FFF2-40B4-BE49-F238E27FC236}">
-                <a16:creationId xmlns:a16="http://schemas.microsoft.com/office/drawing/2014/main" id="{DBEA41E6-0D20-419D-968B-FFCD351C92FA}"/>
-              </a:ext>
-            </a:extLst>
-          </p:cNvPr>
+            <a:endParaRPr lang="en-US" dirty="0"/>
+          </a:p>
+        </p:txBody>
+      </p:sp>
+      <p:sp>
+        <p:nvSpPr>
+          <p:cNvPr id="3" name="Content Placeholder 2"/>
           <p:cNvSpPr>
             <a:spLocks noGrp="1"/>
           </p:cNvSpPr>
@@ -1272,13 +1434,41 @@
         </p:nvSpPr>
         <p:spPr>
           <a:xfrm>
-            <a:off x="838200" y="1825625"/>
-            <a:ext cx="5181600" cy="4351338"/>
+            <a:off x="676656" y="1998134"/>
+            <a:ext cx="4663440" cy="3767328"/>
           </a:xfrm>
         </p:spPr>
         <p:txBody>
           <a:bodyPr/>
-          <a:lstStyle/>
+          <a:lstStyle>
+            <a:lvl1pPr>
+              <a:defRPr sz="2400"/>
+            </a:lvl1pPr>
+            <a:lvl2pPr>
+              <a:defRPr sz="2000"/>
+            </a:lvl2pPr>
+            <a:lvl3pPr>
+              <a:defRPr sz="1800"/>
+            </a:lvl3pPr>
+            <a:lvl4pPr>
+              <a:defRPr sz="1600"/>
+            </a:lvl4pPr>
+            <a:lvl5pPr>
+              <a:defRPr sz="1600"/>
+            </a:lvl5pPr>
+            <a:lvl6pPr>
+              <a:defRPr sz="1600"/>
+            </a:lvl6pPr>
+            <a:lvl7pPr>
+              <a:defRPr sz="1600"/>
+            </a:lvl7pPr>
+            <a:lvl8pPr>
+              <a:defRPr sz="1600"/>
+            </a:lvl8pPr>
+            <a:lvl9pPr>
+              <a:defRPr sz="1600"/>
+            </a:lvl9pPr>
+          </a:lstStyle>
           <a:p>
             <a:pPr lvl="0"/>
             <a:r>
@@ -1313,18 +1503,13 @@
               <a:rPr lang="pl-PL"/>
               <a:t>Piąty poziom</a:t>
             </a:r>
-          </a:p>
-        </p:txBody>
-      </p:sp>
-      <p:sp>
-        <p:nvSpPr>
-          <p:cNvPr id="4" name="Symbol zastępczy zawartości 3">
-            <a:extLst>
-              <a:ext uri="{FF2B5EF4-FFF2-40B4-BE49-F238E27FC236}">
-                <a16:creationId xmlns:a16="http://schemas.microsoft.com/office/drawing/2014/main" id="{F4211D3E-2842-41B3-BA56-8527DFF39E93}"/>
-              </a:ext>
-            </a:extLst>
-          </p:cNvPr>
+            <a:endParaRPr lang="en-US" dirty="0"/>
+          </a:p>
+        </p:txBody>
+      </p:sp>
+      <p:sp>
+        <p:nvSpPr>
+          <p:cNvPr id="4" name="Content Placeholder 3"/>
           <p:cNvSpPr>
             <a:spLocks noGrp="1"/>
           </p:cNvSpPr>
@@ -1334,13 +1519,41 @@
         </p:nvSpPr>
         <p:spPr>
           <a:xfrm>
-            <a:off x="6172200" y="1825625"/>
-            <a:ext cx="5181600" cy="4351338"/>
+            <a:off x="6011330" y="1998134"/>
+            <a:ext cx="4663440" cy="3767328"/>
           </a:xfrm>
         </p:spPr>
         <p:txBody>
           <a:bodyPr/>
-          <a:lstStyle/>
+          <a:lstStyle>
+            <a:lvl1pPr>
+              <a:defRPr sz="2400"/>
+            </a:lvl1pPr>
+            <a:lvl2pPr>
+              <a:defRPr sz="2000"/>
+            </a:lvl2pPr>
+            <a:lvl3pPr>
+              <a:defRPr sz="1800"/>
+            </a:lvl3pPr>
+            <a:lvl4pPr>
+              <a:defRPr sz="1600"/>
+            </a:lvl4pPr>
+            <a:lvl5pPr>
+              <a:defRPr sz="1600"/>
+            </a:lvl5pPr>
+            <a:lvl6pPr>
+              <a:defRPr sz="1600"/>
+            </a:lvl6pPr>
+            <a:lvl7pPr>
+              <a:defRPr sz="1600"/>
+            </a:lvl7pPr>
+            <a:lvl8pPr>
+              <a:defRPr sz="1600"/>
+            </a:lvl8pPr>
+            <a:lvl9pPr>
+              <a:defRPr sz="1600"/>
+            </a:lvl9pPr>
+          </a:lstStyle>
           <a:p>
             <a:pPr lvl="0"/>
             <a:r>
@@ -1375,18 +1588,13 @@
               <a:rPr lang="pl-PL"/>
               <a:t>Piąty poziom</a:t>
             </a:r>
-          </a:p>
-        </p:txBody>
-      </p:sp>
-      <p:sp>
-        <p:nvSpPr>
-          <p:cNvPr id="5" name="Symbol zastępczy daty 4">
-            <a:extLst>
-              <a:ext uri="{FF2B5EF4-FFF2-40B4-BE49-F238E27FC236}">
-                <a16:creationId xmlns:a16="http://schemas.microsoft.com/office/drawing/2014/main" id="{012837C7-77BC-4127-90D3-B30270853953}"/>
-              </a:ext>
-            </a:extLst>
-          </p:cNvPr>
+            <a:endParaRPr lang="en-US" dirty="0"/>
+          </a:p>
+        </p:txBody>
+      </p:sp>
+      <p:sp>
+        <p:nvSpPr>
+          <p:cNvPr id="5" name="Date Placeholder 4"/>
           <p:cNvSpPr>
             <a:spLocks noGrp="1"/>
           </p:cNvSpPr>
@@ -1401,7 +1609,7 @@
           <a:p>
             <a:fld id="{4F87A324-FCA6-491D-BCE4-701652686B7A}" type="datetimeFigureOut">
               <a:rPr lang="pl-PL" smtClean="0"/>
-              <a:t>23.05.2019</a:t>
+              <a:t>27.05.2019</a:t>
             </a:fld>
             <a:endParaRPr lang="pl-PL"/>
           </a:p>
@@ -1409,13 +1617,7 @@
       </p:sp>
       <p:sp>
         <p:nvSpPr>
-          <p:cNvPr id="6" name="Symbol zastępczy stopki 5">
-            <a:extLst>
-              <a:ext uri="{FF2B5EF4-FFF2-40B4-BE49-F238E27FC236}">
-                <a16:creationId xmlns:a16="http://schemas.microsoft.com/office/drawing/2014/main" id="{3061FA90-5D80-47B7-A2DE-E82BC65CA5B4}"/>
-              </a:ext>
-            </a:extLst>
-          </p:cNvPr>
+          <p:cNvPr id="6" name="Footer Placeholder 5"/>
           <p:cNvSpPr>
             <a:spLocks noGrp="1"/>
           </p:cNvSpPr>
@@ -1434,13 +1636,7 @@
       </p:sp>
       <p:sp>
         <p:nvSpPr>
-          <p:cNvPr id="7" name="Symbol zastępczy numeru slajdu 6">
-            <a:extLst>
-              <a:ext uri="{FF2B5EF4-FFF2-40B4-BE49-F238E27FC236}">
-                <a16:creationId xmlns:a16="http://schemas.microsoft.com/office/drawing/2014/main" id="{FB833F1B-F2A1-4619-968D-CA81E4B89631}"/>
-              </a:ext>
-            </a:extLst>
-          </p:cNvPr>
+          <p:cNvPr id="7" name="Slide Number Placeholder 6"/>
           <p:cNvSpPr>
             <a:spLocks noGrp="1"/>
           </p:cNvSpPr>
@@ -1464,7 +1660,7 @@
     </p:spTree>
     <p:extLst>
       <p:ext uri="{BB962C8B-B14F-4D97-AF65-F5344CB8AC3E}">
-        <p14:creationId xmlns:p14="http://schemas.microsoft.com/office/powerpoint/2010/main" val="2970640108"/>
+        <p14:creationId xmlns:p14="http://schemas.microsoft.com/office/powerpoint/2010/main" val="2480079746"/>
       </p:ext>
     </p:extLst>
   </p:cSld>
@@ -1474,7 +1670,7 @@
 </p:sldLayout>
 </file>
 
-<file path=ppt/slideLayouts/slideLayout5.xml><?xml version="1.0" encoding="utf-8"?>
+<file path=ppt/slideLayouts/slideLayout16.xml><?xml version="1.0" encoding="utf-8"?>
 <p:sldLayout xmlns:a="http://schemas.openxmlformats.org/drawingml/2006/main" xmlns:r="http://schemas.openxmlformats.org/officeDocument/2006/relationships" xmlns:p="http://schemas.openxmlformats.org/presentationml/2006/main" type="twoTxTwoObj" preserve="1">
   <p:cSld name="Porównanie">
     <p:spTree>
@@ -1493,65 +1689,59 @@
       </p:grpSpPr>
       <p:sp>
         <p:nvSpPr>
-          <p:cNvPr id="2" name="Tytuł 1">
-            <a:extLst>
-              <a:ext uri="{FF2B5EF4-FFF2-40B4-BE49-F238E27FC236}">
-                <a16:creationId xmlns:a16="http://schemas.microsoft.com/office/drawing/2014/main" id="{B1B960C0-2EEE-4AB4-9456-C9C2A5B22487}"/>
-              </a:ext>
-            </a:extLst>
-          </p:cNvPr>
+          <p:cNvPr id="10" name="Title 9"/>
           <p:cNvSpPr>
             <a:spLocks noGrp="1"/>
           </p:cNvSpPr>
           <p:nvPr>
             <p:ph type="title"/>
+          </p:nvPr>
+        </p:nvSpPr>
+        <p:spPr/>
+        <p:txBody>
+          <a:bodyPr/>
+          <a:lstStyle/>
+          <a:p>
+            <a:r>
+              <a:rPr lang="pl-PL"/>
+              <a:t>Kliknij, aby edytować styl</a:t>
+            </a:r>
+            <a:endParaRPr lang="en-US" dirty="0"/>
+          </a:p>
+        </p:txBody>
+      </p:sp>
+      <p:sp>
+        <p:nvSpPr>
+          <p:cNvPr id="3" name="Text Placeholder 2"/>
+          <p:cNvSpPr>
+            <a:spLocks noGrp="1"/>
+          </p:cNvSpPr>
+          <p:nvPr>
+            <p:ph type="body" idx="1"/>
           </p:nvPr>
         </p:nvSpPr>
         <p:spPr>
           <a:xfrm>
-            <a:off x="839788" y="365125"/>
-            <a:ext cx="10515600" cy="1325563"/>
+            <a:off x="676656" y="2040467"/>
+            <a:ext cx="4663440" cy="723400"/>
           </a:xfrm>
         </p:spPr>
         <p:txBody>
-          <a:bodyPr/>
-          <a:lstStyle/>
-          <a:p>
-            <a:r>
-              <a:rPr lang="pl-PL"/>
-              <a:t>Kliknij, aby edytować styl</a:t>
-            </a:r>
-          </a:p>
-        </p:txBody>
-      </p:sp>
-      <p:sp>
-        <p:nvSpPr>
-          <p:cNvPr id="3" name="Symbol zastępczy tekstu 2">
-            <a:extLst>
-              <a:ext uri="{FF2B5EF4-FFF2-40B4-BE49-F238E27FC236}">
-                <a16:creationId xmlns:a16="http://schemas.microsoft.com/office/drawing/2014/main" id="{E8BBDA71-4D0E-4BE1-A5B8-A285DC91F02A}"/>
-              </a:ext>
-            </a:extLst>
-          </p:cNvPr>
-          <p:cNvSpPr>
-            <a:spLocks noGrp="1"/>
-          </p:cNvSpPr>
-          <p:nvPr>
-            <p:ph type="body" idx="1"/>
-          </p:nvPr>
-        </p:nvSpPr>
-        <p:spPr>
-          <a:xfrm>
-            <a:off x="839788" y="1681163"/>
-            <a:ext cx="5157787" cy="823912"/>
-          </a:xfrm>
-        </p:spPr>
-        <p:txBody>
-          <a:bodyPr anchor="b"/>
+          <a:bodyPr anchor="ctr">
+            <a:normAutofit/>
+          </a:bodyPr>
           <a:lstStyle>
             <a:lvl1pPr marL="0" indent="0">
               <a:buNone/>
-              <a:defRPr sz="2400" b="1"/>
+              <a:defRPr sz="2200" b="0" cap="all" baseline="0">
+                <a:solidFill>
+                  <a:schemeClr val="tx1">
+                    <a:lumMod val="85000"/>
+                    <a:lumOff val="15000"/>
+                  </a:schemeClr>
+                </a:solidFill>
+                <a:latin typeface="+mj-lt"/>
+              </a:defRPr>
             </a:lvl1pPr>
             <a:lvl2pPr marL="457200" indent="0">
               <a:buNone/>
@@ -1597,13 +1787,7 @@
       </p:sp>
       <p:sp>
         <p:nvSpPr>
-          <p:cNvPr id="4" name="Symbol zastępczy zawartości 3">
-            <a:extLst>
-              <a:ext uri="{FF2B5EF4-FFF2-40B4-BE49-F238E27FC236}">
-                <a16:creationId xmlns:a16="http://schemas.microsoft.com/office/drawing/2014/main" id="{E6AC335F-A6A9-4DBA-8B0E-97051FC9BCA5}"/>
-              </a:ext>
-            </a:extLst>
-          </p:cNvPr>
+          <p:cNvPr id="4" name="Content Placeholder 3"/>
           <p:cNvSpPr>
             <a:spLocks noGrp="1"/>
           </p:cNvSpPr>
@@ -1613,13 +1797,41 @@
         </p:nvSpPr>
         <p:spPr>
           <a:xfrm>
-            <a:off x="839788" y="2505075"/>
-            <a:ext cx="5157787" cy="3684588"/>
+            <a:off x="676656" y="2753084"/>
+            <a:ext cx="4663440" cy="3200400"/>
           </a:xfrm>
         </p:spPr>
         <p:txBody>
           <a:bodyPr/>
-          <a:lstStyle/>
+          <a:lstStyle>
+            <a:lvl1pPr>
+              <a:defRPr sz="2400"/>
+            </a:lvl1pPr>
+            <a:lvl2pPr>
+              <a:defRPr sz="2000"/>
+            </a:lvl2pPr>
+            <a:lvl3pPr>
+              <a:defRPr sz="1800"/>
+            </a:lvl3pPr>
+            <a:lvl4pPr>
+              <a:defRPr sz="1600"/>
+            </a:lvl4pPr>
+            <a:lvl5pPr>
+              <a:defRPr sz="1600"/>
+            </a:lvl5pPr>
+            <a:lvl6pPr>
+              <a:defRPr sz="1600"/>
+            </a:lvl6pPr>
+            <a:lvl7pPr>
+              <a:defRPr sz="1600"/>
+            </a:lvl7pPr>
+            <a:lvl8pPr>
+              <a:defRPr sz="1600"/>
+            </a:lvl8pPr>
+            <a:lvl9pPr>
+              <a:defRPr sz="1600"/>
+            </a:lvl9pPr>
+          </a:lstStyle>
           <a:p>
             <a:pPr lvl="0"/>
             <a:r>
@@ -1654,18 +1866,13 @@
               <a:rPr lang="pl-PL"/>
               <a:t>Piąty poziom</a:t>
             </a:r>
-          </a:p>
-        </p:txBody>
-      </p:sp>
-      <p:sp>
-        <p:nvSpPr>
-          <p:cNvPr id="5" name="Symbol zastępczy tekstu 4">
-            <a:extLst>
-              <a:ext uri="{FF2B5EF4-FFF2-40B4-BE49-F238E27FC236}">
-                <a16:creationId xmlns:a16="http://schemas.microsoft.com/office/drawing/2014/main" id="{6C92C20D-9FBE-4425-812F-FF590A08C83C}"/>
-              </a:ext>
-            </a:extLst>
-          </p:cNvPr>
+            <a:endParaRPr lang="en-US" dirty="0"/>
+          </a:p>
+        </p:txBody>
+      </p:sp>
+      <p:sp>
+        <p:nvSpPr>
+          <p:cNvPr id="5" name="Text Placeholder 4"/>
           <p:cNvSpPr>
             <a:spLocks noGrp="1"/>
           </p:cNvSpPr>
@@ -1675,16 +1882,26 @@
         </p:nvSpPr>
         <p:spPr>
           <a:xfrm>
-            <a:off x="6172200" y="1681163"/>
-            <a:ext cx="5183188" cy="823912"/>
+            <a:off x="6007608" y="2038435"/>
+            <a:ext cx="4663440" cy="722376"/>
           </a:xfrm>
         </p:spPr>
         <p:txBody>
-          <a:bodyPr anchor="b"/>
+          <a:bodyPr anchor="ctr">
+            <a:normAutofit/>
+          </a:bodyPr>
           <a:lstStyle>
             <a:lvl1pPr marL="0" indent="0">
               <a:buNone/>
-              <a:defRPr sz="2400" b="1"/>
+              <a:defRPr sz="2200" b="0" cap="all" baseline="0">
+                <a:solidFill>
+                  <a:schemeClr val="tx1">
+                    <a:lumMod val="85000"/>
+                    <a:lumOff val="15000"/>
+                  </a:schemeClr>
+                </a:solidFill>
+                <a:latin typeface="+mj-lt"/>
+              </a:defRPr>
             </a:lvl1pPr>
             <a:lvl2pPr marL="457200" indent="0">
               <a:buNone/>
@@ -1730,13 +1947,7 @@
       </p:sp>
       <p:sp>
         <p:nvSpPr>
-          <p:cNvPr id="6" name="Symbol zastępczy zawartości 5">
-            <a:extLst>
-              <a:ext uri="{FF2B5EF4-FFF2-40B4-BE49-F238E27FC236}">
-                <a16:creationId xmlns:a16="http://schemas.microsoft.com/office/drawing/2014/main" id="{FAFF9CE4-6B5B-42E4-B074-32F09A47E7C2}"/>
-              </a:ext>
-            </a:extLst>
-          </p:cNvPr>
+          <p:cNvPr id="6" name="Content Placeholder 5"/>
           <p:cNvSpPr>
             <a:spLocks noGrp="1"/>
           </p:cNvSpPr>
@@ -1746,13 +1957,41 @@
         </p:nvSpPr>
         <p:spPr>
           <a:xfrm>
-            <a:off x="6172200" y="2505075"/>
-            <a:ext cx="5183188" cy="3684588"/>
+            <a:off x="6007608" y="2750990"/>
+            <a:ext cx="4663440" cy="3200400"/>
           </a:xfrm>
         </p:spPr>
         <p:txBody>
           <a:bodyPr/>
-          <a:lstStyle/>
+          <a:lstStyle>
+            <a:lvl1pPr>
+              <a:defRPr sz="2400"/>
+            </a:lvl1pPr>
+            <a:lvl2pPr>
+              <a:defRPr sz="2000"/>
+            </a:lvl2pPr>
+            <a:lvl3pPr>
+              <a:defRPr sz="1800"/>
+            </a:lvl3pPr>
+            <a:lvl4pPr>
+              <a:defRPr sz="1600"/>
+            </a:lvl4pPr>
+            <a:lvl5pPr>
+              <a:defRPr sz="1600"/>
+            </a:lvl5pPr>
+            <a:lvl6pPr>
+              <a:defRPr sz="1600"/>
+            </a:lvl6pPr>
+            <a:lvl7pPr>
+              <a:defRPr sz="1600"/>
+            </a:lvl7pPr>
+            <a:lvl8pPr>
+              <a:defRPr sz="1600"/>
+            </a:lvl8pPr>
+            <a:lvl9pPr>
+              <a:defRPr sz="1600"/>
+            </a:lvl9pPr>
+          </a:lstStyle>
           <a:p>
             <a:pPr lvl="0"/>
             <a:r>
@@ -1787,18 +2026,13 @@
               <a:rPr lang="pl-PL"/>
               <a:t>Piąty poziom</a:t>
             </a:r>
-          </a:p>
-        </p:txBody>
-      </p:sp>
-      <p:sp>
-        <p:nvSpPr>
-          <p:cNvPr id="7" name="Symbol zastępczy daty 6">
-            <a:extLst>
-              <a:ext uri="{FF2B5EF4-FFF2-40B4-BE49-F238E27FC236}">
-                <a16:creationId xmlns:a16="http://schemas.microsoft.com/office/drawing/2014/main" id="{14F9072D-F70D-4600-86EE-00F819CE4ACD}"/>
-              </a:ext>
-            </a:extLst>
-          </p:cNvPr>
+            <a:endParaRPr lang="en-US" dirty="0"/>
+          </a:p>
+        </p:txBody>
+      </p:sp>
+      <p:sp>
+        <p:nvSpPr>
+          <p:cNvPr id="7" name="Date Placeholder 6"/>
           <p:cNvSpPr>
             <a:spLocks noGrp="1"/>
           </p:cNvSpPr>
@@ -1813,7 +2047,7 @@
           <a:p>
             <a:fld id="{4F87A324-FCA6-491D-BCE4-701652686B7A}" type="datetimeFigureOut">
               <a:rPr lang="pl-PL" smtClean="0"/>
-              <a:t>23.05.2019</a:t>
+              <a:t>27.05.2019</a:t>
             </a:fld>
             <a:endParaRPr lang="pl-PL"/>
           </a:p>
@@ -1821,13 +2055,7 @@
       </p:sp>
       <p:sp>
         <p:nvSpPr>
-          <p:cNvPr id="8" name="Symbol zastępczy stopki 7">
-            <a:extLst>
-              <a:ext uri="{FF2B5EF4-FFF2-40B4-BE49-F238E27FC236}">
-                <a16:creationId xmlns:a16="http://schemas.microsoft.com/office/drawing/2014/main" id="{164192A0-962E-4231-BBE2-9A973E363DD4}"/>
-              </a:ext>
-            </a:extLst>
-          </p:cNvPr>
+          <p:cNvPr id="8" name="Footer Placeholder 7"/>
           <p:cNvSpPr>
             <a:spLocks noGrp="1"/>
           </p:cNvSpPr>
@@ -1846,13 +2074,7 @@
       </p:sp>
       <p:sp>
         <p:nvSpPr>
-          <p:cNvPr id="9" name="Symbol zastępczy numeru slajdu 8">
-            <a:extLst>
-              <a:ext uri="{FF2B5EF4-FFF2-40B4-BE49-F238E27FC236}">
-                <a16:creationId xmlns:a16="http://schemas.microsoft.com/office/drawing/2014/main" id="{0DDC0215-4310-4642-9335-1C3015925070}"/>
-              </a:ext>
-            </a:extLst>
-          </p:cNvPr>
+          <p:cNvPr id="9" name="Slide Number Placeholder 8"/>
           <p:cNvSpPr>
             <a:spLocks noGrp="1"/>
           </p:cNvSpPr>
@@ -1876,7 +2098,7 @@
     </p:spTree>
     <p:extLst>
       <p:ext uri="{BB962C8B-B14F-4D97-AF65-F5344CB8AC3E}">
-        <p14:creationId xmlns:p14="http://schemas.microsoft.com/office/powerpoint/2010/main" val="3390553345"/>
+        <p14:creationId xmlns:p14="http://schemas.microsoft.com/office/powerpoint/2010/main" val="3649703421"/>
       </p:ext>
     </p:extLst>
   </p:cSld>
@@ -1886,7 +2108,7 @@
 </p:sldLayout>
 </file>
 
-<file path=ppt/slideLayouts/slideLayout6.xml><?xml version="1.0" encoding="utf-8"?>
+<file path=ppt/slideLayouts/slideLayout17.xml><?xml version="1.0" encoding="utf-8"?>
 <p:sldLayout xmlns:a="http://schemas.openxmlformats.org/drawingml/2006/main" xmlns:r="http://schemas.openxmlformats.org/officeDocument/2006/relationships" xmlns:p="http://schemas.openxmlformats.org/presentationml/2006/main" type="titleOnly" preserve="1">
   <p:cSld name="Tylko tytuł">
     <p:spTree>
@@ -1905,13 +2127,7 @@
       </p:grpSpPr>
       <p:sp>
         <p:nvSpPr>
-          <p:cNvPr id="2" name="Tytuł 1">
-            <a:extLst>
-              <a:ext uri="{FF2B5EF4-FFF2-40B4-BE49-F238E27FC236}">
-                <a16:creationId xmlns:a16="http://schemas.microsoft.com/office/drawing/2014/main" id="{CAAD620A-49E5-48BC-BA30-ACC071149D40}"/>
-              </a:ext>
-            </a:extLst>
-          </p:cNvPr>
+          <p:cNvPr id="6" name="Title 5"/>
           <p:cNvSpPr>
             <a:spLocks noGrp="1"/>
           </p:cNvSpPr>
@@ -1928,18 +2144,13 @@
               <a:rPr lang="pl-PL"/>
               <a:t>Kliknij, aby edytować styl</a:t>
             </a:r>
-          </a:p>
-        </p:txBody>
-      </p:sp>
-      <p:sp>
-        <p:nvSpPr>
-          <p:cNvPr id="3" name="Symbol zastępczy daty 2">
-            <a:extLst>
-              <a:ext uri="{FF2B5EF4-FFF2-40B4-BE49-F238E27FC236}">
-                <a16:creationId xmlns:a16="http://schemas.microsoft.com/office/drawing/2014/main" id="{57DAFA63-37C1-4D9C-97DD-E50666F60C8A}"/>
-              </a:ext>
-            </a:extLst>
-          </p:cNvPr>
+            <a:endParaRPr lang="en-US" dirty="0"/>
+          </a:p>
+        </p:txBody>
+      </p:sp>
+      <p:sp>
+        <p:nvSpPr>
+          <p:cNvPr id="3" name="Date Placeholder 2"/>
           <p:cNvSpPr>
             <a:spLocks noGrp="1"/>
           </p:cNvSpPr>
@@ -1954,7 +2165,7 @@
           <a:p>
             <a:fld id="{4F87A324-FCA6-491D-BCE4-701652686B7A}" type="datetimeFigureOut">
               <a:rPr lang="pl-PL" smtClean="0"/>
-              <a:t>23.05.2019</a:t>
+              <a:t>27.05.2019</a:t>
             </a:fld>
             <a:endParaRPr lang="pl-PL"/>
           </a:p>
@@ -1962,13 +2173,7 @@
       </p:sp>
       <p:sp>
         <p:nvSpPr>
-          <p:cNvPr id="4" name="Symbol zastępczy stopki 3">
-            <a:extLst>
-              <a:ext uri="{FF2B5EF4-FFF2-40B4-BE49-F238E27FC236}">
-                <a16:creationId xmlns:a16="http://schemas.microsoft.com/office/drawing/2014/main" id="{9BBC01B1-BAF9-44FF-88FB-35F7B1F06BFC}"/>
-              </a:ext>
-            </a:extLst>
-          </p:cNvPr>
+          <p:cNvPr id="4" name="Footer Placeholder 3"/>
           <p:cNvSpPr>
             <a:spLocks noGrp="1"/>
           </p:cNvSpPr>
@@ -1987,13 +2192,7 @@
       </p:sp>
       <p:sp>
         <p:nvSpPr>
-          <p:cNvPr id="5" name="Symbol zastępczy numeru slajdu 4">
-            <a:extLst>
-              <a:ext uri="{FF2B5EF4-FFF2-40B4-BE49-F238E27FC236}">
-                <a16:creationId xmlns:a16="http://schemas.microsoft.com/office/drawing/2014/main" id="{AA3F520E-05D3-4772-BD82-5AF44FD3C635}"/>
-              </a:ext>
-            </a:extLst>
-          </p:cNvPr>
+          <p:cNvPr id="5" name="Slide Number Placeholder 4"/>
           <p:cNvSpPr>
             <a:spLocks noGrp="1"/>
           </p:cNvSpPr>
@@ -2017,7 +2216,7 @@
     </p:spTree>
     <p:extLst>
       <p:ext uri="{BB962C8B-B14F-4D97-AF65-F5344CB8AC3E}">
-        <p14:creationId xmlns:p14="http://schemas.microsoft.com/office/powerpoint/2010/main" val="3466523198"/>
+        <p14:creationId xmlns:p14="http://schemas.microsoft.com/office/powerpoint/2010/main" val="860281985"/>
       </p:ext>
     </p:extLst>
   </p:cSld>
@@ -2027,7 +2226,7 @@
 </p:sldLayout>
 </file>
 
-<file path=ppt/slideLayouts/slideLayout7.xml><?xml version="1.0" encoding="utf-8"?>
+<file path=ppt/slideLayouts/slideLayout18.xml><?xml version="1.0" encoding="utf-8"?>
 <p:sldLayout xmlns:a="http://schemas.openxmlformats.org/drawingml/2006/main" xmlns:r="http://schemas.openxmlformats.org/officeDocument/2006/relationships" xmlns:p="http://schemas.openxmlformats.org/presentationml/2006/main" type="blank" preserve="1">
   <p:cSld name="Pusty">
     <p:spTree>
@@ -2046,13 +2245,7 @@
       </p:grpSpPr>
       <p:sp>
         <p:nvSpPr>
-          <p:cNvPr id="2" name="Symbol zastępczy daty 1">
-            <a:extLst>
-              <a:ext uri="{FF2B5EF4-FFF2-40B4-BE49-F238E27FC236}">
-                <a16:creationId xmlns:a16="http://schemas.microsoft.com/office/drawing/2014/main" id="{90F08D3A-5AA2-4F9F-821C-761A21A7AE2B}"/>
-              </a:ext>
-            </a:extLst>
-          </p:cNvPr>
+          <p:cNvPr id="2" name="Date Placeholder 1"/>
           <p:cNvSpPr>
             <a:spLocks noGrp="1"/>
           </p:cNvSpPr>
@@ -2067,7 +2260,7 @@
           <a:p>
             <a:fld id="{4F87A324-FCA6-491D-BCE4-701652686B7A}" type="datetimeFigureOut">
               <a:rPr lang="pl-PL" smtClean="0"/>
-              <a:t>23.05.2019</a:t>
+              <a:t>27.05.2019</a:t>
             </a:fld>
             <a:endParaRPr lang="pl-PL"/>
           </a:p>
@@ -2075,13 +2268,7 @@
       </p:sp>
       <p:sp>
         <p:nvSpPr>
-          <p:cNvPr id="3" name="Symbol zastępczy stopki 2">
-            <a:extLst>
-              <a:ext uri="{FF2B5EF4-FFF2-40B4-BE49-F238E27FC236}">
-                <a16:creationId xmlns:a16="http://schemas.microsoft.com/office/drawing/2014/main" id="{3506C040-C759-4C2D-97ED-5CE057B4DEF1}"/>
-              </a:ext>
-            </a:extLst>
-          </p:cNvPr>
+          <p:cNvPr id="3" name="Footer Placeholder 2"/>
           <p:cNvSpPr>
             <a:spLocks noGrp="1"/>
           </p:cNvSpPr>
@@ -2100,13 +2287,7 @@
       </p:sp>
       <p:sp>
         <p:nvSpPr>
-          <p:cNvPr id="4" name="Symbol zastępczy numeru slajdu 3">
-            <a:extLst>
-              <a:ext uri="{FF2B5EF4-FFF2-40B4-BE49-F238E27FC236}">
-                <a16:creationId xmlns:a16="http://schemas.microsoft.com/office/drawing/2014/main" id="{CB054EB5-C36A-494D-85FA-84774BFC11F3}"/>
-              </a:ext>
-            </a:extLst>
-          </p:cNvPr>
+          <p:cNvPr id="4" name="Slide Number Placeholder 3"/>
           <p:cNvSpPr>
             <a:spLocks noGrp="1"/>
           </p:cNvSpPr>
@@ -2130,7 +2311,7 @@
     </p:spTree>
     <p:extLst>
       <p:ext uri="{BB962C8B-B14F-4D97-AF65-F5344CB8AC3E}">
-        <p14:creationId xmlns:p14="http://schemas.microsoft.com/office/powerpoint/2010/main" val="2775531299"/>
+        <p14:creationId xmlns:p14="http://schemas.microsoft.com/office/powerpoint/2010/main" val="2950188699"/>
       </p:ext>
     </p:extLst>
   </p:cSld>
@@ -2140,7 +2321,7 @@
 </p:sldLayout>
 </file>
 
-<file path=ppt/slideLayouts/slideLayout8.xml><?xml version="1.0" encoding="utf-8"?>
+<file path=ppt/slideLayouts/slideLayout19.xml><?xml version="1.0" encoding="utf-8"?>
 <p:sldLayout xmlns:a="http://schemas.openxmlformats.org/drawingml/2006/main" xmlns:r="http://schemas.openxmlformats.org/officeDocument/2006/relationships" xmlns:p="http://schemas.openxmlformats.org/presentationml/2006/main" type="objTx" preserve="1">
   <p:cSld name="Zawartość z podpisem">
     <p:spTree>
@@ -2159,31 +2340,69 @@
       </p:grpSpPr>
       <p:sp>
         <p:nvSpPr>
-          <p:cNvPr id="2" name="Tytuł 1">
-            <a:extLst>
-              <a:ext uri="{FF2B5EF4-FFF2-40B4-BE49-F238E27FC236}">
-                <a16:creationId xmlns:a16="http://schemas.microsoft.com/office/drawing/2014/main" id="{B2EE2D1E-49A1-4871-A93D-4CF706B94650}"/>
-              </a:ext>
-            </a:extLst>
-          </p:cNvPr>
-          <p:cNvSpPr>
-            <a:spLocks noGrp="1"/>
-          </p:cNvSpPr>
-          <p:nvPr>
-            <p:ph type="title"/>
-          </p:nvPr>
+          <p:cNvPr id="2" name="Rectangle 1"/>
+          <p:cNvSpPr/>
+          <p:nvPr/>
         </p:nvSpPr>
         <p:spPr>
           <a:xfrm>
-            <a:off x="839788" y="457200"/>
-            <a:ext cx="3932237" cy="1600200"/>
+            <a:off x="7620000" y="0"/>
+            <a:ext cx="4572000" cy="6858000"/>
+          </a:xfrm>
+          <a:prstGeom prst="rect">
+            <a:avLst/>
+          </a:prstGeom>
+          <a:ln>
+            <a:noFill/>
+          </a:ln>
+        </p:spPr>
+        <p:style>
+          <a:lnRef idx="2">
+            <a:schemeClr val="accent1">
+              <a:shade val="50000"/>
+            </a:schemeClr>
+          </a:lnRef>
+          <a:fillRef idx="1">
+            <a:schemeClr val="accent1"/>
+          </a:fillRef>
+          <a:effectRef idx="0">
+            <a:schemeClr val="accent1"/>
+          </a:effectRef>
+          <a:fontRef idx="minor">
+            <a:schemeClr val="lt1"/>
+          </a:fontRef>
+        </p:style>
+      </p:sp>
+      <p:sp>
+        <p:nvSpPr>
+          <p:cNvPr id="9" name="Title 8"/>
+          <p:cNvSpPr>
+            <a:spLocks noGrp="1"/>
+          </p:cNvSpPr>
+          <p:nvPr>
+            <p:ph type="title"/>
+          </p:nvPr>
+        </p:nvSpPr>
+        <p:spPr>
+          <a:xfrm>
+            <a:off x="8261404" y="542282"/>
+            <a:ext cx="3383280" cy="1920240"/>
           </a:xfrm>
         </p:spPr>
         <p:txBody>
-          <a:bodyPr anchor="b"/>
+          <a:bodyPr anchor="b">
+            <a:noAutofit/>
+          </a:bodyPr>
           <a:lstStyle>
             <a:lvl1pPr>
-              <a:defRPr sz="3200"/>
+              <a:lnSpc>
+                <a:spcPct val="85000"/>
+              </a:lnSpc>
+              <a:defRPr sz="4000">
+                <a:solidFill>
+                  <a:srgbClr val="FFFFFF"/>
+                </a:solidFill>
+              </a:defRPr>
             </a:lvl1pPr>
           </a:lstStyle>
           <a:p>
@@ -2191,18 +2410,13 @@
               <a:rPr lang="pl-PL"/>
               <a:t>Kliknij, aby edytować styl</a:t>
             </a:r>
-          </a:p>
-        </p:txBody>
-      </p:sp>
-      <p:sp>
-        <p:nvSpPr>
-          <p:cNvPr id="3" name="Symbol zastępczy zawartości 2">
-            <a:extLst>
-              <a:ext uri="{FF2B5EF4-FFF2-40B4-BE49-F238E27FC236}">
-                <a16:creationId xmlns:a16="http://schemas.microsoft.com/office/drawing/2014/main" id="{27022E98-AF1E-49F1-A98B-C4D54A577191}"/>
-              </a:ext>
-            </a:extLst>
-          </p:cNvPr>
+            <a:endParaRPr lang="en-US" dirty="0"/>
+          </a:p>
+        </p:txBody>
+      </p:sp>
+      <p:sp>
+        <p:nvSpPr>
+          <p:cNvPr id="3" name="Content Placeholder 2"/>
           <p:cNvSpPr>
             <a:spLocks noGrp="1"/>
           </p:cNvSpPr>
@@ -2212,8 +2426,8 @@
         </p:nvSpPr>
         <p:spPr>
           <a:xfrm>
-            <a:off x="5183188" y="987425"/>
-            <a:ext cx="6172200" cy="4873625"/>
+            <a:off x="762000" y="762000"/>
+            <a:ext cx="6096000" cy="4572000"/>
           </a:xfrm>
         </p:spPr>
         <p:txBody>
@@ -2281,18 +2495,13 @@
               <a:rPr lang="pl-PL"/>
               <a:t>Piąty poziom</a:t>
             </a:r>
-          </a:p>
-        </p:txBody>
-      </p:sp>
-      <p:sp>
-        <p:nvSpPr>
-          <p:cNvPr id="4" name="Symbol zastępczy tekstu 3">
-            <a:extLst>
-              <a:ext uri="{FF2B5EF4-FFF2-40B4-BE49-F238E27FC236}">
-                <a16:creationId xmlns:a16="http://schemas.microsoft.com/office/drawing/2014/main" id="{7AE4DA95-A4E2-4819-A191-2EA905537B26}"/>
-              </a:ext>
-            </a:extLst>
-          </p:cNvPr>
+            <a:endParaRPr lang="en-US" dirty="0"/>
+          </a:p>
+        </p:txBody>
+      </p:sp>
+      <p:sp>
+        <p:nvSpPr>
+          <p:cNvPr id="4" name="Text Placeholder 3"/>
           <p:cNvSpPr>
             <a:spLocks noGrp="1"/>
           </p:cNvSpPr>
@@ -2302,133 +2511,160 @@
         </p:nvSpPr>
         <p:spPr>
           <a:xfrm>
-            <a:off x="839788" y="2057400"/>
-            <a:ext cx="3932237" cy="3811588"/>
+            <a:off x="8275982" y="2511813"/>
+            <a:ext cx="3398520" cy="3126987"/>
           </a:xfrm>
         </p:spPr>
         <p:txBody>
+          <a:bodyPr>
+            <a:normAutofit/>
+          </a:bodyPr>
+          <a:lstStyle>
+            <a:lvl1pPr marL="0" marR="0" indent="0" algn="l" defTabSz="914400" rtl="0" eaLnBrk="1" fontAlgn="auto" latinLnBrk="0" hangingPunct="1">
+              <a:lnSpc>
+                <a:spcPct val="100000"/>
+              </a:lnSpc>
+              <a:spcBef>
+                <a:spcPts val="1200"/>
+              </a:spcBef>
+              <a:spcAft>
+                <a:spcPts val="0"/>
+              </a:spcAft>
+              <a:buClrTx/>
+              <a:buSzTx/>
+              <a:buFontTx/>
+              <a:buNone/>
+              <a:tabLst/>
+              <a:defRPr sz="1800">
+                <a:solidFill>
+                  <a:srgbClr val="262626"/>
+                </a:solidFill>
+              </a:defRPr>
+            </a:lvl1pPr>
+            <a:lvl2pPr marL="457200" indent="0">
+              <a:buNone/>
+              <a:defRPr sz="1200"/>
+            </a:lvl2pPr>
+            <a:lvl3pPr marL="914400" indent="0">
+              <a:buNone/>
+              <a:defRPr sz="1000"/>
+            </a:lvl3pPr>
+            <a:lvl4pPr marL="1371600" indent="0">
+              <a:buNone/>
+              <a:defRPr sz="900"/>
+            </a:lvl4pPr>
+            <a:lvl5pPr marL="1828800" indent="0">
+              <a:buNone/>
+              <a:defRPr sz="900"/>
+            </a:lvl5pPr>
+            <a:lvl6pPr marL="2286000" indent="0">
+              <a:buNone/>
+              <a:defRPr sz="900"/>
+            </a:lvl6pPr>
+            <a:lvl7pPr marL="2743200" indent="0">
+              <a:buNone/>
+              <a:defRPr sz="900"/>
+            </a:lvl7pPr>
+            <a:lvl8pPr marL="3200400" indent="0">
+              <a:buNone/>
+              <a:defRPr sz="900"/>
+            </a:lvl8pPr>
+            <a:lvl9pPr marL="3657600" indent="0">
+              <a:buNone/>
+              <a:defRPr sz="900"/>
+            </a:lvl9pPr>
+          </a:lstStyle>
+          <a:p>
+            <a:pPr marL="0" marR="0" lvl="0" indent="0" algn="l" defTabSz="914400" rtl="0" eaLnBrk="1" fontAlgn="auto" latinLnBrk="0" hangingPunct="1">
+              <a:lnSpc>
+                <a:spcPct val="100000"/>
+              </a:lnSpc>
+              <a:spcBef>
+                <a:spcPts val="1400"/>
+              </a:spcBef>
+              <a:spcAft>
+                <a:spcPts val="0"/>
+              </a:spcAft>
+              <a:buClrTx/>
+              <a:buSzTx/>
+              <a:buFontTx/>
+              <a:buNone/>
+              <a:tabLst/>
+              <a:defRPr/>
+            </a:pPr>
+            <a:r>
+              <a:rPr lang="pl-PL"/>
+              <a:t>Kliknij, aby edytować style wzorca tekstu</a:t>
+            </a:r>
+          </a:p>
+        </p:txBody>
+      </p:sp>
+      <p:sp>
+        <p:nvSpPr>
+          <p:cNvPr id="5" name="Date Placeholder 4"/>
+          <p:cNvSpPr>
+            <a:spLocks noGrp="1"/>
+          </p:cNvSpPr>
+          <p:nvPr>
+            <p:ph type="dt" sz="half" idx="10"/>
+          </p:nvPr>
+        </p:nvSpPr>
+        <p:spPr/>
+        <p:txBody>
+          <a:bodyPr/>
+          <a:lstStyle/>
+          <a:p>
+            <a:fld id="{4F87A324-FCA6-491D-BCE4-701652686B7A}" type="datetimeFigureOut">
+              <a:rPr lang="pl-PL" smtClean="0"/>
+              <a:t>27.05.2019</a:t>
+            </a:fld>
+            <a:endParaRPr lang="pl-PL"/>
+          </a:p>
+        </p:txBody>
+      </p:sp>
+      <p:sp>
+        <p:nvSpPr>
+          <p:cNvPr id="6" name="Footer Placeholder 5"/>
+          <p:cNvSpPr>
+            <a:spLocks noGrp="1"/>
+          </p:cNvSpPr>
+          <p:nvPr>
+            <p:ph type="ftr" sz="quarter" idx="11"/>
+          </p:nvPr>
+        </p:nvSpPr>
+        <p:spPr/>
+        <p:txBody>
+          <a:bodyPr/>
+          <a:lstStyle/>
+          <a:p>
+            <a:endParaRPr lang="pl-PL"/>
+          </a:p>
+        </p:txBody>
+      </p:sp>
+      <p:sp>
+        <p:nvSpPr>
+          <p:cNvPr id="7" name="Slide Number Placeholder 6"/>
+          <p:cNvSpPr>
+            <a:spLocks noGrp="1"/>
+          </p:cNvSpPr>
+          <p:nvPr>
+            <p:ph type="sldNum" sz="quarter" idx="12"/>
+          </p:nvPr>
+        </p:nvSpPr>
+        <p:spPr/>
+        <p:txBody>
           <a:bodyPr/>
           <a:lstStyle>
-            <a:lvl1pPr marL="0" indent="0">
-              <a:buNone/>
-              <a:defRPr sz="1600"/>
+            <a:lvl1pPr>
+              <a:defRPr>
+                <a:solidFill>
+                  <a:srgbClr val="FFFFFF">
+                    <a:alpha val="20000"/>
+                  </a:srgbClr>
+                </a:solidFill>
+              </a:defRPr>
             </a:lvl1pPr>
-            <a:lvl2pPr marL="457200" indent="0">
-              <a:buNone/>
-              <a:defRPr sz="1400"/>
-            </a:lvl2pPr>
-            <a:lvl3pPr marL="914400" indent="0">
-              <a:buNone/>
-              <a:defRPr sz="1200"/>
-            </a:lvl3pPr>
-            <a:lvl4pPr marL="1371600" indent="0">
-              <a:buNone/>
-              <a:defRPr sz="1000"/>
-            </a:lvl4pPr>
-            <a:lvl5pPr marL="1828800" indent="0">
-              <a:buNone/>
-              <a:defRPr sz="1000"/>
-            </a:lvl5pPr>
-            <a:lvl6pPr marL="2286000" indent="0">
-              <a:buNone/>
-              <a:defRPr sz="1000"/>
-            </a:lvl6pPr>
-            <a:lvl7pPr marL="2743200" indent="0">
-              <a:buNone/>
-              <a:defRPr sz="1000"/>
-            </a:lvl7pPr>
-            <a:lvl8pPr marL="3200400" indent="0">
-              <a:buNone/>
-              <a:defRPr sz="1000"/>
-            </a:lvl8pPr>
-            <a:lvl9pPr marL="3657600" indent="0">
-              <a:buNone/>
-              <a:defRPr sz="1000"/>
-            </a:lvl9pPr>
           </a:lstStyle>
-          <a:p>
-            <a:pPr lvl="0"/>
-            <a:r>
-              <a:rPr lang="pl-PL"/>
-              <a:t>Kliknij, aby edytować style wzorca tekstu</a:t>
-            </a:r>
-          </a:p>
-        </p:txBody>
-      </p:sp>
-      <p:sp>
-        <p:nvSpPr>
-          <p:cNvPr id="5" name="Symbol zastępczy daty 4">
-            <a:extLst>
-              <a:ext uri="{FF2B5EF4-FFF2-40B4-BE49-F238E27FC236}">
-                <a16:creationId xmlns:a16="http://schemas.microsoft.com/office/drawing/2014/main" id="{35C82186-3725-4A1E-AC68-8D6B27B21482}"/>
-              </a:ext>
-            </a:extLst>
-          </p:cNvPr>
-          <p:cNvSpPr>
-            <a:spLocks noGrp="1"/>
-          </p:cNvSpPr>
-          <p:nvPr>
-            <p:ph type="dt" sz="half" idx="10"/>
-          </p:nvPr>
-        </p:nvSpPr>
-        <p:spPr/>
-        <p:txBody>
-          <a:bodyPr/>
-          <a:lstStyle/>
-          <a:p>
-            <a:fld id="{4F87A324-FCA6-491D-BCE4-701652686B7A}" type="datetimeFigureOut">
-              <a:rPr lang="pl-PL" smtClean="0"/>
-              <a:t>23.05.2019</a:t>
-            </a:fld>
-            <a:endParaRPr lang="pl-PL"/>
-          </a:p>
-        </p:txBody>
-      </p:sp>
-      <p:sp>
-        <p:nvSpPr>
-          <p:cNvPr id="6" name="Symbol zastępczy stopki 5">
-            <a:extLst>
-              <a:ext uri="{FF2B5EF4-FFF2-40B4-BE49-F238E27FC236}">
-                <a16:creationId xmlns:a16="http://schemas.microsoft.com/office/drawing/2014/main" id="{1FAEE13D-4A21-4EC5-86DA-8882A155F744}"/>
-              </a:ext>
-            </a:extLst>
-          </p:cNvPr>
-          <p:cNvSpPr>
-            <a:spLocks noGrp="1"/>
-          </p:cNvSpPr>
-          <p:nvPr>
-            <p:ph type="ftr" sz="quarter" idx="11"/>
-          </p:nvPr>
-        </p:nvSpPr>
-        <p:spPr/>
-        <p:txBody>
-          <a:bodyPr/>
-          <a:lstStyle/>
-          <a:p>
-            <a:endParaRPr lang="pl-PL"/>
-          </a:p>
-        </p:txBody>
-      </p:sp>
-      <p:sp>
-        <p:nvSpPr>
-          <p:cNvPr id="7" name="Symbol zastępczy numeru slajdu 6">
-            <a:extLst>
-              <a:ext uri="{FF2B5EF4-FFF2-40B4-BE49-F238E27FC236}">
-                <a16:creationId xmlns:a16="http://schemas.microsoft.com/office/drawing/2014/main" id="{DE3DC3A7-069D-4E1C-8B68-0AD19FC4CD75}"/>
-              </a:ext>
-            </a:extLst>
-          </p:cNvPr>
-          <p:cNvSpPr>
-            <a:spLocks noGrp="1"/>
-          </p:cNvSpPr>
-          <p:nvPr>
-            <p:ph type="sldNum" sz="quarter" idx="12"/>
-          </p:nvPr>
-        </p:nvSpPr>
-        <p:spPr/>
-        <p:txBody>
-          <a:bodyPr/>
-          <a:lstStyle/>
           <a:p>
             <a:fld id="{FF98A3B4-756E-4363-85E0-B5CE2B042782}" type="slidenum">
               <a:rPr lang="pl-PL" smtClean="0"/>
@@ -2441,7 +2677,2203 @@
     </p:spTree>
     <p:extLst>
       <p:ext uri="{BB962C8B-B14F-4D97-AF65-F5344CB8AC3E}">
-        <p14:creationId xmlns:p14="http://schemas.microsoft.com/office/powerpoint/2010/main" val="2507281562"/>
+        <p14:creationId xmlns:p14="http://schemas.microsoft.com/office/powerpoint/2010/main" val="1223078159"/>
+      </p:ext>
+    </p:extLst>
+  </p:cSld>
+  <p:clrMapOvr>
+    <a:masterClrMapping/>
+  </p:clrMapOvr>
+</p:sldLayout>
+</file>
+
+<file path=ppt/slideLayouts/slideLayout2.xml><?xml version="1.0" encoding="utf-8"?>
+<p:sldLayout xmlns:a="http://schemas.openxmlformats.org/drawingml/2006/main" xmlns:r="http://schemas.openxmlformats.org/officeDocument/2006/relationships" xmlns:p="http://schemas.openxmlformats.org/presentationml/2006/main" type="obj" preserve="1">
+  <p:cSld name="Tytuł i zawartość">
+    <p:spTree>
+      <p:nvGrpSpPr>
+        <p:cNvPr id="1" name=""/>
+        <p:cNvGrpSpPr/>
+        <p:nvPr/>
+      </p:nvGrpSpPr>
+      <p:grpSpPr>
+        <a:xfrm>
+          <a:off x="0" y="0"/>
+          <a:ext cx="0" cy="0"/>
+          <a:chOff x="0" y="0"/>
+          <a:chExt cx="0" cy="0"/>
+        </a:xfrm>
+      </p:grpSpPr>
+      <p:sp>
+        <p:nvSpPr>
+          <p:cNvPr id="2" name="Title 1"/>
+          <p:cNvSpPr>
+            <a:spLocks noGrp="1"/>
+          </p:cNvSpPr>
+          <p:nvPr>
+            <p:ph type="title"/>
+          </p:nvPr>
+        </p:nvSpPr>
+        <p:spPr/>
+        <p:txBody>
+          <a:bodyPr/>
+          <a:lstStyle/>
+          <a:p>
+            <a:r>
+              <a:rPr lang="pl-PL"/>
+              <a:t>Kliknij, aby edytować styl</a:t>
+            </a:r>
+            <a:endParaRPr lang="en-US" dirty="0"/>
+          </a:p>
+        </p:txBody>
+      </p:sp>
+      <p:sp>
+        <p:nvSpPr>
+          <p:cNvPr id="3" name="Content Placeholder 2"/>
+          <p:cNvSpPr>
+            <a:spLocks noGrp="1"/>
+          </p:cNvSpPr>
+          <p:nvPr>
+            <p:ph idx="1"/>
+          </p:nvPr>
+        </p:nvSpPr>
+        <p:spPr/>
+        <p:txBody>
+          <a:bodyPr/>
+          <a:lstStyle/>
+          <a:p>
+            <a:pPr lvl="0"/>
+            <a:r>
+              <a:rPr lang="pl-PL"/>
+              <a:t>Kliknij, aby edytować style wzorca tekstu</a:t>
+            </a:r>
+          </a:p>
+          <a:p>
+            <a:pPr lvl="1"/>
+            <a:r>
+              <a:rPr lang="pl-PL"/>
+              <a:t>Drugi poziom</a:t>
+            </a:r>
+          </a:p>
+          <a:p>
+            <a:pPr lvl="2"/>
+            <a:r>
+              <a:rPr lang="pl-PL"/>
+              <a:t>Trzeci poziom</a:t>
+            </a:r>
+          </a:p>
+          <a:p>
+            <a:pPr lvl="3"/>
+            <a:r>
+              <a:rPr lang="pl-PL"/>
+              <a:t>Czwarty poziom</a:t>
+            </a:r>
+          </a:p>
+          <a:p>
+            <a:pPr lvl="4"/>
+            <a:r>
+              <a:rPr lang="pl-PL"/>
+              <a:t>Piąty poziom</a:t>
+            </a:r>
+            <a:endParaRPr lang="en-US" dirty="0"/>
+          </a:p>
+        </p:txBody>
+      </p:sp>
+      <p:sp>
+        <p:nvSpPr>
+          <p:cNvPr id="4" name="Date Placeholder 3"/>
+          <p:cNvSpPr>
+            <a:spLocks noGrp="1"/>
+          </p:cNvSpPr>
+          <p:nvPr>
+            <p:ph type="dt" sz="half" idx="10"/>
+          </p:nvPr>
+        </p:nvSpPr>
+        <p:spPr/>
+        <p:txBody>
+          <a:bodyPr/>
+          <a:lstStyle/>
+          <a:p>
+            <a:fld id="{4F87A324-FCA6-491D-BCE4-701652686B7A}" type="datetimeFigureOut">
+              <a:rPr lang="pl-PL" smtClean="0"/>
+              <a:t>27.05.2019</a:t>
+            </a:fld>
+            <a:endParaRPr lang="pl-PL"/>
+          </a:p>
+        </p:txBody>
+      </p:sp>
+      <p:sp>
+        <p:nvSpPr>
+          <p:cNvPr id="5" name="Footer Placeholder 4"/>
+          <p:cNvSpPr>
+            <a:spLocks noGrp="1"/>
+          </p:cNvSpPr>
+          <p:nvPr>
+            <p:ph type="ftr" sz="quarter" idx="11"/>
+          </p:nvPr>
+        </p:nvSpPr>
+        <p:spPr/>
+        <p:txBody>
+          <a:bodyPr/>
+          <a:lstStyle/>
+          <a:p>
+            <a:endParaRPr lang="pl-PL"/>
+          </a:p>
+        </p:txBody>
+      </p:sp>
+      <p:sp>
+        <p:nvSpPr>
+          <p:cNvPr id="6" name="Slide Number Placeholder 5"/>
+          <p:cNvSpPr>
+            <a:spLocks noGrp="1"/>
+          </p:cNvSpPr>
+          <p:nvPr>
+            <p:ph type="sldNum" sz="quarter" idx="12"/>
+          </p:nvPr>
+        </p:nvSpPr>
+        <p:spPr/>
+        <p:txBody>
+          <a:bodyPr/>
+          <a:lstStyle/>
+          <a:p>
+            <a:fld id="{FF98A3B4-756E-4363-85E0-B5CE2B042782}" type="slidenum">
+              <a:rPr lang="pl-PL" smtClean="0"/>
+              <a:t>‹#›</a:t>
+            </a:fld>
+            <a:endParaRPr lang="pl-PL"/>
+          </a:p>
+        </p:txBody>
+      </p:sp>
+    </p:spTree>
+    <p:extLst>
+      <p:ext uri="{BB962C8B-B14F-4D97-AF65-F5344CB8AC3E}">
+        <p14:creationId xmlns:p14="http://schemas.microsoft.com/office/powerpoint/2010/main" val="2221215704"/>
+      </p:ext>
+    </p:extLst>
+  </p:cSld>
+  <p:clrMapOvr>
+    <a:masterClrMapping/>
+  </p:clrMapOvr>
+</p:sldLayout>
+</file>
+
+<file path=ppt/slideLayouts/slideLayout20.xml><?xml version="1.0" encoding="utf-8"?>
+<p:sldLayout xmlns:a="http://schemas.openxmlformats.org/drawingml/2006/main" xmlns:r="http://schemas.openxmlformats.org/officeDocument/2006/relationships" xmlns:p="http://schemas.openxmlformats.org/presentationml/2006/main" type="picTx" preserve="1">
+  <p:cSld name="Obraz z podpisem">
+    <p:bg>
+      <p:bgPr>
+        <a:solidFill>
+          <a:schemeClr val="accent1"/>
+        </a:solidFill>
+        <a:effectLst/>
+      </p:bgPr>
+    </p:bg>
+    <p:spTree>
+      <p:nvGrpSpPr>
+        <p:cNvPr id="1" name=""/>
+        <p:cNvGrpSpPr/>
+        <p:nvPr/>
+      </p:nvGrpSpPr>
+      <p:grpSpPr>
+        <a:xfrm>
+          <a:off x="0" y="0"/>
+          <a:ext cx="0" cy="0"/>
+          <a:chOff x="0" y="0"/>
+          <a:chExt cx="0" cy="0"/>
+        </a:xfrm>
+      </p:grpSpPr>
+      <p:sp>
+        <p:nvSpPr>
+          <p:cNvPr id="2" name="Title 1"/>
+          <p:cNvSpPr>
+            <a:spLocks noGrp="1"/>
+          </p:cNvSpPr>
+          <p:nvPr>
+            <p:ph type="title"/>
+          </p:nvPr>
+        </p:nvSpPr>
+        <p:spPr>
+          <a:xfrm>
+            <a:off x="649224" y="5418667"/>
+            <a:ext cx="10780776" cy="613283"/>
+          </a:xfrm>
+        </p:spPr>
+        <p:txBody>
+          <a:bodyPr anchor="b">
+            <a:normAutofit/>
+          </a:bodyPr>
+          <a:lstStyle>
+            <a:lvl1pPr>
+              <a:defRPr sz="3200" b="0">
+                <a:solidFill>
+                  <a:srgbClr val="FFFFFF"/>
+                </a:solidFill>
+              </a:defRPr>
+            </a:lvl1pPr>
+          </a:lstStyle>
+          <a:p>
+            <a:r>
+              <a:rPr lang="pl-PL"/>
+              <a:t>Kliknij, aby edytować styl</a:t>
+            </a:r>
+            <a:endParaRPr lang="en-US" dirty="0"/>
+          </a:p>
+        </p:txBody>
+      </p:sp>
+      <p:sp>
+        <p:nvSpPr>
+          <p:cNvPr id="3" name="Picture Placeholder 2"/>
+          <p:cNvSpPr>
+            <a:spLocks noGrp="1" noChangeAspect="1"/>
+          </p:cNvSpPr>
+          <p:nvPr>
+            <p:ph type="pic" idx="1"/>
+          </p:nvPr>
+        </p:nvSpPr>
+        <p:spPr>
+          <a:xfrm>
+            <a:off x="0" y="0"/>
+            <a:ext cx="12192000" cy="5330952"/>
+          </a:xfrm>
+          <a:blipFill>
+            <a:blip r:embed="rId2"/>
+            <a:stretch>
+              <a:fillRect/>
+            </a:stretch>
+          </a:blipFill>
+        </p:spPr>
+        <p:txBody>
+          <a:bodyPr anchor="t"/>
+          <a:lstStyle>
+            <a:lvl1pPr marL="0" indent="0" algn="ctr">
+              <a:spcBef>
+                <a:spcPts val="800"/>
+              </a:spcBef>
+              <a:buNone/>
+              <a:defRPr sz="3200">
+                <a:solidFill>
+                  <a:schemeClr val="tx1">
+                    <a:lumMod val="75000"/>
+                    <a:lumOff val="25000"/>
+                  </a:schemeClr>
+                </a:solidFill>
+              </a:defRPr>
+            </a:lvl1pPr>
+            <a:lvl2pPr marL="457200" indent="0">
+              <a:buNone/>
+              <a:defRPr sz="2800"/>
+            </a:lvl2pPr>
+            <a:lvl3pPr marL="914400" indent="0">
+              <a:buNone/>
+              <a:defRPr sz="2400"/>
+            </a:lvl3pPr>
+            <a:lvl4pPr marL="1371600" indent="0">
+              <a:buNone/>
+              <a:defRPr sz="2000"/>
+            </a:lvl4pPr>
+            <a:lvl5pPr marL="1828800" indent="0">
+              <a:buNone/>
+              <a:defRPr sz="2000"/>
+            </a:lvl5pPr>
+            <a:lvl6pPr marL="2286000" indent="0">
+              <a:buNone/>
+              <a:defRPr sz="2000"/>
+            </a:lvl6pPr>
+            <a:lvl7pPr marL="2743200" indent="0">
+              <a:buNone/>
+              <a:defRPr sz="2000"/>
+            </a:lvl7pPr>
+            <a:lvl8pPr marL="3200400" indent="0">
+              <a:buNone/>
+              <a:defRPr sz="2000"/>
+            </a:lvl8pPr>
+            <a:lvl9pPr marL="3657600" indent="0">
+              <a:buNone/>
+              <a:defRPr sz="2000"/>
+            </a:lvl9pPr>
+          </a:lstStyle>
+          <a:p>
+            <a:r>
+              <a:rPr lang="pl-PL"/>
+              <a:t>Kliknij ikonę, aby dodać obraz</a:t>
+            </a:r>
+            <a:endParaRPr lang="en-US" dirty="0"/>
+          </a:p>
+        </p:txBody>
+      </p:sp>
+      <p:sp>
+        <p:nvSpPr>
+          <p:cNvPr id="4" name="Text Placeholder 3"/>
+          <p:cNvSpPr>
+            <a:spLocks noGrp="1"/>
+          </p:cNvSpPr>
+          <p:nvPr>
+            <p:ph type="body" sz="half" idx="2"/>
+          </p:nvPr>
+        </p:nvSpPr>
+        <p:spPr>
+          <a:xfrm>
+            <a:off x="676656" y="5909735"/>
+            <a:ext cx="9229344" cy="533400"/>
+          </a:xfrm>
+        </p:spPr>
+        <p:txBody>
+          <a:bodyPr>
+            <a:normAutofit/>
+          </a:bodyPr>
+          <a:lstStyle>
+            <a:lvl1pPr marL="0" indent="0">
+              <a:lnSpc>
+                <a:spcPct val="90000"/>
+              </a:lnSpc>
+              <a:buNone/>
+              <a:defRPr sz="1400">
+                <a:solidFill>
+                  <a:srgbClr val="262626"/>
+                </a:solidFill>
+              </a:defRPr>
+            </a:lvl1pPr>
+            <a:lvl2pPr marL="457200" indent="0">
+              <a:buNone/>
+              <a:defRPr sz="1200"/>
+            </a:lvl2pPr>
+            <a:lvl3pPr marL="914400" indent="0">
+              <a:buNone/>
+              <a:defRPr sz="1000"/>
+            </a:lvl3pPr>
+            <a:lvl4pPr marL="1371600" indent="0">
+              <a:buNone/>
+              <a:defRPr sz="900"/>
+            </a:lvl4pPr>
+            <a:lvl5pPr marL="1828800" indent="0">
+              <a:buNone/>
+              <a:defRPr sz="900"/>
+            </a:lvl5pPr>
+            <a:lvl6pPr marL="2286000" indent="0">
+              <a:buNone/>
+              <a:defRPr sz="900"/>
+            </a:lvl6pPr>
+            <a:lvl7pPr marL="2743200" indent="0">
+              <a:buNone/>
+              <a:defRPr sz="900"/>
+            </a:lvl7pPr>
+            <a:lvl8pPr marL="3200400" indent="0">
+              <a:buNone/>
+              <a:defRPr sz="900"/>
+            </a:lvl8pPr>
+            <a:lvl9pPr marL="3657600" indent="0">
+              <a:buNone/>
+              <a:defRPr sz="900"/>
+            </a:lvl9pPr>
+          </a:lstStyle>
+          <a:p>
+            <a:pPr lvl="0"/>
+            <a:r>
+              <a:rPr lang="pl-PL"/>
+              <a:t>Kliknij, aby edytować style wzorca tekstu</a:t>
+            </a:r>
+          </a:p>
+        </p:txBody>
+      </p:sp>
+      <p:sp>
+        <p:nvSpPr>
+          <p:cNvPr id="12" name="Date Placeholder 11"/>
+          <p:cNvSpPr>
+            <a:spLocks noGrp="1"/>
+          </p:cNvSpPr>
+          <p:nvPr>
+            <p:ph type="dt" sz="half" idx="10"/>
+          </p:nvPr>
+        </p:nvSpPr>
+        <p:spPr/>
+        <p:txBody>
+          <a:bodyPr/>
+          <a:lstStyle>
+            <a:lvl1pPr>
+              <a:defRPr>
+                <a:solidFill>
+                  <a:srgbClr val="FFFFFF">
+                    <a:alpha val="80000"/>
+                  </a:srgbClr>
+                </a:solidFill>
+              </a:defRPr>
+            </a:lvl1pPr>
+          </a:lstStyle>
+          <a:p>
+            <a:fld id="{4F87A324-FCA6-491D-BCE4-701652686B7A}" type="datetimeFigureOut">
+              <a:rPr lang="pl-PL" smtClean="0"/>
+              <a:t>27.05.2019</a:t>
+            </a:fld>
+            <a:endParaRPr lang="pl-PL"/>
+          </a:p>
+        </p:txBody>
+      </p:sp>
+      <p:sp>
+        <p:nvSpPr>
+          <p:cNvPr id="13" name="Footer Placeholder 12"/>
+          <p:cNvSpPr>
+            <a:spLocks noGrp="1"/>
+          </p:cNvSpPr>
+          <p:nvPr>
+            <p:ph type="ftr" sz="quarter" idx="11"/>
+          </p:nvPr>
+        </p:nvSpPr>
+        <p:spPr/>
+        <p:txBody>
+          <a:bodyPr/>
+          <a:lstStyle>
+            <a:lvl1pPr>
+              <a:defRPr>
+                <a:solidFill>
+                  <a:srgbClr val="FFFFFF">
+                    <a:alpha val="80000"/>
+                  </a:srgbClr>
+                </a:solidFill>
+              </a:defRPr>
+            </a:lvl1pPr>
+          </a:lstStyle>
+          <a:p>
+            <a:endParaRPr lang="pl-PL"/>
+          </a:p>
+        </p:txBody>
+      </p:sp>
+      <p:sp>
+        <p:nvSpPr>
+          <p:cNvPr id="14" name="Slide Number Placeholder 13"/>
+          <p:cNvSpPr>
+            <a:spLocks noGrp="1"/>
+          </p:cNvSpPr>
+          <p:nvPr>
+            <p:ph type="sldNum" sz="quarter" idx="12"/>
+          </p:nvPr>
+        </p:nvSpPr>
+        <p:spPr/>
+        <p:txBody>
+          <a:bodyPr/>
+          <a:lstStyle>
+            <a:lvl1pPr>
+              <a:defRPr>
+                <a:solidFill>
+                  <a:srgbClr val="FFFFFF">
+                    <a:alpha val="25000"/>
+                  </a:srgbClr>
+                </a:solidFill>
+              </a:defRPr>
+            </a:lvl1pPr>
+          </a:lstStyle>
+          <a:p>
+            <a:fld id="{FF98A3B4-756E-4363-85E0-B5CE2B042782}" type="slidenum">
+              <a:rPr lang="pl-PL" smtClean="0"/>
+              <a:t>‹#›</a:t>
+            </a:fld>
+            <a:endParaRPr lang="pl-PL"/>
+          </a:p>
+        </p:txBody>
+      </p:sp>
+    </p:spTree>
+    <p:extLst>
+      <p:ext uri="{BB962C8B-B14F-4D97-AF65-F5344CB8AC3E}">
+        <p14:creationId xmlns:p14="http://schemas.microsoft.com/office/powerpoint/2010/main" val="994973678"/>
+      </p:ext>
+    </p:extLst>
+  </p:cSld>
+  <p:clrMapOvr>
+    <a:overrideClrMapping bg1="lt1" tx1="dk1" bg2="lt2" tx2="dk2" accent1="accent1" accent2="accent2" accent3="accent3" accent4="accent4" accent5="accent5" accent6="accent6" hlink="hlink" folHlink="folHlink"/>
+  </p:clrMapOvr>
+</p:sldLayout>
+</file>
+
+<file path=ppt/slideLayouts/slideLayout21.xml><?xml version="1.0" encoding="utf-8"?>
+<p:sldLayout xmlns:a="http://schemas.openxmlformats.org/drawingml/2006/main" xmlns:r="http://schemas.openxmlformats.org/officeDocument/2006/relationships" xmlns:p="http://schemas.openxmlformats.org/presentationml/2006/main" type="vertTx" preserve="1">
+  <p:cSld name="Tytuł i tekst pionowy">
+    <p:spTree>
+      <p:nvGrpSpPr>
+        <p:cNvPr id="1" name=""/>
+        <p:cNvGrpSpPr/>
+        <p:nvPr/>
+      </p:nvGrpSpPr>
+      <p:grpSpPr>
+        <a:xfrm>
+          <a:off x="0" y="0"/>
+          <a:ext cx="0" cy="0"/>
+          <a:chOff x="0" y="0"/>
+          <a:chExt cx="0" cy="0"/>
+        </a:xfrm>
+      </p:grpSpPr>
+      <p:sp>
+        <p:nvSpPr>
+          <p:cNvPr id="2" name="Title 1"/>
+          <p:cNvSpPr>
+            <a:spLocks noGrp="1"/>
+          </p:cNvSpPr>
+          <p:nvPr>
+            <p:ph type="title"/>
+          </p:nvPr>
+        </p:nvSpPr>
+        <p:spPr/>
+        <p:txBody>
+          <a:bodyPr/>
+          <a:lstStyle/>
+          <a:p>
+            <a:r>
+              <a:rPr lang="pl-PL"/>
+              <a:t>Kliknij, aby edytować styl</a:t>
+            </a:r>
+            <a:endParaRPr lang="en-US" dirty="0"/>
+          </a:p>
+        </p:txBody>
+      </p:sp>
+      <p:sp>
+        <p:nvSpPr>
+          <p:cNvPr id="3" name="Vertical Text Placeholder 2"/>
+          <p:cNvSpPr>
+            <a:spLocks noGrp="1"/>
+          </p:cNvSpPr>
+          <p:nvPr>
+            <p:ph type="body" orient="vert" idx="1"/>
+          </p:nvPr>
+        </p:nvSpPr>
+        <p:spPr/>
+        <p:txBody>
+          <a:bodyPr vert="eaVert"/>
+          <a:lstStyle/>
+          <a:p>
+            <a:pPr lvl="0"/>
+            <a:r>
+              <a:rPr lang="pl-PL"/>
+              <a:t>Kliknij, aby edytować style wzorca tekstu</a:t>
+            </a:r>
+          </a:p>
+          <a:p>
+            <a:pPr lvl="1"/>
+            <a:r>
+              <a:rPr lang="pl-PL"/>
+              <a:t>Drugi poziom</a:t>
+            </a:r>
+          </a:p>
+          <a:p>
+            <a:pPr lvl="2"/>
+            <a:r>
+              <a:rPr lang="pl-PL"/>
+              <a:t>Trzeci poziom</a:t>
+            </a:r>
+          </a:p>
+          <a:p>
+            <a:pPr lvl="3"/>
+            <a:r>
+              <a:rPr lang="pl-PL"/>
+              <a:t>Czwarty poziom</a:t>
+            </a:r>
+          </a:p>
+          <a:p>
+            <a:pPr lvl="4"/>
+            <a:r>
+              <a:rPr lang="pl-PL"/>
+              <a:t>Piąty poziom</a:t>
+            </a:r>
+            <a:endParaRPr lang="en-US" dirty="0"/>
+          </a:p>
+        </p:txBody>
+      </p:sp>
+      <p:sp>
+        <p:nvSpPr>
+          <p:cNvPr id="4" name="Date Placeholder 3"/>
+          <p:cNvSpPr>
+            <a:spLocks noGrp="1"/>
+          </p:cNvSpPr>
+          <p:nvPr>
+            <p:ph type="dt" sz="half" idx="10"/>
+          </p:nvPr>
+        </p:nvSpPr>
+        <p:spPr/>
+        <p:txBody>
+          <a:bodyPr/>
+          <a:lstStyle/>
+          <a:p>
+            <a:fld id="{4F87A324-FCA6-491D-BCE4-701652686B7A}" type="datetimeFigureOut">
+              <a:rPr lang="pl-PL" smtClean="0"/>
+              <a:t>27.05.2019</a:t>
+            </a:fld>
+            <a:endParaRPr lang="pl-PL"/>
+          </a:p>
+        </p:txBody>
+      </p:sp>
+      <p:sp>
+        <p:nvSpPr>
+          <p:cNvPr id="5" name="Footer Placeholder 4"/>
+          <p:cNvSpPr>
+            <a:spLocks noGrp="1"/>
+          </p:cNvSpPr>
+          <p:nvPr>
+            <p:ph type="ftr" sz="quarter" idx="11"/>
+          </p:nvPr>
+        </p:nvSpPr>
+        <p:spPr/>
+        <p:txBody>
+          <a:bodyPr/>
+          <a:lstStyle/>
+          <a:p>
+            <a:endParaRPr lang="pl-PL"/>
+          </a:p>
+        </p:txBody>
+      </p:sp>
+      <p:sp>
+        <p:nvSpPr>
+          <p:cNvPr id="6" name="Slide Number Placeholder 5"/>
+          <p:cNvSpPr>
+            <a:spLocks noGrp="1"/>
+          </p:cNvSpPr>
+          <p:nvPr>
+            <p:ph type="sldNum" sz="quarter" idx="12"/>
+          </p:nvPr>
+        </p:nvSpPr>
+        <p:spPr/>
+        <p:txBody>
+          <a:bodyPr/>
+          <a:lstStyle/>
+          <a:p>
+            <a:fld id="{FF98A3B4-756E-4363-85E0-B5CE2B042782}" type="slidenum">
+              <a:rPr lang="pl-PL" smtClean="0"/>
+              <a:t>‹#›</a:t>
+            </a:fld>
+            <a:endParaRPr lang="pl-PL"/>
+          </a:p>
+        </p:txBody>
+      </p:sp>
+    </p:spTree>
+    <p:extLst>
+      <p:ext uri="{BB962C8B-B14F-4D97-AF65-F5344CB8AC3E}">
+        <p14:creationId xmlns:p14="http://schemas.microsoft.com/office/powerpoint/2010/main" val="2943976684"/>
+      </p:ext>
+    </p:extLst>
+  </p:cSld>
+  <p:clrMapOvr>
+    <a:masterClrMapping/>
+  </p:clrMapOvr>
+</p:sldLayout>
+</file>
+
+<file path=ppt/slideLayouts/slideLayout22.xml><?xml version="1.0" encoding="utf-8"?>
+<p:sldLayout xmlns:a="http://schemas.openxmlformats.org/drawingml/2006/main" xmlns:r="http://schemas.openxmlformats.org/officeDocument/2006/relationships" xmlns:p="http://schemas.openxmlformats.org/presentationml/2006/main" type="vertTitleAndTx" preserve="1">
+  <p:cSld name="Tytuł pionowy i tekst">
+    <p:spTree>
+      <p:nvGrpSpPr>
+        <p:cNvPr id="1" name=""/>
+        <p:cNvGrpSpPr/>
+        <p:nvPr/>
+      </p:nvGrpSpPr>
+      <p:grpSpPr>
+        <a:xfrm>
+          <a:off x="0" y="0"/>
+          <a:ext cx="0" cy="0"/>
+          <a:chOff x="0" y="0"/>
+          <a:chExt cx="0" cy="0"/>
+        </a:xfrm>
+      </p:grpSpPr>
+      <p:sp>
+        <p:nvSpPr>
+          <p:cNvPr id="2" name="Vertical Title 1"/>
+          <p:cNvSpPr>
+            <a:spLocks noGrp="1"/>
+          </p:cNvSpPr>
+          <p:nvPr>
+            <p:ph type="title" orient="vert"/>
+          </p:nvPr>
+        </p:nvSpPr>
+        <p:spPr>
+          <a:xfrm>
+            <a:off x="8743950" y="695325"/>
+            <a:ext cx="2628900" cy="4800600"/>
+          </a:xfrm>
+        </p:spPr>
+        <p:txBody>
+          <a:bodyPr vert="eaVert"/>
+          <a:lstStyle/>
+          <a:p>
+            <a:r>
+              <a:rPr lang="pl-PL"/>
+              <a:t>Kliknij, aby edytować styl</a:t>
+            </a:r>
+            <a:endParaRPr lang="en-US" dirty="0"/>
+          </a:p>
+        </p:txBody>
+      </p:sp>
+      <p:sp>
+        <p:nvSpPr>
+          <p:cNvPr id="3" name="Vertical Text Placeholder 2"/>
+          <p:cNvSpPr>
+            <a:spLocks noGrp="1"/>
+          </p:cNvSpPr>
+          <p:nvPr>
+            <p:ph type="body" orient="vert" idx="1"/>
+          </p:nvPr>
+        </p:nvSpPr>
+        <p:spPr>
+          <a:xfrm>
+            <a:off x="771525" y="714375"/>
+            <a:ext cx="7734300" cy="5400675"/>
+          </a:xfrm>
+        </p:spPr>
+        <p:txBody>
+          <a:bodyPr vert="eaVert"/>
+          <a:lstStyle/>
+          <a:p>
+            <a:pPr lvl="0"/>
+            <a:r>
+              <a:rPr lang="pl-PL"/>
+              <a:t>Kliknij, aby edytować style wzorca tekstu</a:t>
+            </a:r>
+          </a:p>
+          <a:p>
+            <a:pPr lvl="1"/>
+            <a:r>
+              <a:rPr lang="pl-PL"/>
+              <a:t>Drugi poziom</a:t>
+            </a:r>
+          </a:p>
+          <a:p>
+            <a:pPr lvl="2"/>
+            <a:r>
+              <a:rPr lang="pl-PL"/>
+              <a:t>Trzeci poziom</a:t>
+            </a:r>
+          </a:p>
+          <a:p>
+            <a:pPr lvl="3"/>
+            <a:r>
+              <a:rPr lang="pl-PL"/>
+              <a:t>Czwarty poziom</a:t>
+            </a:r>
+          </a:p>
+          <a:p>
+            <a:pPr lvl="4"/>
+            <a:r>
+              <a:rPr lang="pl-PL"/>
+              <a:t>Piąty poziom</a:t>
+            </a:r>
+            <a:endParaRPr lang="en-US" dirty="0"/>
+          </a:p>
+        </p:txBody>
+      </p:sp>
+      <p:sp>
+        <p:nvSpPr>
+          <p:cNvPr id="4" name="Date Placeholder 3"/>
+          <p:cNvSpPr>
+            <a:spLocks noGrp="1"/>
+          </p:cNvSpPr>
+          <p:nvPr>
+            <p:ph type="dt" sz="half" idx="10"/>
+          </p:nvPr>
+        </p:nvSpPr>
+        <p:spPr/>
+        <p:txBody>
+          <a:bodyPr/>
+          <a:lstStyle/>
+          <a:p>
+            <a:fld id="{4F87A324-FCA6-491D-BCE4-701652686B7A}" type="datetimeFigureOut">
+              <a:rPr lang="pl-PL" smtClean="0"/>
+              <a:t>27.05.2019</a:t>
+            </a:fld>
+            <a:endParaRPr lang="pl-PL"/>
+          </a:p>
+        </p:txBody>
+      </p:sp>
+      <p:sp>
+        <p:nvSpPr>
+          <p:cNvPr id="5" name="Footer Placeholder 4"/>
+          <p:cNvSpPr>
+            <a:spLocks noGrp="1"/>
+          </p:cNvSpPr>
+          <p:nvPr>
+            <p:ph type="ftr" sz="quarter" idx="11"/>
+          </p:nvPr>
+        </p:nvSpPr>
+        <p:spPr/>
+        <p:txBody>
+          <a:bodyPr/>
+          <a:lstStyle/>
+          <a:p>
+            <a:endParaRPr lang="pl-PL"/>
+          </a:p>
+        </p:txBody>
+      </p:sp>
+      <p:sp>
+        <p:nvSpPr>
+          <p:cNvPr id="6" name="Slide Number Placeholder 5"/>
+          <p:cNvSpPr>
+            <a:spLocks noGrp="1"/>
+          </p:cNvSpPr>
+          <p:nvPr>
+            <p:ph type="sldNum" sz="quarter" idx="12"/>
+          </p:nvPr>
+        </p:nvSpPr>
+        <p:spPr/>
+        <p:txBody>
+          <a:bodyPr/>
+          <a:lstStyle/>
+          <a:p>
+            <a:fld id="{FF98A3B4-756E-4363-85E0-B5CE2B042782}" type="slidenum">
+              <a:rPr lang="pl-PL" smtClean="0"/>
+              <a:t>‹#›</a:t>
+            </a:fld>
+            <a:endParaRPr lang="pl-PL"/>
+          </a:p>
+        </p:txBody>
+      </p:sp>
+    </p:spTree>
+    <p:extLst>
+      <p:ext uri="{BB962C8B-B14F-4D97-AF65-F5344CB8AC3E}">
+        <p14:creationId xmlns:p14="http://schemas.microsoft.com/office/powerpoint/2010/main" val="92949364"/>
+      </p:ext>
+    </p:extLst>
+  </p:cSld>
+  <p:clrMapOvr>
+    <a:masterClrMapping/>
+  </p:clrMapOvr>
+</p:sldLayout>
+</file>
+
+<file path=ppt/slideLayouts/slideLayout3.xml><?xml version="1.0" encoding="utf-8"?>
+<p:sldLayout xmlns:a="http://schemas.openxmlformats.org/drawingml/2006/main" xmlns:r="http://schemas.openxmlformats.org/officeDocument/2006/relationships" xmlns:p="http://schemas.openxmlformats.org/presentationml/2006/main" type="secHead" preserve="1">
+  <p:cSld name="Nagłówek sekcji">
+    <p:spTree>
+      <p:nvGrpSpPr>
+        <p:cNvPr id="1" name=""/>
+        <p:cNvGrpSpPr/>
+        <p:nvPr/>
+      </p:nvGrpSpPr>
+      <p:grpSpPr>
+        <a:xfrm>
+          <a:off x="0" y="0"/>
+          <a:ext cx="0" cy="0"/>
+          <a:chOff x="0" y="0"/>
+          <a:chExt cx="0" cy="0"/>
+        </a:xfrm>
+      </p:grpSpPr>
+      <p:sp>
+        <p:nvSpPr>
+          <p:cNvPr id="2" name="Title 1"/>
+          <p:cNvSpPr>
+            <a:spLocks noGrp="1"/>
+          </p:cNvSpPr>
+          <p:nvPr>
+            <p:ph type="title"/>
+          </p:nvPr>
+        </p:nvSpPr>
+        <p:spPr>
+          <a:xfrm>
+            <a:off x="831850" y="1712423"/>
+            <a:ext cx="10515600" cy="2851208"/>
+          </a:xfrm>
+        </p:spPr>
+        <p:txBody>
+          <a:bodyPr anchor="b">
+            <a:normAutofit/>
+          </a:bodyPr>
+          <a:lstStyle>
+            <a:lvl1pPr>
+              <a:defRPr sz="6000" b="0"/>
+            </a:lvl1pPr>
+          </a:lstStyle>
+          <a:p>
+            <a:r>
+              <a:rPr lang="pl-PL"/>
+              <a:t>Kliknij, aby edytować styl</a:t>
+            </a:r>
+            <a:endParaRPr lang="en-US" dirty="0"/>
+          </a:p>
+        </p:txBody>
+      </p:sp>
+      <p:sp>
+        <p:nvSpPr>
+          <p:cNvPr id="3" name="Text Placeholder 2"/>
+          <p:cNvSpPr>
+            <a:spLocks noGrp="1"/>
+          </p:cNvSpPr>
+          <p:nvPr>
+            <p:ph type="body" idx="1"/>
+          </p:nvPr>
+        </p:nvSpPr>
+        <p:spPr>
+          <a:xfrm>
+            <a:off x="831850" y="4552633"/>
+            <a:ext cx="10515600" cy="1500187"/>
+          </a:xfrm>
+        </p:spPr>
+        <p:txBody>
+          <a:bodyPr anchor="t">
+            <a:normAutofit/>
+          </a:bodyPr>
+          <a:lstStyle>
+            <a:lvl1pPr marL="0" indent="0">
+              <a:buNone/>
+              <a:defRPr sz="2400">
+                <a:solidFill>
+                  <a:schemeClr val="tx1">
+                    <a:lumMod val="75000"/>
+                    <a:lumOff val="25000"/>
+                  </a:schemeClr>
+                </a:solidFill>
+              </a:defRPr>
+            </a:lvl1pPr>
+            <a:lvl2pPr marL="457200" indent="0">
+              <a:buNone/>
+              <a:defRPr sz="1800">
+                <a:solidFill>
+                  <a:schemeClr val="tx1">
+                    <a:tint val="75000"/>
+                  </a:schemeClr>
+                </a:solidFill>
+              </a:defRPr>
+            </a:lvl2pPr>
+            <a:lvl3pPr marL="914400" indent="0">
+              <a:buNone/>
+              <a:defRPr sz="1600">
+                <a:solidFill>
+                  <a:schemeClr val="tx1">
+                    <a:tint val="75000"/>
+                  </a:schemeClr>
+                </a:solidFill>
+              </a:defRPr>
+            </a:lvl3pPr>
+            <a:lvl4pPr marL="1371600" indent="0">
+              <a:buNone/>
+              <a:defRPr sz="1400">
+                <a:solidFill>
+                  <a:schemeClr val="tx1">
+                    <a:tint val="75000"/>
+                  </a:schemeClr>
+                </a:solidFill>
+              </a:defRPr>
+            </a:lvl4pPr>
+            <a:lvl5pPr marL="1828800" indent="0">
+              <a:buNone/>
+              <a:defRPr sz="1400">
+                <a:solidFill>
+                  <a:schemeClr val="tx1">
+                    <a:tint val="75000"/>
+                  </a:schemeClr>
+                </a:solidFill>
+              </a:defRPr>
+            </a:lvl5pPr>
+            <a:lvl6pPr marL="2286000" indent="0">
+              <a:buNone/>
+              <a:defRPr sz="1400">
+                <a:solidFill>
+                  <a:schemeClr val="tx1">
+                    <a:tint val="75000"/>
+                  </a:schemeClr>
+                </a:solidFill>
+              </a:defRPr>
+            </a:lvl6pPr>
+            <a:lvl7pPr marL="2743200" indent="0">
+              <a:buNone/>
+              <a:defRPr sz="1400">
+                <a:solidFill>
+                  <a:schemeClr val="tx1">
+                    <a:tint val="75000"/>
+                  </a:schemeClr>
+                </a:solidFill>
+              </a:defRPr>
+            </a:lvl7pPr>
+            <a:lvl8pPr marL="3200400" indent="0">
+              <a:buNone/>
+              <a:defRPr sz="1400">
+                <a:solidFill>
+                  <a:schemeClr val="tx1">
+                    <a:tint val="75000"/>
+                  </a:schemeClr>
+                </a:solidFill>
+              </a:defRPr>
+            </a:lvl8pPr>
+            <a:lvl9pPr marL="3657600" indent="0">
+              <a:buNone/>
+              <a:defRPr sz="1400">
+                <a:solidFill>
+                  <a:schemeClr val="tx1">
+                    <a:tint val="75000"/>
+                  </a:schemeClr>
+                </a:solidFill>
+              </a:defRPr>
+            </a:lvl9pPr>
+          </a:lstStyle>
+          <a:p>
+            <a:pPr lvl="0"/>
+            <a:r>
+              <a:rPr lang="pl-PL"/>
+              <a:t>Kliknij, aby edytować style wzorca tekstu</a:t>
+            </a:r>
+          </a:p>
+        </p:txBody>
+      </p:sp>
+      <p:sp>
+        <p:nvSpPr>
+          <p:cNvPr id="4" name="Date Placeholder 3"/>
+          <p:cNvSpPr>
+            <a:spLocks noGrp="1"/>
+          </p:cNvSpPr>
+          <p:nvPr>
+            <p:ph type="dt" sz="half" idx="10"/>
+          </p:nvPr>
+        </p:nvSpPr>
+        <p:spPr/>
+        <p:txBody>
+          <a:bodyPr/>
+          <a:lstStyle/>
+          <a:p>
+            <a:fld id="{4F87A324-FCA6-491D-BCE4-701652686B7A}" type="datetimeFigureOut">
+              <a:rPr lang="pl-PL" smtClean="0"/>
+              <a:t>27.05.2019</a:t>
+            </a:fld>
+            <a:endParaRPr lang="pl-PL"/>
+          </a:p>
+        </p:txBody>
+      </p:sp>
+      <p:sp>
+        <p:nvSpPr>
+          <p:cNvPr id="5" name="Footer Placeholder 4"/>
+          <p:cNvSpPr>
+            <a:spLocks noGrp="1"/>
+          </p:cNvSpPr>
+          <p:nvPr>
+            <p:ph type="ftr" sz="quarter" idx="11"/>
+          </p:nvPr>
+        </p:nvSpPr>
+        <p:spPr/>
+        <p:txBody>
+          <a:bodyPr/>
+          <a:lstStyle/>
+          <a:p>
+            <a:endParaRPr lang="pl-PL"/>
+          </a:p>
+        </p:txBody>
+      </p:sp>
+      <p:sp>
+        <p:nvSpPr>
+          <p:cNvPr id="6" name="Slide Number Placeholder 5"/>
+          <p:cNvSpPr>
+            <a:spLocks noGrp="1"/>
+          </p:cNvSpPr>
+          <p:nvPr>
+            <p:ph type="sldNum" sz="quarter" idx="12"/>
+          </p:nvPr>
+        </p:nvSpPr>
+        <p:spPr/>
+        <p:txBody>
+          <a:bodyPr/>
+          <a:lstStyle/>
+          <a:p>
+            <a:fld id="{FF98A3B4-756E-4363-85E0-B5CE2B042782}" type="slidenum">
+              <a:rPr lang="pl-PL" smtClean="0"/>
+              <a:t>‹#›</a:t>
+            </a:fld>
+            <a:endParaRPr lang="pl-PL"/>
+          </a:p>
+        </p:txBody>
+      </p:sp>
+    </p:spTree>
+    <p:extLst>
+      <p:ext uri="{BB962C8B-B14F-4D97-AF65-F5344CB8AC3E}">
+        <p14:creationId xmlns:p14="http://schemas.microsoft.com/office/powerpoint/2010/main" val="4229765674"/>
+      </p:ext>
+    </p:extLst>
+  </p:cSld>
+  <p:clrMapOvr>
+    <a:masterClrMapping/>
+  </p:clrMapOvr>
+</p:sldLayout>
+</file>
+
+<file path=ppt/slideLayouts/slideLayout4.xml><?xml version="1.0" encoding="utf-8"?>
+<p:sldLayout xmlns:a="http://schemas.openxmlformats.org/drawingml/2006/main" xmlns:r="http://schemas.openxmlformats.org/officeDocument/2006/relationships" xmlns:p="http://schemas.openxmlformats.org/presentationml/2006/main" type="twoObj" preserve="1">
+  <p:cSld name="Dwa elementy zawartości">
+    <p:spTree>
+      <p:nvGrpSpPr>
+        <p:cNvPr id="1" name=""/>
+        <p:cNvGrpSpPr/>
+        <p:nvPr/>
+      </p:nvGrpSpPr>
+      <p:grpSpPr>
+        <a:xfrm>
+          <a:off x="0" y="0"/>
+          <a:ext cx="0" cy="0"/>
+          <a:chOff x="0" y="0"/>
+          <a:chExt cx="0" cy="0"/>
+        </a:xfrm>
+      </p:grpSpPr>
+      <p:sp>
+        <p:nvSpPr>
+          <p:cNvPr id="2" name="Title 1"/>
+          <p:cNvSpPr>
+            <a:spLocks noGrp="1"/>
+          </p:cNvSpPr>
+          <p:nvPr>
+            <p:ph type="title"/>
+          </p:nvPr>
+        </p:nvSpPr>
+        <p:spPr/>
+        <p:txBody>
+          <a:bodyPr/>
+          <a:lstStyle/>
+          <a:p>
+            <a:r>
+              <a:rPr lang="pl-PL"/>
+              <a:t>Kliknij, aby edytować styl</a:t>
+            </a:r>
+            <a:endParaRPr lang="en-US" dirty="0"/>
+          </a:p>
+        </p:txBody>
+      </p:sp>
+      <p:sp>
+        <p:nvSpPr>
+          <p:cNvPr id="3" name="Content Placeholder 2"/>
+          <p:cNvSpPr>
+            <a:spLocks noGrp="1"/>
+          </p:cNvSpPr>
+          <p:nvPr>
+            <p:ph sz="half" idx="1"/>
+          </p:nvPr>
+        </p:nvSpPr>
+        <p:spPr>
+          <a:xfrm>
+            <a:off x="845127" y="1828800"/>
+            <a:ext cx="5181600" cy="4351337"/>
+          </a:xfrm>
+        </p:spPr>
+        <p:txBody>
+          <a:bodyPr/>
+          <a:lstStyle/>
+          <a:p>
+            <a:pPr lvl="0"/>
+            <a:r>
+              <a:rPr lang="pl-PL"/>
+              <a:t>Kliknij, aby edytować style wzorca tekstu</a:t>
+            </a:r>
+          </a:p>
+          <a:p>
+            <a:pPr lvl="1"/>
+            <a:r>
+              <a:rPr lang="pl-PL"/>
+              <a:t>Drugi poziom</a:t>
+            </a:r>
+          </a:p>
+          <a:p>
+            <a:pPr lvl="2"/>
+            <a:r>
+              <a:rPr lang="pl-PL"/>
+              <a:t>Trzeci poziom</a:t>
+            </a:r>
+          </a:p>
+          <a:p>
+            <a:pPr lvl="3"/>
+            <a:r>
+              <a:rPr lang="pl-PL"/>
+              <a:t>Czwarty poziom</a:t>
+            </a:r>
+          </a:p>
+          <a:p>
+            <a:pPr lvl="4"/>
+            <a:r>
+              <a:rPr lang="pl-PL"/>
+              <a:t>Piąty poziom</a:t>
+            </a:r>
+            <a:endParaRPr lang="en-US" dirty="0"/>
+          </a:p>
+        </p:txBody>
+      </p:sp>
+      <p:sp>
+        <p:nvSpPr>
+          <p:cNvPr id="4" name="Content Placeholder 3"/>
+          <p:cNvSpPr>
+            <a:spLocks noGrp="1"/>
+          </p:cNvSpPr>
+          <p:nvPr>
+            <p:ph sz="half" idx="2"/>
+          </p:nvPr>
+        </p:nvSpPr>
+        <p:spPr>
+          <a:xfrm>
+            <a:off x="6172200" y="1828800"/>
+            <a:ext cx="5181600" cy="4351337"/>
+          </a:xfrm>
+        </p:spPr>
+        <p:txBody>
+          <a:bodyPr/>
+          <a:lstStyle/>
+          <a:p>
+            <a:pPr lvl="0"/>
+            <a:r>
+              <a:rPr lang="pl-PL"/>
+              <a:t>Kliknij, aby edytować style wzorca tekstu</a:t>
+            </a:r>
+          </a:p>
+          <a:p>
+            <a:pPr lvl="1"/>
+            <a:r>
+              <a:rPr lang="pl-PL"/>
+              <a:t>Drugi poziom</a:t>
+            </a:r>
+          </a:p>
+          <a:p>
+            <a:pPr lvl="2"/>
+            <a:r>
+              <a:rPr lang="pl-PL"/>
+              <a:t>Trzeci poziom</a:t>
+            </a:r>
+          </a:p>
+          <a:p>
+            <a:pPr lvl="3"/>
+            <a:r>
+              <a:rPr lang="pl-PL"/>
+              <a:t>Czwarty poziom</a:t>
+            </a:r>
+          </a:p>
+          <a:p>
+            <a:pPr lvl="4"/>
+            <a:r>
+              <a:rPr lang="pl-PL"/>
+              <a:t>Piąty poziom</a:t>
+            </a:r>
+            <a:endParaRPr lang="en-US" dirty="0"/>
+          </a:p>
+        </p:txBody>
+      </p:sp>
+      <p:sp>
+        <p:nvSpPr>
+          <p:cNvPr id="5" name="Date Placeholder 4"/>
+          <p:cNvSpPr>
+            <a:spLocks noGrp="1"/>
+          </p:cNvSpPr>
+          <p:nvPr>
+            <p:ph type="dt" sz="half" idx="10"/>
+          </p:nvPr>
+        </p:nvSpPr>
+        <p:spPr/>
+        <p:txBody>
+          <a:bodyPr/>
+          <a:lstStyle/>
+          <a:p>
+            <a:fld id="{4F87A324-FCA6-491D-BCE4-701652686B7A}" type="datetimeFigureOut">
+              <a:rPr lang="pl-PL" smtClean="0"/>
+              <a:t>27.05.2019</a:t>
+            </a:fld>
+            <a:endParaRPr lang="pl-PL"/>
+          </a:p>
+        </p:txBody>
+      </p:sp>
+      <p:sp>
+        <p:nvSpPr>
+          <p:cNvPr id="6" name="Footer Placeholder 5"/>
+          <p:cNvSpPr>
+            <a:spLocks noGrp="1"/>
+          </p:cNvSpPr>
+          <p:nvPr>
+            <p:ph type="ftr" sz="quarter" idx="11"/>
+          </p:nvPr>
+        </p:nvSpPr>
+        <p:spPr/>
+        <p:txBody>
+          <a:bodyPr/>
+          <a:lstStyle/>
+          <a:p>
+            <a:endParaRPr lang="pl-PL"/>
+          </a:p>
+        </p:txBody>
+      </p:sp>
+      <p:sp>
+        <p:nvSpPr>
+          <p:cNvPr id="7" name="Slide Number Placeholder 6"/>
+          <p:cNvSpPr>
+            <a:spLocks noGrp="1"/>
+          </p:cNvSpPr>
+          <p:nvPr>
+            <p:ph type="sldNum" sz="quarter" idx="12"/>
+          </p:nvPr>
+        </p:nvSpPr>
+        <p:spPr/>
+        <p:txBody>
+          <a:bodyPr/>
+          <a:lstStyle/>
+          <a:p>
+            <a:fld id="{FF98A3B4-756E-4363-85E0-B5CE2B042782}" type="slidenum">
+              <a:rPr lang="pl-PL" smtClean="0"/>
+              <a:t>‹#›</a:t>
+            </a:fld>
+            <a:endParaRPr lang="pl-PL"/>
+          </a:p>
+        </p:txBody>
+      </p:sp>
+    </p:spTree>
+    <p:extLst>
+      <p:ext uri="{BB962C8B-B14F-4D97-AF65-F5344CB8AC3E}">
+        <p14:creationId xmlns:p14="http://schemas.microsoft.com/office/powerpoint/2010/main" val="197017751"/>
+      </p:ext>
+    </p:extLst>
+  </p:cSld>
+  <p:clrMapOvr>
+    <a:masterClrMapping/>
+  </p:clrMapOvr>
+</p:sldLayout>
+</file>
+
+<file path=ppt/slideLayouts/slideLayout5.xml><?xml version="1.0" encoding="utf-8"?>
+<p:sldLayout xmlns:a="http://schemas.openxmlformats.org/drawingml/2006/main" xmlns:r="http://schemas.openxmlformats.org/officeDocument/2006/relationships" xmlns:p="http://schemas.openxmlformats.org/presentationml/2006/main" preserve="1">
+  <p:cSld name="Porównanie">
+    <p:spTree>
+      <p:nvGrpSpPr>
+        <p:cNvPr id="1" name=""/>
+        <p:cNvGrpSpPr/>
+        <p:nvPr/>
+      </p:nvGrpSpPr>
+      <p:grpSpPr>
+        <a:xfrm>
+          <a:off x="0" y="0"/>
+          <a:ext cx="0" cy="0"/>
+          <a:chOff x="0" y="0"/>
+          <a:chExt cx="0" cy="0"/>
+        </a:xfrm>
+      </p:grpSpPr>
+      <p:sp>
+        <p:nvSpPr>
+          <p:cNvPr id="3" name="Text Placeholder 2"/>
+          <p:cNvSpPr>
+            <a:spLocks noGrp="1"/>
+          </p:cNvSpPr>
+          <p:nvPr>
+            <p:ph type="body" idx="1"/>
+          </p:nvPr>
+        </p:nvSpPr>
+        <p:spPr>
+          <a:xfrm>
+            <a:off x="845127" y="1681850"/>
+            <a:ext cx="5156200" cy="825699"/>
+          </a:xfrm>
+        </p:spPr>
+        <p:txBody>
+          <a:bodyPr anchor="b">
+            <a:normAutofit/>
+          </a:bodyPr>
+          <a:lstStyle>
+            <a:lvl1pPr marL="0" indent="0">
+              <a:spcBef>
+                <a:spcPts val="0"/>
+              </a:spcBef>
+              <a:buNone/>
+              <a:defRPr sz="2400" b="1"/>
+            </a:lvl1pPr>
+            <a:lvl2pPr marL="457200" indent="0">
+              <a:buNone/>
+              <a:defRPr sz="2000" b="1"/>
+            </a:lvl2pPr>
+            <a:lvl3pPr marL="914400" indent="0">
+              <a:buNone/>
+              <a:defRPr sz="1800" b="1"/>
+            </a:lvl3pPr>
+            <a:lvl4pPr marL="1371600" indent="0">
+              <a:buNone/>
+              <a:defRPr sz="1600" b="1"/>
+            </a:lvl4pPr>
+            <a:lvl5pPr marL="1828800" indent="0">
+              <a:buNone/>
+              <a:defRPr sz="1600" b="1"/>
+            </a:lvl5pPr>
+            <a:lvl6pPr marL="2286000" indent="0">
+              <a:buNone/>
+              <a:defRPr sz="1600" b="1"/>
+            </a:lvl6pPr>
+            <a:lvl7pPr marL="2743200" indent="0">
+              <a:buNone/>
+              <a:defRPr sz="1600" b="1"/>
+            </a:lvl7pPr>
+            <a:lvl8pPr marL="3200400" indent="0">
+              <a:buNone/>
+              <a:defRPr sz="1600" b="1"/>
+            </a:lvl8pPr>
+            <a:lvl9pPr marL="3657600" indent="0">
+              <a:buNone/>
+              <a:defRPr sz="1600" b="1"/>
+            </a:lvl9pPr>
+          </a:lstStyle>
+          <a:p>
+            <a:pPr lvl="0"/>
+            <a:r>
+              <a:rPr lang="pl-PL"/>
+              <a:t>Kliknij, aby edytować style wzorca tekstu</a:t>
+            </a:r>
+          </a:p>
+        </p:txBody>
+      </p:sp>
+      <p:sp>
+        <p:nvSpPr>
+          <p:cNvPr id="4" name="Content Placeholder 3"/>
+          <p:cNvSpPr>
+            <a:spLocks noGrp="1"/>
+          </p:cNvSpPr>
+          <p:nvPr>
+            <p:ph sz="half" idx="2"/>
+          </p:nvPr>
+        </p:nvSpPr>
+        <p:spPr>
+          <a:xfrm>
+            <a:off x="845127" y="2507550"/>
+            <a:ext cx="5156200" cy="3680525"/>
+          </a:xfrm>
+        </p:spPr>
+        <p:txBody>
+          <a:bodyPr/>
+          <a:lstStyle/>
+          <a:p>
+            <a:pPr lvl="0"/>
+            <a:r>
+              <a:rPr lang="pl-PL"/>
+              <a:t>Kliknij, aby edytować style wzorca tekstu</a:t>
+            </a:r>
+          </a:p>
+          <a:p>
+            <a:pPr lvl="1"/>
+            <a:r>
+              <a:rPr lang="pl-PL"/>
+              <a:t>Drugi poziom</a:t>
+            </a:r>
+          </a:p>
+          <a:p>
+            <a:pPr lvl="2"/>
+            <a:r>
+              <a:rPr lang="pl-PL"/>
+              <a:t>Trzeci poziom</a:t>
+            </a:r>
+          </a:p>
+          <a:p>
+            <a:pPr lvl="3"/>
+            <a:r>
+              <a:rPr lang="pl-PL"/>
+              <a:t>Czwarty poziom</a:t>
+            </a:r>
+          </a:p>
+          <a:p>
+            <a:pPr lvl="4"/>
+            <a:r>
+              <a:rPr lang="pl-PL"/>
+              <a:t>Piąty poziom</a:t>
+            </a:r>
+            <a:endParaRPr lang="en-US" dirty="0"/>
+          </a:p>
+        </p:txBody>
+      </p:sp>
+      <p:sp>
+        <p:nvSpPr>
+          <p:cNvPr id="5" name="Text Placeholder 4"/>
+          <p:cNvSpPr>
+            <a:spLocks noGrp="1"/>
+          </p:cNvSpPr>
+          <p:nvPr>
+            <p:ph type="body" sz="quarter" idx="3"/>
+          </p:nvPr>
+        </p:nvSpPr>
+        <p:spPr>
+          <a:xfrm>
+            <a:off x="6172200" y="1681851"/>
+            <a:ext cx="5181601" cy="825698"/>
+          </a:xfrm>
+        </p:spPr>
+        <p:txBody>
+          <a:bodyPr anchor="b"/>
+          <a:lstStyle>
+            <a:lvl1pPr marL="0" indent="0">
+              <a:spcBef>
+                <a:spcPts val="0"/>
+              </a:spcBef>
+              <a:buNone/>
+              <a:defRPr sz="2400" b="1"/>
+            </a:lvl1pPr>
+            <a:lvl2pPr marL="457200" indent="0">
+              <a:buNone/>
+              <a:defRPr sz="2000" b="1"/>
+            </a:lvl2pPr>
+            <a:lvl3pPr marL="914400" indent="0">
+              <a:buNone/>
+              <a:defRPr sz="1800" b="1"/>
+            </a:lvl3pPr>
+            <a:lvl4pPr marL="1371600" indent="0">
+              <a:buNone/>
+              <a:defRPr sz="1600" b="1"/>
+            </a:lvl4pPr>
+            <a:lvl5pPr marL="1828800" indent="0">
+              <a:buNone/>
+              <a:defRPr sz="1600" b="1"/>
+            </a:lvl5pPr>
+            <a:lvl6pPr marL="2286000" indent="0">
+              <a:buNone/>
+              <a:defRPr sz="1600" b="1"/>
+            </a:lvl6pPr>
+            <a:lvl7pPr marL="2743200" indent="0">
+              <a:buNone/>
+              <a:defRPr sz="1600" b="1"/>
+            </a:lvl7pPr>
+            <a:lvl8pPr marL="3200400" indent="0">
+              <a:buNone/>
+              <a:defRPr sz="1600" b="1"/>
+            </a:lvl8pPr>
+            <a:lvl9pPr marL="3657600" indent="0">
+              <a:buNone/>
+              <a:defRPr sz="1600" b="1"/>
+            </a:lvl9pPr>
+          </a:lstStyle>
+          <a:p>
+            <a:pPr lvl="0"/>
+            <a:r>
+              <a:rPr lang="pl-PL"/>
+              <a:t>Kliknij, aby edytować style wzorca tekstu</a:t>
+            </a:r>
+          </a:p>
+        </p:txBody>
+      </p:sp>
+      <p:sp>
+        <p:nvSpPr>
+          <p:cNvPr id="6" name="Content Placeholder 5"/>
+          <p:cNvSpPr>
+            <a:spLocks noGrp="1"/>
+          </p:cNvSpPr>
+          <p:nvPr>
+            <p:ph sz="quarter" idx="4"/>
+          </p:nvPr>
+        </p:nvSpPr>
+        <p:spPr>
+          <a:xfrm>
+            <a:off x="6172200" y="2507550"/>
+            <a:ext cx="5181601" cy="3680525"/>
+          </a:xfrm>
+        </p:spPr>
+        <p:txBody>
+          <a:bodyPr/>
+          <a:lstStyle/>
+          <a:p>
+            <a:pPr lvl="0"/>
+            <a:r>
+              <a:rPr lang="pl-PL"/>
+              <a:t>Kliknij, aby edytować style wzorca tekstu</a:t>
+            </a:r>
+          </a:p>
+          <a:p>
+            <a:pPr lvl="1"/>
+            <a:r>
+              <a:rPr lang="pl-PL"/>
+              <a:t>Drugi poziom</a:t>
+            </a:r>
+          </a:p>
+          <a:p>
+            <a:pPr lvl="2"/>
+            <a:r>
+              <a:rPr lang="pl-PL"/>
+              <a:t>Trzeci poziom</a:t>
+            </a:r>
+          </a:p>
+          <a:p>
+            <a:pPr lvl="3"/>
+            <a:r>
+              <a:rPr lang="pl-PL"/>
+              <a:t>Czwarty poziom</a:t>
+            </a:r>
+          </a:p>
+          <a:p>
+            <a:pPr lvl="4"/>
+            <a:r>
+              <a:rPr lang="pl-PL"/>
+              <a:t>Piąty poziom</a:t>
+            </a:r>
+            <a:endParaRPr lang="en-US"/>
+          </a:p>
+        </p:txBody>
+      </p:sp>
+      <p:sp>
+        <p:nvSpPr>
+          <p:cNvPr id="7" name="Date Placeholder 6"/>
+          <p:cNvSpPr>
+            <a:spLocks noGrp="1"/>
+          </p:cNvSpPr>
+          <p:nvPr>
+            <p:ph type="dt" sz="half" idx="10"/>
+          </p:nvPr>
+        </p:nvSpPr>
+        <p:spPr/>
+        <p:txBody>
+          <a:bodyPr/>
+          <a:lstStyle/>
+          <a:p>
+            <a:fld id="{4F87A324-FCA6-491D-BCE4-701652686B7A}" type="datetimeFigureOut">
+              <a:rPr lang="pl-PL" smtClean="0"/>
+              <a:t>27.05.2019</a:t>
+            </a:fld>
+            <a:endParaRPr lang="pl-PL"/>
+          </a:p>
+        </p:txBody>
+      </p:sp>
+      <p:sp>
+        <p:nvSpPr>
+          <p:cNvPr id="8" name="Footer Placeholder 7"/>
+          <p:cNvSpPr>
+            <a:spLocks noGrp="1"/>
+          </p:cNvSpPr>
+          <p:nvPr>
+            <p:ph type="ftr" sz="quarter" idx="11"/>
+          </p:nvPr>
+        </p:nvSpPr>
+        <p:spPr/>
+        <p:txBody>
+          <a:bodyPr/>
+          <a:lstStyle/>
+          <a:p>
+            <a:endParaRPr lang="pl-PL"/>
+          </a:p>
+        </p:txBody>
+      </p:sp>
+      <p:sp>
+        <p:nvSpPr>
+          <p:cNvPr id="9" name="Slide Number Placeholder 8"/>
+          <p:cNvSpPr>
+            <a:spLocks noGrp="1"/>
+          </p:cNvSpPr>
+          <p:nvPr>
+            <p:ph type="sldNum" sz="quarter" idx="12"/>
+          </p:nvPr>
+        </p:nvSpPr>
+        <p:spPr/>
+        <p:txBody>
+          <a:bodyPr/>
+          <a:lstStyle/>
+          <a:p>
+            <a:fld id="{FF98A3B4-756E-4363-85E0-B5CE2B042782}" type="slidenum">
+              <a:rPr lang="pl-PL" smtClean="0"/>
+              <a:t>‹#›</a:t>
+            </a:fld>
+            <a:endParaRPr lang="pl-PL"/>
+          </a:p>
+        </p:txBody>
+      </p:sp>
+      <p:sp>
+        <p:nvSpPr>
+          <p:cNvPr id="10" name="Title 9"/>
+          <p:cNvSpPr>
+            <a:spLocks noGrp="1"/>
+          </p:cNvSpPr>
+          <p:nvPr>
+            <p:ph type="title"/>
+          </p:nvPr>
+        </p:nvSpPr>
+        <p:spPr/>
+        <p:txBody>
+          <a:bodyPr/>
+          <a:lstStyle/>
+          <a:p>
+            <a:r>
+              <a:rPr lang="pl-PL"/>
+              <a:t>Kliknij, aby edytować styl</a:t>
+            </a:r>
+            <a:endParaRPr lang="en-US" dirty="0"/>
+          </a:p>
+        </p:txBody>
+      </p:sp>
+    </p:spTree>
+    <p:extLst>
+      <p:ext uri="{BB962C8B-B14F-4D97-AF65-F5344CB8AC3E}">
+        <p14:creationId xmlns:p14="http://schemas.microsoft.com/office/powerpoint/2010/main" val="575257456"/>
+      </p:ext>
+    </p:extLst>
+  </p:cSld>
+  <p:clrMapOvr>
+    <a:masterClrMapping/>
+  </p:clrMapOvr>
+</p:sldLayout>
+</file>
+
+<file path=ppt/slideLayouts/slideLayout6.xml><?xml version="1.0" encoding="utf-8"?>
+<p:sldLayout xmlns:a="http://schemas.openxmlformats.org/drawingml/2006/main" xmlns:r="http://schemas.openxmlformats.org/officeDocument/2006/relationships" xmlns:p="http://schemas.openxmlformats.org/presentationml/2006/main" preserve="1">
+  <p:cSld name="Tylko tytuł">
+    <p:spTree>
+      <p:nvGrpSpPr>
+        <p:cNvPr id="1" name=""/>
+        <p:cNvGrpSpPr/>
+        <p:nvPr/>
+      </p:nvGrpSpPr>
+      <p:grpSpPr>
+        <a:xfrm>
+          <a:off x="0" y="0"/>
+          <a:ext cx="0" cy="0"/>
+          <a:chOff x="0" y="0"/>
+          <a:chExt cx="0" cy="0"/>
+        </a:xfrm>
+      </p:grpSpPr>
+      <p:sp>
+        <p:nvSpPr>
+          <p:cNvPr id="3" name="Date Placeholder 2"/>
+          <p:cNvSpPr>
+            <a:spLocks noGrp="1"/>
+          </p:cNvSpPr>
+          <p:nvPr>
+            <p:ph type="dt" sz="half" idx="10"/>
+          </p:nvPr>
+        </p:nvSpPr>
+        <p:spPr/>
+        <p:txBody>
+          <a:bodyPr/>
+          <a:lstStyle/>
+          <a:p>
+            <a:fld id="{4F87A324-FCA6-491D-BCE4-701652686B7A}" type="datetimeFigureOut">
+              <a:rPr lang="pl-PL" smtClean="0"/>
+              <a:t>27.05.2019</a:t>
+            </a:fld>
+            <a:endParaRPr lang="pl-PL"/>
+          </a:p>
+        </p:txBody>
+      </p:sp>
+      <p:sp>
+        <p:nvSpPr>
+          <p:cNvPr id="4" name="Footer Placeholder 3"/>
+          <p:cNvSpPr>
+            <a:spLocks noGrp="1"/>
+          </p:cNvSpPr>
+          <p:nvPr>
+            <p:ph type="ftr" sz="quarter" idx="11"/>
+          </p:nvPr>
+        </p:nvSpPr>
+        <p:spPr/>
+        <p:txBody>
+          <a:bodyPr/>
+          <a:lstStyle/>
+          <a:p>
+            <a:endParaRPr lang="pl-PL"/>
+          </a:p>
+        </p:txBody>
+      </p:sp>
+      <p:sp>
+        <p:nvSpPr>
+          <p:cNvPr id="5" name="Slide Number Placeholder 4"/>
+          <p:cNvSpPr>
+            <a:spLocks noGrp="1"/>
+          </p:cNvSpPr>
+          <p:nvPr>
+            <p:ph type="sldNum" sz="quarter" idx="12"/>
+          </p:nvPr>
+        </p:nvSpPr>
+        <p:spPr/>
+        <p:txBody>
+          <a:bodyPr/>
+          <a:lstStyle/>
+          <a:p>
+            <a:fld id="{FF98A3B4-756E-4363-85E0-B5CE2B042782}" type="slidenum">
+              <a:rPr lang="pl-PL" smtClean="0"/>
+              <a:t>‹#›</a:t>
+            </a:fld>
+            <a:endParaRPr lang="pl-PL"/>
+          </a:p>
+        </p:txBody>
+      </p:sp>
+      <p:sp>
+        <p:nvSpPr>
+          <p:cNvPr id="6" name="Title 5"/>
+          <p:cNvSpPr>
+            <a:spLocks noGrp="1"/>
+          </p:cNvSpPr>
+          <p:nvPr>
+            <p:ph type="title"/>
+          </p:nvPr>
+        </p:nvSpPr>
+        <p:spPr/>
+        <p:txBody>
+          <a:bodyPr/>
+          <a:lstStyle/>
+          <a:p>
+            <a:r>
+              <a:rPr lang="pl-PL"/>
+              <a:t>Kliknij, aby edytować styl</a:t>
+            </a:r>
+            <a:endParaRPr lang="en-US"/>
+          </a:p>
+        </p:txBody>
+      </p:sp>
+    </p:spTree>
+    <p:extLst>
+      <p:ext uri="{BB962C8B-B14F-4D97-AF65-F5344CB8AC3E}">
+        <p14:creationId xmlns:p14="http://schemas.microsoft.com/office/powerpoint/2010/main" val="2645550503"/>
+      </p:ext>
+    </p:extLst>
+  </p:cSld>
+  <p:clrMapOvr>
+    <a:masterClrMapping/>
+  </p:clrMapOvr>
+</p:sldLayout>
+</file>
+
+<file path=ppt/slideLayouts/slideLayout7.xml><?xml version="1.0" encoding="utf-8"?>
+<p:sldLayout xmlns:a="http://schemas.openxmlformats.org/drawingml/2006/main" xmlns:r="http://schemas.openxmlformats.org/officeDocument/2006/relationships" xmlns:p="http://schemas.openxmlformats.org/presentationml/2006/main" type="blank" preserve="1">
+  <p:cSld name="Pusty">
+    <p:spTree>
+      <p:nvGrpSpPr>
+        <p:cNvPr id="1" name=""/>
+        <p:cNvGrpSpPr/>
+        <p:nvPr/>
+      </p:nvGrpSpPr>
+      <p:grpSpPr>
+        <a:xfrm>
+          <a:off x="0" y="0"/>
+          <a:ext cx="0" cy="0"/>
+          <a:chOff x="0" y="0"/>
+          <a:chExt cx="0" cy="0"/>
+        </a:xfrm>
+      </p:grpSpPr>
+      <p:sp>
+        <p:nvSpPr>
+          <p:cNvPr id="2" name="Date Placeholder 1"/>
+          <p:cNvSpPr>
+            <a:spLocks noGrp="1"/>
+          </p:cNvSpPr>
+          <p:nvPr>
+            <p:ph type="dt" sz="half" idx="10"/>
+          </p:nvPr>
+        </p:nvSpPr>
+        <p:spPr/>
+        <p:txBody>
+          <a:bodyPr/>
+          <a:lstStyle/>
+          <a:p>
+            <a:fld id="{4F87A324-FCA6-491D-BCE4-701652686B7A}" type="datetimeFigureOut">
+              <a:rPr lang="pl-PL" smtClean="0"/>
+              <a:t>27.05.2019</a:t>
+            </a:fld>
+            <a:endParaRPr lang="pl-PL"/>
+          </a:p>
+        </p:txBody>
+      </p:sp>
+      <p:sp>
+        <p:nvSpPr>
+          <p:cNvPr id="3" name="Footer Placeholder 2"/>
+          <p:cNvSpPr>
+            <a:spLocks noGrp="1"/>
+          </p:cNvSpPr>
+          <p:nvPr>
+            <p:ph type="ftr" sz="quarter" idx="11"/>
+          </p:nvPr>
+        </p:nvSpPr>
+        <p:spPr/>
+        <p:txBody>
+          <a:bodyPr/>
+          <a:lstStyle/>
+          <a:p>
+            <a:endParaRPr lang="pl-PL"/>
+          </a:p>
+        </p:txBody>
+      </p:sp>
+      <p:sp>
+        <p:nvSpPr>
+          <p:cNvPr id="4" name="Slide Number Placeholder 3"/>
+          <p:cNvSpPr>
+            <a:spLocks noGrp="1"/>
+          </p:cNvSpPr>
+          <p:nvPr>
+            <p:ph type="sldNum" sz="quarter" idx="12"/>
+          </p:nvPr>
+        </p:nvSpPr>
+        <p:spPr/>
+        <p:txBody>
+          <a:bodyPr/>
+          <a:lstStyle/>
+          <a:p>
+            <a:fld id="{FF98A3B4-756E-4363-85E0-B5CE2B042782}" type="slidenum">
+              <a:rPr lang="pl-PL" smtClean="0"/>
+              <a:t>‹#›</a:t>
+            </a:fld>
+            <a:endParaRPr lang="pl-PL"/>
+          </a:p>
+        </p:txBody>
+      </p:sp>
+    </p:spTree>
+    <p:extLst>
+      <p:ext uri="{BB962C8B-B14F-4D97-AF65-F5344CB8AC3E}">
+        <p14:creationId xmlns:p14="http://schemas.microsoft.com/office/powerpoint/2010/main" val="3270568957"/>
+      </p:ext>
+    </p:extLst>
+  </p:cSld>
+  <p:clrMapOvr>
+    <a:masterClrMapping/>
+  </p:clrMapOvr>
+</p:sldLayout>
+</file>
+
+<file path=ppt/slideLayouts/slideLayout8.xml><?xml version="1.0" encoding="utf-8"?>
+<p:sldLayout xmlns:a="http://schemas.openxmlformats.org/drawingml/2006/main" xmlns:r="http://schemas.openxmlformats.org/officeDocument/2006/relationships" xmlns:p="http://schemas.openxmlformats.org/presentationml/2006/main" type="objTx" preserve="1">
+  <p:cSld name="Zawartość z podpisem">
+    <p:spTree>
+      <p:nvGrpSpPr>
+        <p:cNvPr id="1" name=""/>
+        <p:cNvGrpSpPr/>
+        <p:nvPr/>
+      </p:nvGrpSpPr>
+      <p:grpSpPr>
+        <a:xfrm>
+          <a:off x="0" y="0"/>
+          <a:ext cx="0" cy="0"/>
+          <a:chOff x="0" y="0"/>
+          <a:chExt cx="0" cy="0"/>
+        </a:xfrm>
+      </p:grpSpPr>
+      <p:sp>
+        <p:nvSpPr>
+          <p:cNvPr id="2" name="Title 1"/>
+          <p:cNvSpPr>
+            <a:spLocks noGrp="1"/>
+          </p:cNvSpPr>
+          <p:nvPr>
+            <p:ph type="title"/>
+          </p:nvPr>
+        </p:nvSpPr>
+        <p:spPr>
+          <a:xfrm>
+            <a:off x="841248" y="457200"/>
+            <a:ext cx="3931920" cy="1600197"/>
+          </a:xfrm>
+        </p:spPr>
+        <p:txBody>
+          <a:bodyPr anchor="b">
+            <a:normAutofit/>
+          </a:bodyPr>
+          <a:lstStyle>
+            <a:lvl1pPr>
+              <a:defRPr sz="3200" b="0"/>
+            </a:lvl1pPr>
+          </a:lstStyle>
+          <a:p>
+            <a:r>
+              <a:rPr lang="pl-PL"/>
+              <a:t>Kliknij, aby edytować styl</a:t>
+            </a:r>
+            <a:endParaRPr lang="en-US" dirty="0"/>
+          </a:p>
+        </p:txBody>
+      </p:sp>
+      <p:sp>
+        <p:nvSpPr>
+          <p:cNvPr id="3" name="Content Placeholder 2"/>
+          <p:cNvSpPr>
+            <a:spLocks noGrp="1"/>
+          </p:cNvSpPr>
+          <p:nvPr>
+            <p:ph idx="1"/>
+          </p:nvPr>
+        </p:nvSpPr>
+        <p:spPr>
+          <a:xfrm>
+            <a:off x="5181600" y="990600"/>
+            <a:ext cx="6172200" cy="4876800"/>
+          </a:xfrm>
+        </p:spPr>
+        <p:txBody>
+          <a:bodyPr/>
+          <a:lstStyle>
+            <a:lvl1pPr>
+              <a:defRPr sz="3200"/>
+            </a:lvl1pPr>
+            <a:lvl2pPr>
+              <a:defRPr sz="2800"/>
+            </a:lvl2pPr>
+            <a:lvl3pPr>
+              <a:defRPr sz="2400"/>
+            </a:lvl3pPr>
+            <a:lvl4pPr>
+              <a:defRPr sz="2000"/>
+            </a:lvl4pPr>
+            <a:lvl5pPr>
+              <a:defRPr sz="2000"/>
+            </a:lvl5pPr>
+            <a:lvl6pPr>
+              <a:defRPr sz="2000"/>
+            </a:lvl6pPr>
+            <a:lvl7pPr>
+              <a:defRPr sz="2000"/>
+            </a:lvl7pPr>
+            <a:lvl8pPr>
+              <a:defRPr sz="2000"/>
+            </a:lvl8pPr>
+            <a:lvl9pPr>
+              <a:defRPr sz="2000"/>
+            </a:lvl9pPr>
+          </a:lstStyle>
+          <a:p>
+            <a:pPr lvl="0"/>
+            <a:r>
+              <a:rPr lang="pl-PL"/>
+              <a:t>Kliknij, aby edytować style wzorca tekstu</a:t>
+            </a:r>
+          </a:p>
+          <a:p>
+            <a:pPr lvl="1"/>
+            <a:r>
+              <a:rPr lang="pl-PL"/>
+              <a:t>Drugi poziom</a:t>
+            </a:r>
+          </a:p>
+          <a:p>
+            <a:pPr lvl="2"/>
+            <a:r>
+              <a:rPr lang="pl-PL"/>
+              <a:t>Trzeci poziom</a:t>
+            </a:r>
+          </a:p>
+          <a:p>
+            <a:pPr lvl="3"/>
+            <a:r>
+              <a:rPr lang="pl-PL"/>
+              <a:t>Czwarty poziom</a:t>
+            </a:r>
+          </a:p>
+          <a:p>
+            <a:pPr lvl="4"/>
+            <a:r>
+              <a:rPr lang="pl-PL"/>
+              <a:t>Piąty poziom</a:t>
+            </a:r>
+            <a:endParaRPr lang="en-US" dirty="0"/>
+          </a:p>
+        </p:txBody>
+      </p:sp>
+      <p:sp>
+        <p:nvSpPr>
+          <p:cNvPr id="4" name="Text Placeholder 3"/>
+          <p:cNvSpPr>
+            <a:spLocks noGrp="1"/>
+          </p:cNvSpPr>
+          <p:nvPr>
+            <p:ph type="body" sz="half" idx="2"/>
+          </p:nvPr>
+        </p:nvSpPr>
+        <p:spPr>
+          <a:xfrm>
+            <a:off x="841248" y="2057399"/>
+            <a:ext cx="3931920" cy="3810001"/>
+          </a:xfrm>
+        </p:spPr>
+        <p:txBody>
+          <a:bodyPr>
+            <a:normAutofit/>
+          </a:bodyPr>
+          <a:lstStyle>
+            <a:lvl1pPr marL="0" indent="0">
+              <a:lnSpc>
+                <a:spcPct val="90000"/>
+              </a:lnSpc>
+              <a:buNone/>
+              <a:defRPr sz="1600"/>
+            </a:lvl1pPr>
+            <a:lvl2pPr marL="457200" indent="0">
+              <a:buNone/>
+              <a:defRPr sz="1200"/>
+            </a:lvl2pPr>
+            <a:lvl3pPr marL="914400" indent="0">
+              <a:buNone/>
+              <a:defRPr sz="1000"/>
+            </a:lvl3pPr>
+            <a:lvl4pPr marL="1371600" indent="0">
+              <a:buNone/>
+              <a:defRPr sz="900"/>
+            </a:lvl4pPr>
+            <a:lvl5pPr marL="1828800" indent="0">
+              <a:buNone/>
+              <a:defRPr sz="900"/>
+            </a:lvl5pPr>
+            <a:lvl6pPr marL="2286000" indent="0">
+              <a:buNone/>
+              <a:defRPr sz="900"/>
+            </a:lvl6pPr>
+            <a:lvl7pPr marL="2743200" indent="0">
+              <a:buNone/>
+              <a:defRPr sz="900"/>
+            </a:lvl7pPr>
+            <a:lvl8pPr marL="3200400" indent="0">
+              <a:buNone/>
+              <a:defRPr sz="900"/>
+            </a:lvl8pPr>
+            <a:lvl9pPr marL="3657600" indent="0">
+              <a:buNone/>
+              <a:defRPr sz="900"/>
+            </a:lvl9pPr>
+          </a:lstStyle>
+          <a:p>
+            <a:pPr lvl="0"/>
+            <a:r>
+              <a:rPr lang="pl-PL"/>
+              <a:t>Kliknij, aby edytować style wzorca tekstu</a:t>
+            </a:r>
+          </a:p>
+        </p:txBody>
+      </p:sp>
+      <p:sp>
+        <p:nvSpPr>
+          <p:cNvPr id="5" name="Date Placeholder 4"/>
+          <p:cNvSpPr>
+            <a:spLocks noGrp="1"/>
+          </p:cNvSpPr>
+          <p:nvPr>
+            <p:ph type="dt" sz="half" idx="10"/>
+          </p:nvPr>
+        </p:nvSpPr>
+        <p:spPr/>
+        <p:txBody>
+          <a:bodyPr/>
+          <a:lstStyle/>
+          <a:p>
+            <a:fld id="{4F87A324-FCA6-491D-BCE4-701652686B7A}" type="datetimeFigureOut">
+              <a:rPr lang="pl-PL" smtClean="0"/>
+              <a:t>27.05.2019</a:t>
+            </a:fld>
+            <a:endParaRPr lang="pl-PL"/>
+          </a:p>
+        </p:txBody>
+      </p:sp>
+      <p:sp>
+        <p:nvSpPr>
+          <p:cNvPr id="6" name="Footer Placeholder 5"/>
+          <p:cNvSpPr>
+            <a:spLocks noGrp="1"/>
+          </p:cNvSpPr>
+          <p:nvPr>
+            <p:ph type="ftr" sz="quarter" idx="11"/>
+          </p:nvPr>
+        </p:nvSpPr>
+        <p:spPr/>
+        <p:txBody>
+          <a:bodyPr/>
+          <a:lstStyle/>
+          <a:p>
+            <a:endParaRPr lang="pl-PL"/>
+          </a:p>
+        </p:txBody>
+      </p:sp>
+      <p:sp>
+        <p:nvSpPr>
+          <p:cNvPr id="7" name="Slide Number Placeholder 6"/>
+          <p:cNvSpPr>
+            <a:spLocks noGrp="1"/>
+          </p:cNvSpPr>
+          <p:nvPr>
+            <p:ph type="sldNum" sz="quarter" idx="12"/>
+          </p:nvPr>
+        </p:nvSpPr>
+        <p:spPr/>
+        <p:txBody>
+          <a:bodyPr/>
+          <a:lstStyle/>
+          <a:p>
+            <a:fld id="{FF98A3B4-756E-4363-85E0-B5CE2B042782}" type="slidenum">
+              <a:rPr lang="pl-PL" smtClean="0"/>
+              <a:t>‹#›</a:t>
+            </a:fld>
+            <a:endParaRPr lang="pl-PL"/>
+          </a:p>
+        </p:txBody>
+      </p:sp>
+    </p:spTree>
+    <p:extLst>
+      <p:ext uri="{BB962C8B-B14F-4D97-AF65-F5344CB8AC3E}">
+        <p14:creationId xmlns:p14="http://schemas.microsoft.com/office/powerpoint/2010/main" val="1797286530"/>
       </p:ext>
     </p:extLst>
   </p:cSld>
@@ -2470,13 +4902,7 @@
       </p:grpSpPr>
       <p:sp>
         <p:nvSpPr>
-          <p:cNvPr id="2" name="Tytuł 1">
-            <a:extLst>
-              <a:ext uri="{FF2B5EF4-FFF2-40B4-BE49-F238E27FC236}">
-                <a16:creationId xmlns:a16="http://schemas.microsoft.com/office/drawing/2014/main" id="{53996E2C-2B39-4E19-8D5D-548D33C7746C}"/>
-              </a:ext>
-            </a:extLst>
-          </p:cNvPr>
+          <p:cNvPr id="2" name="Title 1"/>
           <p:cNvSpPr>
             <a:spLocks noGrp="1"/>
           </p:cNvSpPr>
@@ -2486,15 +4912,17 @@
         </p:nvSpPr>
         <p:spPr>
           <a:xfrm>
-            <a:off x="839788" y="457200"/>
-            <a:ext cx="3932237" cy="1600200"/>
+            <a:off x="841248" y="457200"/>
+            <a:ext cx="3931920" cy="1600200"/>
           </a:xfrm>
         </p:spPr>
         <p:txBody>
-          <a:bodyPr anchor="b"/>
+          <a:bodyPr anchor="b">
+            <a:normAutofit/>
+          </a:bodyPr>
           <a:lstStyle>
             <a:lvl1pPr>
-              <a:defRPr sz="3200"/>
+              <a:defRPr sz="3200" b="0"/>
             </a:lvl1pPr>
           </a:lstStyle>
           <a:p>
@@ -2502,18 +4930,13 @@
               <a:rPr lang="pl-PL"/>
               <a:t>Kliknij, aby edytować styl</a:t>
             </a:r>
-          </a:p>
-        </p:txBody>
-      </p:sp>
-      <p:sp>
-        <p:nvSpPr>
-          <p:cNvPr id="3" name="Symbol zastępczy obrazu 2">
-            <a:extLst>
-              <a:ext uri="{FF2B5EF4-FFF2-40B4-BE49-F238E27FC236}">
-                <a16:creationId xmlns:a16="http://schemas.microsoft.com/office/drawing/2014/main" id="{BC74E021-8A22-4575-8C1E-1E9B106E0061}"/>
-              </a:ext>
-            </a:extLst>
-          </p:cNvPr>
+            <a:endParaRPr lang="en-US" dirty="0"/>
+          </a:p>
+        </p:txBody>
+      </p:sp>
+      <p:sp>
+        <p:nvSpPr>
+          <p:cNvPr id="3" name="Picture Placeholder 2"/>
           <p:cNvSpPr>
             <a:spLocks noGrp="1"/>
           </p:cNvSpPr>
@@ -2523,8 +4946,8 @@
         </p:nvSpPr>
         <p:spPr>
           <a:xfrm>
-            <a:off x="5183188" y="987425"/>
-            <a:ext cx="6172200" cy="4873625"/>
+            <a:off x="5181600" y="990600"/>
+            <a:ext cx="6172200" cy="4876800"/>
           </a:xfrm>
         </p:spPr>
         <p:txBody>
@@ -2568,19 +4991,17 @@
             </a:lvl9pPr>
           </a:lstStyle>
           <a:p>
-            <a:endParaRPr lang="pl-PL"/>
-          </a:p>
-        </p:txBody>
-      </p:sp>
-      <p:sp>
-        <p:nvSpPr>
-          <p:cNvPr id="4" name="Symbol zastępczy tekstu 3">
-            <a:extLst>
-              <a:ext uri="{FF2B5EF4-FFF2-40B4-BE49-F238E27FC236}">
-                <a16:creationId xmlns:a16="http://schemas.microsoft.com/office/drawing/2014/main" id="{67186FD6-171D-4CB1-B385-8A64FE8DA5C3}"/>
-              </a:ext>
-            </a:extLst>
-          </p:cNvPr>
+            <a:r>
+              <a:rPr lang="pl-PL"/>
+              <a:t>Kliknij ikonę, aby dodać obraz</a:t>
+            </a:r>
+            <a:endParaRPr lang="en-US" dirty="0"/>
+          </a:p>
+        </p:txBody>
+      </p:sp>
+      <p:sp>
+        <p:nvSpPr>
+          <p:cNvPr id="4" name="Text Placeholder 3"/>
           <p:cNvSpPr>
             <a:spLocks noGrp="1"/>
           </p:cNvSpPr>
@@ -2590,48 +5011,53 @@
         </p:nvSpPr>
         <p:spPr>
           <a:xfrm>
-            <a:off x="839788" y="2057400"/>
-            <a:ext cx="3932237" cy="3811588"/>
+            <a:off x="841248" y="2057400"/>
+            <a:ext cx="3931920" cy="3810000"/>
           </a:xfrm>
         </p:spPr>
         <p:txBody>
-          <a:bodyPr/>
+          <a:bodyPr>
+            <a:normAutofit/>
+          </a:bodyPr>
           <a:lstStyle>
             <a:lvl1pPr marL="0" indent="0">
+              <a:lnSpc>
+                <a:spcPct val="90000"/>
+              </a:lnSpc>
               <a:buNone/>
               <a:defRPr sz="1600"/>
             </a:lvl1pPr>
             <a:lvl2pPr marL="457200" indent="0">
               <a:buNone/>
-              <a:defRPr sz="1400"/>
+              <a:defRPr sz="1200"/>
             </a:lvl2pPr>
             <a:lvl3pPr marL="914400" indent="0">
               <a:buNone/>
-              <a:defRPr sz="1200"/>
+              <a:defRPr sz="1000"/>
             </a:lvl3pPr>
             <a:lvl4pPr marL="1371600" indent="0">
               <a:buNone/>
-              <a:defRPr sz="1000"/>
+              <a:defRPr sz="900"/>
             </a:lvl4pPr>
             <a:lvl5pPr marL="1828800" indent="0">
               <a:buNone/>
-              <a:defRPr sz="1000"/>
+              <a:defRPr sz="900"/>
             </a:lvl5pPr>
             <a:lvl6pPr marL="2286000" indent="0">
               <a:buNone/>
-              <a:defRPr sz="1000"/>
+              <a:defRPr sz="900"/>
             </a:lvl6pPr>
             <a:lvl7pPr marL="2743200" indent="0">
               <a:buNone/>
-              <a:defRPr sz="1000"/>
+              <a:defRPr sz="900"/>
             </a:lvl7pPr>
             <a:lvl8pPr marL="3200400" indent="0">
               <a:buNone/>
-              <a:defRPr sz="1000"/>
+              <a:defRPr sz="900"/>
             </a:lvl8pPr>
             <a:lvl9pPr marL="3657600" indent="0">
               <a:buNone/>
-              <a:defRPr sz="1000"/>
+              <a:defRPr sz="900"/>
             </a:lvl9pPr>
           </a:lstStyle>
           <a:p>
@@ -2645,13 +5071,7 @@
       </p:sp>
       <p:sp>
         <p:nvSpPr>
-          <p:cNvPr id="5" name="Symbol zastępczy daty 4">
-            <a:extLst>
-              <a:ext uri="{FF2B5EF4-FFF2-40B4-BE49-F238E27FC236}">
-                <a16:creationId xmlns:a16="http://schemas.microsoft.com/office/drawing/2014/main" id="{819AFF4D-26D5-46E3-8224-AB158D9941B0}"/>
-              </a:ext>
-            </a:extLst>
-          </p:cNvPr>
+          <p:cNvPr id="5" name="Date Placeholder 4"/>
           <p:cNvSpPr>
             <a:spLocks noGrp="1"/>
           </p:cNvSpPr>
@@ -2666,7 +5086,7 @@
           <a:p>
             <a:fld id="{4F87A324-FCA6-491D-BCE4-701652686B7A}" type="datetimeFigureOut">
               <a:rPr lang="pl-PL" smtClean="0"/>
-              <a:t>23.05.2019</a:t>
+              <a:t>27.05.2019</a:t>
             </a:fld>
             <a:endParaRPr lang="pl-PL"/>
           </a:p>
@@ -2674,13 +5094,7 @@
       </p:sp>
       <p:sp>
         <p:nvSpPr>
-          <p:cNvPr id="6" name="Symbol zastępczy stopki 5">
-            <a:extLst>
-              <a:ext uri="{FF2B5EF4-FFF2-40B4-BE49-F238E27FC236}">
-                <a16:creationId xmlns:a16="http://schemas.microsoft.com/office/drawing/2014/main" id="{A181DC67-E476-4F42-9A3D-EF411D905DA1}"/>
-              </a:ext>
-            </a:extLst>
-          </p:cNvPr>
+          <p:cNvPr id="6" name="Footer Placeholder 5"/>
           <p:cNvSpPr>
             <a:spLocks noGrp="1"/>
           </p:cNvSpPr>
@@ -2699,13 +5113,7 @@
       </p:sp>
       <p:sp>
         <p:nvSpPr>
-          <p:cNvPr id="7" name="Symbol zastępczy numeru slajdu 6">
-            <a:extLst>
-              <a:ext uri="{FF2B5EF4-FFF2-40B4-BE49-F238E27FC236}">
-                <a16:creationId xmlns:a16="http://schemas.microsoft.com/office/drawing/2014/main" id="{D475E987-30F6-4662-B61C-796D1227F208}"/>
-              </a:ext>
-            </a:extLst>
-          </p:cNvPr>
+          <p:cNvPr id="7" name="Slide Number Placeholder 6"/>
           <p:cNvSpPr>
             <a:spLocks noGrp="1"/>
           </p:cNvSpPr>
@@ -2729,7 +5137,7 @@
     </p:spTree>
     <p:extLst>
       <p:ext uri="{BB962C8B-B14F-4D97-AF65-F5344CB8AC3E}">
-        <p14:creationId xmlns:p14="http://schemas.microsoft.com/office/powerpoint/2010/main" val="983560135"/>
+        <p14:creationId xmlns:p14="http://schemas.microsoft.com/office/powerpoint/2010/main" val="1155020701"/>
       </p:ext>
     </p:extLst>
   </p:cSld>
@@ -2740,7 +5148,7 @@
 </file>
 
 <file path=ppt/slideMasters/slideMaster1.xml><?xml version="1.0" encoding="utf-8"?>
-<p:sldMaster xmlns:a="http://schemas.openxmlformats.org/drawingml/2006/main" xmlns:r="http://schemas.openxmlformats.org/officeDocument/2006/relationships" xmlns:p="http://schemas.openxmlformats.org/presentationml/2006/main">
+<p:sldMaster xmlns:a="http://schemas.openxmlformats.org/drawingml/2006/main" xmlns:r="http://schemas.openxmlformats.org/officeDocument/2006/relationships" xmlns:p="http://schemas.openxmlformats.org/presentationml/2006/main" preserve="1">
   <p:cSld>
     <p:bg>
       <p:bgRef idx="1001">
@@ -2763,13 +5171,7 @@
       </p:grpSpPr>
       <p:sp>
         <p:nvSpPr>
-          <p:cNvPr id="2" name="Symbol zastępczy tytułu 1">
-            <a:extLst>
-              <a:ext uri="{FF2B5EF4-FFF2-40B4-BE49-F238E27FC236}">
-                <a16:creationId xmlns:a16="http://schemas.microsoft.com/office/drawing/2014/main" id="{A096062C-197D-4D7A-8530-8936322F0D52}"/>
-              </a:ext>
-            </a:extLst>
-          </p:cNvPr>
+          <p:cNvPr id="2" name="Title Placeholder 1"/>
           <p:cNvSpPr>
             <a:spLocks noGrp="1"/>
           </p:cNvSpPr>
@@ -2779,8 +5181,8 @@
         </p:nvSpPr>
         <p:spPr>
           <a:xfrm>
-            <a:off x="838200" y="365125"/>
-            <a:ext cx="10515600" cy="1325563"/>
+            <a:off x="845127" y="365760"/>
+            <a:ext cx="10515600" cy="1325562"/>
           </a:xfrm>
           <a:prstGeom prst="rect">
             <a:avLst/>
@@ -2796,18 +5198,13 @@
               <a:rPr lang="pl-PL"/>
               <a:t>Kliknij, aby edytować styl</a:t>
             </a:r>
-          </a:p>
-        </p:txBody>
-      </p:sp>
-      <p:sp>
-        <p:nvSpPr>
-          <p:cNvPr id="3" name="Symbol zastępczy tekstu 2">
-            <a:extLst>
-              <a:ext uri="{FF2B5EF4-FFF2-40B4-BE49-F238E27FC236}">
-                <a16:creationId xmlns:a16="http://schemas.microsoft.com/office/drawing/2014/main" id="{009D5ABB-DDB8-4F1B-9AE0-2D648AEC04A3}"/>
-              </a:ext>
-            </a:extLst>
-          </p:cNvPr>
+            <a:endParaRPr lang="en-US" dirty="0"/>
+          </a:p>
+        </p:txBody>
+      </p:sp>
+      <p:sp>
+        <p:nvSpPr>
+          <p:cNvPr id="3" name="Text Placeholder 2"/>
           <p:cNvSpPr>
             <a:spLocks noGrp="1"/>
           </p:cNvSpPr>
@@ -2817,8 +5214,8 @@
         </p:nvSpPr>
         <p:spPr>
           <a:xfrm>
-            <a:off x="838200" y="1825625"/>
-            <a:ext cx="10515600" cy="4351338"/>
+            <a:off x="845127" y="1828800"/>
+            <a:ext cx="10515600" cy="4351337"/>
           </a:xfrm>
           <a:prstGeom prst="rect">
             <a:avLst/>
@@ -2863,18 +5260,13 @@
               <a:rPr lang="pl-PL"/>
               <a:t>Piąty poziom</a:t>
             </a:r>
-          </a:p>
-        </p:txBody>
-      </p:sp>
-      <p:sp>
-        <p:nvSpPr>
-          <p:cNvPr id="4" name="Symbol zastępczy daty 3">
-            <a:extLst>
-              <a:ext uri="{FF2B5EF4-FFF2-40B4-BE49-F238E27FC236}">
-                <a16:creationId xmlns:a16="http://schemas.microsoft.com/office/drawing/2014/main" id="{3AF2E57C-DA5B-4884-8378-B4E39DC0AE24}"/>
-              </a:ext>
-            </a:extLst>
-          </p:cNvPr>
+            <a:endParaRPr lang="en-US" dirty="0"/>
+          </a:p>
+        </p:txBody>
+      </p:sp>
+      <p:sp>
+        <p:nvSpPr>
+          <p:cNvPr id="4" name="Date Placeholder 3"/>
           <p:cNvSpPr>
             <a:spLocks noGrp="1"/>
           </p:cNvSpPr>
@@ -2895,10 +5287,11 @@
           <a:bodyPr vert="horz" lIns="91440" tIns="45720" rIns="91440" bIns="45720" rtlCol="0" anchor="ctr"/>
           <a:lstStyle>
             <a:lvl1pPr algn="l">
-              <a:defRPr sz="1200">
+              <a:defRPr sz="1100">
                 <a:solidFill>
                   <a:schemeClr val="tx1">
-                    <a:tint val="75000"/>
+                    <a:lumMod val="65000"/>
+                    <a:lumOff val="35000"/>
                   </a:schemeClr>
                 </a:solidFill>
               </a:defRPr>
@@ -2907,7 +5300,7 @@
           <a:p>
             <a:fld id="{4F87A324-FCA6-491D-BCE4-701652686B7A}" type="datetimeFigureOut">
               <a:rPr lang="pl-PL" smtClean="0"/>
-              <a:t>23.05.2019</a:t>
+              <a:t>27.05.2019</a:t>
             </a:fld>
             <a:endParaRPr lang="pl-PL"/>
           </a:p>
@@ -2915,13 +5308,7 @@
       </p:sp>
       <p:sp>
         <p:nvSpPr>
-          <p:cNvPr id="5" name="Symbol zastępczy stopki 4">
-            <a:extLst>
-              <a:ext uri="{FF2B5EF4-FFF2-40B4-BE49-F238E27FC236}">
-                <a16:creationId xmlns:a16="http://schemas.microsoft.com/office/drawing/2014/main" id="{FE16EFC4-C48D-4192-A4F2-3C3A142C2627}"/>
-              </a:ext>
-            </a:extLst>
-          </p:cNvPr>
+          <p:cNvPr id="5" name="Footer Placeholder 4"/>
           <p:cNvSpPr>
             <a:spLocks noGrp="1"/>
           </p:cNvSpPr>
@@ -2942,10 +5329,11 @@
           <a:bodyPr vert="horz" lIns="91440" tIns="45720" rIns="91440" bIns="45720" rtlCol="0" anchor="ctr"/>
           <a:lstStyle>
             <a:lvl1pPr algn="ctr">
-              <a:defRPr sz="1200">
+              <a:defRPr sz="1100">
                 <a:solidFill>
                   <a:schemeClr val="tx1">
-                    <a:tint val="75000"/>
+                    <a:lumMod val="65000"/>
+                    <a:lumOff val="35000"/>
                   </a:schemeClr>
                 </a:solidFill>
               </a:defRPr>
@@ -2958,13 +5346,7 @@
       </p:sp>
       <p:sp>
         <p:nvSpPr>
-          <p:cNvPr id="6" name="Symbol zastępczy numeru slajdu 5">
-            <a:extLst>
-              <a:ext uri="{FF2B5EF4-FFF2-40B4-BE49-F238E27FC236}">
-                <a16:creationId xmlns:a16="http://schemas.microsoft.com/office/drawing/2014/main" id="{8F52DF8C-5613-464A-8F8D-FBA617BDBF52}"/>
-              </a:ext>
-            </a:extLst>
-          </p:cNvPr>
+          <p:cNvPr id="6" name="Slide Number Placeholder 5"/>
           <p:cNvSpPr>
             <a:spLocks noGrp="1"/>
           </p:cNvSpPr>
@@ -2974,7 +5356,7 @@
         </p:nvSpPr>
         <p:spPr>
           <a:xfrm>
-            <a:off x="8610600" y="6356350"/>
+            <a:off x="8617527" y="6356350"/>
             <a:ext cx="2743200" cy="365125"/>
           </a:xfrm>
           <a:prstGeom prst="rect">
@@ -2985,7 +5367,7 @@
           <a:bodyPr vert="horz" lIns="91440" tIns="45720" rIns="91440" bIns="45720" rtlCol="0" anchor="ctr"/>
           <a:lstStyle>
             <a:lvl1pPr algn="r">
-              <a:defRPr sz="1200">
+              <a:defRPr sz="1100">
                 <a:solidFill>
                   <a:schemeClr val="tx1">
                     <a:tint val="75000"/>
@@ -3006,23 +5388,23 @@
     </p:spTree>
     <p:extLst>
       <p:ext uri="{BB962C8B-B14F-4D97-AF65-F5344CB8AC3E}">
-        <p14:creationId xmlns:p14="http://schemas.microsoft.com/office/powerpoint/2010/main" val="789864996"/>
+        <p14:creationId xmlns:p14="http://schemas.microsoft.com/office/powerpoint/2010/main" val="547228533"/>
       </p:ext>
     </p:extLst>
   </p:cSld>
   <p:clrMap bg1="lt1" tx1="dk1" bg2="lt2" tx2="dk2" accent1="accent1" accent2="accent2" accent3="accent3" accent4="accent4" accent5="accent5" accent6="accent6" hlink="hlink" folHlink="folHlink"/>
   <p:sldLayoutIdLst>
-    <p:sldLayoutId id="2147483649" r:id="rId1"/>
-    <p:sldLayoutId id="2147483650" r:id="rId2"/>
-    <p:sldLayoutId id="2147483651" r:id="rId3"/>
-    <p:sldLayoutId id="2147483652" r:id="rId4"/>
-    <p:sldLayoutId id="2147483653" r:id="rId5"/>
-    <p:sldLayoutId id="2147483654" r:id="rId6"/>
-    <p:sldLayoutId id="2147483655" r:id="rId7"/>
-    <p:sldLayoutId id="2147483656" r:id="rId8"/>
-    <p:sldLayoutId id="2147483657" r:id="rId9"/>
-    <p:sldLayoutId id="2147483658" r:id="rId10"/>
-    <p:sldLayoutId id="2147483659" r:id="rId11"/>
+    <p:sldLayoutId id="2147483805" r:id="rId1"/>
+    <p:sldLayoutId id="2147483806" r:id="rId2"/>
+    <p:sldLayoutId id="2147483807" r:id="rId3"/>
+    <p:sldLayoutId id="2147483808" r:id="rId4"/>
+    <p:sldLayoutId id="2147483809" r:id="rId5"/>
+    <p:sldLayoutId id="2147483810" r:id="rId6"/>
+    <p:sldLayoutId id="2147483811" r:id="rId7"/>
+    <p:sldLayoutId id="2147483812" r:id="rId8"/>
+    <p:sldLayoutId id="2147483813" r:id="rId9"/>
+    <p:sldLayoutId id="2147483814" r:id="rId10"/>
+    <p:sldLayoutId id="2147483815" r:id="rId11"/>
   </p:sldLayoutIdLst>
   <p:txStyles>
     <p:titleStyle>
@@ -3052,8 +5434,8 @@
         <a:spcBef>
           <a:spcPts val="1000"/>
         </a:spcBef>
-        <a:buFont typeface="Arial" panose="020B0604020202020204" pitchFamily="34" charset="0"/>
-        <a:buChar char="•"/>
+        <a:buFont typeface="Wingdings 2" pitchFamily="18" charset="2"/>
+        <a:buChar char=""/>
         <a:defRPr sz="2800" kern="1200">
           <a:solidFill>
             <a:schemeClr val="tx1"/>
@@ -3070,8 +5452,8 @@
         <a:spcBef>
           <a:spcPts val="500"/>
         </a:spcBef>
-        <a:buFont typeface="Arial" panose="020B0604020202020204" pitchFamily="34" charset="0"/>
-        <a:buChar char="•"/>
+        <a:buFont typeface="Wingdings 2" pitchFamily="18" charset="2"/>
+        <a:buChar char=""/>
         <a:defRPr sz="2400" kern="1200">
           <a:solidFill>
             <a:schemeClr val="tx1"/>
@@ -3088,8 +5470,8 @@
         <a:spcBef>
           <a:spcPts val="500"/>
         </a:spcBef>
-        <a:buFont typeface="Arial" panose="020B0604020202020204" pitchFamily="34" charset="0"/>
-        <a:buChar char="•"/>
+        <a:buFont typeface="Wingdings 2" pitchFamily="18" charset="2"/>
+        <a:buChar char=""/>
         <a:defRPr sz="2000" kern="1200">
           <a:solidFill>
             <a:schemeClr val="tx1"/>
@@ -3106,8 +5488,8 @@
         <a:spcBef>
           <a:spcPts val="500"/>
         </a:spcBef>
-        <a:buFont typeface="Arial" panose="020B0604020202020204" pitchFamily="34" charset="0"/>
-        <a:buChar char="•"/>
+        <a:buFont typeface="Wingdings 2" pitchFamily="18" charset="2"/>
+        <a:buChar char=""/>
         <a:defRPr sz="1800" kern="1200">
           <a:solidFill>
             <a:schemeClr val="tx1"/>
@@ -3124,8 +5506,8 @@
         <a:spcBef>
           <a:spcPts val="500"/>
         </a:spcBef>
-        <a:buFont typeface="Arial" panose="020B0604020202020204" pitchFamily="34" charset="0"/>
-        <a:buChar char="•"/>
+        <a:buFont typeface="Wingdings 2" pitchFamily="18" charset="2"/>
+        <a:buChar char=""/>
         <a:defRPr sz="1800" kern="1200">
           <a:solidFill>
             <a:schemeClr val="tx1"/>
@@ -3136,14 +5518,11 @@
         </a:defRPr>
       </a:lvl5pPr>
       <a:lvl6pPr marL="2514600" indent="-228600" algn="l" defTabSz="914400" rtl="0" eaLnBrk="1" latinLnBrk="0" hangingPunct="1">
-        <a:lnSpc>
-          <a:spcPct val="90000"/>
-        </a:lnSpc>
         <a:spcBef>
-          <a:spcPts val="500"/>
+          <a:spcPct val="20000"/>
         </a:spcBef>
-        <a:buFont typeface="Arial" panose="020B0604020202020204" pitchFamily="34" charset="0"/>
-        <a:buChar char="•"/>
+        <a:buFont typeface="Wingdings 2" pitchFamily="18" charset="2"/>
+        <a:buChar char=""/>
         <a:defRPr sz="1800" kern="1200">
           <a:solidFill>
             <a:schemeClr val="tx1"/>
@@ -3154,14 +5533,11 @@
         </a:defRPr>
       </a:lvl6pPr>
       <a:lvl7pPr marL="2971800" indent="-228600" algn="l" defTabSz="914400" rtl="0" eaLnBrk="1" latinLnBrk="0" hangingPunct="1">
-        <a:lnSpc>
-          <a:spcPct val="90000"/>
-        </a:lnSpc>
         <a:spcBef>
-          <a:spcPts val="500"/>
+          <a:spcPct val="20000"/>
         </a:spcBef>
-        <a:buFont typeface="Arial" panose="020B0604020202020204" pitchFamily="34" charset="0"/>
-        <a:buChar char="•"/>
+        <a:buFont typeface="Wingdings 2" pitchFamily="18" charset="2"/>
+        <a:buChar char=""/>
         <a:defRPr sz="1800" kern="1200">
           <a:solidFill>
             <a:schemeClr val="tx1"/>
@@ -3172,14 +5548,11 @@
         </a:defRPr>
       </a:lvl7pPr>
       <a:lvl8pPr marL="3429000" indent="-228600" algn="l" defTabSz="914400" rtl="0" eaLnBrk="1" latinLnBrk="0" hangingPunct="1">
-        <a:lnSpc>
-          <a:spcPct val="90000"/>
-        </a:lnSpc>
         <a:spcBef>
-          <a:spcPts val="500"/>
+          <a:spcPct val="20000"/>
         </a:spcBef>
-        <a:buFont typeface="Arial" panose="020B0604020202020204" pitchFamily="34" charset="0"/>
-        <a:buChar char="•"/>
+        <a:buFont typeface="Wingdings 2" pitchFamily="18" charset="2"/>
+        <a:buChar char=""/>
         <a:defRPr sz="1800" kern="1200">
           <a:solidFill>
             <a:schemeClr val="tx1"/>
@@ -3190,14 +5563,11 @@
         </a:defRPr>
       </a:lvl8pPr>
       <a:lvl9pPr marL="3886200" indent="-228600" algn="l" defTabSz="914400" rtl="0" eaLnBrk="1" latinLnBrk="0" hangingPunct="1">
-        <a:lnSpc>
-          <a:spcPct val="90000"/>
-        </a:lnSpc>
         <a:spcBef>
-          <a:spcPts val="500"/>
+          <a:spcPct val="20000"/>
         </a:spcBef>
-        <a:buFont typeface="Arial" panose="020B0604020202020204" pitchFamily="34" charset="0"/>
-        <a:buChar char="•"/>
+        <a:buFont typeface="Wingdings 2" pitchFamily="18" charset="2"/>
+        <a:buChar char=""/>
         <a:defRPr sz="1800" kern="1200">
           <a:solidFill>
             <a:schemeClr val="tx1"/>
@@ -3210,7 +5580,578 @@
     </p:bodyStyle>
     <p:otherStyle>
       <a:defPPr>
-        <a:defRPr lang="pl-PL"/>
+        <a:defRPr lang="en-US"/>
+      </a:defPPr>
+      <a:lvl1pPr marL="0" algn="l" defTabSz="914400" rtl="0" eaLnBrk="1" latinLnBrk="0" hangingPunct="1">
+        <a:defRPr sz="1800" kern="1200">
+          <a:solidFill>
+            <a:schemeClr val="tx1"/>
+          </a:solidFill>
+          <a:latin typeface="+mn-lt"/>
+          <a:ea typeface="+mn-ea"/>
+          <a:cs typeface="+mn-cs"/>
+        </a:defRPr>
+      </a:lvl1pPr>
+      <a:lvl2pPr marL="457200" algn="l" defTabSz="914400" rtl="0" eaLnBrk="1" latinLnBrk="0" hangingPunct="1">
+        <a:defRPr sz="1800" kern="1200">
+          <a:solidFill>
+            <a:schemeClr val="tx1"/>
+          </a:solidFill>
+          <a:latin typeface="+mn-lt"/>
+          <a:ea typeface="+mn-ea"/>
+          <a:cs typeface="+mn-cs"/>
+        </a:defRPr>
+      </a:lvl2pPr>
+      <a:lvl3pPr marL="914400" algn="l" defTabSz="914400" rtl="0" eaLnBrk="1" latinLnBrk="0" hangingPunct="1">
+        <a:defRPr sz="1800" kern="1200">
+          <a:solidFill>
+            <a:schemeClr val="tx1"/>
+          </a:solidFill>
+          <a:latin typeface="+mn-lt"/>
+          <a:ea typeface="+mn-ea"/>
+          <a:cs typeface="+mn-cs"/>
+        </a:defRPr>
+      </a:lvl3pPr>
+      <a:lvl4pPr marL="1371600" algn="l" defTabSz="914400" rtl="0" eaLnBrk="1" latinLnBrk="0" hangingPunct="1">
+        <a:defRPr sz="1800" kern="1200">
+          <a:solidFill>
+            <a:schemeClr val="tx1"/>
+          </a:solidFill>
+          <a:latin typeface="+mn-lt"/>
+          <a:ea typeface="+mn-ea"/>
+          <a:cs typeface="+mn-cs"/>
+        </a:defRPr>
+      </a:lvl4pPr>
+      <a:lvl5pPr marL="1828800" algn="l" defTabSz="914400" rtl="0" eaLnBrk="1" latinLnBrk="0" hangingPunct="1">
+        <a:defRPr sz="1800" kern="1200">
+          <a:solidFill>
+            <a:schemeClr val="tx1"/>
+          </a:solidFill>
+          <a:latin typeface="+mn-lt"/>
+          <a:ea typeface="+mn-ea"/>
+          <a:cs typeface="+mn-cs"/>
+        </a:defRPr>
+      </a:lvl5pPr>
+      <a:lvl6pPr marL="2286000" algn="l" defTabSz="914400" rtl="0" eaLnBrk="1" latinLnBrk="0" hangingPunct="1">
+        <a:defRPr sz="1800" kern="1200">
+          <a:solidFill>
+            <a:schemeClr val="tx1"/>
+          </a:solidFill>
+          <a:latin typeface="+mn-lt"/>
+          <a:ea typeface="+mn-ea"/>
+          <a:cs typeface="+mn-cs"/>
+        </a:defRPr>
+      </a:lvl6pPr>
+      <a:lvl7pPr marL="2743200" algn="l" defTabSz="914400" rtl="0" eaLnBrk="1" latinLnBrk="0" hangingPunct="1">
+        <a:defRPr sz="1800" kern="1200">
+          <a:solidFill>
+            <a:schemeClr val="tx1"/>
+          </a:solidFill>
+          <a:latin typeface="+mn-lt"/>
+          <a:ea typeface="+mn-ea"/>
+          <a:cs typeface="+mn-cs"/>
+        </a:defRPr>
+      </a:lvl7pPr>
+      <a:lvl8pPr marL="3200400" algn="l" defTabSz="914400" rtl="0" eaLnBrk="1" latinLnBrk="0" hangingPunct="1">
+        <a:defRPr sz="1800" kern="1200">
+          <a:solidFill>
+            <a:schemeClr val="tx1"/>
+          </a:solidFill>
+          <a:latin typeface="+mn-lt"/>
+          <a:ea typeface="+mn-ea"/>
+          <a:cs typeface="+mn-cs"/>
+        </a:defRPr>
+      </a:lvl8pPr>
+      <a:lvl9pPr marL="3657600" algn="l" defTabSz="914400" rtl="0" eaLnBrk="1" latinLnBrk="0" hangingPunct="1">
+        <a:defRPr sz="1800" kern="1200">
+          <a:solidFill>
+            <a:schemeClr val="tx1"/>
+          </a:solidFill>
+          <a:latin typeface="+mn-lt"/>
+          <a:ea typeface="+mn-ea"/>
+          <a:cs typeface="+mn-cs"/>
+        </a:defRPr>
+      </a:lvl9pPr>
+    </p:otherStyle>
+  </p:txStyles>
+</p:sldMaster>
+</file>
+
+<file path=ppt/slideMasters/slideMaster2.xml><?xml version="1.0" encoding="utf-8"?>
+<p:sldMaster xmlns:a="http://schemas.openxmlformats.org/drawingml/2006/main" xmlns:r="http://schemas.openxmlformats.org/officeDocument/2006/relationships" xmlns:p="http://schemas.openxmlformats.org/presentationml/2006/main">
+  <p:cSld>
+    <p:bg>
+      <p:bgRef idx="1001">
+        <a:schemeClr val="bg1"/>
+      </p:bgRef>
+    </p:bg>
+    <p:spTree>
+      <p:nvGrpSpPr>
+        <p:cNvPr id="1" name=""/>
+        <p:cNvGrpSpPr/>
+        <p:nvPr/>
+      </p:nvGrpSpPr>
+      <p:grpSpPr>
+        <a:xfrm>
+          <a:off x="0" y="0"/>
+          <a:ext cx="0" cy="0"/>
+          <a:chOff x="0" y="0"/>
+          <a:chExt cx="0" cy="0"/>
+        </a:xfrm>
+      </p:grpSpPr>
+      <p:sp>
+        <p:nvSpPr>
+          <p:cNvPr id="2" name="Title Placeholder 1"/>
+          <p:cNvSpPr>
+            <a:spLocks noGrp="1"/>
+          </p:cNvSpPr>
+          <p:nvPr>
+            <p:ph type="title"/>
+          </p:nvPr>
+        </p:nvSpPr>
+        <p:spPr>
+          <a:xfrm>
+            <a:off x="657224" y="499533"/>
+            <a:ext cx="10772775" cy="1658198"/>
+          </a:xfrm>
+          <a:prstGeom prst="rect">
+            <a:avLst/>
+          </a:prstGeom>
+        </p:spPr>
+        <p:txBody>
+          <a:bodyPr vert="horz" lIns="91440" tIns="45720" rIns="91440" bIns="45720" rtlCol="0" anchor="ctr">
+            <a:normAutofit/>
+          </a:bodyPr>
+          <a:lstStyle/>
+          <a:p>
+            <a:r>
+              <a:rPr lang="pl-PL"/>
+              <a:t>Kliknij, aby edytować styl</a:t>
+            </a:r>
+            <a:endParaRPr lang="en-US" dirty="0"/>
+          </a:p>
+        </p:txBody>
+      </p:sp>
+      <p:sp>
+        <p:nvSpPr>
+          <p:cNvPr id="3" name="Text Placeholder 2"/>
+          <p:cNvSpPr>
+            <a:spLocks noGrp="1"/>
+          </p:cNvSpPr>
+          <p:nvPr>
+            <p:ph type="body" idx="1"/>
+          </p:nvPr>
+        </p:nvSpPr>
+        <p:spPr>
+          <a:xfrm>
+            <a:off x="676656" y="2011680"/>
+            <a:ext cx="10753725" cy="3766185"/>
+          </a:xfrm>
+          <a:prstGeom prst="rect">
+            <a:avLst/>
+          </a:prstGeom>
+        </p:spPr>
+        <p:txBody>
+          <a:bodyPr vert="horz" lIns="91440" tIns="45720" rIns="91440" bIns="45720" rtlCol="0">
+            <a:normAutofit/>
+          </a:bodyPr>
+          <a:lstStyle/>
+          <a:p>
+            <a:pPr lvl="0"/>
+            <a:r>
+              <a:rPr lang="pl-PL"/>
+              <a:t>Kliknij, aby edytować style wzorca tekstu</a:t>
+            </a:r>
+          </a:p>
+          <a:p>
+            <a:pPr lvl="1"/>
+            <a:r>
+              <a:rPr lang="pl-PL"/>
+              <a:t>Drugi poziom</a:t>
+            </a:r>
+          </a:p>
+          <a:p>
+            <a:pPr lvl="2"/>
+            <a:r>
+              <a:rPr lang="pl-PL"/>
+              <a:t>Trzeci poziom</a:t>
+            </a:r>
+          </a:p>
+          <a:p>
+            <a:pPr lvl="3"/>
+            <a:r>
+              <a:rPr lang="pl-PL"/>
+              <a:t>Czwarty poziom</a:t>
+            </a:r>
+          </a:p>
+          <a:p>
+            <a:pPr lvl="4"/>
+            <a:r>
+              <a:rPr lang="pl-PL"/>
+              <a:t>Piąty poziom</a:t>
+            </a:r>
+            <a:endParaRPr lang="en-US" dirty="0"/>
+          </a:p>
+        </p:txBody>
+      </p:sp>
+      <p:sp>
+        <p:nvSpPr>
+          <p:cNvPr id="4" name="Date Placeholder 3"/>
+          <p:cNvSpPr>
+            <a:spLocks noGrp="1"/>
+          </p:cNvSpPr>
+          <p:nvPr>
+            <p:ph type="dt" sz="half" idx="2"/>
+          </p:nvPr>
+        </p:nvSpPr>
+        <p:spPr>
+          <a:xfrm>
+            <a:off x="685800" y="6412447"/>
+            <a:ext cx="4114800" cy="228600"/>
+          </a:xfrm>
+          <a:prstGeom prst="rect">
+            <a:avLst/>
+          </a:prstGeom>
+        </p:spPr>
+        <p:txBody>
+          <a:bodyPr vert="horz" lIns="91440" tIns="45720" rIns="91440" bIns="45720" rtlCol="0" anchor="ctr"/>
+          <a:lstStyle>
+            <a:lvl1pPr algn="l">
+              <a:defRPr sz="950">
+                <a:solidFill>
+                  <a:schemeClr val="tx1">
+                    <a:alpha val="80000"/>
+                  </a:schemeClr>
+                </a:solidFill>
+              </a:defRPr>
+            </a:lvl1pPr>
+          </a:lstStyle>
+          <a:p>
+            <a:fld id="{4F87A324-FCA6-491D-BCE4-701652686B7A}" type="datetimeFigureOut">
+              <a:rPr lang="pl-PL" smtClean="0"/>
+              <a:t>27.05.2019</a:t>
+            </a:fld>
+            <a:endParaRPr lang="pl-PL"/>
+          </a:p>
+        </p:txBody>
+      </p:sp>
+      <p:sp>
+        <p:nvSpPr>
+          <p:cNvPr id="5" name="Footer Placeholder 4"/>
+          <p:cNvSpPr>
+            <a:spLocks noGrp="1"/>
+          </p:cNvSpPr>
+          <p:nvPr>
+            <p:ph type="ftr" sz="quarter" idx="3"/>
+          </p:nvPr>
+        </p:nvSpPr>
+        <p:spPr>
+          <a:xfrm>
+            <a:off x="685800" y="6554697"/>
+            <a:ext cx="5029200" cy="228600"/>
+          </a:xfrm>
+          <a:prstGeom prst="rect">
+            <a:avLst/>
+          </a:prstGeom>
+        </p:spPr>
+        <p:txBody>
+          <a:bodyPr vert="horz" lIns="91440" tIns="45720" rIns="91440" bIns="45720" rtlCol="0" anchor="ctr"/>
+          <a:lstStyle>
+            <a:lvl1pPr algn="l">
+              <a:defRPr sz="950" cap="all" baseline="0">
+                <a:solidFill>
+                  <a:schemeClr val="tx1">
+                    <a:alpha val="80000"/>
+                  </a:schemeClr>
+                </a:solidFill>
+              </a:defRPr>
+            </a:lvl1pPr>
+          </a:lstStyle>
+          <a:p>
+            <a:endParaRPr lang="pl-PL"/>
+          </a:p>
+        </p:txBody>
+      </p:sp>
+      <p:sp>
+        <p:nvSpPr>
+          <p:cNvPr id="6" name="Slide Number Placeholder 5"/>
+          <p:cNvSpPr>
+            <a:spLocks noGrp="1"/>
+          </p:cNvSpPr>
+          <p:nvPr>
+            <p:ph type="sldNum" sz="quarter" idx="4"/>
+          </p:nvPr>
+        </p:nvSpPr>
+        <p:spPr>
+          <a:xfrm>
+            <a:off x="8763926" y="5876412"/>
+            <a:ext cx="2926080" cy="1397039"/>
+          </a:xfrm>
+          <a:prstGeom prst="rect">
+            <a:avLst/>
+          </a:prstGeom>
+        </p:spPr>
+        <p:txBody>
+          <a:bodyPr vert="horz" lIns="91440" tIns="45720" rIns="91440" bIns="45720" rtlCol="0" anchor="b"/>
+          <a:lstStyle>
+            <a:lvl1pPr algn="r">
+              <a:defRPr sz="10300" b="0">
+                <a:ln>
+                  <a:noFill/>
+                </a:ln>
+                <a:solidFill>
+                  <a:schemeClr val="accent1">
+                    <a:alpha val="25000"/>
+                  </a:schemeClr>
+                </a:solidFill>
+                <a:latin typeface="+mj-lt"/>
+              </a:defRPr>
+            </a:lvl1pPr>
+          </a:lstStyle>
+          <a:p>
+            <a:fld id="{FF98A3B4-756E-4363-85E0-B5CE2B042782}" type="slidenum">
+              <a:rPr lang="pl-PL" smtClean="0"/>
+              <a:t>‹#›</a:t>
+            </a:fld>
+            <a:endParaRPr lang="pl-PL"/>
+          </a:p>
+        </p:txBody>
+      </p:sp>
+    </p:spTree>
+    <p:extLst>
+      <p:ext uri="{BB962C8B-B14F-4D97-AF65-F5344CB8AC3E}">
+        <p14:creationId xmlns:p14="http://schemas.microsoft.com/office/powerpoint/2010/main" val="2952225511"/>
+      </p:ext>
+    </p:extLst>
+  </p:cSld>
+  <p:clrMap bg1="lt1" tx1="dk1" bg2="lt2" tx2="dk2" accent1="accent1" accent2="accent2" accent3="accent3" accent4="accent4" accent5="accent5" accent6="accent6" hlink="hlink" folHlink="folHlink"/>
+  <p:sldLayoutIdLst>
+    <p:sldLayoutId id="2147483835" r:id="rId1"/>
+    <p:sldLayoutId id="2147483836" r:id="rId2"/>
+    <p:sldLayoutId id="2147483837" r:id="rId3"/>
+    <p:sldLayoutId id="2147483838" r:id="rId4"/>
+    <p:sldLayoutId id="2147483839" r:id="rId5"/>
+    <p:sldLayoutId id="2147483840" r:id="rId6"/>
+    <p:sldLayoutId id="2147483841" r:id="rId7"/>
+    <p:sldLayoutId id="2147483842" r:id="rId8"/>
+    <p:sldLayoutId id="2147483843" r:id="rId9"/>
+    <p:sldLayoutId id="2147483844" r:id="rId10"/>
+    <p:sldLayoutId id="2147483845" r:id="rId11"/>
+  </p:sldLayoutIdLst>
+  <p:txStyles>
+    <p:titleStyle>
+      <a:lvl1pPr algn="l" defTabSz="914400" rtl="0" eaLnBrk="1" latinLnBrk="0" hangingPunct="1">
+        <a:lnSpc>
+          <a:spcPct val="85000"/>
+        </a:lnSpc>
+        <a:spcBef>
+          <a:spcPct val="0"/>
+        </a:spcBef>
+        <a:buNone/>
+        <a:defRPr sz="5400" kern="1200" spc="-120" baseline="0">
+          <a:solidFill>
+            <a:schemeClr val="accent1"/>
+          </a:solidFill>
+          <a:latin typeface="+mj-lt"/>
+          <a:ea typeface="+mj-ea"/>
+          <a:cs typeface="+mj-cs"/>
+        </a:defRPr>
+      </a:lvl1pPr>
+    </p:titleStyle>
+    <p:bodyStyle>
+      <a:lvl1pPr marL="91440" indent="-91440" algn="l" defTabSz="914400" rtl="0" eaLnBrk="1" latinLnBrk="0" hangingPunct="1">
+        <a:lnSpc>
+          <a:spcPct val="85000"/>
+        </a:lnSpc>
+        <a:spcBef>
+          <a:spcPts val="1300"/>
+        </a:spcBef>
+        <a:buFont typeface="Arial" pitchFamily="34" charset="0"/>
+        <a:buChar char=" "/>
+        <a:defRPr sz="2400" kern="1200">
+          <a:solidFill>
+            <a:schemeClr val="tx1">
+              <a:lumMod val="85000"/>
+              <a:lumOff val="15000"/>
+            </a:schemeClr>
+          </a:solidFill>
+          <a:latin typeface="+mn-lt"/>
+          <a:ea typeface="+mn-ea"/>
+          <a:cs typeface="+mn-cs"/>
+        </a:defRPr>
+      </a:lvl1pPr>
+      <a:lvl2pPr marL="347472" indent="-342900" algn="l" defTabSz="914400" rtl="0" eaLnBrk="1" latinLnBrk="0" hangingPunct="1">
+        <a:lnSpc>
+          <a:spcPct val="85000"/>
+        </a:lnSpc>
+        <a:spcBef>
+          <a:spcPts val="600"/>
+        </a:spcBef>
+        <a:buFont typeface="Arial" pitchFamily="34" charset="0"/>
+        <a:buChar char=" "/>
+        <a:defRPr sz="2400" kern="1200">
+          <a:solidFill>
+            <a:schemeClr val="tx1">
+              <a:lumMod val="85000"/>
+              <a:lumOff val="15000"/>
+            </a:schemeClr>
+          </a:solidFill>
+          <a:latin typeface="+mn-lt"/>
+          <a:ea typeface="+mn-ea"/>
+          <a:cs typeface="+mn-cs"/>
+        </a:defRPr>
+      </a:lvl2pPr>
+      <a:lvl3pPr marL="548640" indent="-548640" algn="l" defTabSz="914400" rtl="0" eaLnBrk="1" latinLnBrk="0" hangingPunct="1">
+        <a:lnSpc>
+          <a:spcPct val="85000"/>
+        </a:lnSpc>
+        <a:spcBef>
+          <a:spcPts val="600"/>
+        </a:spcBef>
+        <a:buFont typeface="Arial" pitchFamily="34" charset="0"/>
+        <a:buChar char=" "/>
+        <a:defRPr sz="2000" i="1" kern="1200">
+          <a:solidFill>
+            <a:schemeClr val="tx1">
+              <a:lumMod val="85000"/>
+              <a:lumOff val="15000"/>
+            </a:schemeClr>
+          </a:solidFill>
+          <a:latin typeface="+mn-lt"/>
+          <a:ea typeface="+mn-ea"/>
+          <a:cs typeface="+mn-cs"/>
+        </a:defRPr>
+      </a:lvl3pPr>
+      <a:lvl4pPr marL="822960" indent="-822960" algn="l" defTabSz="914400" rtl="0" eaLnBrk="1" latinLnBrk="0" hangingPunct="1">
+        <a:lnSpc>
+          <a:spcPct val="85000"/>
+        </a:lnSpc>
+        <a:spcBef>
+          <a:spcPts val="600"/>
+        </a:spcBef>
+        <a:buFont typeface="Arial" pitchFamily="34" charset="0"/>
+        <a:buChar char=" "/>
+        <a:defRPr sz="1800" kern="1200">
+          <a:solidFill>
+            <a:schemeClr val="tx1">
+              <a:lumMod val="85000"/>
+              <a:lumOff val="15000"/>
+            </a:schemeClr>
+          </a:solidFill>
+          <a:latin typeface="+mn-lt"/>
+          <a:ea typeface="+mn-ea"/>
+          <a:cs typeface="+mn-cs"/>
+        </a:defRPr>
+      </a:lvl4pPr>
+      <a:lvl5pPr marL="1097280" indent="-1097280" algn="l" defTabSz="914400" rtl="0" eaLnBrk="1" latinLnBrk="0" hangingPunct="1">
+        <a:lnSpc>
+          <a:spcPct val="85000"/>
+        </a:lnSpc>
+        <a:spcBef>
+          <a:spcPts val="600"/>
+        </a:spcBef>
+        <a:buFont typeface="Arial" pitchFamily="34" charset="0"/>
+        <a:buChar char=" "/>
+        <a:defRPr sz="1800" kern="1200">
+          <a:solidFill>
+            <a:schemeClr val="tx1">
+              <a:lumMod val="85000"/>
+              <a:lumOff val="15000"/>
+            </a:schemeClr>
+          </a:solidFill>
+          <a:latin typeface="+mn-lt"/>
+          <a:ea typeface="+mn-ea"/>
+          <a:cs typeface="+mn-cs"/>
+        </a:defRPr>
+      </a:lvl5pPr>
+      <a:lvl6pPr marL="1200000" indent="-228600" algn="l" defTabSz="914400" rtl="0" eaLnBrk="1" latinLnBrk="0" hangingPunct="1">
+        <a:lnSpc>
+          <a:spcPct val="85000"/>
+        </a:lnSpc>
+        <a:spcBef>
+          <a:spcPts val="600"/>
+        </a:spcBef>
+        <a:buFont typeface="Arial" pitchFamily="34" charset="0"/>
+        <a:buChar char=" "/>
+        <a:defRPr sz="1800" kern="1200">
+          <a:solidFill>
+            <a:schemeClr val="tx1">
+              <a:lumMod val="85000"/>
+              <a:lumOff val="15000"/>
+            </a:schemeClr>
+          </a:solidFill>
+          <a:latin typeface="+mn-lt"/>
+          <a:ea typeface="+mn-ea"/>
+          <a:cs typeface="+mn-cs"/>
+        </a:defRPr>
+      </a:lvl6pPr>
+      <a:lvl7pPr marL="1400000" indent="-228600" algn="l" defTabSz="914400" rtl="0" eaLnBrk="1" latinLnBrk="0" hangingPunct="1">
+        <a:lnSpc>
+          <a:spcPct val="85000"/>
+        </a:lnSpc>
+        <a:spcBef>
+          <a:spcPts val="600"/>
+        </a:spcBef>
+        <a:buFont typeface="Arial" pitchFamily="34" charset="0"/>
+        <a:buChar char=" "/>
+        <a:defRPr sz="1800" kern="1200">
+          <a:solidFill>
+            <a:schemeClr val="tx1">
+              <a:lumMod val="85000"/>
+              <a:lumOff val="15000"/>
+            </a:schemeClr>
+          </a:solidFill>
+          <a:latin typeface="+mn-lt"/>
+          <a:ea typeface="+mn-ea"/>
+          <a:cs typeface="+mn-cs"/>
+        </a:defRPr>
+      </a:lvl7pPr>
+      <a:lvl8pPr marL="1600000" indent="-228600" algn="l" defTabSz="914400" rtl="0" eaLnBrk="1" latinLnBrk="0" hangingPunct="1">
+        <a:lnSpc>
+          <a:spcPct val="85000"/>
+        </a:lnSpc>
+        <a:spcBef>
+          <a:spcPts val="600"/>
+        </a:spcBef>
+        <a:buFont typeface="Arial" pitchFamily="34" charset="0"/>
+        <a:buChar char=" "/>
+        <a:defRPr sz="1800" kern="1200">
+          <a:solidFill>
+            <a:schemeClr val="tx1">
+              <a:lumMod val="85000"/>
+              <a:lumOff val="15000"/>
+            </a:schemeClr>
+          </a:solidFill>
+          <a:latin typeface="+mn-lt"/>
+          <a:ea typeface="+mn-ea"/>
+          <a:cs typeface="+mn-cs"/>
+        </a:defRPr>
+      </a:lvl8pPr>
+      <a:lvl9pPr marL="1800000" indent="-228600" algn="l" defTabSz="914400" rtl="0" eaLnBrk="1" latinLnBrk="0" hangingPunct="1">
+        <a:lnSpc>
+          <a:spcPct val="85000"/>
+        </a:lnSpc>
+        <a:spcBef>
+          <a:spcPts val="600"/>
+        </a:spcBef>
+        <a:buFont typeface="Arial" pitchFamily="34" charset="0"/>
+        <a:buChar char=" "/>
+        <a:defRPr sz="1800" kern="1200">
+          <a:solidFill>
+            <a:schemeClr val="tx1">
+              <a:lumMod val="85000"/>
+              <a:lumOff val="15000"/>
+            </a:schemeClr>
+          </a:solidFill>
+          <a:latin typeface="+mn-lt"/>
+          <a:ea typeface="+mn-ea"/>
+          <a:cs typeface="+mn-cs"/>
+        </a:defRPr>
+      </a:lvl9pPr>
+    </p:bodyStyle>
+    <p:otherStyle>
+      <a:defPPr>
+        <a:defRPr lang="en-US"/>
       </a:defPPr>
       <a:lvl1pPr marL="0" algn="l" defTabSz="914400" rtl="0" eaLnBrk="1" latinLnBrk="0" hangingPunct="1">
         <a:defRPr sz="1800" kern="1200">
@@ -3351,10 +6292,6 @@
               <a:rPr lang="pl-PL" dirty="0"/>
             </a:br>
             <a:r>
-              <a:rPr lang="en-US" dirty="0"/>
-              <a:t> </a:t>
-            </a:r>
-            <a:r>
               <a:rPr lang="en-US" b="1" dirty="0"/>
               <a:t>Classification of the genre of the film based on the description of the plot</a:t>
             </a:r>
@@ -3384,7 +6321,9 @@
         </p:nvSpPr>
         <p:spPr/>
         <p:txBody>
-          <a:bodyPr/>
+          <a:bodyPr>
+            <a:normAutofit lnSpcReduction="10000"/>
+          </a:bodyPr>
           <a:lstStyle/>
           <a:p>
             <a:pPr algn="l"/>
@@ -3413,6 +6352,1161 @@
     <p:extLst>
       <p:ext uri="{BB962C8B-B14F-4D97-AF65-F5344CB8AC3E}">
         <p14:creationId xmlns:p14="http://schemas.microsoft.com/office/powerpoint/2010/main" val="1209365186"/>
+      </p:ext>
+    </p:extLst>
+  </p:cSld>
+  <p:clrMapOvr>
+    <a:masterClrMapping/>
+  </p:clrMapOvr>
+</p:sld>
+</file>
+
+<file path=ppt/slides/slide10.xml><?xml version="1.0" encoding="utf-8"?>
+<p:sld xmlns:a="http://schemas.openxmlformats.org/drawingml/2006/main" xmlns:r="http://schemas.openxmlformats.org/officeDocument/2006/relationships" xmlns:p="http://schemas.openxmlformats.org/presentationml/2006/main">
+  <p:cSld>
+    <p:spTree>
+      <p:nvGrpSpPr>
+        <p:cNvPr id="1" name=""/>
+        <p:cNvGrpSpPr/>
+        <p:nvPr/>
+      </p:nvGrpSpPr>
+      <p:grpSpPr>
+        <a:xfrm>
+          <a:off x="0" y="0"/>
+          <a:ext cx="0" cy="0"/>
+          <a:chOff x="0" y="0"/>
+          <a:chExt cx="0" cy="0"/>
+        </a:xfrm>
+      </p:grpSpPr>
+      <p:sp>
+        <p:nvSpPr>
+          <p:cNvPr id="2" name="Tytuł 1">
+            <a:extLst>
+              <a:ext uri="{FF2B5EF4-FFF2-40B4-BE49-F238E27FC236}">
+                <a16:creationId xmlns:a16="http://schemas.microsoft.com/office/drawing/2014/main" id="{7A19E2FD-56B0-455D-9670-4345C00ACBED}"/>
+              </a:ext>
+            </a:extLst>
+          </p:cNvPr>
+          <p:cNvSpPr>
+            <a:spLocks noGrp="1"/>
+          </p:cNvSpPr>
+          <p:nvPr>
+            <p:ph type="title"/>
+          </p:nvPr>
+        </p:nvSpPr>
+        <p:spPr/>
+        <p:txBody>
+          <a:bodyPr/>
+          <a:lstStyle/>
+          <a:p>
+            <a:r>
+              <a:rPr lang="pl-PL" dirty="0"/>
+              <a:t>IMPLEMENTATION</a:t>
+            </a:r>
+          </a:p>
+        </p:txBody>
+      </p:sp>
+      <p:sp>
+        <p:nvSpPr>
+          <p:cNvPr id="5" name="Rectangle 1">
+            <a:extLst>
+              <a:ext uri="{FF2B5EF4-FFF2-40B4-BE49-F238E27FC236}">
+                <a16:creationId xmlns:a16="http://schemas.microsoft.com/office/drawing/2014/main" id="{60944E72-15F4-4572-B65B-6F4DB1CCFC39}"/>
+              </a:ext>
+            </a:extLst>
+          </p:cNvPr>
+          <p:cNvSpPr>
+            <a:spLocks noGrp="1" noChangeArrowheads="1"/>
+          </p:cNvSpPr>
+          <p:nvPr>
+            <p:ph idx="1"/>
+          </p:nvPr>
+        </p:nvSpPr>
+        <p:spPr bwMode="auto">
+          <a:xfrm>
+            <a:off x="957865" y="1748654"/>
+            <a:ext cx="8526693" cy="1077218"/>
+          </a:xfrm>
+          <a:prstGeom prst="rect">
+            <a:avLst/>
+          </a:prstGeom>
+          <a:noFill/>
+          <a:ln>
+            <a:noFill/>
+          </a:ln>
+          <a:effectLst/>
+          <a:extLst>
+            <a:ext uri="{909E8E84-426E-40DD-AFC4-6F175D3DCCD1}">
+              <a14:hiddenFill xmlns:a14="http://schemas.microsoft.com/office/drawing/2010/main">
+                <a:solidFill>
+                  <a:schemeClr val="accent1"/>
+                </a:solidFill>
+              </a14:hiddenFill>
+            </a:ext>
+            <a:ext uri="{91240B29-F687-4F45-9708-019B960494DF}">
+              <a14:hiddenLine xmlns:a14="http://schemas.microsoft.com/office/drawing/2010/main" w="9525">
+                <a:solidFill>
+                  <a:schemeClr val="tx1"/>
+                </a:solidFill>
+                <a:miter lim="800000"/>
+                <a:headEnd/>
+                <a:tailEnd/>
+              </a14:hiddenLine>
+            </a:ext>
+            <a:ext uri="{AF507438-7753-43E0-B8FC-AC1667EBCBE1}">
+              <a14:hiddenEffects xmlns:a14="http://schemas.microsoft.com/office/drawing/2010/main">
+                <a:effectLst>
+                  <a:outerShdw dist="35921" dir="2700000" algn="ctr" rotWithShape="0">
+                    <a:schemeClr val="bg2"/>
+                  </a:outerShdw>
+                </a:effectLst>
+              </a14:hiddenEffects>
+            </a:ext>
+          </a:extLst>
+        </p:spPr>
+        <p:txBody>
+          <a:bodyPr vert="horz" wrap="none" lIns="91440" tIns="45720" rIns="91440" bIns="45720" numCol="1" anchor="ctr" anchorCtr="0" compatLnSpc="1">
+            <a:prstTxWarp prst="textNoShape">
+              <a:avLst/>
+            </a:prstTxWarp>
+            <a:spAutoFit/>
+          </a:bodyPr>
+          <a:lstStyle>
+            <a:lvl1pPr eaLnBrk="0" fontAlgn="base" hangingPunct="0">
+              <a:spcBef>
+                <a:spcPct val="0"/>
+              </a:spcBef>
+              <a:spcAft>
+                <a:spcPct val="0"/>
+              </a:spcAft>
+              <a:defRPr>
+                <a:solidFill>
+                  <a:schemeClr val="tx1"/>
+                </a:solidFill>
+                <a:latin typeface="Arial" panose="020B0604020202020204" pitchFamily="34" charset="0"/>
+              </a:defRPr>
+            </a:lvl1pPr>
+            <a:lvl2pPr eaLnBrk="0" fontAlgn="base" hangingPunct="0">
+              <a:spcBef>
+                <a:spcPct val="0"/>
+              </a:spcBef>
+              <a:spcAft>
+                <a:spcPct val="0"/>
+              </a:spcAft>
+              <a:defRPr>
+                <a:solidFill>
+                  <a:schemeClr val="tx1"/>
+                </a:solidFill>
+                <a:latin typeface="Arial" panose="020B0604020202020204" pitchFamily="34" charset="0"/>
+              </a:defRPr>
+            </a:lvl2pPr>
+            <a:lvl3pPr eaLnBrk="0" fontAlgn="base" hangingPunct="0">
+              <a:spcBef>
+                <a:spcPct val="0"/>
+              </a:spcBef>
+              <a:spcAft>
+                <a:spcPct val="0"/>
+              </a:spcAft>
+              <a:defRPr>
+                <a:solidFill>
+                  <a:schemeClr val="tx1"/>
+                </a:solidFill>
+                <a:latin typeface="Arial" panose="020B0604020202020204" pitchFamily="34" charset="0"/>
+              </a:defRPr>
+            </a:lvl3pPr>
+            <a:lvl4pPr eaLnBrk="0" fontAlgn="base" hangingPunct="0">
+              <a:spcBef>
+                <a:spcPct val="0"/>
+              </a:spcBef>
+              <a:spcAft>
+                <a:spcPct val="0"/>
+              </a:spcAft>
+              <a:defRPr>
+                <a:solidFill>
+                  <a:schemeClr val="tx1"/>
+                </a:solidFill>
+                <a:latin typeface="Arial" panose="020B0604020202020204" pitchFamily="34" charset="0"/>
+              </a:defRPr>
+            </a:lvl4pPr>
+            <a:lvl5pPr eaLnBrk="0" fontAlgn="base" hangingPunct="0">
+              <a:spcBef>
+                <a:spcPct val="0"/>
+              </a:spcBef>
+              <a:spcAft>
+                <a:spcPct val="0"/>
+              </a:spcAft>
+              <a:defRPr>
+                <a:solidFill>
+                  <a:schemeClr val="tx1"/>
+                </a:solidFill>
+                <a:latin typeface="Arial" panose="020B0604020202020204" pitchFamily="34" charset="0"/>
+              </a:defRPr>
+            </a:lvl5pPr>
+            <a:lvl6pPr eaLnBrk="0" fontAlgn="base" hangingPunct="0">
+              <a:spcBef>
+                <a:spcPct val="0"/>
+              </a:spcBef>
+              <a:spcAft>
+                <a:spcPct val="0"/>
+              </a:spcAft>
+              <a:defRPr>
+                <a:solidFill>
+                  <a:schemeClr val="tx1"/>
+                </a:solidFill>
+                <a:latin typeface="Arial" panose="020B0604020202020204" pitchFamily="34" charset="0"/>
+              </a:defRPr>
+            </a:lvl6pPr>
+            <a:lvl7pPr eaLnBrk="0" fontAlgn="base" hangingPunct="0">
+              <a:spcBef>
+                <a:spcPct val="0"/>
+              </a:spcBef>
+              <a:spcAft>
+                <a:spcPct val="0"/>
+              </a:spcAft>
+              <a:defRPr>
+                <a:solidFill>
+                  <a:schemeClr val="tx1"/>
+                </a:solidFill>
+                <a:latin typeface="Arial" panose="020B0604020202020204" pitchFamily="34" charset="0"/>
+              </a:defRPr>
+            </a:lvl7pPr>
+            <a:lvl8pPr eaLnBrk="0" fontAlgn="base" hangingPunct="0">
+              <a:spcBef>
+                <a:spcPct val="0"/>
+              </a:spcBef>
+              <a:spcAft>
+                <a:spcPct val="0"/>
+              </a:spcAft>
+              <a:defRPr>
+                <a:solidFill>
+                  <a:schemeClr val="tx1"/>
+                </a:solidFill>
+                <a:latin typeface="Arial" panose="020B0604020202020204" pitchFamily="34" charset="0"/>
+              </a:defRPr>
+            </a:lvl8pPr>
+            <a:lvl9pPr eaLnBrk="0" fontAlgn="base" hangingPunct="0">
+              <a:spcBef>
+                <a:spcPct val="0"/>
+              </a:spcBef>
+              <a:spcAft>
+                <a:spcPct val="0"/>
+              </a:spcAft>
+              <a:defRPr>
+                <a:solidFill>
+                  <a:schemeClr val="tx1"/>
+                </a:solidFill>
+                <a:latin typeface="Arial" panose="020B0604020202020204" pitchFamily="34" charset="0"/>
+              </a:defRPr>
+            </a:lvl9pPr>
+          </a:lstStyle>
+          <a:p>
+            <a:pPr marL="0" lvl="0" indent="0">
+              <a:lnSpc>
+                <a:spcPct val="100000"/>
+              </a:lnSpc>
+              <a:buNone/>
+            </a:pPr>
+            <a:r>
+              <a:rPr kumimoji="0" lang="pl-PL" altLang="pl-PL" sz="1800" b="0" i="0" u="none" strike="noStrike" cap="none" normalizeH="0" baseline="0" dirty="0" err="1">
+                <a:ln>
+                  <a:noFill/>
+                </a:ln>
+                <a:solidFill>
+                  <a:srgbClr val="222222"/>
+                </a:solidFill>
+                <a:effectLst/>
+                <a:latin typeface="Courier New" panose="02070309020205020404" pitchFamily="49" charset="0"/>
+                <a:cs typeface="Courier New" panose="02070309020205020404" pitchFamily="49" charset="0"/>
+              </a:rPr>
+              <a:t>sklearn.multiclass.</a:t>
+            </a:r>
+            <a:r>
+              <a:rPr kumimoji="0" lang="pl-PL" altLang="pl-PL" sz="1800" b="1" i="0" u="none" strike="noStrike" cap="none" normalizeH="0" baseline="0" dirty="0" err="1">
+                <a:ln>
+                  <a:noFill/>
+                </a:ln>
+                <a:solidFill>
+                  <a:srgbClr val="222222"/>
+                </a:solidFill>
+                <a:effectLst/>
+                <a:latin typeface="Courier New" panose="02070309020205020404" pitchFamily="49" charset="0"/>
+                <a:cs typeface="Courier New" panose="02070309020205020404" pitchFamily="49" charset="0"/>
+              </a:rPr>
+              <a:t>OneVsRestClassifier</a:t>
+            </a:r>
+            <a:r>
+              <a:rPr kumimoji="0" lang="pl-PL" altLang="pl-PL" sz="1800" b="1" i="0" u="none" strike="noStrike" cap="none" normalizeH="0" baseline="0" dirty="0">
+                <a:ln>
+                  <a:noFill/>
+                </a:ln>
+                <a:solidFill>
+                  <a:srgbClr val="222222"/>
+                </a:solidFill>
+                <a:effectLst/>
+                <a:latin typeface="Courier New" panose="02070309020205020404" pitchFamily="49" charset="0"/>
+                <a:cs typeface="Courier New" panose="02070309020205020404" pitchFamily="49" charset="0"/>
+              </a:rPr>
+              <a:t> </a:t>
+            </a:r>
+            <a:r>
+              <a:rPr kumimoji="0" lang="pl-PL" altLang="pl-PL" sz="1800" b="0" i="0" u="none" strike="noStrike" cap="none" normalizeH="0" baseline="0" dirty="0">
+                <a:ln>
+                  <a:noFill/>
+                </a:ln>
+                <a:solidFill>
+                  <a:srgbClr val="222222"/>
+                </a:solidFill>
+                <a:effectLst/>
+                <a:latin typeface="Helvetica" panose="020B0604020202020204" pitchFamily="34" charset="0"/>
+              </a:rPr>
+              <a:t>(</a:t>
+            </a:r>
+            <a:r>
+              <a:rPr kumimoji="0" lang="pl-PL" altLang="pl-PL" sz="1800" b="0" i="1" u="none" strike="noStrike" cap="none" normalizeH="0" baseline="0" dirty="0" err="1">
+                <a:ln>
+                  <a:noFill/>
+                </a:ln>
+                <a:solidFill>
+                  <a:srgbClr val="222222"/>
+                </a:solidFill>
+                <a:effectLst/>
+                <a:latin typeface="Helvetica" panose="020B0604020202020204" pitchFamily="34" charset="0"/>
+              </a:rPr>
+              <a:t>estimator</a:t>
+            </a:r>
+            <a:r>
+              <a:rPr kumimoji="0" lang="pl-PL" altLang="pl-PL" sz="1800" b="0" i="0" u="none" strike="noStrike" cap="none" normalizeH="0" baseline="0" dirty="0">
+                <a:ln>
+                  <a:noFill/>
+                </a:ln>
+                <a:solidFill>
+                  <a:srgbClr val="222222"/>
+                </a:solidFill>
+                <a:effectLst/>
+                <a:latin typeface="Helvetica" panose="020B0604020202020204" pitchFamily="34" charset="0"/>
+              </a:rPr>
+              <a:t>, </a:t>
+            </a:r>
+            <a:r>
+              <a:rPr kumimoji="0" lang="pl-PL" altLang="pl-PL" sz="1800" b="0" i="1" u="none" strike="noStrike" cap="none" normalizeH="0" baseline="0" dirty="0" err="1">
+                <a:ln>
+                  <a:noFill/>
+                </a:ln>
+                <a:solidFill>
+                  <a:srgbClr val="222222"/>
+                </a:solidFill>
+                <a:effectLst/>
+                <a:latin typeface="Helvetica" panose="020B0604020202020204" pitchFamily="34" charset="0"/>
+              </a:rPr>
+              <a:t>n_jobs</a:t>
+            </a:r>
+            <a:r>
+              <a:rPr kumimoji="0" lang="pl-PL" altLang="pl-PL" sz="1800" b="0" i="1" u="none" strike="noStrike" cap="none" normalizeH="0" baseline="0" dirty="0">
+                <a:ln>
+                  <a:noFill/>
+                </a:ln>
+                <a:solidFill>
+                  <a:srgbClr val="222222"/>
+                </a:solidFill>
+                <a:effectLst/>
+                <a:latin typeface="Helvetica" panose="020B0604020202020204" pitchFamily="34" charset="0"/>
+              </a:rPr>
+              <a:t>=</a:t>
+            </a:r>
+            <a:r>
+              <a:rPr kumimoji="0" lang="pl-PL" altLang="pl-PL" sz="1800" b="0" i="1" u="none" strike="noStrike" cap="none" normalizeH="0" baseline="0" dirty="0" err="1">
+                <a:ln>
+                  <a:noFill/>
+                </a:ln>
+                <a:solidFill>
+                  <a:srgbClr val="222222"/>
+                </a:solidFill>
+                <a:effectLst/>
+                <a:latin typeface="Helvetica" panose="020B0604020202020204" pitchFamily="34" charset="0"/>
+              </a:rPr>
+              <a:t>None</a:t>
+            </a:r>
+            <a:r>
+              <a:rPr kumimoji="0" lang="pl-PL" altLang="pl-PL" sz="1800" b="0" i="0" u="none" strike="noStrike" cap="none" normalizeH="0" baseline="0" dirty="0">
+                <a:ln>
+                  <a:noFill/>
+                </a:ln>
+                <a:solidFill>
+                  <a:srgbClr val="222222"/>
+                </a:solidFill>
+                <a:effectLst/>
+                <a:latin typeface="Helvetica" panose="020B0604020202020204" pitchFamily="34" charset="0"/>
+              </a:rPr>
+              <a:t>)  </a:t>
+            </a:r>
+            <a:r>
+              <a:rPr lang="en-US" dirty="0"/>
+              <a:t> </a:t>
+            </a:r>
+            <a:br>
+              <a:rPr lang="pl-PL" dirty="0"/>
+            </a:br>
+            <a:r>
+              <a:rPr lang="en-US" sz="1800" dirty="0"/>
+              <a:t>this strategy consists in fitting one classifier per class. For each classifier, </a:t>
+            </a:r>
+            <a:br>
+              <a:rPr lang="pl-PL" sz="1800" dirty="0"/>
+            </a:br>
+            <a:r>
+              <a:rPr lang="en-US" sz="1800" dirty="0"/>
+              <a:t>the class is fitted against all the other classes</a:t>
+            </a:r>
+            <a:r>
+              <a:rPr kumimoji="0" lang="pl-PL" altLang="pl-PL" sz="1200" b="0" i="0" u="none" strike="noStrike" cap="none" normalizeH="0" baseline="0" dirty="0">
+                <a:ln>
+                  <a:noFill/>
+                </a:ln>
+                <a:solidFill>
+                  <a:schemeClr val="tx1"/>
+                </a:solidFill>
+                <a:effectLst/>
+              </a:rPr>
+              <a:t> </a:t>
+            </a:r>
+            <a:endParaRPr kumimoji="0" lang="pl-PL" altLang="pl-PL" sz="1600" b="0" i="0" u="none" strike="noStrike" cap="none" normalizeH="0" baseline="0" dirty="0">
+              <a:ln>
+                <a:noFill/>
+              </a:ln>
+              <a:solidFill>
+                <a:schemeClr val="tx1"/>
+              </a:solidFill>
+              <a:effectLst/>
+              <a:latin typeface="Arial" panose="020B0604020202020204" pitchFamily="34" charset="0"/>
+            </a:endParaRPr>
+          </a:p>
+        </p:txBody>
+      </p:sp>
+      <p:pic>
+        <p:nvPicPr>
+          <p:cNvPr id="4" name="Obraz 3">
+            <a:extLst>
+              <a:ext uri="{FF2B5EF4-FFF2-40B4-BE49-F238E27FC236}">
+                <a16:creationId xmlns:a16="http://schemas.microsoft.com/office/drawing/2014/main" id="{6098B3CA-ED67-410E-A895-D514BFE8ECB1}"/>
+              </a:ext>
+            </a:extLst>
+          </p:cNvPr>
+          <p:cNvPicPr>
+            <a:picLocks noChangeAspect="1"/>
+          </p:cNvPicPr>
+          <p:nvPr/>
+        </p:nvPicPr>
+        <p:blipFill>
+          <a:blip r:embed="rId2"/>
+          <a:stretch>
+            <a:fillRect/>
+          </a:stretch>
+        </p:blipFill>
+        <p:spPr>
+          <a:xfrm>
+            <a:off x="957865" y="3113864"/>
+            <a:ext cx="9211963" cy="1535327"/>
+          </a:xfrm>
+          <a:prstGeom prst="rect">
+            <a:avLst/>
+          </a:prstGeom>
+        </p:spPr>
+      </p:pic>
+      <p:sp>
+        <p:nvSpPr>
+          <p:cNvPr id="7" name="Rectangle 2">
+            <a:extLst>
+              <a:ext uri="{FF2B5EF4-FFF2-40B4-BE49-F238E27FC236}">
+                <a16:creationId xmlns:a16="http://schemas.microsoft.com/office/drawing/2014/main" id="{00B051EA-8990-4233-907B-356A27B0B45E}"/>
+              </a:ext>
+            </a:extLst>
+          </p:cNvPr>
+          <p:cNvSpPr>
+            <a:spLocks noChangeArrowheads="1"/>
+          </p:cNvSpPr>
+          <p:nvPr/>
+        </p:nvSpPr>
+        <p:spPr bwMode="auto">
+          <a:xfrm>
+            <a:off x="957865" y="4991011"/>
+            <a:ext cx="9464963" cy="1292662"/>
+          </a:xfrm>
+          <a:prstGeom prst="rect">
+            <a:avLst/>
+          </a:prstGeom>
+          <a:noFill/>
+          <a:ln>
+            <a:noFill/>
+          </a:ln>
+          <a:effectLst/>
+          <a:extLst>
+            <a:ext uri="{909E8E84-426E-40DD-AFC4-6F175D3DCCD1}">
+              <a14:hiddenFill xmlns:a14="http://schemas.microsoft.com/office/drawing/2010/main">
+                <a:solidFill>
+                  <a:schemeClr val="accent1"/>
+                </a:solidFill>
+              </a14:hiddenFill>
+            </a:ext>
+            <a:ext uri="{91240B29-F687-4F45-9708-019B960494DF}">
+              <a14:hiddenLine xmlns:a14="http://schemas.microsoft.com/office/drawing/2010/main" w="9525">
+                <a:solidFill>
+                  <a:schemeClr val="tx1"/>
+                </a:solidFill>
+                <a:miter lim="800000"/>
+                <a:headEnd/>
+                <a:tailEnd/>
+              </a14:hiddenLine>
+            </a:ext>
+            <a:ext uri="{AF507438-7753-43E0-B8FC-AC1667EBCBE1}">
+              <a14:hiddenEffects xmlns:a14="http://schemas.microsoft.com/office/drawing/2010/main">
+                <a:effectLst>
+                  <a:outerShdw dist="35921" dir="2700000" algn="ctr" rotWithShape="0">
+                    <a:schemeClr val="bg2"/>
+                  </a:outerShdw>
+                </a:effectLst>
+              </a14:hiddenEffects>
+            </a:ext>
+          </a:extLst>
+        </p:spPr>
+        <p:txBody>
+          <a:bodyPr vert="horz" wrap="none" lIns="91440" tIns="45720" rIns="91440" bIns="45720" numCol="1" anchor="ctr" anchorCtr="0" compatLnSpc="1">
+            <a:prstTxWarp prst="textNoShape">
+              <a:avLst/>
+            </a:prstTxWarp>
+            <a:spAutoFit/>
+          </a:bodyPr>
+          <a:lstStyle>
+            <a:lvl1pPr eaLnBrk="0" fontAlgn="base" hangingPunct="0">
+              <a:spcBef>
+                <a:spcPct val="0"/>
+              </a:spcBef>
+              <a:spcAft>
+                <a:spcPct val="0"/>
+              </a:spcAft>
+              <a:defRPr>
+                <a:solidFill>
+                  <a:schemeClr val="tx1"/>
+                </a:solidFill>
+                <a:latin typeface="Arial" panose="020B0604020202020204" pitchFamily="34" charset="0"/>
+              </a:defRPr>
+            </a:lvl1pPr>
+            <a:lvl2pPr eaLnBrk="0" fontAlgn="base" hangingPunct="0">
+              <a:spcBef>
+                <a:spcPct val="0"/>
+              </a:spcBef>
+              <a:spcAft>
+                <a:spcPct val="0"/>
+              </a:spcAft>
+              <a:defRPr>
+                <a:solidFill>
+                  <a:schemeClr val="tx1"/>
+                </a:solidFill>
+                <a:latin typeface="Arial" panose="020B0604020202020204" pitchFamily="34" charset="0"/>
+              </a:defRPr>
+            </a:lvl2pPr>
+            <a:lvl3pPr eaLnBrk="0" fontAlgn="base" hangingPunct="0">
+              <a:spcBef>
+                <a:spcPct val="0"/>
+              </a:spcBef>
+              <a:spcAft>
+                <a:spcPct val="0"/>
+              </a:spcAft>
+              <a:defRPr>
+                <a:solidFill>
+                  <a:schemeClr val="tx1"/>
+                </a:solidFill>
+                <a:latin typeface="Arial" panose="020B0604020202020204" pitchFamily="34" charset="0"/>
+              </a:defRPr>
+            </a:lvl3pPr>
+            <a:lvl4pPr eaLnBrk="0" fontAlgn="base" hangingPunct="0">
+              <a:spcBef>
+                <a:spcPct val="0"/>
+              </a:spcBef>
+              <a:spcAft>
+                <a:spcPct val="0"/>
+              </a:spcAft>
+              <a:defRPr>
+                <a:solidFill>
+                  <a:schemeClr val="tx1"/>
+                </a:solidFill>
+                <a:latin typeface="Arial" panose="020B0604020202020204" pitchFamily="34" charset="0"/>
+              </a:defRPr>
+            </a:lvl4pPr>
+            <a:lvl5pPr eaLnBrk="0" fontAlgn="base" hangingPunct="0">
+              <a:spcBef>
+                <a:spcPct val="0"/>
+              </a:spcBef>
+              <a:spcAft>
+                <a:spcPct val="0"/>
+              </a:spcAft>
+              <a:defRPr>
+                <a:solidFill>
+                  <a:schemeClr val="tx1"/>
+                </a:solidFill>
+                <a:latin typeface="Arial" panose="020B0604020202020204" pitchFamily="34" charset="0"/>
+              </a:defRPr>
+            </a:lvl5pPr>
+            <a:lvl6pPr eaLnBrk="0" fontAlgn="base" hangingPunct="0">
+              <a:spcBef>
+                <a:spcPct val="0"/>
+              </a:spcBef>
+              <a:spcAft>
+                <a:spcPct val="0"/>
+              </a:spcAft>
+              <a:defRPr>
+                <a:solidFill>
+                  <a:schemeClr val="tx1"/>
+                </a:solidFill>
+                <a:latin typeface="Arial" panose="020B0604020202020204" pitchFamily="34" charset="0"/>
+              </a:defRPr>
+            </a:lvl6pPr>
+            <a:lvl7pPr eaLnBrk="0" fontAlgn="base" hangingPunct="0">
+              <a:spcBef>
+                <a:spcPct val="0"/>
+              </a:spcBef>
+              <a:spcAft>
+                <a:spcPct val="0"/>
+              </a:spcAft>
+              <a:defRPr>
+                <a:solidFill>
+                  <a:schemeClr val="tx1"/>
+                </a:solidFill>
+                <a:latin typeface="Arial" panose="020B0604020202020204" pitchFamily="34" charset="0"/>
+              </a:defRPr>
+            </a:lvl7pPr>
+            <a:lvl8pPr eaLnBrk="0" fontAlgn="base" hangingPunct="0">
+              <a:spcBef>
+                <a:spcPct val="0"/>
+              </a:spcBef>
+              <a:spcAft>
+                <a:spcPct val="0"/>
+              </a:spcAft>
+              <a:defRPr>
+                <a:solidFill>
+                  <a:schemeClr val="tx1"/>
+                </a:solidFill>
+                <a:latin typeface="Arial" panose="020B0604020202020204" pitchFamily="34" charset="0"/>
+              </a:defRPr>
+            </a:lvl8pPr>
+            <a:lvl9pPr eaLnBrk="0" fontAlgn="base" hangingPunct="0">
+              <a:spcBef>
+                <a:spcPct val="0"/>
+              </a:spcBef>
+              <a:spcAft>
+                <a:spcPct val="0"/>
+              </a:spcAft>
+              <a:defRPr>
+                <a:solidFill>
+                  <a:schemeClr val="tx1"/>
+                </a:solidFill>
+                <a:latin typeface="Arial" panose="020B0604020202020204" pitchFamily="34" charset="0"/>
+              </a:defRPr>
+            </a:lvl9pPr>
+          </a:lstStyle>
+          <a:p>
+            <a:pPr lvl="0"/>
+            <a:r>
+              <a:rPr kumimoji="0" lang="pl-PL" altLang="pl-PL" b="0" i="0" u="none" strike="noStrike" cap="none" normalizeH="0" baseline="0" dirty="0" err="1">
+                <a:ln>
+                  <a:noFill/>
+                </a:ln>
+                <a:solidFill>
+                  <a:srgbClr val="222222"/>
+                </a:solidFill>
+                <a:effectLst/>
+                <a:latin typeface="Courier New" panose="02070309020205020404" pitchFamily="49" charset="0"/>
+                <a:cs typeface="Courier New" panose="02070309020205020404" pitchFamily="49" charset="0"/>
+              </a:rPr>
+              <a:t>sklearn.naive_bayes.</a:t>
+            </a:r>
+            <a:r>
+              <a:rPr kumimoji="0" lang="pl-PL" altLang="pl-PL" b="1" i="0" u="none" strike="noStrike" cap="none" normalizeH="0" baseline="0" dirty="0" err="1">
+                <a:ln>
+                  <a:noFill/>
+                </a:ln>
+                <a:solidFill>
+                  <a:srgbClr val="222222"/>
+                </a:solidFill>
+                <a:effectLst/>
+                <a:latin typeface="Courier New" panose="02070309020205020404" pitchFamily="49" charset="0"/>
+                <a:cs typeface="Courier New" panose="02070309020205020404" pitchFamily="49" charset="0"/>
+              </a:rPr>
+              <a:t>MultinomialNB</a:t>
+            </a:r>
+            <a:r>
+              <a:rPr kumimoji="0" lang="pl-PL" altLang="pl-PL" b="1" i="0" u="none" strike="noStrike" cap="none" normalizeH="0" baseline="0" dirty="0">
+                <a:ln>
+                  <a:noFill/>
+                </a:ln>
+                <a:solidFill>
+                  <a:srgbClr val="222222"/>
+                </a:solidFill>
+                <a:effectLst/>
+                <a:latin typeface="Courier New" panose="02070309020205020404" pitchFamily="49" charset="0"/>
+                <a:cs typeface="Courier New" panose="02070309020205020404" pitchFamily="49" charset="0"/>
+              </a:rPr>
+              <a:t> </a:t>
+            </a:r>
+            <a:r>
+              <a:rPr kumimoji="0" lang="pl-PL" altLang="pl-PL" b="0" i="0" u="none" strike="noStrike" cap="none" normalizeH="0" baseline="0" dirty="0">
+                <a:ln>
+                  <a:noFill/>
+                </a:ln>
+                <a:solidFill>
+                  <a:srgbClr val="222222"/>
+                </a:solidFill>
+                <a:effectLst/>
+                <a:latin typeface="Helvetica" panose="020B0604020202020204" pitchFamily="34" charset="0"/>
+              </a:rPr>
+              <a:t>(</a:t>
+            </a:r>
+            <a:r>
+              <a:rPr kumimoji="0" lang="pl-PL" altLang="pl-PL" b="0" i="1" u="none" strike="noStrike" cap="none" normalizeH="0" baseline="0" dirty="0" err="1">
+                <a:ln>
+                  <a:noFill/>
+                </a:ln>
+                <a:solidFill>
+                  <a:srgbClr val="222222"/>
+                </a:solidFill>
+                <a:effectLst/>
+                <a:latin typeface="Helvetica" panose="020B0604020202020204" pitchFamily="34" charset="0"/>
+              </a:rPr>
+              <a:t>alpha</a:t>
+            </a:r>
+            <a:r>
+              <a:rPr kumimoji="0" lang="pl-PL" altLang="pl-PL" b="0" i="1" u="none" strike="noStrike" cap="none" normalizeH="0" baseline="0" dirty="0">
+                <a:ln>
+                  <a:noFill/>
+                </a:ln>
+                <a:solidFill>
+                  <a:srgbClr val="222222"/>
+                </a:solidFill>
+                <a:effectLst/>
+                <a:latin typeface="Helvetica" panose="020B0604020202020204" pitchFamily="34" charset="0"/>
+              </a:rPr>
+              <a:t>=1.0</a:t>
+            </a:r>
+            <a:r>
+              <a:rPr kumimoji="0" lang="pl-PL" altLang="pl-PL" b="0" i="0" u="none" strike="noStrike" cap="none" normalizeH="0" baseline="0" dirty="0">
+                <a:ln>
+                  <a:noFill/>
+                </a:ln>
+                <a:solidFill>
+                  <a:srgbClr val="222222"/>
+                </a:solidFill>
+                <a:effectLst/>
+                <a:latin typeface="Helvetica" panose="020B0604020202020204" pitchFamily="34" charset="0"/>
+              </a:rPr>
+              <a:t>, </a:t>
+            </a:r>
+            <a:r>
+              <a:rPr kumimoji="0" lang="pl-PL" altLang="pl-PL" b="0" i="1" u="none" strike="noStrike" cap="none" normalizeH="0" baseline="0" dirty="0" err="1">
+                <a:ln>
+                  <a:noFill/>
+                </a:ln>
+                <a:solidFill>
+                  <a:srgbClr val="222222"/>
+                </a:solidFill>
+                <a:effectLst/>
+                <a:latin typeface="Helvetica" panose="020B0604020202020204" pitchFamily="34" charset="0"/>
+              </a:rPr>
+              <a:t>fit_prior</a:t>
+            </a:r>
+            <a:r>
+              <a:rPr kumimoji="0" lang="pl-PL" altLang="pl-PL" b="0" i="1" u="none" strike="noStrike" cap="none" normalizeH="0" baseline="0" dirty="0">
+                <a:ln>
+                  <a:noFill/>
+                </a:ln>
+                <a:solidFill>
+                  <a:srgbClr val="222222"/>
+                </a:solidFill>
+                <a:effectLst/>
+                <a:latin typeface="Helvetica" panose="020B0604020202020204" pitchFamily="34" charset="0"/>
+              </a:rPr>
+              <a:t>=True</a:t>
+            </a:r>
+            <a:r>
+              <a:rPr kumimoji="0" lang="pl-PL" altLang="pl-PL" b="0" i="0" u="none" strike="noStrike" cap="none" normalizeH="0" baseline="0" dirty="0">
+                <a:ln>
+                  <a:noFill/>
+                </a:ln>
+                <a:solidFill>
+                  <a:srgbClr val="222222"/>
+                </a:solidFill>
+                <a:effectLst/>
+                <a:latin typeface="Helvetica" panose="020B0604020202020204" pitchFamily="34" charset="0"/>
+              </a:rPr>
+              <a:t>, </a:t>
+            </a:r>
+            <a:r>
+              <a:rPr kumimoji="0" lang="pl-PL" altLang="pl-PL" b="0" i="1" u="none" strike="noStrike" cap="none" normalizeH="0" baseline="0" dirty="0" err="1">
+                <a:ln>
+                  <a:noFill/>
+                </a:ln>
+                <a:solidFill>
+                  <a:srgbClr val="222222"/>
+                </a:solidFill>
+                <a:effectLst/>
+                <a:latin typeface="Helvetica" panose="020B0604020202020204" pitchFamily="34" charset="0"/>
+              </a:rPr>
+              <a:t>class_prior</a:t>
+            </a:r>
+            <a:r>
+              <a:rPr kumimoji="0" lang="pl-PL" altLang="pl-PL" b="0" i="1" u="none" strike="noStrike" cap="none" normalizeH="0" baseline="0" dirty="0">
+                <a:ln>
+                  <a:noFill/>
+                </a:ln>
+                <a:solidFill>
+                  <a:srgbClr val="222222"/>
+                </a:solidFill>
+                <a:effectLst/>
+                <a:latin typeface="Helvetica" panose="020B0604020202020204" pitchFamily="34" charset="0"/>
+              </a:rPr>
+              <a:t>=</a:t>
+            </a:r>
+            <a:r>
+              <a:rPr kumimoji="0" lang="pl-PL" altLang="pl-PL" b="0" i="1" u="none" strike="noStrike" cap="none" normalizeH="0" baseline="0" dirty="0" err="1">
+                <a:ln>
+                  <a:noFill/>
+                </a:ln>
+                <a:solidFill>
+                  <a:srgbClr val="222222"/>
+                </a:solidFill>
+                <a:effectLst/>
+                <a:latin typeface="Helvetica" panose="020B0604020202020204" pitchFamily="34" charset="0"/>
+              </a:rPr>
+              <a:t>None</a:t>
+            </a:r>
+            <a:r>
+              <a:rPr kumimoji="0" lang="pl-PL" altLang="pl-PL" b="0" i="0" u="none" strike="noStrike" cap="none" normalizeH="0" baseline="0" dirty="0">
+                <a:ln>
+                  <a:noFill/>
+                </a:ln>
+                <a:solidFill>
+                  <a:srgbClr val="222222"/>
+                </a:solidFill>
+                <a:effectLst/>
+                <a:latin typeface="Helvetica" panose="020B0604020202020204" pitchFamily="34" charset="0"/>
+              </a:rPr>
+              <a:t>)</a:t>
+            </a:r>
+            <a:br>
+              <a:rPr kumimoji="0" lang="pl-PL" altLang="pl-PL" b="0" i="0" u="none" strike="noStrike" cap="none" normalizeH="0" baseline="0" dirty="0">
+                <a:ln>
+                  <a:noFill/>
+                </a:ln>
+                <a:solidFill>
+                  <a:srgbClr val="222222"/>
+                </a:solidFill>
+                <a:effectLst/>
+                <a:latin typeface="Helvetica" panose="020B0604020202020204" pitchFamily="34" charset="0"/>
+              </a:rPr>
+            </a:br>
+            <a:r>
+              <a:rPr lang="en-US" dirty="0"/>
+              <a:t>implements the naive Bayes algorithm for multinomially distributed data</a:t>
+            </a:r>
+            <a:endParaRPr lang="pl-PL" dirty="0"/>
+          </a:p>
+          <a:p>
+            <a:pPr lvl="0"/>
+            <a:r>
+              <a:rPr lang="pl-PL" sz="1400" i="1" dirty="0" err="1">
+                <a:solidFill>
+                  <a:schemeClr val="tx1">
+                    <a:lumMod val="50000"/>
+                    <a:lumOff val="50000"/>
+                  </a:schemeClr>
+                </a:solidFill>
+                <a:latin typeface="Helvetica" panose="020B0604020202020204" pitchFamily="34" charset="0"/>
+              </a:rPr>
+              <a:t>alpha</a:t>
+            </a:r>
+            <a:r>
+              <a:rPr lang="pl-PL" sz="1400" dirty="0">
+                <a:solidFill>
+                  <a:schemeClr val="tx1">
+                    <a:lumMod val="50000"/>
+                    <a:lumOff val="50000"/>
+                  </a:schemeClr>
+                </a:solidFill>
+              </a:rPr>
+              <a:t> - </a:t>
+            </a:r>
+            <a:r>
+              <a:rPr lang="pl-PL" sz="1400" dirty="0" err="1">
+                <a:solidFill>
+                  <a:schemeClr val="tx1">
+                    <a:lumMod val="50000"/>
+                    <a:lumOff val="50000"/>
+                  </a:schemeClr>
+                </a:solidFill>
+              </a:rPr>
+              <a:t>smoothing</a:t>
+            </a:r>
+            <a:r>
+              <a:rPr lang="pl-PL" sz="1400" dirty="0">
+                <a:solidFill>
+                  <a:schemeClr val="tx1">
+                    <a:lumMod val="50000"/>
+                    <a:lumOff val="50000"/>
+                  </a:schemeClr>
+                </a:solidFill>
+              </a:rPr>
+              <a:t> </a:t>
+            </a:r>
+            <a:r>
+              <a:rPr lang="pl-PL" sz="1400" dirty="0" err="1">
+                <a:solidFill>
+                  <a:schemeClr val="tx1">
+                    <a:lumMod val="50000"/>
+                    <a:lumOff val="50000"/>
+                  </a:schemeClr>
+                </a:solidFill>
+              </a:rPr>
+              <a:t>parameter</a:t>
+            </a:r>
+            <a:br>
+              <a:rPr lang="pl-PL" sz="1400" dirty="0">
+                <a:solidFill>
+                  <a:schemeClr val="tx1">
+                    <a:lumMod val="50000"/>
+                    <a:lumOff val="50000"/>
+                  </a:schemeClr>
+                </a:solidFill>
+              </a:rPr>
+            </a:br>
+            <a:r>
+              <a:rPr lang="pl-PL" sz="1400" i="1" dirty="0" err="1">
+                <a:solidFill>
+                  <a:schemeClr val="tx1">
+                    <a:lumMod val="50000"/>
+                    <a:lumOff val="50000"/>
+                  </a:schemeClr>
+                </a:solidFill>
+                <a:latin typeface="Helvetica" panose="020B0604020202020204" pitchFamily="34" charset="0"/>
+              </a:rPr>
+              <a:t>fit_prior</a:t>
+            </a:r>
+            <a:r>
+              <a:rPr lang="pl-PL" sz="1400" i="1" dirty="0">
+                <a:solidFill>
+                  <a:schemeClr val="tx1">
+                    <a:lumMod val="50000"/>
+                    <a:lumOff val="50000"/>
+                  </a:schemeClr>
+                </a:solidFill>
+                <a:latin typeface="Helvetica" panose="020B0604020202020204" pitchFamily="34" charset="0"/>
+              </a:rPr>
+              <a:t> </a:t>
+            </a:r>
+            <a:r>
+              <a:rPr lang="pl-PL" sz="1400" dirty="0">
+                <a:solidFill>
+                  <a:schemeClr val="tx1">
+                    <a:lumMod val="50000"/>
+                    <a:lumOff val="50000"/>
+                  </a:schemeClr>
+                </a:solidFill>
+              </a:rPr>
+              <a:t>- w</a:t>
+            </a:r>
+            <a:r>
+              <a:rPr lang="en-US" sz="1400" dirty="0" err="1">
+                <a:solidFill>
+                  <a:schemeClr val="tx1">
+                    <a:lumMod val="50000"/>
+                    <a:lumOff val="50000"/>
+                  </a:schemeClr>
+                </a:solidFill>
+              </a:rPr>
+              <a:t>hether</a:t>
+            </a:r>
+            <a:r>
+              <a:rPr lang="en-US" sz="1400" dirty="0">
+                <a:solidFill>
+                  <a:schemeClr val="tx1">
+                    <a:lumMod val="50000"/>
+                    <a:lumOff val="50000"/>
+                  </a:schemeClr>
+                </a:solidFill>
+              </a:rPr>
+              <a:t> to learn class prior probabilities or not</a:t>
+            </a:r>
+            <a:endParaRPr lang="pl-PL" sz="1400" dirty="0">
+              <a:solidFill>
+                <a:schemeClr val="tx1">
+                  <a:lumMod val="50000"/>
+                  <a:lumOff val="50000"/>
+                </a:schemeClr>
+              </a:solidFill>
+            </a:endParaRPr>
+          </a:p>
+          <a:p>
+            <a:pPr lvl="0"/>
+            <a:r>
+              <a:rPr lang="pl-PL" altLang="pl-PL" sz="1400" i="1" dirty="0" err="1">
+                <a:solidFill>
+                  <a:schemeClr val="tx1">
+                    <a:lumMod val="50000"/>
+                    <a:lumOff val="50000"/>
+                  </a:schemeClr>
+                </a:solidFill>
+                <a:latin typeface="Helvetica" panose="020B0604020202020204" pitchFamily="34" charset="0"/>
+              </a:rPr>
+              <a:t>class_prior</a:t>
+            </a:r>
+            <a:r>
+              <a:rPr lang="pl-PL" altLang="pl-PL" sz="1400" i="1" dirty="0">
+                <a:solidFill>
+                  <a:schemeClr val="tx1">
+                    <a:lumMod val="50000"/>
+                    <a:lumOff val="50000"/>
+                  </a:schemeClr>
+                </a:solidFill>
+                <a:latin typeface="Helvetica" panose="020B0604020202020204" pitchFamily="34" charset="0"/>
+              </a:rPr>
+              <a:t> </a:t>
+            </a:r>
+            <a:r>
+              <a:rPr kumimoji="0" lang="pl-PL" altLang="pl-PL" sz="1400" b="0" i="0" u="none" strike="noStrike" cap="none" normalizeH="0" baseline="0" dirty="0">
+                <a:ln>
+                  <a:noFill/>
+                </a:ln>
+                <a:solidFill>
+                  <a:schemeClr val="tx1">
+                    <a:lumMod val="50000"/>
+                    <a:lumOff val="50000"/>
+                  </a:schemeClr>
+                </a:solidFill>
+                <a:effectLst/>
+              </a:rPr>
+              <a:t>- r</a:t>
+            </a:r>
+            <a:r>
+              <a:rPr lang="en-US" sz="1400" dirty="0" err="1">
+                <a:solidFill>
+                  <a:schemeClr val="tx1">
+                    <a:lumMod val="50000"/>
+                    <a:lumOff val="50000"/>
+                  </a:schemeClr>
+                </a:solidFill>
+              </a:rPr>
+              <a:t>rior</a:t>
+            </a:r>
+            <a:r>
+              <a:rPr lang="en-US" sz="1400" dirty="0">
+                <a:solidFill>
+                  <a:schemeClr val="tx1">
+                    <a:lumMod val="50000"/>
+                    <a:lumOff val="50000"/>
+                  </a:schemeClr>
+                </a:solidFill>
+              </a:rPr>
+              <a:t> probabilities of the classes. If specified the priors are not adjusted according to the data</a:t>
+            </a:r>
+            <a:r>
+              <a:rPr kumimoji="0" lang="pl-PL" altLang="pl-PL" sz="1400" b="0" i="0" u="none" strike="noStrike" cap="none" normalizeH="0" baseline="0" dirty="0">
+                <a:ln>
+                  <a:noFill/>
+                </a:ln>
+                <a:solidFill>
+                  <a:schemeClr val="tx1">
+                    <a:lumMod val="50000"/>
+                    <a:lumOff val="50000"/>
+                  </a:schemeClr>
+                </a:solidFill>
+                <a:effectLst/>
+              </a:rPr>
+              <a:t> </a:t>
+            </a:r>
+          </a:p>
+        </p:txBody>
+      </p:sp>
+      <p:cxnSp>
+        <p:nvCxnSpPr>
+          <p:cNvPr id="11" name="Łącznik prosty ze strzałką 10">
+            <a:extLst>
+              <a:ext uri="{FF2B5EF4-FFF2-40B4-BE49-F238E27FC236}">
+                <a16:creationId xmlns:a16="http://schemas.microsoft.com/office/drawing/2014/main" id="{7FDEBDB7-B7D3-45D9-B72B-ADDD5912A15E}"/>
+              </a:ext>
+            </a:extLst>
+          </p:cNvPr>
+          <p:cNvCxnSpPr/>
+          <p:nvPr/>
+        </p:nvCxnSpPr>
+        <p:spPr>
+          <a:xfrm>
+            <a:off x="3361038" y="2793380"/>
+            <a:ext cx="271848" cy="685008"/>
+          </a:xfrm>
+          <a:prstGeom prst="straightConnector1">
+            <a:avLst/>
+          </a:prstGeom>
+          <a:ln w="57150">
+            <a:tailEnd type="triangle"/>
+          </a:ln>
+        </p:spPr>
+        <p:style>
+          <a:lnRef idx="1">
+            <a:schemeClr val="accent1"/>
+          </a:lnRef>
+          <a:fillRef idx="0">
+            <a:schemeClr val="accent1"/>
+          </a:fillRef>
+          <a:effectRef idx="0">
+            <a:schemeClr val="accent1"/>
+          </a:effectRef>
+          <a:fontRef idx="minor">
+            <a:schemeClr val="tx1"/>
+          </a:fontRef>
+        </p:style>
+      </p:cxnSp>
+      <p:cxnSp>
+        <p:nvCxnSpPr>
+          <p:cNvPr id="12" name="Łącznik prosty ze strzałką 11">
+            <a:extLst>
+              <a:ext uri="{FF2B5EF4-FFF2-40B4-BE49-F238E27FC236}">
+                <a16:creationId xmlns:a16="http://schemas.microsoft.com/office/drawing/2014/main" id="{CE04212C-0E6D-4808-99C4-78A4643ED1FC}"/>
+              </a:ext>
+            </a:extLst>
+          </p:cNvPr>
+          <p:cNvCxnSpPr>
+            <a:cxnSpLocks/>
+          </p:cNvCxnSpPr>
+          <p:nvPr/>
+        </p:nvCxnSpPr>
+        <p:spPr>
+          <a:xfrm flipV="1">
+            <a:off x="4464908" y="3678779"/>
+            <a:ext cx="840260" cy="1411086"/>
+          </a:xfrm>
+          <a:prstGeom prst="straightConnector1">
+            <a:avLst/>
+          </a:prstGeom>
+          <a:ln w="57150">
+            <a:tailEnd type="triangle"/>
+          </a:ln>
+        </p:spPr>
+        <p:style>
+          <a:lnRef idx="1">
+            <a:schemeClr val="accent1"/>
+          </a:lnRef>
+          <a:fillRef idx="0">
+            <a:schemeClr val="accent1"/>
+          </a:fillRef>
+          <a:effectRef idx="0">
+            <a:schemeClr val="accent1"/>
+          </a:effectRef>
+          <a:fontRef idx="minor">
+            <a:schemeClr val="tx1"/>
+          </a:fontRef>
+        </p:style>
+      </p:cxnSp>
+    </p:spTree>
+    <p:extLst>
+      <p:ext uri="{BB962C8B-B14F-4D97-AF65-F5344CB8AC3E}">
+        <p14:creationId xmlns:p14="http://schemas.microsoft.com/office/powerpoint/2010/main" val="3786223595"/>
       </p:ext>
     </p:extLst>
   </p:cSld>
@@ -3439,6 +7533,36 @@
           <a:chExt cx="0" cy="0"/>
         </a:xfrm>
       </p:grpSpPr>
+      <p:pic>
+        <p:nvPicPr>
+          <p:cNvPr id="4" name="Obraz 3">
+            <a:extLst>
+              <a:ext uri="{FF2B5EF4-FFF2-40B4-BE49-F238E27FC236}">
+                <a16:creationId xmlns:a16="http://schemas.microsoft.com/office/drawing/2014/main" id="{07D10AA3-9D76-4224-A5BD-8CC4FDF2AA37}"/>
+              </a:ext>
+            </a:extLst>
+          </p:cNvPr>
+          <p:cNvPicPr>
+            <a:picLocks noChangeAspect="1"/>
+          </p:cNvPicPr>
+          <p:nvPr/>
+        </p:nvPicPr>
+        <p:blipFill>
+          <a:blip r:embed="rId2"/>
+          <a:stretch>
+            <a:fillRect/>
+          </a:stretch>
+        </p:blipFill>
+        <p:spPr>
+          <a:xfrm>
+            <a:off x="6168432" y="2953023"/>
+            <a:ext cx="4793601" cy="2766519"/>
+          </a:xfrm>
+          <a:prstGeom prst="rect">
+            <a:avLst/>
+          </a:prstGeom>
+        </p:spPr>
+      </p:pic>
       <p:sp>
         <p:nvSpPr>
           <p:cNvPr id="2" name="Tytuł 1">
@@ -3488,10 +7612,15 @@
             <p:ph idx="1"/>
           </p:nvPr>
         </p:nvSpPr>
-        <p:spPr/>
+        <p:spPr>
+          <a:xfrm>
+            <a:off x="1241292" y="2157731"/>
+            <a:ext cx="3800394" cy="3766185"/>
+          </a:xfrm>
+        </p:spPr>
         <p:txBody>
           <a:bodyPr>
-            <a:normAutofit lnSpcReduction="10000"/>
+            <a:normAutofit fontScale="92500" lnSpcReduction="20000"/>
           </a:bodyPr>
           <a:lstStyle/>
           <a:p>
@@ -3617,6 +7746,53 @@
           </a:p>
         </p:txBody>
       </p:sp>
+      <p:pic>
+        <p:nvPicPr>
+          <p:cNvPr id="2056" name="Picture 8" descr="Znalezione obrazy dla zapytania kaggle icon png">
+            <a:extLst>
+              <a:ext uri="{FF2B5EF4-FFF2-40B4-BE49-F238E27FC236}">
+                <a16:creationId xmlns:a16="http://schemas.microsoft.com/office/drawing/2014/main" id="{8525CFD8-A887-48A8-9DC9-7A33EE9840F5}"/>
+              </a:ext>
+            </a:extLst>
+          </p:cNvPr>
+          <p:cNvPicPr>
+            <a:picLocks noChangeAspect="1" noChangeArrowheads="1"/>
+          </p:cNvPicPr>
+          <p:nvPr/>
+        </p:nvPicPr>
+        <p:blipFill>
+          <a:blip r:embed="rId3">
+            <a:extLst>
+              <a:ext uri="{28A0092B-C50C-407E-A947-70E740481C1C}">
+                <a14:useLocalDpi xmlns:a14="http://schemas.microsoft.com/office/drawing/2010/main" val="0"/>
+              </a:ext>
+            </a:extLst>
+          </a:blip>
+          <a:srcRect/>
+          <a:stretch>
+            <a:fillRect/>
+          </a:stretch>
+        </p:blipFill>
+        <p:spPr bwMode="auto">
+          <a:xfrm>
+            <a:off x="7715333" y="1979013"/>
+            <a:ext cx="3246700" cy="974010"/>
+          </a:xfrm>
+          <a:prstGeom prst="rect">
+            <a:avLst/>
+          </a:prstGeom>
+          <a:noFill/>
+          <a:extLst>
+            <a:ext uri="{909E8E84-426E-40DD-AFC4-6F175D3DCCD1}">
+              <a14:hiddenFill xmlns:a14="http://schemas.microsoft.com/office/drawing/2010/main">
+                <a:solidFill>
+                  <a:srgbClr val="FFFFFF"/>
+                </a:solidFill>
+              </a14:hiddenFill>
+            </a:ext>
+          </a:extLst>
+        </p:spPr>
+      </p:pic>
     </p:spTree>
     <p:extLst>
       <p:ext uri="{BB962C8B-B14F-4D97-AF65-F5344CB8AC3E}">
@@ -3690,30 +7866,30 @@
           <p:nvPr>
             <p:extLst>
               <p:ext uri="{D42A27DB-BD31-4B8C-83A1-F6EECF244321}">
-                <p14:modId xmlns:p14="http://schemas.microsoft.com/office/powerpoint/2010/main" val="3790481086"/>
+                <p14:modId xmlns:p14="http://schemas.microsoft.com/office/powerpoint/2010/main" val="1482261264"/>
               </p:ext>
             </p:extLst>
           </p:nvPr>
         </p:nvGraphicFramePr>
         <p:xfrm>
-          <a:off x="2031999" y="1872963"/>
-          <a:ext cx="9204412" cy="4334452"/>
+          <a:off x="1862957" y="1809972"/>
+          <a:ext cx="8466086" cy="4548495"/>
         </p:xfrm>
         <a:graphic>
           <a:graphicData uri="http://schemas.openxmlformats.org/drawingml/2006/table">
             <a:tbl>
               <a:tblPr firstRow="1" bandRow="1">
-                <a:tableStyleId>{2D5ABB26-0587-4C30-8999-92F81FD0307C}</a:tableStyleId>
+                <a:tableStyleId>{68D230F3-CF80-4859-8CE7-A43EE81993B5}</a:tableStyleId>
               </a:tblPr>
               <a:tblGrid>
-                <a:gridCol w="4602206">
+                <a:gridCol w="4233043">
                   <a:extLst>
                     <a:ext uri="{9D8B030D-6E8A-4147-A177-3AD203B41FA5}">
                       <a16:colId xmlns:a16="http://schemas.microsoft.com/office/drawing/2014/main" val="3825491113"/>
                     </a:ext>
                   </a:extLst>
                 </a:gridCol>
-                <a:gridCol w="4602206">
+                <a:gridCol w="4233043">
                   <a:extLst>
                     <a:ext uri="{9D8B030D-6E8A-4147-A177-3AD203B41FA5}">
                       <a16:colId xmlns:a16="http://schemas.microsoft.com/office/drawing/2014/main" val="3142304272"/>
@@ -3721,7 +7897,7 @@
                   </a:extLst>
                 </a:gridCol>
               </a:tblGrid>
-              <a:tr h="433632">
+              <a:tr h="473709">
                 <a:tc>
                   <a:txBody>
                     <a:bodyPr/>
@@ -3729,12 +7905,12 @@
                     <a:p>
                       <a:pPr algn="ctr"/>
                       <a:r>
-                        <a:rPr lang="pl-PL" sz="2000" dirty="0"/>
+                        <a:rPr lang="pl-PL" sz="2500" dirty="0"/>
                         <a:t>GENRES</a:t>
                       </a:r>
                     </a:p>
                   </a:txBody>
-                  <a:tcPr anchor="ctr"/>
+                  <a:tcPr marL="84104" marR="84104" marT="42053" marB="42053" anchor="ctr"/>
                 </a:tc>
                 <a:tc>
                   <a:txBody>
@@ -3743,12 +7919,12 @@
                     <a:p>
                       <a:pPr algn="ctr"/>
                       <a:r>
-                        <a:rPr lang="pl-PL" sz="2000" dirty="0"/>
+                        <a:rPr lang="pl-PL" sz="2500" dirty="0"/>
                         <a:t>PLOTS</a:t>
                       </a:r>
                     </a:p>
                   </a:txBody>
-                  <a:tcPr anchor="ctr"/>
+                  <a:tcPr marL="84104" marR="84104" marT="42053" marB="42053" anchor="ctr"/>
                 </a:tc>
                 <a:extLst>
                   <a:ext uri="{0D108BD9-81ED-4DB2-BD59-A6C34878D82A}">
@@ -3756,248 +7932,245 @@
                   </a:ext>
                 </a:extLst>
               </a:tr>
-              <a:tr h="3900820">
+              <a:tr h="4074786">
                 <a:tc>
                   <a:txBody>
                     <a:bodyPr/>
                     <a:lstStyle/>
                     <a:p>
-                      <a:pPr marL="285750" indent="-285750">
+                      <a:pPr marL="285750" indent="-285750" algn="ctr">
                         <a:buFont typeface="Arial" panose="020B0604020202020204" pitchFamily="34" charset="0"/>
                         <a:buChar char="•"/>
                       </a:pPr>
                       <a:r>
-                        <a:rPr lang="pl-PL" dirty="0"/>
+                        <a:rPr lang="pl-PL" sz="2100" dirty="0"/>
                         <a:t>2265 </a:t>
                       </a:r>
                       <a:r>
-                        <a:rPr lang="pl-PL" dirty="0" err="1"/>
+                        <a:rPr lang="pl-PL" sz="2100" dirty="0" err="1"/>
                         <a:t>different</a:t>
                       </a:r>
                       <a:r>
-                        <a:rPr lang="pl-PL" dirty="0"/>
+                        <a:rPr lang="pl-PL" sz="2100" dirty="0"/>
                         <a:t> </a:t>
                       </a:r>
                       <a:r>
-                        <a:rPr lang="pl-PL" dirty="0" err="1"/>
+                        <a:rPr lang="pl-PL" sz="2100" dirty="0" err="1"/>
                         <a:t>genres</a:t>
                       </a:r>
                       <a:r>
-                        <a:rPr lang="pl-PL" dirty="0"/>
+                        <a:rPr lang="pl-PL" sz="2100" dirty="0"/>
                         <a:t> </a:t>
                       </a:r>
                       <a:r>
-                        <a:rPr lang="pl-PL" dirty="0" err="1"/>
+                        <a:rPr lang="pl-PL" sz="2100" dirty="0" err="1"/>
                         <a:t>at</a:t>
                       </a:r>
                       <a:r>
-                        <a:rPr lang="pl-PL" dirty="0"/>
+                        <a:rPr lang="pl-PL" sz="2100" dirty="0"/>
                         <a:t> the </a:t>
                       </a:r>
                       <a:r>
-                        <a:rPr lang="pl-PL" dirty="0" err="1"/>
+                        <a:rPr lang="pl-PL" sz="2100" dirty="0" err="1"/>
                         <a:t>beggining</a:t>
                       </a:r>
-                      <a:endParaRPr lang="pl-PL" dirty="0"/>
+                      <a:endParaRPr lang="pl-PL" sz="2100" dirty="0"/>
                     </a:p>
                     <a:p>
-                      <a:pPr marL="0" indent="0">
+                      <a:pPr marL="0" indent="0" algn="ctr">
                         <a:buFont typeface="Arial" panose="020B0604020202020204" pitchFamily="34" charset="0"/>
                         <a:buNone/>
                       </a:pPr>
-                      <a:endParaRPr lang="pl-PL" dirty="0"/>
+                      <a:endParaRPr lang="pl-PL" sz="2100" dirty="0"/>
                     </a:p>
                     <a:p>
-                      <a:pPr marL="285750" indent="-285750">
+                      <a:pPr marL="285750" indent="-285750" algn="ctr">
                         <a:buFont typeface="Arial" panose="020B0604020202020204" pitchFamily="34" charset="0"/>
                         <a:buChar char="•"/>
                       </a:pPr>
                       <a:r>
-                        <a:rPr lang="pl-PL" dirty="0" err="1"/>
+                        <a:rPr lang="pl-PL" sz="2100" dirty="0" err="1"/>
                         <a:t>Multiple</a:t>
                       </a:r>
                       <a:r>
-                        <a:rPr lang="pl-PL" dirty="0"/>
+                        <a:rPr lang="pl-PL" sz="2100" dirty="0"/>
                         <a:t> </a:t>
                       </a:r>
                       <a:r>
-                        <a:rPr lang="pl-PL" dirty="0" err="1"/>
+                        <a:rPr lang="pl-PL" sz="2100" dirty="0" err="1"/>
                         <a:t>genres</a:t>
                       </a:r>
                       <a:r>
-                        <a:rPr lang="pl-PL" dirty="0"/>
+                        <a:rPr lang="pl-PL" sz="2100" dirty="0"/>
                         <a:t> for one </a:t>
                       </a:r>
                       <a:r>
-                        <a:rPr lang="pl-PL" dirty="0" err="1"/>
+                        <a:rPr lang="pl-PL" sz="2100" dirty="0" err="1"/>
                         <a:t>movie</a:t>
                       </a:r>
                       <a:r>
-                        <a:rPr lang="pl-PL" dirty="0"/>
+                        <a:rPr lang="pl-PL" sz="2100" dirty="0"/>
                         <a:t> (</a:t>
                       </a:r>
                       <a:r>
-                        <a:rPr lang="pl-PL" dirty="0" err="1"/>
+                        <a:rPr lang="pl-PL" sz="2100" dirty="0" err="1"/>
                         <a:t>e.g</a:t>
                       </a:r>
                       <a:r>
-                        <a:rPr lang="pl-PL" dirty="0"/>
+                        <a:rPr lang="pl-PL" sz="2100" dirty="0"/>
                         <a:t>. drama </a:t>
                       </a:r>
                       <a:r>
-                        <a:rPr lang="pl-PL" dirty="0" err="1"/>
+                        <a:rPr lang="pl-PL" sz="2100" dirty="0" err="1"/>
                         <a:t>historical</a:t>
                       </a:r>
                       <a:r>
-                        <a:rPr lang="pl-PL" dirty="0"/>
+                        <a:rPr lang="pl-PL" sz="2100" dirty="0"/>
                         <a:t> </a:t>
                       </a:r>
                       <a:r>
-                        <a:rPr lang="pl-PL" dirty="0" err="1"/>
+                        <a:rPr lang="pl-PL" sz="2100" dirty="0" err="1"/>
                         <a:t>short</a:t>
                       </a:r>
                       <a:r>
-                        <a:rPr lang="pl-PL" dirty="0"/>
+                        <a:rPr lang="pl-PL" sz="2100" dirty="0"/>
                         <a:t>)</a:t>
                       </a:r>
                     </a:p>
                     <a:p>
-                      <a:pPr marL="0" indent="0">
+                      <a:pPr marL="0" indent="0" algn="ctr">
                         <a:buFont typeface="Arial" panose="020B0604020202020204" pitchFamily="34" charset="0"/>
                         <a:buNone/>
                       </a:pPr>
-                      <a:endParaRPr lang="pl-PL" dirty="0"/>
+                      <a:endParaRPr lang="pl-PL" sz="2100" dirty="0"/>
                     </a:p>
                     <a:p>
-                      <a:pPr marL="285750" indent="-285750">
+                      <a:pPr marL="285750" indent="-285750" algn="ctr">
                         <a:buFont typeface="Arial" panose="020B0604020202020204" pitchFamily="34" charset="0"/>
                         <a:buChar char="•"/>
                       </a:pPr>
                       <a:r>
-                        <a:rPr lang="pl-PL" dirty="0" err="1"/>
+                        <a:rPr lang="pl-PL" sz="2100" dirty="0" err="1"/>
                         <a:t>Different</a:t>
                       </a:r>
                       <a:r>
-                        <a:rPr lang="pl-PL" dirty="0"/>
+                        <a:rPr lang="pl-PL" sz="2100" dirty="0"/>
                         <a:t> </a:t>
                       </a:r>
                       <a:r>
-                        <a:rPr lang="pl-PL" dirty="0" err="1"/>
+                        <a:rPr lang="pl-PL" sz="2100" dirty="0" err="1"/>
                         <a:t>names</a:t>
                       </a:r>
                       <a:r>
-                        <a:rPr lang="pl-PL" dirty="0"/>
+                        <a:rPr lang="pl-PL" sz="2100" dirty="0"/>
                         <a:t> for the same genre (</a:t>
                       </a:r>
                       <a:r>
-                        <a:rPr lang="pl-PL" dirty="0" err="1"/>
+                        <a:rPr lang="pl-PL" sz="2100" dirty="0" err="1"/>
                         <a:t>e.g</a:t>
                       </a:r>
                       <a:r>
-                        <a:rPr lang="pl-PL" dirty="0"/>
+                        <a:rPr lang="pl-PL" sz="2100" dirty="0"/>
                         <a:t>. </a:t>
                       </a:r>
                       <a:r>
-                        <a:rPr lang="pl-PL" dirty="0" err="1"/>
+                        <a:rPr lang="pl-PL" sz="2100" dirty="0" err="1"/>
                         <a:t>biographical</a:t>
                       </a:r>
                       <a:r>
-                        <a:rPr lang="pl-PL" dirty="0"/>
+                        <a:rPr lang="pl-PL" sz="2100" dirty="0"/>
                         <a:t>, </a:t>
                       </a:r>
                       <a:r>
-                        <a:rPr lang="pl-PL" dirty="0" err="1"/>
+                        <a:rPr lang="pl-PL" sz="2100" dirty="0" err="1"/>
                         <a:t>biography</a:t>
                       </a:r>
                       <a:r>
-                        <a:rPr lang="pl-PL" dirty="0"/>
+                        <a:rPr lang="pl-PL" sz="2100" dirty="0"/>
                         <a:t>, </a:t>
                       </a:r>
                       <a:r>
-                        <a:rPr lang="pl-PL" dirty="0" err="1"/>
+                        <a:rPr lang="pl-PL" sz="2100" dirty="0" err="1"/>
                         <a:t>biopiC</a:t>
                       </a:r>
                       <a:r>
-                        <a:rPr lang="pl-PL" dirty="0"/>
+                        <a:rPr lang="pl-PL" sz="2100" dirty="0"/>
                         <a:t>)</a:t>
                       </a:r>
                     </a:p>
                     <a:p>
-                      <a:pPr marL="0" indent="0">
+                      <a:pPr marL="0" indent="0" algn="ctr">
                         <a:buFont typeface="Arial" panose="020B0604020202020204" pitchFamily="34" charset="0"/>
                         <a:buNone/>
                       </a:pPr>
-                      <a:endParaRPr lang="pl-PL" dirty="0"/>
+                      <a:endParaRPr lang="pl-PL" sz="2100" dirty="0"/>
                     </a:p>
                     <a:p>
-                      <a:pPr marL="285750" indent="-285750">
+                      <a:pPr marL="285750" indent="-285750" algn="ctr">
                         <a:buFont typeface="Arial" panose="020B0604020202020204" pitchFamily="34" charset="0"/>
                         <a:buChar char="•"/>
                       </a:pPr>
                       <a:r>
-                        <a:rPr lang="pl-PL" dirty="0"/>
-                        <a:t>Less </a:t>
+                        <a:rPr lang="pl-PL" sz="2100" dirty="0" err="1"/>
+                        <a:t>About</a:t>
                       </a:r>
                       <a:r>
-                        <a:rPr lang="pl-PL" dirty="0" err="1"/>
-                        <a:t>than</a:t>
-                      </a:r>
-                      <a:r>
-                        <a:rPr lang="pl-PL" dirty="0"/>
+                        <a:rPr lang="pl-PL" sz="2100" dirty="0"/>
                         <a:t> 1000 </a:t>
                       </a:r>
                       <a:r>
-                        <a:rPr lang="pl-PL" dirty="0" err="1"/>
+                        <a:rPr lang="pl-PL" sz="2100" dirty="0" err="1"/>
                         <a:t>after</a:t>
                       </a:r>
                       <a:r>
-                        <a:rPr lang="pl-PL" dirty="0"/>
+                        <a:rPr lang="pl-PL" sz="2100" dirty="0"/>
                         <a:t> </a:t>
                       </a:r>
                       <a:r>
-                        <a:rPr lang="pl-PL" dirty="0" err="1"/>
+                        <a:rPr lang="pl-PL" sz="2100" dirty="0" err="1"/>
                         <a:t>cleansing</a:t>
                       </a:r>
-                      <a:endParaRPr lang="pl-PL" dirty="0"/>
+                      <a:endParaRPr lang="pl-PL" sz="2100" dirty="0"/>
                     </a:p>
                     <a:p>
-                      <a:endParaRPr lang="pl-PL" dirty="0"/>
+                      <a:pPr algn="ctr"/>
+                      <a:endParaRPr lang="pl-PL" sz="2100" dirty="0"/>
                     </a:p>
                   </a:txBody>
-                  <a:tcPr/>
+                  <a:tcPr marL="84104" marR="84104" marT="42053" marB="42053"/>
                 </a:tc>
                 <a:tc>
                   <a:txBody>
                     <a:bodyPr/>
                     <a:lstStyle/>
                     <a:p>
-                      <a:pPr marL="285750" indent="-285750">
+                      <a:pPr marL="285750" indent="-285750" algn="ctr">
                         <a:buFont typeface="Arial" panose="020B0604020202020204" pitchFamily="34" charset="0"/>
                         <a:buChar char="•"/>
                       </a:pPr>
                       <a:r>
-                        <a:rPr lang="pl-PL" dirty="0" err="1"/>
+                        <a:rPr lang="pl-PL" sz="2100" dirty="0" err="1"/>
                         <a:t>Extracting</a:t>
                       </a:r>
                       <a:r>
-                        <a:rPr lang="pl-PL" dirty="0"/>
+                        <a:rPr lang="pl-PL" sz="2100" dirty="0"/>
                         <a:t> single </a:t>
                       </a:r>
                       <a:r>
-                        <a:rPr lang="pl-PL" dirty="0" err="1"/>
+                        <a:rPr lang="pl-PL" sz="2100" dirty="0" err="1"/>
                         <a:t>words</a:t>
                       </a:r>
-                      <a:endParaRPr lang="pl-PL" dirty="0"/>
+                      <a:endParaRPr lang="pl-PL" sz="2100" dirty="0"/>
                     </a:p>
                     <a:p>
-                      <a:pPr marL="285750" indent="-285750">
+                      <a:pPr marL="285750" indent="-285750" algn="ctr">
                         <a:buFont typeface="Arial" panose="020B0604020202020204" pitchFamily="34" charset="0"/>
                         <a:buChar char="•"/>
                       </a:pPr>
-                      <a:endParaRPr lang="pl-PL" dirty="0"/>
+                      <a:endParaRPr lang="pl-PL" sz="2100" dirty="0"/>
                     </a:p>
                     <a:p>
-                      <a:pPr marL="285750" marR="0" lvl="0" indent="-285750" algn="l" defTabSz="914400" rtl="0" eaLnBrk="1" fontAlgn="auto" latinLnBrk="0" hangingPunct="1">
+                      <a:pPr marL="285750" marR="0" lvl="0" indent="-285750" algn="ctr" defTabSz="914400" rtl="0" eaLnBrk="1" fontAlgn="auto" latinLnBrk="0" hangingPunct="1">
                         <a:lnSpc>
                           <a:spcPct val="100000"/>
                         </a:lnSpc>
@@ -4015,174 +8188,174 @@
                         <a:defRPr/>
                       </a:pPr>
                       <a:r>
-                        <a:rPr lang="pl-PL" dirty="0" err="1"/>
+                        <a:rPr lang="pl-PL" sz="2100" dirty="0" err="1"/>
                         <a:t>Removing</a:t>
                       </a:r>
                       <a:r>
-                        <a:rPr lang="pl-PL" dirty="0"/>
+                        <a:rPr lang="pl-PL" sz="2100" dirty="0"/>
                         <a:t> </a:t>
                       </a:r>
                       <a:r>
-                        <a:rPr lang="pl-PL" sz="1800" u="none" kern="1200" dirty="0">
+                        <a:rPr lang="pl-PL" sz="2100" u="none" kern="1200" dirty="0">
                           <a:effectLst/>
                         </a:rPr>
                         <a:t>punctuation marks</a:t>
                       </a:r>
                     </a:p>
                     <a:p>
-                      <a:pPr marL="285750" indent="-285750">
+                      <a:pPr marL="285750" indent="-285750" algn="ctr">
                         <a:buFont typeface="Arial" panose="020B0604020202020204" pitchFamily="34" charset="0"/>
                         <a:buChar char="•"/>
                       </a:pPr>
-                      <a:endParaRPr lang="pl-PL" dirty="0"/>
+                      <a:endParaRPr lang="pl-PL" sz="2100" dirty="0"/>
                     </a:p>
                     <a:p>
-                      <a:pPr marL="285750" indent="-285750">
+                      <a:pPr marL="285750" indent="-285750" algn="ctr">
                         <a:buFont typeface="Arial" panose="020B0604020202020204" pitchFamily="34" charset="0"/>
                         <a:buChar char="•"/>
                       </a:pPr>
                       <a:r>
-                        <a:rPr lang="pl-PL" dirty="0" err="1"/>
+                        <a:rPr lang="pl-PL" sz="2100" dirty="0" err="1"/>
                         <a:t>Changing</a:t>
                       </a:r>
                       <a:r>
-                        <a:rPr lang="pl-PL" dirty="0"/>
+                        <a:rPr lang="pl-PL" sz="2100" dirty="0"/>
                         <a:t> </a:t>
                       </a:r>
                       <a:r>
-                        <a:rPr lang="pl-PL" dirty="0" err="1"/>
+                        <a:rPr lang="pl-PL" sz="2100" dirty="0" err="1"/>
                         <a:t>short</a:t>
                       </a:r>
                       <a:r>
-                        <a:rPr lang="pl-PL" dirty="0"/>
+                        <a:rPr lang="pl-PL" sz="2100" dirty="0"/>
                         <a:t> </a:t>
                       </a:r>
                       <a:r>
-                        <a:rPr lang="pl-PL" dirty="0" err="1"/>
+                        <a:rPr lang="pl-PL" sz="2100" dirty="0" err="1"/>
                         <a:t>forms</a:t>
                       </a:r>
                       <a:r>
-                        <a:rPr lang="pl-PL" dirty="0"/>
+                        <a:rPr lang="pl-PL" sz="2100" dirty="0"/>
                         <a:t> </a:t>
                       </a:r>
                       <a:r>
-                        <a:rPr lang="pl-PL" dirty="0" err="1"/>
+                        <a:rPr lang="pl-PL" sz="2100" dirty="0" err="1"/>
                         <a:t>into</a:t>
                       </a:r>
                       <a:r>
-                        <a:rPr lang="pl-PL" dirty="0"/>
+                        <a:rPr lang="pl-PL" sz="2100" dirty="0"/>
                         <a:t> </a:t>
                       </a:r>
                       <a:r>
-                        <a:rPr lang="pl-PL" dirty="0" err="1"/>
+                        <a:rPr lang="pl-PL" sz="2100" dirty="0" err="1"/>
                         <a:t>long</a:t>
                       </a:r>
                       <a:r>
-                        <a:rPr lang="pl-PL" dirty="0"/>
+                        <a:rPr lang="pl-PL" sz="2100" dirty="0"/>
                         <a:t> </a:t>
                       </a:r>
                       <a:r>
-                        <a:rPr lang="pl-PL" dirty="0" err="1"/>
+                        <a:rPr lang="pl-PL" sz="2100" dirty="0" err="1"/>
                         <a:t>forms</a:t>
                       </a:r>
                       <a:r>
-                        <a:rPr lang="pl-PL" dirty="0"/>
+                        <a:rPr lang="pl-PL" sz="2100" dirty="0"/>
                         <a:t> </a:t>
                       </a:r>
                       <a:br>
-                        <a:rPr lang="pl-PL" dirty="0"/>
+                        <a:rPr lang="pl-PL" sz="2100" dirty="0"/>
                       </a:br>
                       <a:r>
-                        <a:rPr lang="pl-PL" dirty="0"/>
+                        <a:rPr lang="pl-PL" sz="2100" dirty="0"/>
                         <a:t>(</a:t>
                       </a:r>
                       <a:r>
-                        <a:rPr lang="pl-PL" dirty="0" err="1"/>
+                        <a:rPr lang="pl-PL" sz="2100" dirty="0" err="1"/>
                         <a:t>e.g</a:t>
                       </a:r>
                       <a:r>
-                        <a:rPr lang="pl-PL" dirty="0"/>
+                        <a:rPr lang="pl-PL" sz="2100" dirty="0"/>
                         <a:t>. </a:t>
                       </a:r>
                       <a:r>
-                        <a:rPr lang="pl-PL" dirty="0" err="1"/>
+                        <a:rPr lang="pl-PL" sz="2100" dirty="0" err="1"/>
                         <a:t>can’t</a:t>
                       </a:r>
                       <a:r>
-                        <a:rPr lang="pl-PL" dirty="0"/>
+                        <a:rPr lang="pl-PL" sz="2100" dirty="0"/>
                         <a:t> -&gt; </a:t>
                       </a:r>
                       <a:r>
-                        <a:rPr lang="pl-PL" dirty="0" err="1"/>
+                        <a:rPr lang="pl-PL" sz="2100" dirty="0" err="1"/>
                         <a:t>can</a:t>
                       </a:r>
                       <a:r>
-                        <a:rPr lang="pl-PL" dirty="0"/>
+                        <a:rPr lang="pl-PL" sz="2100" dirty="0"/>
                         <a:t> not)</a:t>
                       </a:r>
                     </a:p>
                     <a:p>
-                      <a:pPr marL="285750" indent="-285750">
+                      <a:pPr marL="285750" indent="-285750" algn="ctr">
                         <a:buFont typeface="Arial" panose="020B0604020202020204" pitchFamily="34" charset="0"/>
                         <a:buChar char="•"/>
                       </a:pPr>
-                      <a:endParaRPr lang="pl-PL" dirty="0"/>
+                      <a:endParaRPr lang="pl-PL" sz="2100" dirty="0"/>
                     </a:p>
                     <a:p>
-                      <a:pPr marL="285750" indent="-285750">
+                      <a:pPr marL="285750" indent="-285750" algn="ctr">
                         <a:buFont typeface="Arial" panose="020B0604020202020204" pitchFamily="34" charset="0"/>
                         <a:buChar char="•"/>
                       </a:pPr>
                       <a:r>
-                        <a:rPr lang="pl-PL" dirty="0" err="1"/>
+                        <a:rPr lang="pl-PL" sz="2100" dirty="0" err="1"/>
                         <a:t>Eliminating</a:t>
                       </a:r>
                       <a:r>
-                        <a:rPr lang="pl-PL" dirty="0"/>
+                        <a:rPr lang="pl-PL" sz="2100" dirty="0"/>
                         <a:t> </a:t>
                       </a:r>
                       <a:r>
-                        <a:rPr lang="pl-PL" dirty="0" err="1"/>
+                        <a:rPr lang="pl-PL" sz="2100" dirty="0" err="1"/>
                         <a:t>nonsignificant</a:t>
                       </a:r>
                       <a:r>
-                        <a:rPr lang="pl-PL" dirty="0"/>
+                        <a:rPr lang="pl-PL" sz="2100" dirty="0"/>
                         <a:t> </a:t>
                       </a:r>
                       <a:r>
-                        <a:rPr lang="pl-PL" dirty="0" err="1"/>
+                        <a:rPr lang="pl-PL" sz="2100" dirty="0" err="1"/>
                         <a:t>words</a:t>
                       </a:r>
                       <a:r>
-                        <a:rPr lang="pl-PL" dirty="0"/>
+                        <a:rPr lang="pl-PL" sz="2100" dirty="0"/>
                         <a:t> </a:t>
                       </a:r>
                       <a:br>
-                        <a:rPr lang="pl-PL" dirty="0"/>
+                        <a:rPr lang="pl-PL" sz="2100" dirty="0"/>
                       </a:br>
                       <a:r>
-                        <a:rPr lang="pl-PL" dirty="0"/>
+                        <a:rPr lang="pl-PL" sz="2100" dirty="0"/>
                         <a:t>(</a:t>
                       </a:r>
                       <a:r>
-                        <a:rPr lang="pl-PL" dirty="0" err="1"/>
+                        <a:rPr lang="pl-PL" sz="2100" dirty="0" err="1"/>
                         <a:t>e.g</a:t>
                       </a:r>
                       <a:r>
-                        <a:rPr lang="pl-PL" dirty="0"/>
+                        <a:rPr lang="pl-PL" sz="2100" dirty="0"/>
                         <a:t>. </a:t>
                       </a:r>
                       <a:r>
-                        <a:rPr lang="pl-PL" dirty="0" err="1"/>
+                        <a:rPr lang="pl-PL" sz="2100" dirty="0" err="1"/>
                         <a:t>about</a:t>
                       </a:r>
                       <a:r>
-                        <a:rPr lang="pl-PL" dirty="0"/>
+                        <a:rPr lang="pl-PL" sz="2100" dirty="0"/>
                         <a:t>, with, but)</a:t>
                       </a:r>
                     </a:p>
                   </a:txBody>
-                  <a:tcPr/>
+                  <a:tcPr marL="84104" marR="84104" marT="42053" marB="42053"/>
                 </a:tc>
                 <a:extLst>
                   <a:ext uri="{0D108BD9-81ED-4DB2-BD59-A6C34878D82A}">
@@ -4245,7 +8418,10 @@
           <a:bodyPr/>
           <a:lstStyle/>
           <a:p>
-            <a:endParaRPr lang="pl-PL"/>
+            <a:r>
+              <a:rPr lang="pl-PL" dirty="0"/>
+              <a:t>NUMBER OF MOVIES PER GENRE</a:t>
+            </a:r>
           </a:p>
         </p:txBody>
       </p:sp>
@@ -4271,8 +8447,8 @@
         </p:blipFill>
         <p:spPr>
           <a:xfrm>
-            <a:off x="3462666" y="2303357"/>
-            <a:ext cx="5266667" cy="3800000"/>
+            <a:off x="2958456" y="1830873"/>
+            <a:ext cx="6275088" cy="4527594"/>
           </a:xfrm>
           <a:prstGeom prst="rect">
             <a:avLst/>
@@ -4292,8 +8468,1554 @@
 </p:sld>
 </file>
 
+<file path=ppt/slides/slide5.xml><?xml version="1.0" encoding="utf-8"?>
+<p:sld xmlns:a="http://schemas.openxmlformats.org/drawingml/2006/main" xmlns:r="http://schemas.openxmlformats.org/officeDocument/2006/relationships" xmlns:p="http://schemas.openxmlformats.org/presentationml/2006/main">
+  <p:cSld>
+    <p:spTree>
+      <p:nvGrpSpPr>
+        <p:cNvPr id="1" name=""/>
+        <p:cNvGrpSpPr/>
+        <p:nvPr/>
+      </p:nvGrpSpPr>
+      <p:grpSpPr>
+        <a:xfrm>
+          <a:off x="0" y="0"/>
+          <a:ext cx="0" cy="0"/>
+          <a:chOff x="0" y="0"/>
+          <a:chExt cx="0" cy="0"/>
+        </a:xfrm>
+      </p:grpSpPr>
+      <p:sp>
+        <p:nvSpPr>
+          <p:cNvPr id="2" name="Tytuł 1">
+            <a:extLst>
+              <a:ext uri="{FF2B5EF4-FFF2-40B4-BE49-F238E27FC236}">
+                <a16:creationId xmlns:a16="http://schemas.microsoft.com/office/drawing/2014/main" id="{100BE2AA-BD9A-4DCC-8974-8F1B0DDE87A7}"/>
+              </a:ext>
+            </a:extLst>
+          </p:cNvPr>
+          <p:cNvSpPr>
+            <a:spLocks noGrp="1"/>
+          </p:cNvSpPr>
+          <p:nvPr>
+            <p:ph type="title"/>
+          </p:nvPr>
+        </p:nvSpPr>
+        <p:spPr/>
+        <p:txBody>
+          <a:bodyPr/>
+          <a:lstStyle/>
+          <a:p>
+            <a:r>
+              <a:rPr lang="pl-PL" dirty="0"/>
+              <a:t>NAIVE BAYES CASSIFICATION</a:t>
+            </a:r>
+          </a:p>
+        </p:txBody>
+      </p:sp>
+      <p:sp>
+        <p:nvSpPr>
+          <p:cNvPr id="3" name="Symbol zastępczy zawartości 2">
+            <a:extLst>
+              <a:ext uri="{FF2B5EF4-FFF2-40B4-BE49-F238E27FC236}">
+                <a16:creationId xmlns:a16="http://schemas.microsoft.com/office/drawing/2014/main" id="{BE0F26BC-1C04-4CD2-BD33-4D3230CD7517}"/>
+              </a:ext>
+            </a:extLst>
+          </p:cNvPr>
+          <p:cNvSpPr>
+            <a:spLocks noGrp="1"/>
+          </p:cNvSpPr>
+          <p:nvPr>
+            <p:ph idx="1"/>
+          </p:nvPr>
+        </p:nvSpPr>
+        <p:spPr>
+          <a:xfrm>
+            <a:off x="1151237" y="2565887"/>
+            <a:ext cx="4532870" cy="3792580"/>
+          </a:xfrm>
+        </p:spPr>
+        <p:txBody>
+          <a:bodyPr/>
+          <a:lstStyle/>
+          <a:p>
+            <a:pPr marL="0" indent="0">
+              <a:buNone/>
+            </a:pPr>
+            <a:r>
+              <a:rPr lang="en-US" dirty="0"/>
+              <a:t>The Naive Bayes classification algorithm is based off of </a:t>
+            </a:r>
+            <a:r>
+              <a:rPr lang="en-US" b="1" dirty="0"/>
+              <a:t>Bayes’ Theorem</a:t>
+            </a:r>
+            <a:r>
+              <a:rPr lang="en-US" dirty="0"/>
+              <a:t>. </a:t>
+            </a:r>
+            <a:endParaRPr lang="pl-PL" dirty="0"/>
+          </a:p>
+          <a:p>
+            <a:pPr marL="0" indent="0">
+              <a:buNone/>
+            </a:pPr>
+            <a:r>
+              <a:rPr lang="en-US" dirty="0"/>
+              <a:t>Bayes’ Theorem uses conditional probabilities to “predict” the outcome of later probabilities. </a:t>
+            </a:r>
+            <a:endParaRPr lang="pl-PL" dirty="0"/>
+          </a:p>
+        </p:txBody>
+      </p:sp>
+      <p:pic>
+        <p:nvPicPr>
+          <p:cNvPr id="1026" name="Picture 2" descr="https://skymind.ai/images/wiki/bayes_theorem.jpg">
+            <a:extLst>
+              <a:ext uri="{FF2B5EF4-FFF2-40B4-BE49-F238E27FC236}">
+                <a16:creationId xmlns:a16="http://schemas.microsoft.com/office/drawing/2014/main" id="{BC07174E-E9EF-4320-ADD3-A0CD61A505E7}"/>
+              </a:ext>
+            </a:extLst>
+          </p:cNvPr>
+          <p:cNvPicPr>
+            <a:picLocks noChangeAspect="1" noChangeArrowheads="1"/>
+          </p:cNvPicPr>
+          <p:nvPr/>
+        </p:nvPicPr>
+        <p:blipFill>
+          <a:blip r:embed="rId2">
+            <a:extLst>
+              <a:ext uri="{28A0092B-C50C-407E-A947-70E740481C1C}">
+                <a14:useLocalDpi xmlns:a14="http://schemas.microsoft.com/office/drawing/2010/main" val="0"/>
+              </a:ext>
+            </a:extLst>
+          </a:blip>
+          <a:srcRect/>
+          <a:stretch>
+            <a:fillRect/>
+          </a:stretch>
+        </p:blipFill>
+        <p:spPr bwMode="auto">
+          <a:xfrm>
+            <a:off x="6197901" y="2565887"/>
+            <a:ext cx="5047506" cy="3063017"/>
+          </a:xfrm>
+          <a:prstGeom prst="rect">
+            <a:avLst/>
+          </a:prstGeom>
+          <a:noFill/>
+          <a:extLst>
+            <a:ext uri="{909E8E84-426E-40DD-AFC4-6F175D3DCCD1}">
+              <a14:hiddenFill xmlns:a14="http://schemas.microsoft.com/office/drawing/2010/main">
+                <a:solidFill>
+                  <a:srgbClr val="FFFFFF"/>
+                </a:solidFill>
+              </a14:hiddenFill>
+            </a:ext>
+          </a:extLst>
+        </p:spPr>
+      </p:pic>
+    </p:spTree>
+    <p:extLst>
+      <p:ext uri="{BB962C8B-B14F-4D97-AF65-F5344CB8AC3E}">
+        <p14:creationId xmlns:p14="http://schemas.microsoft.com/office/powerpoint/2010/main" val="4037121178"/>
+      </p:ext>
+    </p:extLst>
+  </p:cSld>
+  <p:clrMapOvr>
+    <a:masterClrMapping/>
+  </p:clrMapOvr>
+</p:sld>
+</file>
+
+<file path=ppt/slides/slide6.xml><?xml version="1.0" encoding="utf-8"?>
+<p:sld xmlns:a="http://schemas.openxmlformats.org/drawingml/2006/main" xmlns:r="http://schemas.openxmlformats.org/officeDocument/2006/relationships" xmlns:p="http://schemas.openxmlformats.org/presentationml/2006/main">
+  <p:cSld>
+    <p:spTree>
+      <p:nvGrpSpPr>
+        <p:cNvPr id="1" name=""/>
+        <p:cNvGrpSpPr/>
+        <p:nvPr/>
+      </p:nvGrpSpPr>
+      <p:grpSpPr>
+        <a:xfrm>
+          <a:off x="0" y="0"/>
+          <a:ext cx="0" cy="0"/>
+          <a:chOff x="0" y="0"/>
+          <a:chExt cx="0" cy="0"/>
+        </a:xfrm>
+      </p:grpSpPr>
+      <p:sp>
+        <p:nvSpPr>
+          <p:cNvPr id="2" name="Tytuł 1">
+            <a:extLst>
+              <a:ext uri="{FF2B5EF4-FFF2-40B4-BE49-F238E27FC236}">
+                <a16:creationId xmlns:a16="http://schemas.microsoft.com/office/drawing/2014/main" id="{0A51062A-8999-4F86-86A2-6A1CF4D56E73}"/>
+              </a:ext>
+            </a:extLst>
+          </p:cNvPr>
+          <p:cNvSpPr>
+            <a:spLocks noGrp="1"/>
+          </p:cNvSpPr>
+          <p:nvPr>
+            <p:ph type="title"/>
+          </p:nvPr>
+        </p:nvSpPr>
+        <p:spPr/>
+        <p:txBody>
+          <a:bodyPr/>
+          <a:lstStyle/>
+          <a:p>
+            <a:r>
+              <a:rPr lang="pl-PL" dirty="0"/>
+              <a:t>NAIVE BAYES CASSIFICATION</a:t>
+            </a:r>
+          </a:p>
+        </p:txBody>
+      </p:sp>
+      <p:sp>
+        <p:nvSpPr>
+          <p:cNvPr id="3" name="Symbol zastępczy zawartości 2">
+            <a:extLst>
+              <a:ext uri="{FF2B5EF4-FFF2-40B4-BE49-F238E27FC236}">
+                <a16:creationId xmlns:a16="http://schemas.microsoft.com/office/drawing/2014/main" id="{A3CEEE95-2865-40F2-B3AB-495B5A46EA72}"/>
+              </a:ext>
+            </a:extLst>
+          </p:cNvPr>
+          <p:cNvSpPr>
+            <a:spLocks noGrp="1"/>
+          </p:cNvSpPr>
+          <p:nvPr>
+            <p:ph idx="1"/>
+          </p:nvPr>
+        </p:nvSpPr>
+        <p:spPr>
+          <a:xfrm>
+            <a:off x="719137" y="2592282"/>
+            <a:ext cx="10753725" cy="3766185"/>
+          </a:xfrm>
+        </p:spPr>
+        <p:txBody>
+          <a:bodyPr/>
+          <a:lstStyle/>
+          <a:p>
+            <a:r>
+              <a:rPr lang="pl-PL" dirty="0"/>
+              <a:t>Machine learning </a:t>
+            </a:r>
+            <a:r>
+              <a:rPr lang="pl-PL" dirty="0" err="1"/>
+              <a:t>method</a:t>
+            </a:r>
+            <a:r>
+              <a:rPr lang="pl-PL" dirty="0"/>
+              <a:t> </a:t>
+            </a:r>
+            <a:r>
+              <a:rPr lang="pl-PL" dirty="0" err="1"/>
+              <a:t>used</a:t>
+            </a:r>
+            <a:r>
+              <a:rPr lang="pl-PL" dirty="0"/>
+              <a:t> to </a:t>
+            </a:r>
+            <a:r>
+              <a:rPr lang="pl-PL" b="1" dirty="0" err="1"/>
+              <a:t>predict</a:t>
+            </a:r>
+            <a:r>
+              <a:rPr lang="pl-PL" b="1" dirty="0"/>
+              <a:t> the </a:t>
+            </a:r>
+            <a:r>
+              <a:rPr lang="pl-PL" b="1" dirty="0" err="1"/>
+              <a:t>likelihood</a:t>
+            </a:r>
+            <a:r>
+              <a:rPr lang="pl-PL" b="1" dirty="0"/>
+              <a:t> </a:t>
+            </a:r>
+            <a:r>
+              <a:rPr lang="pl-PL" dirty="0" err="1"/>
+              <a:t>an</a:t>
+            </a:r>
+            <a:r>
+              <a:rPr lang="pl-PL" dirty="0"/>
+              <a:t> event </a:t>
+            </a:r>
+            <a:r>
+              <a:rPr lang="pl-PL" dirty="0" err="1"/>
+              <a:t>will</a:t>
+            </a:r>
+            <a:r>
+              <a:rPr lang="pl-PL" dirty="0"/>
+              <a:t> </a:t>
+            </a:r>
+            <a:r>
+              <a:rPr lang="pl-PL" dirty="0" err="1"/>
+              <a:t>occur</a:t>
+            </a:r>
+            <a:r>
+              <a:rPr lang="pl-PL" dirty="0"/>
+              <a:t> </a:t>
+            </a:r>
+            <a:r>
+              <a:rPr lang="pl-PL" dirty="0" err="1"/>
+              <a:t>given</a:t>
+            </a:r>
+            <a:r>
+              <a:rPr lang="pl-PL" dirty="0"/>
+              <a:t> </a:t>
+            </a:r>
+            <a:r>
+              <a:rPr lang="pl-PL" dirty="0" err="1"/>
+              <a:t>evidence</a:t>
+            </a:r>
+            <a:r>
+              <a:rPr lang="pl-PL" dirty="0"/>
+              <a:t> </a:t>
+            </a:r>
+            <a:r>
+              <a:rPr lang="pl-PL" dirty="0" err="1"/>
+              <a:t>that’s</a:t>
+            </a:r>
+            <a:r>
+              <a:rPr lang="pl-PL" dirty="0"/>
+              <a:t> </a:t>
+            </a:r>
+            <a:r>
+              <a:rPr lang="pl-PL" dirty="0" err="1"/>
+              <a:t>present</a:t>
+            </a:r>
+            <a:r>
+              <a:rPr lang="pl-PL" dirty="0"/>
+              <a:t> in </a:t>
+            </a:r>
+            <a:r>
+              <a:rPr lang="pl-PL" dirty="0" err="1"/>
+              <a:t>your</a:t>
+            </a:r>
+            <a:r>
+              <a:rPr lang="pl-PL" dirty="0"/>
+              <a:t> data.</a:t>
+            </a:r>
+          </a:p>
+          <a:p>
+            <a:endParaRPr lang="pl-PL" dirty="0"/>
+          </a:p>
+          <a:p>
+            <a:r>
+              <a:rPr lang="pl-PL" dirty="0" err="1"/>
+              <a:t>Why</a:t>
+            </a:r>
+            <a:r>
+              <a:rPr lang="pl-PL" dirty="0"/>
+              <a:t> </a:t>
+            </a:r>
+            <a:r>
+              <a:rPr lang="pl-PL" dirty="0" err="1"/>
+              <a:t>naive</a:t>
+            </a:r>
+            <a:r>
+              <a:rPr lang="pl-PL" dirty="0"/>
+              <a:t>?</a:t>
+            </a:r>
+            <a:br>
+              <a:rPr lang="pl-PL" dirty="0"/>
+            </a:br>
+            <a:r>
+              <a:rPr lang="pl-PL" dirty="0"/>
+              <a:t>It </a:t>
+            </a:r>
+            <a:r>
+              <a:rPr lang="en-US" dirty="0"/>
+              <a:t>assumes that the presence (or absence) of a particular feature of a class is </a:t>
+            </a:r>
+            <a:r>
+              <a:rPr lang="en-US" b="1" dirty="0"/>
+              <a:t>unrelated</a:t>
+            </a:r>
+            <a:r>
+              <a:rPr lang="en-US" dirty="0"/>
+              <a:t> to the presence (or absence) of any other feature, given the class variable</a:t>
+            </a:r>
+            <a:r>
+              <a:rPr lang="pl-PL" dirty="0"/>
+              <a:t>.</a:t>
+            </a:r>
+          </a:p>
+        </p:txBody>
+      </p:sp>
+    </p:spTree>
+    <p:extLst>
+      <p:ext uri="{BB962C8B-B14F-4D97-AF65-F5344CB8AC3E}">
+        <p14:creationId xmlns:p14="http://schemas.microsoft.com/office/powerpoint/2010/main" val="63115705"/>
+      </p:ext>
+    </p:extLst>
+  </p:cSld>
+  <p:clrMapOvr>
+    <a:masterClrMapping/>
+  </p:clrMapOvr>
+</p:sld>
+</file>
+
+<file path=ppt/slides/slide7.xml><?xml version="1.0" encoding="utf-8"?>
+<p:sld xmlns:a="http://schemas.openxmlformats.org/drawingml/2006/main" xmlns:r="http://schemas.openxmlformats.org/officeDocument/2006/relationships" xmlns:p="http://schemas.openxmlformats.org/presentationml/2006/main">
+  <p:cSld>
+    <p:spTree>
+      <p:nvGrpSpPr>
+        <p:cNvPr id="1" name=""/>
+        <p:cNvGrpSpPr/>
+        <p:nvPr/>
+      </p:nvGrpSpPr>
+      <p:grpSpPr>
+        <a:xfrm>
+          <a:off x="0" y="0"/>
+          <a:ext cx="0" cy="0"/>
+          <a:chOff x="0" y="0"/>
+          <a:chExt cx="0" cy="0"/>
+        </a:xfrm>
+      </p:grpSpPr>
+      <p:sp>
+        <p:nvSpPr>
+          <p:cNvPr id="2" name="Tytuł 1">
+            <a:extLst>
+              <a:ext uri="{FF2B5EF4-FFF2-40B4-BE49-F238E27FC236}">
+                <a16:creationId xmlns:a16="http://schemas.microsoft.com/office/drawing/2014/main" id="{38EA3D85-AC99-4132-8BC6-201CB49F747C}"/>
+              </a:ext>
+            </a:extLst>
+          </p:cNvPr>
+          <p:cNvSpPr>
+            <a:spLocks noGrp="1"/>
+          </p:cNvSpPr>
+          <p:nvPr>
+            <p:ph type="title"/>
+          </p:nvPr>
+        </p:nvSpPr>
+        <p:spPr>
+          <a:xfrm>
+            <a:off x="657224" y="499533"/>
+            <a:ext cx="10772775" cy="1658198"/>
+          </a:xfrm>
+        </p:spPr>
+        <p:txBody>
+          <a:bodyPr/>
+          <a:lstStyle/>
+          <a:p>
+            <a:r>
+              <a:rPr lang="pl-PL" dirty="0"/>
+              <a:t>TYPES OF NAIVE BAYES MODELS</a:t>
+            </a:r>
+          </a:p>
+        </p:txBody>
+      </p:sp>
+      <p:sp>
+        <p:nvSpPr>
+          <p:cNvPr id="3" name="Symbol zastępczy zawartości 2">
+            <a:extLst>
+              <a:ext uri="{FF2B5EF4-FFF2-40B4-BE49-F238E27FC236}">
+                <a16:creationId xmlns:a16="http://schemas.microsoft.com/office/drawing/2014/main" id="{EC218D09-7435-4241-AEA6-33D5A6A961A8}"/>
+              </a:ext>
+            </a:extLst>
+          </p:cNvPr>
+          <p:cNvSpPr>
+            <a:spLocks noGrp="1"/>
+          </p:cNvSpPr>
+          <p:nvPr>
+            <p:ph idx="1"/>
+          </p:nvPr>
+        </p:nvSpPr>
+        <p:spPr>
+          <a:xfrm>
+            <a:off x="657224" y="2602574"/>
+            <a:ext cx="10876006" cy="2957966"/>
+          </a:xfrm>
+        </p:spPr>
+        <p:txBody>
+          <a:bodyPr>
+            <a:normAutofit/>
+          </a:bodyPr>
+          <a:lstStyle/>
+          <a:p>
+            <a:r>
+              <a:rPr lang="pl-PL" b="1" dirty="0" err="1">
+                <a:solidFill>
+                  <a:schemeClr val="accent1">
+                    <a:lumMod val="75000"/>
+                  </a:schemeClr>
+                </a:solidFill>
+              </a:rPr>
+              <a:t>Multinomial</a:t>
+            </a:r>
+            <a:r>
+              <a:rPr lang="pl-PL" b="1" dirty="0"/>
+              <a:t> – </a:t>
+            </a:r>
+            <a:r>
+              <a:rPr lang="en-US" b="1" dirty="0"/>
+              <a:t>works well for data </a:t>
+            </a:r>
+            <a:r>
+              <a:rPr lang="pl-PL" b="1" dirty="0"/>
+              <a:t>with </a:t>
+            </a:r>
+            <a:r>
+              <a:rPr lang="pl-PL" b="1" dirty="0" err="1"/>
+              <a:t>categorical</a:t>
+            </a:r>
+            <a:r>
+              <a:rPr lang="pl-PL" b="1" dirty="0"/>
+              <a:t> </a:t>
+            </a:r>
+            <a:r>
+              <a:rPr lang="pl-PL" b="1" dirty="0" err="1"/>
+              <a:t>features</a:t>
+            </a:r>
+            <a:r>
+              <a:rPr lang="pl-PL" b="1" dirty="0"/>
+              <a:t> </a:t>
+            </a:r>
+            <a:br>
+              <a:rPr lang="pl-PL" b="1" dirty="0"/>
+            </a:br>
+            <a:r>
+              <a:rPr lang="en-US" b="1" dirty="0"/>
+              <a:t>which can easily be turned into counts, such as word counts in text</a:t>
+            </a:r>
+            <a:endParaRPr lang="pl-PL" b="1" dirty="0"/>
+          </a:p>
+          <a:p>
+            <a:endParaRPr lang="pl-PL" dirty="0"/>
+          </a:p>
+          <a:p>
+            <a:r>
+              <a:rPr lang="pl-PL" b="1" dirty="0"/>
+              <a:t>Bernoulli</a:t>
+            </a:r>
+            <a:r>
+              <a:rPr lang="pl-PL" dirty="0"/>
+              <a:t> – for </a:t>
+            </a:r>
+            <a:r>
+              <a:rPr lang="pl-PL" dirty="0" err="1"/>
+              <a:t>making</a:t>
+            </a:r>
+            <a:r>
+              <a:rPr lang="pl-PL" dirty="0"/>
+              <a:t> </a:t>
+            </a:r>
+            <a:r>
+              <a:rPr lang="pl-PL" dirty="0" err="1"/>
+              <a:t>predictions</a:t>
+            </a:r>
+            <a:r>
+              <a:rPr lang="pl-PL" dirty="0"/>
+              <a:t> from </a:t>
+            </a:r>
+            <a:r>
+              <a:rPr lang="pl-PL" dirty="0" err="1"/>
+              <a:t>binary</a:t>
+            </a:r>
+            <a:r>
+              <a:rPr lang="pl-PL" dirty="0"/>
+              <a:t> </a:t>
+            </a:r>
+            <a:r>
+              <a:rPr lang="pl-PL" dirty="0" err="1"/>
+              <a:t>featurea</a:t>
+            </a:r>
+            <a:endParaRPr lang="pl-PL" dirty="0"/>
+          </a:p>
+          <a:p>
+            <a:endParaRPr lang="pl-PL" dirty="0"/>
+          </a:p>
+          <a:p>
+            <a:r>
+              <a:rPr lang="pl-PL" b="1" dirty="0" err="1"/>
+              <a:t>Gaussian</a:t>
+            </a:r>
+            <a:r>
+              <a:rPr lang="pl-PL" dirty="0"/>
+              <a:t> – for </a:t>
+            </a:r>
+            <a:r>
+              <a:rPr lang="pl-PL" dirty="0" err="1"/>
+              <a:t>making</a:t>
+            </a:r>
+            <a:r>
+              <a:rPr lang="pl-PL" dirty="0"/>
+              <a:t> </a:t>
+            </a:r>
+            <a:r>
+              <a:rPr lang="pl-PL" dirty="0" err="1"/>
+              <a:t>predictions</a:t>
+            </a:r>
+            <a:r>
+              <a:rPr lang="pl-PL" dirty="0"/>
+              <a:t> from </a:t>
+            </a:r>
+            <a:r>
+              <a:rPr lang="pl-PL" dirty="0" err="1"/>
+              <a:t>normally</a:t>
+            </a:r>
+            <a:r>
+              <a:rPr lang="pl-PL" dirty="0"/>
+              <a:t> </a:t>
+            </a:r>
+            <a:r>
+              <a:rPr lang="pl-PL" dirty="0" err="1"/>
+              <a:t>distributed</a:t>
+            </a:r>
+            <a:r>
+              <a:rPr lang="pl-PL" dirty="0"/>
+              <a:t> </a:t>
+            </a:r>
+            <a:r>
+              <a:rPr lang="pl-PL" dirty="0" err="1"/>
+              <a:t>features</a:t>
+            </a:r>
+            <a:endParaRPr lang="pl-PL" dirty="0"/>
+          </a:p>
+        </p:txBody>
+      </p:sp>
+    </p:spTree>
+    <p:extLst>
+      <p:ext uri="{BB962C8B-B14F-4D97-AF65-F5344CB8AC3E}">
+        <p14:creationId xmlns:p14="http://schemas.microsoft.com/office/powerpoint/2010/main" val="971962103"/>
+      </p:ext>
+    </p:extLst>
+  </p:cSld>
+  <p:clrMapOvr>
+    <a:masterClrMapping/>
+  </p:clrMapOvr>
+</p:sld>
+</file>
+
+<file path=ppt/slides/slide8.xml><?xml version="1.0" encoding="utf-8"?>
+<p:sld xmlns:a="http://schemas.openxmlformats.org/drawingml/2006/main" xmlns:r="http://schemas.openxmlformats.org/officeDocument/2006/relationships" xmlns:p="http://schemas.openxmlformats.org/presentationml/2006/main">
+  <p:cSld>
+    <p:spTree>
+      <p:nvGrpSpPr>
+        <p:cNvPr id="1" name=""/>
+        <p:cNvGrpSpPr/>
+        <p:nvPr/>
+      </p:nvGrpSpPr>
+      <p:grpSpPr>
+        <a:xfrm>
+          <a:off x="0" y="0"/>
+          <a:ext cx="0" cy="0"/>
+          <a:chOff x="0" y="0"/>
+          <a:chExt cx="0" cy="0"/>
+        </a:xfrm>
+      </p:grpSpPr>
+      <p:sp>
+        <p:nvSpPr>
+          <p:cNvPr id="2" name="Tytuł 1">
+            <a:extLst>
+              <a:ext uri="{FF2B5EF4-FFF2-40B4-BE49-F238E27FC236}">
+                <a16:creationId xmlns:a16="http://schemas.microsoft.com/office/drawing/2014/main" id="{C333938A-51D0-4A9E-9C11-51B237A94384}"/>
+              </a:ext>
+            </a:extLst>
+          </p:cNvPr>
+          <p:cNvSpPr>
+            <a:spLocks noGrp="1"/>
+          </p:cNvSpPr>
+          <p:nvPr>
+            <p:ph type="title"/>
+          </p:nvPr>
+        </p:nvSpPr>
+        <p:spPr/>
+        <p:txBody>
+          <a:bodyPr/>
+          <a:lstStyle/>
+          <a:p>
+            <a:r>
+              <a:rPr lang="pl-PL" dirty="0"/>
+              <a:t>ALGORITHM</a:t>
+            </a:r>
+          </a:p>
+        </p:txBody>
+      </p:sp>
+      <mc:AlternateContent xmlns:mc="http://schemas.openxmlformats.org/markup-compatibility/2006">
+        <mc:Choice xmlns:a14="http://schemas.microsoft.com/office/drawing/2010/main" Requires="a14">
+          <p:sp>
+            <p:nvSpPr>
+              <p:cNvPr id="3" name="Symbol zastępczy zawartości 2">
+                <a:extLst>
+                  <a:ext uri="{FF2B5EF4-FFF2-40B4-BE49-F238E27FC236}">
+                    <a16:creationId xmlns:a16="http://schemas.microsoft.com/office/drawing/2014/main" id="{2C817F9D-3511-4045-8EA9-724230F6E405}"/>
+                  </a:ext>
+                </a:extLst>
+              </p:cNvPr>
+              <p:cNvSpPr>
+                <a:spLocks noGrp="1"/>
+              </p:cNvSpPr>
+              <p:nvPr>
+                <p:ph idx="1"/>
+              </p:nvPr>
+            </p:nvSpPr>
+            <p:spPr>
+              <a:xfrm>
+                <a:off x="838200" y="2083626"/>
+                <a:ext cx="10515600" cy="1094038"/>
+              </a:xfrm>
+            </p:spPr>
+            <p:txBody>
+              <a:bodyPr/>
+              <a:lstStyle/>
+              <a:p>
+                <a:r>
+                  <a:rPr lang="pl-PL" dirty="0"/>
+                  <a:t>Probability of </a:t>
+                </a:r>
+                <a:r>
+                  <a:rPr lang="pl-PL" dirty="0" err="1"/>
+                  <a:t>each</a:t>
+                </a:r>
+                <a:r>
+                  <a:rPr lang="pl-PL" dirty="0"/>
+                  <a:t> </a:t>
+                </a:r>
+                <a:r>
+                  <a:rPr lang="pl-PL" dirty="0" err="1"/>
+                  <a:t>class</a:t>
+                </a:r>
+                <a:r>
+                  <a:rPr lang="pl-PL" dirty="0"/>
+                  <a:t> = </a:t>
+                </a:r>
+                <a14:m>
+                  <m:oMath xmlns:m="http://schemas.openxmlformats.org/officeDocument/2006/math">
+                    <m:f>
+                      <m:fPr>
+                        <m:ctrlPr>
+                          <a:rPr lang="pl-PL" i="1" smtClean="0">
+                            <a:latin typeface="Cambria Math" panose="02040503050406030204" pitchFamily="18" charset="0"/>
+                          </a:rPr>
+                        </m:ctrlPr>
+                      </m:fPr>
+                      <m:num>
+                        <m:r>
+                          <m:rPr>
+                            <m:nor/>
+                          </m:rPr>
+                          <a:rPr lang="pl-PL" dirty="0"/>
+                          <m:t>num</m:t>
+                        </m:r>
+                        <m:r>
+                          <m:rPr>
+                            <m:nor/>
+                          </m:rPr>
+                          <a:rPr lang="pl-PL" b="0" i="0" dirty="0" smtClean="0"/>
+                          <m:t>b</m:t>
+                        </m:r>
+                        <m:r>
+                          <m:rPr>
+                            <m:nor/>
+                          </m:rPr>
+                          <a:rPr lang="pl-PL" dirty="0"/>
+                          <m:t>er</m:t>
+                        </m:r>
+                        <m:r>
+                          <m:rPr>
+                            <m:nor/>
+                          </m:rPr>
+                          <a:rPr lang="pl-PL" dirty="0"/>
+                          <m:t> </m:t>
+                        </m:r>
+                        <m:r>
+                          <m:rPr>
+                            <m:nor/>
+                          </m:rPr>
+                          <a:rPr lang="pl-PL" dirty="0"/>
+                          <m:t>of</m:t>
+                        </m:r>
+                        <m:r>
+                          <m:rPr>
+                            <m:nor/>
+                          </m:rPr>
+                          <a:rPr lang="pl-PL" dirty="0"/>
+                          <m:t> </m:t>
+                        </m:r>
+                        <m:r>
+                          <m:rPr>
+                            <m:nor/>
+                          </m:rPr>
+                          <a:rPr lang="pl-PL" dirty="0"/>
+                          <m:t>documents</m:t>
+                        </m:r>
+                        <m:r>
+                          <m:rPr>
+                            <m:nor/>
+                          </m:rPr>
+                          <a:rPr lang="pl-PL" dirty="0"/>
+                          <m:t> </m:t>
+                        </m:r>
+                        <m:r>
+                          <m:rPr>
+                            <m:nor/>
+                          </m:rPr>
+                          <a:rPr lang="pl-PL" dirty="0"/>
+                          <m:t>with</m:t>
+                        </m:r>
+                        <m:r>
+                          <m:rPr>
+                            <m:nor/>
+                          </m:rPr>
+                          <a:rPr lang="pl-PL" dirty="0"/>
+                          <m:t> </m:t>
+                        </m:r>
+                        <m:r>
+                          <m:rPr>
+                            <m:nor/>
+                          </m:rPr>
+                          <a:rPr lang="pl-PL" dirty="0"/>
+                          <m:t>that</m:t>
+                        </m:r>
+                        <m:r>
+                          <m:rPr>
+                            <m:nor/>
+                          </m:rPr>
+                          <a:rPr lang="pl-PL" dirty="0"/>
+                          <m:t> </m:t>
+                        </m:r>
+                        <m:r>
+                          <m:rPr>
+                            <m:nor/>
+                          </m:rPr>
+                          <a:rPr lang="pl-PL" dirty="0"/>
+                          <m:t>class</m:t>
+                        </m:r>
+                      </m:num>
+                      <m:den>
+                        <m:r>
+                          <m:rPr>
+                            <m:nor/>
+                          </m:rPr>
+                          <a:rPr lang="pl-PL" dirty="0"/>
+                          <m:t>total</m:t>
+                        </m:r>
+                        <m:r>
+                          <m:rPr>
+                            <m:nor/>
+                          </m:rPr>
+                          <a:rPr lang="pl-PL" dirty="0"/>
+                          <m:t> </m:t>
+                        </m:r>
+                        <m:r>
+                          <m:rPr>
+                            <m:nor/>
+                          </m:rPr>
+                          <a:rPr lang="pl-PL" dirty="0"/>
+                          <m:t>number</m:t>
+                        </m:r>
+                        <m:r>
+                          <m:rPr>
+                            <m:nor/>
+                          </m:rPr>
+                          <a:rPr lang="pl-PL" dirty="0"/>
+                          <m:t> </m:t>
+                        </m:r>
+                        <m:r>
+                          <m:rPr>
+                            <m:nor/>
+                          </m:rPr>
+                          <a:rPr lang="pl-PL" dirty="0"/>
+                          <m:t>of</m:t>
+                        </m:r>
+                        <m:r>
+                          <m:rPr>
+                            <m:nor/>
+                          </m:rPr>
+                          <a:rPr lang="pl-PL" dirty="0"/>
+                          <m:t> </m:t>
+                        </m:r>
+                        <m:r>
+                          <m:rPr>
+                            <m:nor/>
+                          </m:rPr>
+                          <a:rPr lang="pl-PL" dirty="0"/>
+                          <m:t>the</m:t>
+                        </m:r>
+                        <m:r>
+                          <m:rPr>
+                            <m:nor/>
+                          </m:rPr>
+                          <a:rPr lang="pl-PL" dirty="0"/>
+                          <m:t> </m:t>
+                        </m:r>
+                        <m:r>
+                          <m:rPr>
+                            <m:nor/>
+                          </m:rPr>
+                          <a:rPr lang="pl-PL" dirty="0"/>
+                          <m:t>documents</m:t>
+                        </m:r>
+                      </m:den>
+                    </m:f>
+                  </m:oMath>
+                </a14:m>
+                <a:endParaRPr lang="pl-PL" dirty="0"/>
+              </a:p>
+              <a:p>
+                <a:pPr marL="0" indent="0">
+                  <a:buNone/>
+                </a:pPr>
+                <a:endParaRPr lang="pl-PL" dirty="0"/>
+              </a:p>
+              <a:p>
+                <a:pPr marL="0" indent="0">
+                  <a:buNone/>
+                </a:pPr>
+                <a:endParaRPr lang="pl-PL" dirty="0"/>
+              </a:p>
+              <a:p>
+                <a:endParaRPr lang="pl-PL" dirty="0"/>
+              </a:p>
+            </p:txBody>
+          </p:sp>
+        </mc:Choice>
+        <mc:Fallback>
+          <p:sp>
+            <p:nvSpPr>
+              <p:cNvPr id="3" name="Symbol zastępczy zawartości 2">
+                <a:extLst>
+                  <a:ext uri="{FF2B5EF4-FFF2-40B4-BE49-F238E27FC236}">
+                    <a16:creationId xmlns:a16="http://schemas.microsoft.com/office/drawing/2014/main" id="{2C817F9D-3511-4045-8EA9-724230F6E405}"/>
+                  </a:ext>
+                </a:extLst>
+              </p:cNvPr>
+              <p:cNvSpPr>
+                <a:spLocks noGrp="1" noRot="1" noChangeAspect="1" noMove="1" noResize="1" noEditPoints="1" noAdjustHandles="1" noChangeArrowheads="1" noChangeShapeType="1" noTextEdit="1"/>
+              </p:cNvSpPr>
+              <p:nvPr>
+                <p:ph idx="1"/>
+              </p:nvPr>
+            </p:nvSpPr>
+            <p:spPr>
+              <a:xfrm>
+                <a:off x="838200" y="2083626"/>
+                <a:ext cx="10515600" cy="1094038"/>
+              </a:xfrm>
+              <a:blipFill>
+                <a:blip r:embed="rId2"/>
+                <a:stretch>
+                  <a:fillRect l="-58"/>
+                </a:stretch>
+              </a:blipFill>
+            </p:spPr>
+            <p:txBody>
+              <a:bodyPr/>
+              <a:lstStyle/>
+              <a:p>
+                <a:r>
+                  <a:rPr lang="pl-PL">
+                    <a:noFill/>
+                  </a:rPr>
+                  <a:t> </a:t>
+                </a:r>
+              </a:p>
+            </p:txBody>
+          </p:sp>
+        </mc:Fallback>
+      </mc:AlternateContent>
+      <p:pic>
+        <p:nvPicPr>
+          <p:cNvPr id="4" name="Obraz 3">
+            <a:extLst>
+              <a:ext uri="{FF2B5EF4-FFF2-40B4-BE49-F238E27FC236}">
+                <a16:creationId xmlns:a16="http://schemas.microsoft.com/office/drawing/2014/main" id="{0E6B7B34-BFA9-47A3-8CCA-F76C62245FA5}"/>
+              </a:ext>
+            </a:extLst>
+          </p:cNvPr>
+          <p:cNvPicPr>
+            <a:picLocks noChangeAspect="1"/>
+          </p:cNvPicPr>
+          <p:nvPr/>
+        </p:nvPicPr>
+        <p:blipFill>
+          <a:blip r:embed="rId3"/>
+          <a:stretch>
+            <a:fillRect/>
+          </a:stretch>
+        </p:blipFill>
+        <p:spPr>
+          <a:xfrm>
+            <a:off x="2707226" y="2803077"/>
+            <a:ext cx="1695238" cy="1019048"/>
+          </a:xfrm>
+          <a:prstGeom prst="rect">
+            <a:avLst/>
+          </a:prstGeom>
+        </p:spPr>
+      </p:pic>
+      <p:pic>
+        <p:nvPicPr>
+          <p:cNvPr id="6" name="Obraz 5">
+            <a:extLst>
+              <a:ext uri="{FF2B5EF4-FFF2-40B4-BE49-F238E27FC236}">
+                <a16:creationId xmlns:a16="http://schemas.microsoft.com/office/drawing/2014/main" id="{4118C384-0CAE-4B37-86AA-FE579FC83F53}"/>
+              </a:ext>
+            </a:extLst>
+          </p:cNvPr>
+          <p:cNvPicPr>
+            <a:picLocks noChangeAspect="1"/>
+          </p:cNvPicPr>
+          <p:nvPr/>
+        </p:nvPicPr>
+        <p:blipFill>
+          <a:blip r:embed="rId4"/>
+          <a:stretch>
+            <a:fillRect/>
+          </a:stretch>
+        </p:blipFill>
+        <p:spPr>
+          <a:xfrm>
+            <a:off x="1863922" y="5072394"/>
+            <a:ext cx="3381846" cy="825716"/>
+          </a:xfrm>
+          <a:prstGeom prst="rect">
+            <a:avLst/>
+          </a:prstGeom>
+        </p:spPr>
+      </p:pic>
+      <mc:AlternateContent xmlns:mc="http://schemas.openxmlformats.org/markup-compatibility/2006">
+        <mc:Choice xmlns:a14="http://schemas.microsoft.com/office/drawing/2010/main" Requires="a14">
+          <p:sp>
+            <p:nvSpPr>
+              <p:cNvPr id="7" name="pole tekstowe 6">
+                <a:extLst>
+                  <a:ext uri="{FF2B5EF4-FFF2-40B4-BE49-F238E27FC236}">
+                    <a16:creationId xmlns:a16="http://schemas.microsoft.com/office/drawing/2014/main" id="{2EDACCE0-D800-4A2A-981E-929BB93C8129}"/>
+                  </a:ext>
+                </a:extLst>
+              </p:cNvPr>
+              <p:cNvSpPr txBox="1"/>
+              <p:nvPr/>
+            </p:nvSpPr>
+            <p:spPr>
+              <a:xfrm>
+                <a:off x="838200" y="4010757"/>
+                <a:ext cx="10515600" cy="962508"/>
+              </a:xfrm>
+              <a:prstGeom prst="rect">
+                <a:avLst/>
+              </a:prstGeom>
+              <a:noFill/>
+            </p:spPr>
+            <p:txBody>
+              <a:bodyPr wrap="square" rtlCol="0">
+                <a:spAutoFit/>
+              </a:bodyPr>
+              <a:lstStyle/>
+              <a:p>
+                <a:r>
+                  <a:rPr lang="en-US" sz="2400" dirty="0"/>
+                  <a:t>Probability of each word per class</a:t>
+                </a:r>
+                <a:r>
+                  <a:rPr lang="pl-PL" sz="2400" dirty="0"/>
+                  <a:t> = </a:t>
+                </a:r>
+                <a14:m>
+                  <m:oMath xmlns:m="http://schemas.openxmlformats.org/officeDocument/2006/math">
+                    <m:f>
+                      <m:fPr>
+                        <m:ctrlPr>
+                          <a:rPr lang="pl-PL" sz="2400"/>
+                        </m:ctrlPr>
+                      </m:fPr>
+                      <m:num>
+                        <m:r>
+                          <m:rPr>
+                            <m:nor/>
+                          </m:rPr>
+                          <a:rPr lang="pl-PL" sz="2400" dirty="0"/>
+                          <m:t>count</m:t>
+                        </m:r>
+                        <m:r>
+                          <m:rPr>
+                            <m:nor/>
+                          </m:rPr>
+                          <a:rPr lang="pl-PL" sz="2400" dirty="0"/>
+                          <m:t> </m:t>
+                        </m:r>
+                        <m:r>
+                          <m:rPr>
+                            <m:nor/>
+                          </m:rPr>
+                          <a:rPr lang="pl-PL" sz="2400" dirty="0"/>
+                          <m:t>of</m:t>
+                        </m:r>
+                        <m:r>
+                          <m:rPr>
+                            <m:nor/>
+                          </m:rPr>
+                          <a:rPr lang="pl-PL" sz="2400" dirty="0"/>
+                          <m:t> </m:t>
+                        </m:r>
+                        <m:r>
+                          <m:rPr>
+                            <m:nor/>
+                          </m:rPr>
+                          <a:rPr lang="pl-PL" sz="2400" dirty="0"/>
+                          <m:t>the</m:t>
+                        </m:r>
+                        <m:r>
+                          <m:rPr>
+                            <m:nor/>
+                          </m:rPr>
+                          <a:rPr lang="pl-PL" sz="2400" dirty="0"/>
+                          <m:t> </m:t>
+                        </m:r>
+                        <m:r>
+                          <m:rPr>
+                            <m:nor/>
+                          </m:rPr>
+                          <a:rPr lang="pl-PL" sz="2400" dirty="0"/>
+                          <m:t>word</m:t>
+                        </m:r>
+                        <m:r>
+                          <m:rPr>
+                            <m:nor/>
+                          </m:rPr>
+                          <a:rPr lang="pl-PL" sz="2400" dirty="0"/>
+                          <m:t> </m:t>
+                        </m:r>
+                        <m:r>
+                          <m:rPr>
+                            <m:nor/>
+                          </m:rPr>
+                          <a:rPr lang="pl-PL" sz="2400" dirty="0"/>
+                          <m:t>in</m:t>
+                        </m:r>
+                        <m:r>
+                          <m:rPr>
+                            <m:nor/>
+                          </m:rPr>
+                          <a:rPr lang="pl-PL" sz="2400" dirty="0"/>
+                          <m:t> </m:t>
+                        </m:r>
+                        <m:r>
+                          <m:rPr>
+                            <m:nor/>
+                          </m:rPr>
+                          <a:rPr lang="pl-PL" sz="2400" dirty="0"/>
+                          <m:t>the</m:t>
+                        </m:r>
+                        <m:r>
+                          <m:rPr>
+                            <m:nor/>
+                          </m:rPr>
+                          <a:rPr lang="pl-PL" sz="2400" dirty="0"/>
+                          <m:t> </m:t>
+                        </m:r>
+                        <m:r>
+                          <m:rPr>
+                            <m:nor/>
+                          </m:rPr>
+                          <a:rPr lang="pl-PL" sz="2400" dirty="0"/>
+                          <m:t>class</m:t>
+                        </m:r>
+                      </m:num>
+                      <m:den>
+                        <m:r>
+                          <m:rPr>
+                            <m:nor/>
+                          </m:rPr>
+                          <a:rPr lang="pl-PL" sz="2400" dirty="0"/>
+                          <m:t>total</m:t>
+                        </m:r>
+                        <m:r>
+                          <m:rPr>
+                            <m:nor/>
+                          </m:rPr>
+                          <a:rPr lang="pl-PL" sz="2400" dirty="0"/>
+                          <m:t> </m:t>
+                        </m:r>
+                        <m:r>
+                          <m:rPr>
+                            <m:nor/>
+                          </m:rPr>
+                          <a:rPr lang="pl-PL" sz="2400" dirty="0"/>
+                          <m:t>numer</m:t>
+                        </m:r>
+                        <m:r>
+                          <m:rPr>
+                            <m:nor/>
+                          </m:rPr>
+                          <a:rPr lang="pl-PL" sz="2400" dirty="0"/>
+                          <m:t> </m:t>
+                        </m:r>
+                        <m:r>
+                          <m:rPr>
+                            <m:nor/>
+                          </m:rPr>
+                          <a:rPr lang="pl-PL" sz="2400" dirty="0"/>
+                          <m:t>of</m:t>
+                        </m:r>
+                        <m:r>
+                          <m:rPr>
+                            <m:nor/>
+                          </m:rPr>
+                          <a:rPr lang="pl-PL" sz="2400" dirty="0"/>
+                          <m:t> </m:t>
+                        </m:r>
+                        <m:r>
+                          <m:rPr>
+                            <m:nor/>
+                          </m:rPr>
+                          <a:rPr lang="pl-PL" sz="2400" dirty="0"/>
+                          <m:t>words</m:t>
+                        </m:r>
+                        <m:r>
+                          <m:rPr>
+                            <m:nor/>
+                          </m:rPr>
+                          <a:rPr lang="pl-PL" sz="2400" dirty="0"/>
+                          <m:t> </m:t>
+                        </m:r>
+                        <m:r>
+                          <m:rPr>
+                            <m:nor/>
+                          </m:rPr>
+                          <a:rPr lang="pl-PL" sz="2400" dirty="0"/>
+                          <m:t>in</m:t>
+                        </m:r>
+                        <m:r>
+                          <m:rPr>
+                            <m:nor/>
+                          </m:rPr>
+                          <a:rPr lang="pl-PL" sz="2400" dirty="0"/>
+                          <m:t> </m:t>
+                        </m:r>
+                        <m:r>
+                          <m:rPr>
+                            <m:nor/>
+                          </m:rPr>
+                          <a:rPr lang="pl-PL" sz="2400" dirty="0"/>
+                          <m:t>the</m:t>
+                        </m:r>
+                        <m:r>
+                          <m:rPr>
+                            <m:nor/>
+                          </m:rPr>
+                          <a:rPr lang="pl-PL" sz="2400" dirty="0"/>
+                          <m:t> </m:t>
+                        </m:r>
+                        <m:r>
+                          <m:rPr>
+                            <m:nor/>
+                          </m:rPr>
+                          <a:rPr lang="pl-PL" sz="2400" dirty="0"/>
+                          <m:t>class</m:t>
+                        </m:r>
+                      </m:den>
+                    </m:f>
+                  </m:oMath>
+                </a14:m>
+                <a:endParaRPr lang="en-US" sz="2400" dirty="0"/>
+              </a:p>
+              <a:p>
+                <a:pPr marL="285750" indent="-285750">
+                  <a:buFont typeface="Arial" panose="020B0604020202020204" pitchFamily="34" charset="0"/>
+                  <a:buChar char="•"/>
+                </a:pPr>
+                <a:endParaRPr lang="pl-PL" sz="1600" dirty="0"/>
+              </a:p>
+            </p:txBody>
+          </p:sp>
+        </mc:Choice>
+        <mc:Fallback>
+          <p:sp>
+            <p:nvSpPr>
+              <p:cNvPr id="7" name="pole tekstowe 6">
+                <a:extLst>
+                  <a:ext uri="{FF2B5EF4-FFF2-40B4-BE49-F238E27FC236}">
+                    <a16:creationId xmlns:a16="http://schemas.microsoft.com/office/drawing/2014/main" id="{2EDACCE0-D800-4A2A-981E-929BB93C8129}"/>
+                  </a:ext>
+                </a:extLst>
+              </p:cNvPr>
+              <p:cNvSpPr txBox="1">
+                <a:spLocks noRot="1" noChangeAspect="1" noMove="1" noResize="1" noEditPoints="1" noAdjustHandles="1" noChangeArrowheads="1" noChangeShapeType="1" noTextEdit="1"/>
+              </p:cNvSpPr>
+              <p:nvPr/>
+            </p:nvSpPr>
+            <p:spPr>
+              <a:xfrm>
+                <a:off x="838200" y="4010757"/>
+                <a:ext cx="10515600" cy="962508"/>
+              </a:xfrm>
+              <a:prstGeom prst="rect">
+                <a:avLst/>
+              </a:prstGeom>
+              <a:blipFill>
+                <a:blip r:embed="rId5"/>
+                <a:stretch>
+                  <a:fillRect l="-928"/>
+                </a:stretch>
+              </a:blipFill>
+            </p:spPr>
+            <p:txBody>
+              <a:bodyPr/>
+              <a:lstStyle/>
+              <a:p>
+                <a:r>
+                  <a:rPr lang="pl-PL">
+                    <a:noFill/>
+                  </a:rPr>
+                  <a:t> </a:t>
+                </a:r>
+              </a:p>
+            </p:txBody>
+          </p:sp>
+        </mc:Fallback>
+      </mc:AlternateContent>
+    </p:spTree>
+    <p:extLst>
+      <p:ext uri="{BB962C8B-B14F-4D97-AF65-F5344CB8AC3E}">
+        <p14:creationId xmlns:p14="http://schemas.microsoft.com/office/powerpoint/2010/main" val="2541092116"/>
+      </p:ext>
+    </p:extLst>
+  </p:cSld>
+  <p:clrMapOvr>
+    <a:masterClrMapping/>
+  </p:clrMapOvr>
+</p:sld>
+</file>
+
+<file path=ppt/slides/slide9.xml><?xml version="1.0" encoding="utf-8"?>
+<p:sld xmlns:a="http://schemas.openxmlformats.org/drawingml/2006/main" xmlns:r="http://schemas.openxmlformats.org/officeDocument/2006/relationships" xmlns:p="http://schemas.openxmlformats.org/presentationml/2006/main">
+  <p:cSld>
+    <p:spTree>
+      <p:nvGrpSpPr>
+        <p:cNvPr id="1" name=""/>
+        <p:cNvGrpSpPr/>
+        <p:nvPr/>
+      </p:nvGrpSpPr>
+      <p:grpSpPr>
+        <a:xfrm>
+          <a:off x="0" y="0"/>
+          <a:ext cx="0" cy="0"/>
+          <a:chOff x="0" y="0"/>
+          <a:chExt cx="0" cy="0"/>
+        </a:xfrm>
+      </p:grpSpPr>
+      <p:sp>
+        <p:nvSpPr>
+          <p:cNvPr id="2" name="Tytuł 1">
+            <a:extLst>
+              <a:ext uri="{FF2B5EF4-FFF2-40B4-BE49-F238E27FC236}">
+                <a16:creationId xmlns:a16="http://schemas.microsoft.com/office/drawing/2014/main" id="{43FFD594-743A-46EF-A077-7643F272547C}"/>
+              </a:ext>
+            </a:extLst>
+          </p:cNvPr>
+          <p:cNvSpPr>
+            <a:spLocks noGrp="1"/>
+          </p:cNvSpPr>
+          <p:nvPr>
+            <p:ph type="title"/>
+          </p:nvPr>
+        </p:nvSpPr>
+        <p:spPr/>
+        <p:txBody>
+          <a:bodyPr/>
+          <a:lstStyle/>
+          <a:p>
+            <a:r>
+              <a:rPr lang="pl-PL" dirty="0"/>
+              <a:t>SCIKIT-LEARN (SKLEARN) LIBRARY</a:t>
+            </a:r>
+          </a:p>
+        </p:txBody>
+      </p:sp>
+      <p:sp>
+        <p:nvSpPr>
+          <p:cNvPr id="3" name="Symbol zastępczy zawartości 2">
+            <a:extLst>
+              <a:ext uri="{FF2B5EF4-FFF2-40B4-BE49-F238E27FC236}">
+                <a16:creationId xmlns:a16="http://schemas.microsoft.com/office/drawing/2014/main" id="{395F5246-30F7-4F27-A0DF-0D03370E94F3}"/>
+              </a:ext>
+            </a:extLst>
+          </p:cNvPr>
+          <p:cNvSpPr>
+            <a:spLocks noGrp="1"/>
+          </p:cNvSpPr>
+          <p:nvPr>
+            <p:ph idx="1"/>
+          </p:nvPr>
+        </p:nvSpPr>
+        <p:spPr>
+          <a:xfrm>
+            <a:off x="838200" y="2442841"/>
+            <a:ext cx="10515600" cy="2145013"/>
+          </a:xfrm>
+        </p:spPr>
+        <p:txBody>
+          <a:bodyPr/>
+          <a:lstStyle/>
+          <a:p>
+            <a:pPr marL="0" indent="0">
+              <a:buNone/>
+            </a:pPr>
+            <a:r>
+              <a:rPr lang="pl-PL" dirty="0"/>
+              <a:t>F</a:t>
+            </a:r>
+            <a:r>
+              <a:rPr lang="en-US" dirty="0" err="1"/>
+              <a:t>ree</a:t>
+            </a:r>
+            <a:r>
+              <a:rPr lang="en-US" dirty="0"/>
+              <a:t> software </a:t>
+            </a:r>
+            <a:r>
+              <a:rPr lang="en-US" b="1" dirty="0"/>
+              <a:t>machine learning</a:t>
+            </a:r>
+            <a:r>
+              <a:rPr lang="pl-PL" b="1" dirty="0"/>
+              <a:t> </a:t>
+            </a:r>
+            <a:r>
+              <a:rPr lang="pl-PL" dirty="0"/>
+              <a:t>l</a:t>
+            </a:r>
+            <a:r>
+              <a:rPr lang="en-US" dirty="0" err="1"/>
+              <a:t>ibrary</a:t>
+            </a:r>
+            <a:r>
+              <a:rPr lang="en-US" dirty="0"/>
+              <a:t> for the Python programming language. </a:t>
+            </a:r>
+            <a:r>
+              <a:rPr lang="pl-PL" dirty="0"/>
+              <a:t>It </a:t>
+            </a:r>
+            <a:r>
+              <a:rPr lang="pl-PL" dirty="0" err="1"/>
+              <a:t>features</a:t>
+            </a:r>
+            <a:r>
+              <a:rPr lang="pl-PL" dirty="0"/>
+              <a:t> </a:t>
+            </a:r>
+            <a:r>
+              <a:rPr lang="pl-PL" dirty="0" err="1"/>
+              <a:t>various</a:t>
+            </a:r>
+            <a:r>
+              <a:rPr lang="en-US" dirty="0"/>
+              <a:t> </a:t>
+            </a:r>
+            <a:r>
+              <a:rPr lang="en-US" b="1" dirty="0"/>
+              <a:t>classification</a:t>
+            </a:r>
+            <a:r>
+              <a:rPr lang="en-US" dirty="0"/>
+              <a:t>,</a:t>
+            </a:r>
+            <a:r>
+              <a:rPr lang="pl-PL" dirty="0"/>
+              <a:t> </a:t>
+            </a:r>
+            <a:r>
+              <a:rPr lang="en-US" dirty="0"/>
+              <a:t>regression</a:t>
+            </a:r>
+            <a:r>
+              <a:rPr lang="pl-PL" dirty="0"/>
+              <a:t> </a:t>
+            </a:r>
+            <a:r>
+              <a:rPr lang="en-US" dirty="0"/>
+              <a:t>and clustering</a:t>
+            </a:r>
+            <a:r>
+              <a:rPr lang="pl-PL" dirty="0"/>
+              <a:t> </a:t>
+            </a:r>
+            <a:r>
+              <a:rPr lang="en-US" dirty="0"/>
+              <a:t>algorithms including support vector machines, random forests, gradient boosting, and is designed to interoperate with the Python numerical and scientific libraries </a:t>
+            </a:r>
+            <a:r>
+              <a:rPr lang="en-US" b="1" dirty="0"/>
+              <a:t>NumPy</a:t>
+            </a:r>
+            <a:r>
+              <a:rPr lang="en-US" dirty="0"/>
+              <a:t> and SciPy</a:t>
+            </a:r>
+            <a:endParaRPr lang="pl-PL" dirty="0"/>
+          </a:p>
+        </p:txBody>
+      </p:sp>
+      <p:pic>
+        <p:nvPicPr>
+          <p:cNvPr id="4" name="Picture 4" descr="Znalezione obrazy dla zapytania sklearn vs scikit-learn">
+            <a:extLst>
+              <a:ext uri="{FF2B5EF4-FFF2-40B4-BE49-F238E27FC236}">
+                <a16:creationId xmlns:a16="http://schemas.microsoft.com/office/drawing/2014/main" id="{C5EBD9CB-313B-45B3-96CB-51C046D3D358}"/>
+              </a:ext>
+            </a:extLst>
+          </p:cNvPr>
+          <p:cNvPicPr>
+            <a:picLocks noChangeAspect="1" noChangeArrowheads="1"/>
+          </p:cNvPicPr>
+          <p:nvPr/>
+        </p:nvPicPr>
+        <p:blipFill>
+          <a:blip r:embed="rId2">
+            <a:extLst>
+              <a:ext uri="{28A0092B-C50C-407E-A947-70E740481C1C}">
+                <a14:useLocalDpi xmlns:a14="http://schemas.microsoft.com/office/drawing/2010/main" val="0"/>
+              </a:ext>
+            </a:extLst>
+          </a:blip>
+          <a:srcRect/>
+          <a:stretch>
+            <a:fillRect/>
+          </a:stretch>
+        </p:blipFill>
+        <p:spPr bwMode="auto">
+          <a:xfrm>
+            <a:off x="7209217" y="4193060"/>
+            <a:ext cx="3722092" cy="2003726"/>
+          </a:xfrm>
+          <a:prstGeom prst="rect">
+            <a:avLst/>
+          </a:prstGeom>
+          <a:noFill/>
+          <a:extLst>
+            <a:ext uri="{909E8E84-426E-40DD-AFC4-6F175D3DCCD1}">
+              <a14:hiddenFill xmlns:a14="http://schemas.microsoft.com/office/drawing/2010/main">
+                <a:solidFill>
+                  <a:srgbClr val="FFFFFF"/>
+                </a:solidFill>
+              </a14:hiddenFill>
+            </a:ext>
+          </a:extLst>
+        </p:spPr>
+      </p:pic>
+    </p:spTree>
+    <p:extLst>
+      <p:ext uri="{BB962C8B-B14F-4D97-AF65-F5344CB8AC3E}">
+        <p14:creationId xmlns:p14="http://schemas.microsoft.com/office/powerpoint/2010/main" val="4204773736"/>
+      </p:ext>
+    </p:extLst>
+  </p:cSld>
+  <p:clrMapOvr>
+    <a:masterClrMapping/>
+  </p:clrMapOvr>
+</p:sld>
+</file>
+
 <file path=ppt/theme/theme1.xml><?xml version="1.0" encoding="utf-8"?>
-<a:theme xmlns:a="http://schemas.openxmlformats.org/drawingml/2006/main" name="Motyw pakietu Office">
+<a:theme xmlns:a="http://schemas.openxmlformats.org/drawingml/2006/main" name="HDOfficeLightV0">
   <a:themeElements>
     <a:clrScheme name="Pakiet Office">
       <a:dk1>
@@ -4309,7 +10031,7 @@
         <a:srgbClr val="E7E6E6"/>
       </a:lt2>
       <a:accent1>
-        <a:srgbClr val="4472C4"/>
+        <a:srgbClr val="5B9BD5"/>
       </a:accent1>
       <a:accent2>
         <a:srgbClr val="ED7D31"/>
@@ -4321,7 +10043,7 @@
         <a:srgbClr val="FFC000"/>
       </a:accent4>
       <a:accent5>
-        <a:srgbClr val="5B9BD5"/>
+        <a:srgbClr val="4472C4"/>
       </a:accent5>
       <a:accent6>
         <a:srgbClr val="70AD47"/>
@@ -4335,12 +10057,12 @@
     </a:clrScheme>
     <a:fontScheme name="Pakiet Office">
       <a:majorFont>
-        <a:latin typeface="Calibri Light" panose="020F0302020204030204"/>
+        <a:latin typeface="Calibri Light"/>
         <a:ea typeface=""/>
         <a:cs typeface=""/>
-        <a:font script="Jpan" typeface="游ゴシック Light"/>
+        <a:font script="Jpan" typeface="ＭＳ Ｐゴシック"/>
         <a:font script="Hang" typeface="맑은 고딕"/>
-        <a:font script="Hans" typeface="等线 Light"/>
+        <a:font script="Hans" typeface="宋体"/>
         <a:font script="Hant" typeface="新細明體"/>
         <a:font script="Arab" typeface="Times New Roman"/>
         <a:font script="Hebr" typeface="Times New Roman"/>
@@ -4368,31 +10090,14 @@
         <a:font script="Viet" typeface="Times New Roman"/>
         <a:font script="Uigh" typeface="Microsoft Uighur"/>
         <a:font script="Geor" typeface="Sylfaen"/>
-        <a:font script="Armn" typeface="Arial"/>
-        <a:font script="Bugi" typeface="Leelawadee UI"/>
-        <a:font script="Bopo" typeface="Microsoft JhengHei"/>
-        <a:font script="Java" typeface="Javanese Text"/>
-        <a:font script="Lisu" typeface="Segoe UI"/>
-        <a:font script="Mymr" typeface="Myanmar Text"/>
-        <a:font script="Nkoo" typeface="Ebrima"/>
-        <a:font script="Olck" typeface="Nirmala UI"/>
-        <a:font script="Osma" typeface="Ebrima"/>
-        <a:font script="Phag" typeface="Phagspa"/>
-        <a:font script="Syrn" typeface="Estrangelo Edessa"/>
-        <a:font script="Syrj" typeface="Estrangelo Edessa"/>
-        <a:font script="Syre" typeface="Estrangelo Edessa"/>
-        <a:font script="Sora" typeface="Nirmala UI"/>
-        <a:font script="Tale" typeface="Microsoft Tai Le"/>
-        <a:font script="Talu" typeface="Microsoft New Tai Lue"/>
-        <a:font script="Tfng" typeface="Ebrima"/>
       </a:majorFont>
       <a:minorFont>
-        <a:latin typeface="Calibri" panose="020F0502020204030204"/>
+        <a:latin typeface="Calibri"/>
         <a:ea typeface=""/>
         <a:cs typeface=""/>
-        <a:font script="Jpan" typeface="游ゴシック"/>
+        <a:font script="Jpan" typeface="ＭＳ Ｐゴシック"/>
         <a:font script="Hang" typeface="맑은 고딕"/>
-        <a:font script="Hans" typeface="等线"/>
+        <a:font script="Hans" typeface="宋体"/>
         <a:font script="Hant" typeface="新細明體"/>
         <a:font script="Arab" typeface="Arial"/>
         <a:font script="Hebr" typeface="Arial"/>
@@ -4420,23 +10125,6 @@
         <a:font script="Viet" typeface="Arial"/>
         <a:font script="Uigh" typeface="Microsoft Uighur"/>
         <a:font script="Geor" typeface="Sylfaen"/>
-        <a:font script="Armn" typeface="Arial"/>
-        <a:font script="Bugi" typeface="Leelawadee UI"/>
-        <a:font script="Bopo" typeface="Microsoft JhengHei"/>
-        <a:font script="Java" typeface="Javanese Text"/>
-        <a:font script="Lisu" typeface="Segoe UI"/>
-        <a:font script="Mymr" typeface="Myanmar Text"/>
-        <a:font script="Nkoo" typeface="Ebrima"/>
-        <a:font script="Olck" typeface="Nirmala UI"/>
-        <a:font script="Osma" typeface="Ebrima"/>
-        <a:font script="Phag" typeface="Phagspa"/>
-        <a:font script="Syrn" typeface="Estrangelo Edessa"/>
-        <a:font script="Syrj" typeface="Estrangelo Edessa"/>
-        <a:font script="Syre" typeface="Estrangelo Edessa"/>
-        <a:font script="Sora" typeface="Nirmala UI"/>
-        <a:font script="Tale" typeface="Microsoft Tai Le"/>
-        <a:font script="Talu" typeface="Microsoft New Tai Lue"/>
-        <a:font script="Tfng" typeface="Ebrima"/>
       </a:minorFont>
     </a:fontScheme>
     <a:fmtScheme name="Pakiet Office">
@@ -4448,23 +10136,23 @@
           <a:gsLst>
             <a:gs pos="0">
               <a:schemeClr val="phClr">
+                <a:tint val="67000"/>
+                <a:satMod val="105000"/>
                 <a:lumMod val="110000"/>
-                <a:satMod val="105000"/>
-                <a:tint val="67000"/>
               </a:schemeClr>
             </a:gs>
             <a:gs pos="50000">
               <a:schemeClr val="phClr">
+                <a:tint val="73000"/>
+                <a:satMod val="103000"/>
                 <a:lumMod val="105000"/>
-                <a:satMod val="103000"/>
-                <a:tint val="73000"/>
               </a:schemeClr>
             </a:gs>
             <a:gs pos="100000">
               <a:schemeClr val="phClr">
+                <a:tint val="81000"/>
+                <a:satMod val="109000"/>
                 <a:lumMod val="105000"/>
-                <a:satMod val="109000"/>
-                <a:tint val="81000"/>
               </a:schemeClr>
             </a:gs>
           </a:gsLst>
@@ -4474,23 +10162,23 @@
           <a:gsLst>
             <a:gs pos="0">
               <a:schemeClr val="phClr">
+                <a:tint val="94000"/>
                 <a:satMod val="103000"/>
                 <a:lumMod val="102000"/>
-                <a:tint val="94000"/>
               </a:schemeClr>
             </a:gs>
             <a:gs pos="50000">
               <a:schemeClr val="phClr">
+                <a:shade val="100000"/>
                 <a:satMod val="110000"/>
                 <a:lumMod val="100000"/>
-                <a:shade val="100000"/>
               </a:schemeClr>
             </a:gs>
             <a:gs pos="100000">
               <a:schemeClr val="phClr">
+                <a:shade val="78000"/>
+                <a:satMod val="120000"/>
                 <a:lumMod val="99000"/>
-                <a:satMod val="120000"/>
-                <a:shade val="78000"/>
               </a:schemeClr>
             </a:gs>
           </a:gsLst>
@@ -4503,21 +10191,18 @@
             <a:schemeClr val="phClr"/>
           </a:solidFill>
           <a:prstDash val="solid"/>
-          <a:miter lim="800000"/>
         </a:ln>
         <a:ln w="12700" cap="flat" cmpd="sng" algn="ctr">
           <a:solidFill>
             <a:schemeClr val="phClr"/>
           </a:solidFill>
           <a:prstDash val="solid"/>
-          <a:miter lim="800000"/>
         </a:ln>
         <a:ln w="19050" cap="flat" cmpd="sng" algn="ctr">
           <a:solidFill>
             <a:schemeClr val="phClr"/>
           </a:solidFill>
           <a:prstDash val="solid"/>
-          <a:miter lim="800000"/>
         </a:ln>
       </a:lnStyleLst>
       <a:effectStyleLst>
@@ -4552,16 +10237,16 @@
             <a:gs pos="0">
               <a:schemeClr val="phClr">
                 <a:tint val="93000"/>
+                <a:shade val="98000"/>
                 <a:satMod val="150000"/>
-                <a:shade val="98000"/>
                 <a:lumMod val="102000"/>
               </a:schemeClr>
             </a:gs>
             <a:gs pos="50000">
               <a:schemeClr val="phClr">
                 <a:tint val="98000"/>
+                <a:shade val="90000"/>
                 <a:satMod val="130000"/>
-                <a:shade val="90000"/>
                 <a:lumMod val="103000"/>
               </a:schemeClr>
             </a:gs>
@@ -4579,9 +10264,241 @@
   </a:themeElements>
   <a:objectDefaults/>
   <a:extraClrSchemeLst/>
+</a:theme>
+</file>
+
+<file path=ppt/theme/theme2.xml><?xml version="1.0" encoding="utf-8"?>
+<a:theme xmlns:a="http://schemas.openxmlformats.org/drawingml/2006/main" name="Wielkomiejski">
+  <a:themeElements>
+    <a:clrScheme name="Wielkomiejski">
+      <a:dk1>
+        <a:sysClr val="windowText" lastClr="000000"/>
+      </a:dk1>
+      <a:lt1>
+        <a:sysClr val="window" lastClr="FFFFFF"/>
+      </a:lt1>
+      <a:dk2>
+        <a:srgbClr val="162F33"/>
+      </a:dk2>
+      <a:lt2>
+        <a:srgbClr val="EAF0E0"/>
+      </a:lt2>
+      <a:accent1>
+        <a:srgbClr val="50B4C8"/>
+      </a:accent1>
+      <a:accent2>
+        <a:srgbClr val="A8B97F"/>
+      </a:accent2>
+      <a:accent3>
+        <a:srgbClr val="9B9256"/>
+      </a:accent3>
+      <a:accent4>
+        <a:srgbClr val="657689"/>
+      </a:accent4>
+      <a:accent5>
+        <a:srgbClr val="7A855D"/>
+      </a:accent5>
+      <a:accent6>
+        <a:srgbClr val="84AC9D"/>
+      </a:accent6>
+      <a:hlink>
+        <a:srgbClr val="2370CD"/>
+      </a:hlink>
+      <a:folHlink>
+        <a:srgbClr val="877589"/>
+      </a:folHlink>
+    </a:clrScheme>
+    <a:fontScheme name="Wielkomiejski">
+      <a:majorFont>
+        <a:latin typeface="Calibri Light" panose="020F0302020204030204"/>
+        <a:ea typeface=""/>
+        <a:cs typeface=""/>
+        <a:font script="Jpan" typeface="ＭＳ Ｐゴシック"/>
+        <a:font script="Hang" typeface="맑은 고딕"/>
+        <a:font script="Hans" typeface="宋体"/>
+        <a:font script="Hant" typeface="新細明體"/>
+        <a:font script="Arab" typeface="Times New Roman"/>
+        <a:font script="Hebr" typeface="Times New Roman"/>
+        <a:font script="Thai" typeface="Angsana New"/>
+        <a:font script="Ethi" typeface="Nyala"/>
+        <a:font script="Beng" typeface="Vrinda"/>
+        <a:font script="Gujr" typeface="Shruti"/>
+        <a:font script="Khmr" typeface="MoolBoran"/>
+        <a:font script="Knda" typeface="Tunga"/>
+        <a:font script="Guru" typeface="Raavi"/>
+        <a:font script="Cans" typeface="Euphemia"/>
+        <a:font script="Cher" typeface="Plantagenet Cherokee"/>
+        <a:font script="Yiii" typeface="Microsoft Yi Baiti"/>
+        <a:font script="Tibt" typeface="Microsoft Himalaya"/>
+        <a:font script="Thaa" typeface="MV Boli"/>
+        <a:font script="Deva" typeface="Mangal"/>
+        <a:font script="Telu" typeface="Gautami"/>
+        <a:font script="Taml" typeface="Latha"/>
+        <a:font script="Syrc" typeface="Estrangelo Edessa"/>
+        <a:font script="Orya" typeface="Kalinga"/>
+        <a:font script="Mlym" typeface="Kartika"/>
+        <a:font script="Laoo" typeface="DokChampa"/>
+        <a:font script="Sinh" typeface="Iskoola Pota"/>
+        <a:font script="Mong" typeface="Mongolian Baiti"/>
+        <a:font script="Viet" typeface="Times New Roman"/>
+        <a:font script="Uigh" typeface="Microsoft Uighur"/>
+        <a:font script="Geor" typeface="Sylfaen"/>
+      </a:majorFont>
+      <a:minorFont>
+        <a:latin typeface="Calibri Light" panose="020F0302020204030204"/>
+        <a:ea typeface=""/>
+        <a:cs typeface=""/>
+        <a:font script="Jpan" typeface="ＭＳ Ｐゴシック"/>
+        <a:font script="Hang" typeface="맑은 고딕"/>
+        <a:font script="Hans" typeface="宋体"/>
+        <a:font script="Hant" typeface="新細明體"/>
+        <a:font script="Arab" typeface="Times New Roman"/>
+        <a:font script="Hebr" typeface="Times New Roman"/>
+        <a:font script="Thai" typeface="Angsana New"/>
+        <a:font script="Ethi" typeface="Nyala"/>
+        <a:font script="Beng" typeface="Vrinda"/>
+        <a:font script="Gujr" typeface="Shruti"/>
+        <a:font script="Khmr" typeface="MoolBoran"/>
+        <a:font script="Knda" typeface="Tunga"/>
+        <a:font script="Guru" typeface="Raavi"/>
+        <a:font script="Cans" typeface="Euphemia"/>
+        <a:font script="Cher" typeface="Plantagenet Cherokee"/>
+        <a:font script="Yiii" typeface="Microsoft Yi Baiti"/>
+        <a:font script="Tibt" typeface="Microsoft Himalaya"/>
+        <a:font script="Thaa" typeface="MV Boli"/>
+        <a:font script="Deva" typeface="Mangal"/>
+        <a:font script="Telu" typeface="Gautami"/>
+        <a:font script="Taml" typeface="Latha"/>
+        <a:font script="Syrc" typeface="Estrangelo Edessa"/>
+        <a:font script="Orya" typeface="Kalinga"/>
+        <a:font script="Mlym" typeface="Kartika"/>
+        <a:font script="Laoo" typeface="DokChampa"/>
+        <a:font script="Sinh" typeface="Iskoola Pota"/>
+        <a:font script="Mong" typeface="Mongolian Baiti"/>
+        <a:font script="Viet" typeface="Times New Roman"/>
+        <a:font script="Uigh" typeface="Microsoft Uighur"/>
+        <a:font script="Geor" typeface="Sylfaen"/>
+      </a:minorFont>
+    </a:fontScheme>
+    <a:fmtScheme name="Wielkomiejski">
+      <a:fillStyleLst>
+        <a:solidFill>
+          <a:schemeClr val="phClr"/>
+        </a:solidFill>
+        <a:gradFill rotWithShape="1">
+          <a:gsLst>
+            <a:gs pos="0">
+              <a:schemeClr val="phClr">
+                <a:tint val="70000"/>
+                <a:satMod val="100000"/>
+                <a:lumMod val="110000"/>
+              </a:schemeClr>
+            </a:gs>
+            <a:gs pos="50000">
+              <a:schemeClr val="phClr">
+                <a:tint val="75000"/>
+                <a:satMod val="101000"/>
+                <a:lumMod val="105000"/>
+              </a:schemeClr>
+            </a:gs>
+            <a:gs pos="100000">
+              <a:schemeClr val="phClr">
+                <a:tint val="82000"/>
+                <a:satMod val="104000"/>
+                <a:lumMod val="105000"/>
+              </a:schemeClr>
+            </a:gs>
+          </a:gsLst>
+          <a:lin ang="2700000" scaled="0"/>
+        </a:gradFill>
+        <a:gradFill rotWithShape="1">
+          <a:gsLst>
+            <a:gs pos="0">
+              <a:schemeClr val="phClr">
+                <a:tint val="97000"/>
+                <a:satMod val="100000"/>
+                <a:lumMod val="102000"/>
+              </a:schemeClr>
+            </a:gs>
+            <a:gs pos="50000">
+              <a:schemeClr val="phClr">
+                <a:shade val="100000"/>
+                <a:satMod val="100000"/>
+                <a:lumMod val="100000"/>
+              </a:schemeClr>
+            </a:gs>
+            <a:gs pos="100000">
+              <a:schemeClr val="phClr">
+                <a:shade val="80000"/>
+                <a:satMod val="100000"/>
+                <a:lumMod val="99000"/>
+              </a:schemeClr>
+            </a:gs>
+          </a:gsLst>
+          <a:lin ang="2700000" scaled="0"/>
+        </a:gradFill>
+      </a:fillStyleLst>
+      <a:lnStyleLst>
+        <a:ln w="9525" cap="flat" cmpd="sng" algn="ctr">
+          <a:solidFill>
+            <a:schemeClr val="phClr"/>
+          </a:solidFill>
+          <a:prstDash val="solid"/>
+        </a:ln>
+        <a:ln w="12700" cap="flat" cmpd="sng" algn="ctr">
+          <a:solidFill>
+            <a:schemeClr val="phClr"/>
+          </a:solidFill>
+          <a:prstDash val="solid"/>
+        </a:ln>
+        <a:ln w="19050" cap="flat" cmpd="sng" algn="ctr">
+          <a:solidFill>
+            <a:schemeClr val="phClr"/>
+          </a:solidFill>
+          <a:prstDash val="solid"/>
+        </a:ln>
+      </a:lnStyleLst>
+      <a:effectStyleLst>
+        <a:effectStyle>
+          <a:effectLst/>
+        </a:effectStyle>
+        <a:effectStyle>
+          <a:effectLst/>
+        </a:effectStyle>
+        <a:effectStyle>
+          <a:effectLst>
+            <a:outerShdw blurRad="57150" dist="19050" dir="5400000" algn="ctr" rotWithShape="0">
+              <a:srgbClr val="000000">
+                <a:alpha val="63000"/>
+              </a:srgbClr>
+            </a:outerShdw>
+          </a:effectLst>
+        </a:effectStyle>
+      </a:effectStyleLst>
+      <a:bgFillStyleLst>
+        <a:solidFill>
+          <a:schemeClr val="phClr"/>
+        </a:solidFill>
+        <a:solidFill>
+          <a:schemeClr val="phClr">
+            <a:tint val="95000"/>
+            <a:satMod val="170000"/>
+          </a:schemeClr>
+        </a:solidFill>
+        <a:solidFill>
+          <a:schemeClr val="phClr">
+            <a:shade val="95000"/>
+            <a:satMod val="170000"/>
+          </a:schemeClr>
+        </a:solidFill>
+      </a:bgFillStyleLst>
+    </a:fmtScheme>
+  </a:themeElements>
+  <a:objectDefaults/>
+  <a:extraClrSchemeLst/>
   <a:extLst>
     <a:ext uri="{05A4C25C-085E-4340-85A3-A5531E510DB2}">
-      <thm15:themeFamily xmlns:thm15="http://schemas.microsoft.com/office/thememl/2012/main" name="Office Theme" id="{62F939B6-93AF-4DB8-9C6B-D6C7DFDC589F}" vid="{4A3C46E8-61CC-4603-A589-7422A47A8E4A}"/>
+      <thm15:themeFamily xmlns:thm15="http://schemas.microsoft.com/office/thememl/2012/main" name="Metropolitan" id="{4C5440D6-04D2-4954-96CF-F251137069B2}" vid="{79CFCA13-9412-4290-BB4B-85112F88857B}"/>
     </a:ext>
   </a:extLst>
 </a:theme>

--- a/Documentation/ANG/BIAI_presentation.pptx
+++ b/Documentation/ANG/BIAI_presentation.pptx
@@ -10,12 +10,14 @@
     <p:sldId id="257" r:id="rId4"/>
     <p:sldId id="258" r:id="rId5"/>
     <p:sldId id="259" r:id="rId6"/>
-    <p:sldId id="260" r:id="rId7"/>
-    <p:sldId id="261" r:id="rId8"/>
-    <p:sldId id="262" r:id="rId9"/>
-    <p:sldId id="263" r:id="rId10"/>
-    <p:sldId id="265" r:id="rId11"/>
-    <p:sldId id="264" r:id="rId12"/>
+    <p:sldId id="266" r:id="rId7"/>
+    <p:sldId id="260" r:id="rId8"/>
+    <p:sldId id="261" r:id="rId9"/>
+    <p:sldId id="262" r:id="rId10"/>
+    <p:sldId id="263" r:id="rId11"/>
+    <p:sldId id="265" r:id="rId12"/>
+    <p:sldId id="264" r:id="rId13"/>
+    <p:sldId id="267" r:id="rId14"/>
   </p:sldIdLst>
   <p:sldSz cx="12192000" cy="6858000"/>
   <p:notesSz cx="6858000" cy="9144000"/>
@@ -264,7 +266,7 @@
           <a:p>
             <a:fld id="{4F87A324-FCA6-491D-BCE4-701652686B7A}" type="datetimeFigureOut">
               <a:rPr lang="pl-PL" smtClean="0"/>
-              <a:t>27.05.2019</a:t>
+              <a:t>28.05.2019</a:t>
             </a:fld>
             <a:endParaRPr lang="pl-PL"/>
           </a:p>
@@ -434,7 +436,7 @@
           <a:p>
             <a:fld id="{4F87A324-FCA6-491D-BCE4-701652686B7A}" type="datetimeFigureOut">
               <a:rPr lang="pl-PL" smtClean="0"/>
-              <a:t>27.05.2019</a:t>
+              <a:t>28.05.2019</a:t>
             </a:fld>
             <a:endParaRPr lang="pl-PL"/>
           </a:p>
@@ -614,7 +616,7 @@
           <a:p>
             <a:fld id="{4F87A324-FCA6-491D-BCE4-701652686B7A}" type="datetimeFigureOut">
               <a:rPr lang="pl-PL" smtClean="0"/>
-              <a:t>27.05.2019</a:t>
+              <a:t>28.05.2019</a:t>
             </a:fld>
             <a:endParaRPr lang="pl-PL"/>
           </a:p>
@@ -875,7 +877,7 @@
           <a:p>
             <a:fld id="{4F87A324-FCA6-491D-BCE4-701652686B7A}" type="datetimeFigureOut">
               <a:rPr lang="pl-PL" smtClean="0"/>
-              <a:t>27.05.2019</a:t>
+              <a:t>28.05.2019</a:t>
             </a:fld>
             <a:endParaRPr lang="pl-PL"/>
           </a:p>
@@ -1065,7 +1067,7 @@
           <a:p>
             <a:fld id="{4F87A324-FCA6-491D-BCE4-701652686B7A}" type="datetimeFigureOut">
               <a:rPr lang="pl-PL" smtClean="0"/>
-              <a:t>27.05.2019</a:t>
+              <a:t>28.05.2019</a:t>
             </a:fld>
             <a:endParaRPr lang="pl-PL"/>
           </a:p>
@@ -1321,7 +1323,7 @@
           <a:p>
             <a:fld id="{4F87A324-FCA6-491D-BCE4-701652686B7A}" type="datetimeFigureOut">
               <a:rPr lang="pl-PL" smtClean="0"/>
-              <a:t>27.05.2019</a:t>
+              <a:t>28.05.2019</a:t>
             </a:fld>
             <a:endParaRPr lang="pl-PL"/>
           </a:p>
@@ -1609,7 +1611,7 @@
           <a:p>
             <a:fld id="{4F87A324-FCA6-491D-BCE4-701652686B7A}" type="datetimeFigureOut">
               <a:rPr lang="pl-PL" smtClean="0"/>
-              <a:t>27.05.2019</a:t>
+              <a:t>28.05.2019</a:t>
             </a:fld>
             <a:endParaRPr lang="pl-PL"/>
           </a:p>
@@ -2047,7 +2049,7 @@
           <a:p>
             <a:fld id="{4F87A324-FCA6-491D-BCE4-701652686B7A}" type="datetimeFigureOut">
               <a:rPr lang="pl-PL" smtClean="0"/>
-              <a:t>27.05.2019</a:t>
+              <a:t>28.05.2019</a:t>
             </a:fld>
             <a:endParaRPr lang="pl-PL"/>
           </a:p>
@@ -2165,7 +2167,7 @@
           <a:p>
             <a:fld id="{4F87A324-FCA6-491D-BCE4-701652686B7A}" type="datetimeFigureOut">
               <a:rPr lang="pl-PL" smtClean="0"/>
-              <a:t>27.05.2019</a:t>
+              <a:t>28.05.2019</a:t>
             </a:fld>
             <a:endParaRPr lang="pl-PL"/>
           </a:p>
@@ -2260,7 +2262,7 @@
           <a:p>
             <a:fld id="{4F87A324-FCA6-491D-BCE4-701652686B7A}" type="datetimeFigureOut">
               <a:rPr lang="pl-PL" smtClean="0"/>
-              <a:t>27.05.2019</a:t>
+              <a:t>28.05.2019</a:t>
             </a:fld>
             <a:endParaRPr lang="pl-PL"/>
           </a:p>
@@ -2616,7 +2618,7 @@
           <a:p>
             <a:fld id="{4F87A324-FCA6-491D-BCE4-701652686B7A}" type="datetimeFigureOut">
               <a:rPr lang="pl-PL" smtClean="0"/>
-              <a:t>27.05.2019</a:t>
+              <a:t>28.05.2019</a:t>
             </a:fld>
             <a:endParaRPr lang="pl-PL"/>
           </a:p>
@@ -2796,7 +2798,7 @@
           <a:p>
             <a:fld id="{4F87A324-FCA6-491D-BCE4-701652686B7A}" type="datetimeFigureOut">
               <a:rPr lang="pl-PL" smtClean="0"/>
-              <a:t>27.05.2019</a:t>
+              <a:t>28.05.2019</a:t>
             </a:fld>
             <a:endParaRPr lang="pl-PL"/>
           </a:p>
@@ -3102,7 +3104,7 @@
           <a:p>
             <a:fld id="{4F87A324-FCA6-491D-BCE4-701652686B7A}" type="datetimeFigureOut">
               <a:rPr lang="pl-PL" smtClean="0"/>
-              <a:t>27.05.2019</a:t>
+              <a:t>28.05.2019</a:t>
             </a:fld>
             <a:endParaRPr lang="pl-PL"/>
           </a:p>
@@ -3292,7 +3294,7 @@
           <a:p>
             <a:fld id="{4F87A324-FCA6-491D-BCE4-701652686B7A}" type="datetimeFigureOut">
               <a:rPr lang="pl-PL" smtClean="0"/>
-              <a:t>27.05.2019</a:t>
+              <a:t>28.05.2019</a:t>
             </a:fld>
             <a:endParaRPr lang="pl-PL"/>
           </a:p>
@@ -3472,7 +3474,7 @@
           <a:p>
             <a:fld id="{4F87A324-FCA6-491D-BCE4-701652686B7A}" type="datetimeFigureOut">
               <a:rPr lang="pl-PL" smtClean="0"/>
-              <a:t>27.05.2019</a:t>
+              <a:t>28.05.2019</a:t>
             </a:fld>
             <a:endParaRPr lang="pl-PL"/>
           </a:p>
@@ -3723,7 +3725,7 @@
           <a:p>
             <a:fld id="{4F87A324-FCA6-491D-BCE4-701652686B7A}" type="datetimeFigureOut">
               <a:rPr lang="pl-PL" smtClean="0"/>
-              <a:t>27.05.2019</a:t>
+              <a:t>28.05.2019</a:t>
             </a:fld>
             <a:endParaRPr lang="pl-PL"/>
           </a:p>
@@ -3955,7 +3957,7 @@
           <a:p>
             <a:fld id="{4F87A324-FCA6-491D-BCE4-701652686B7A}" type="datetimeFigureOut">
               <a:rPr lang="pl-PL" smtClean="0"/>
-              <a:t>27.05.2019</a:t>
+              <a:t>28.05.2019</a:t>
             </a:fld>
             <a:endParaRPr lang="pl-PL"/>
           </a:p>
@@ -4302,7 +4304,7 @@
           <a:p>
             <a:fld id="{4F87A324-FCA6-491D-BCE4-701652686B7A}" type="datetimeFigureOut">
               <a:rPr lang="pl-PL" smtClean="0"/>
-              <a:t>27.05.2019</a:t>
+              <a:t>28.05.2019</a:t>
             </a:fld>
             <a:endParaRPr lang="pl-PL"/>
           </a:p>
@@ -4420,7 +4422,7 @@
           <a:p>
             <a:fld id="{4F87A324-FCA6-491D-BCE4-701652686B7A}" type="datetimeFigureOut">
               <a:rPr lang="pl-PL" smtClean="0"/>
-              <a:t>27.05.2019</a:t>
+              <a:t>28.05.2019</a:t>
             </a:fld>
             <a:endParaRPr lang="pl-PL"/>
           </a:p>
@@ -4538,7 +4540,7 @@
           <a:p>
             <a:fld id="{4F87A324-FCA6-491D-BCE4-701652686B7A}" type="datetimeFigureOut">
               <a:rPr lang="pl-PL" smtClean="0"/>
-              <a:t>27.05.2019</a:t>
+              <a:t>28.05.2019</a:t>
             </a:fld>
             <a:endParaRPr lang="pl-PL"/>
           </a:p>
@@ -4822,7 +4824,7 @@
           <a:p>
             <a:fld id="{4F87A324-FCA6-491D-BCE4-701652686B7A}" type="datetimeFigureOut">
               <a:rPr lang="pl-PL" smtClean="0"/>
-              <a:t>27.05.2019</a:t>
+              <a:t>28.05.2019</a:t>
             </a:fld>
             <a:endParaRPr lang="pl-PL"/>
           </a:p>
@@ -5086,7 +5088,7 @@
           <a:p>
             <a:fld id="{4F87A324-FCA6-491D-BCE4-701652686B7A}" type="datetimeFigureOut">
               <a:rPr lang="pl-PL" smtClean="0"/>
-              <a:t>27.05.2019</a:t>
+              <a:t>28.05.2019</a:t>
             </a:fld>
             <a:endParaRPr lang="pl-PL"/>
           </a:p>
@@ -5300,7 +5302,7 @@
           <a:p>
             <a:fld id="{4F87A324-FCA6-491D-BCE4-701652686B7A}" type="datetimeFigureOut">
               <a:rPr lang="pl-PL" smtClean="0"/>
-              <a:t>27.05.2019</a:t>
+              <a:t>28.05.2019</a:t>
             </a:fld>
             <a:endParaRPr lang="pl-PL"/>
           </a:p>
@@ -5829,7 +5831,7 @@
           <a:p>
             <a:fld id="{4F87A324-FCA6-491D-BCE4-701652686B7A}" type="datetimeFigureOut">
               <a:rPr lang="pl-PL" smtClean="0"/>
-              <a:t>27.05.2019</a:t>
+              <a:t>28.05.2019</a:t>
             </a:fld>
             <a:endParaRPr lang="pl-PL"/>
           </a:p>
@@ -6383,6 +6385,239 @@
           <p:cNvPr id="2" name="Tytuł 1">
             <a:extLst>
               <a:ext uri="{FF2B5EF4-FFF2-40B4-BE49-F238E27FC236}">
+                <a16:creationId xmlns:a16="http://schemas.microsoft.com/office/drawing/2014/main" id="{43FFD594-743A-46EF-A077-7643F272547C}"/>
+              </a:ext>
+            </a:extLst>
+          </p:cNvPr>
+          <p:cNvSpPr>
+            <a:spLocks noGrp="1"/>
+          </p:cNvSpPr>
+          <p:nvPr>
+            <p:ph type="title"/>
+          </p:nvPr>
+        </p:nvSpPr>
+        <p:spPr/>
+        <p:txBody>
+          <a:bodyPr/>
+          <a:lstStyle/>
+          <a:p>
+            <a:r>
+              <a:rPr lang="pl-PL" dirty="0"/>
+              <a:t>SCIKIT-LEARN (SKLEARN) LIBRARY</a:t>
+            </a:r>
+          </a:p>
+        </p:txBody>
+      </p:sp>
+      <p:sp>
+        <p:nvSpPr>
+          <p:cNvPr id="3" name="Symbol zastępczy zawartości 2">
+            <a:extLst>
+              <a:ext uri="{FF2B5EF4-FFF2-40B4-BE49-F238E27FC236}">
+                <a16:creationId xmlns:a16="http://schemas.microsoft.com/office/drawing/2014/main" id="{395F5246-30F7-4F27-A0DF-0D03370E94F3}"/>
+              </a:ext>
+            </a:extLst>
+          </p:cNvPr>
+          <p:cNvSpPr>
+            <a:spLocks noGrp="1"/>
+          </p:cNvSpPr>
+          <p:nvPr>
+            <p:ph idx="1"/>
+          </p:nvPr>
+        </p:nvSpPr>
+        <p:spPr>
+          <a:xfrm>
+            <a:off x="838200" y="2442841"/>
+            <a:ext cx="10515600" cy="2145013"/>
+          </a:xfrm>
+        </p:spPr>
+        <p:txBody>
+          <a:bodyPr/>
+          <a:lstStyle/>
+          <a:p>
+            <a:pPr marL="0" indent="0">
+              <a:buNone/>
+            </a:pPr>
+            <a:r>
+              <a:rPr lang="pl-PL" dirty="0"/>
+              <a:t>F</a:t>
+            </a:r>
+            <a:r>
+              <a:rPr lang="en-US" dirty="0" err="1"/>
+              <a:t>ree</a:t>
+            </a:r>
+            <a:r>
+              <a:rPr lang="en-US" dirty="0"/>
+              <a:t> software </a:t>
+            </a:r>
+            <a:r>
+              <a:rPr lang="en-US" b="1" dirty="0"/>
+              <a:t>machine learning</a:t>
+            </a:r>
+            <a:r>
+              <a:rPr lang="pl-PL" b="1" dirty="0"/>
+              <a:t> </a:t>
+            </a:r>
+            <a:r>
+              <a:rPr lang="pl-PL" dirty="0"/>
+              <a:t>l</a:t>
+            </a:r>
+            <a:r>
+              <a:rPr lang="en-US" dirty="0" err="1"/>
+              <a:t>ibrary</a:t>
+            </a:r>
+            <a:r>
+              <a:rPr lang="en-US" dirty="0"/>
+              <a:t> for the Python programming language. </a:t>
+            </a:r>
+            <a:r>
+              <a:rPr lang="pl-PL" dirty="0"/>
+              <a:t>It </a:t>
+            </a:r>
+            <a:r>
+              <a:rPr lang="pl-PL" dirty="0" err="1"/>
+              <a:t>features</a:t>
+            </a:r>
+            <a:r>
+              <a:rPr lang="pl-PL" dirty="0"/>
+              <a:t> </a:t>
+            </a:r>
+            <a:r>
+              <a:rPr lang="pl-PL" dirty="0" err="1"/>
+              <a:t>various</a:t>
+            </a:r>
+            <a:r>
+              <a:rPr lang="en-US" dirty="0"/>
+              <a:t> </a:t>
+            </a:r>
+            <a:r>
+              <a:rPr lang="en-US" b="1" dirty="0"/>
+              <a:t>classification</a:t>
+            </a:r>
+            <a:r>
+              <a:rPr lang="en-US" dirty="0"/>
+              <a:t>,</a:t>
+            </a:r>
+            <a:r>
+              <a:rPr lang="pl-PL" dirty="0"/>
+              <a:t> </a:t>
+            </a:r>
+            <a:r>
+              <a:rPr lang="en-US" dirty="0"/>
+              <a:t>regression</a:t>
+            </a:r>
+            <a:r>
+              <a:rPr lang="pl-PL" dirty="0"/>
+              <a:t> </a:t>
+            </a:r>
+            <a:r>
+              <a:rPr lang="en-US" dirty="0"/>
+              <a:t>and clustering</a:t>
+            </a:r>
+            <a:r>
+              <a:rPr lang="pl-PL" dirty="0"/>
+              <a:t> </a:t>
+            </a:r>
+            <a:r>
+              <a:rPr lang="en-US" dirty="0"/>
+              <a:t>algorithms including support vector machines, random forests, gradient boosting, and is designed to interoperate with the Python numerical and scientific libraries </a:t>
+            </a:r>
+            <a:r>
+              <a:rPr lang="en-US" b="1" dirty="0"/>
+              <a:t>NumPy</a:t>
+            </a:r>
+            <a:r>
+              <a:rPr lang="en-US" dirty="0"/>
+              <a:t> and SciPy</a:t>
+            </a:r>
+            <a:r>
+              <a:rPr lang="pl-PL" dirty="0"/>
+              <a:t>.</a:t>
+            </a:r>
+          </a:p>
+        </p:txBody>
+      </p:sp>
+      <p:pic>
+        <p:nvPicPr>
+          <p:cNvPr id="4" name="Picture 4" descr="Znalezione obrazy dla zapytania sklearn vs scikit-learn">
+            <a:extLst>
+              <a:ext uri="{FF2B5EF4-FFF2-40B4-BE49-F238E27FC236}">
+                <a16:creationId xmlns:a16="http://schemas.microsoft.com/office/drawing/2014/main" id="{C5EBD9CB-313B-45B3-96CB-51C046D3D358}"/>
+              </a:ext>
+            </a:extLst>
+          </p:cNvPr>
+          <p:cNvPicPr>
+            <a:picLocks noChangeAspect="1" noChangeArrowheads="1"/>
+          </p:cNvPicPr>
+          <p:nvPr/>
+        </p:nvPicPr>
+        <p:blipFill>
+          <a:blip r:embed="rId2">
+            <a:extLst>
+              <a:ext uri="{28A0092B-C50C-407E-A947-70E740481C1C}">
+                <a14:useLocalDpi xmlns:a14="http://schemas.microsoft.com/office/drawing/2010/main" val="0"/>
+              </a:ext>
+            </a:extLst>
+          </a:blip>
+          <a:srcRect/>
+          <a:stretch>
+            <a:fillRect/>
+          </a:stretch>
+        </p:blipFill>
+        <p:spPr bwMode="auto">
+          <a:xfrm>
+            <a:off x="7209217" y="4193060"/>
+            <a:ext cx="3722092" cy="2003726"/>
+          </a:xfrm>
+          <a:prstGeom prst="rect">
+            <a:avLst/>
+          </a:prstGeom>
+          <a:noFill/>
+          <a:extLst>
+            <a:ext uri="{909E8E84-426E-40DD-AFC4-6F175D3DCCD1}">
+              <a14:hiddenFill xmlns:a14="http://schemas.microsoft.com/office/drawing/2010/main">
+                <a:solidFill>
+                  <a:srgbClr val="FFFFFF"/>
+                </a:solidFill>
+              </a14:hiddenFill>
+            </a:ext>
+          </a:extLst>
+        </p:spPr>
+      </p:pic>
+    </p:spTree>
+    <p:extLst>
+      <p:ext uri="{BB962C8B-B14F-4D97-AF65-F5344CB8AC3E}">
+        <p14:creationId xmlns:p14="http://schemas.microsoft.com/office/powerpoint/2010/main" val="4204773736"/>
+      </p:ext>
+    </p:extLst>
+  </p:cSld>
+  <p:clrMapOvr>
+    <a:masterClrMapping/>
+  </p:clrMapOvr>
+</p:sld>
+</file>
+
+<file path=ppt/slides/slide11.xml><?xml version="1.0" encoding="utf-8"?>
+<p:sld xmlns:a="http://schemas.openxmlformats.org/drawingml/2006/main" xmlns:r="http://schemas.openxmlformats.org/officeDocument/2006/relationships" xmlns:p="http://schemas.openxmlformats.org/presentationml/2006/main">
+  <p:cSld>
+    <p:spTree>
+      <p:nvGrpSpPr>
+        <p:cNvPr id="1" name=""/>
+        <p:cNvGrpSpPr/>
+        <p:nvPr/>
+      </p:nvGrpSpPr>
+      <p:grpSpPr>
+        <a:xfrm>
+          <a:off x="0" y="0"/>
+          <a:ext cx="0" cy="0"/>
+          <a:chOff x="0" y="0"/>
+          <a:chExt cx="0" cy="0"/>
+        </a:xfrm>
+      </p:grpSpPr>
+      <p:sp>
+        <p:nvSpPr>
+          <p:cNvPr id="2" name="Tytuł 1">
+            <a:extLst>
+              <a:ext uri="{FF2B5EF4-FFF2-40B4-BE49-F238E27FC236}">
                 <a16:creationId xmlns:a16="http://schemas.microsoft.com/office/drawing/2014/main" id="{7A19E2FD-56B0-455D-9670-4345C00ACBED}"/>
               </a:ext>
             </a:extLst>
@@ -6828,8 +7063,8 @@
         </p:nvSpPr>
         <p:spPr bwMode="auto">
           <a:xfrm>
-            <a:off x="957865" y="4991011"/>
-            <a:ext cx="9464963" cy="1292662"/>
+            <a:off x="957865" y="5314176"/>
+            <a:ext cx="9464963" cy="646331"/>
           </a:xfrm>
           <a:prstGeom prst="rect">
             <a:avLst/>
@@ -7208,219 +7443,6 @@
             </a:r>
             <a:endParaRPr lang="pl-PL" dirty="0"/>
           </a:p>
-          <a:p>
-            <a:pPr lvl="0"/>
-            <a:r>
-              <a:rPr lang="pl-PL" sz="1400" i="1" dirty="0" err="1">
-                <a:solidFill>
-                  <a:schemeClr val="tx1">
-                    <a:lumMod val="50000"/>
-                    <a:lumOff val="50000"/>
-                  </a:schemeClr>
-                </a:solidFill>
-                <a:latin typeface="Helvetica" panose="020B0604020202020204" pitchFamily="34" charset="0"/>
-              </a:rPr>
-              <a:t>alpha</a:t>
-            </a:r>
-            <a:r>
-              <a:rPr lang="pl-PL" sz="1400" dirty="0">
-                <a:solidFill>
-                  <a:schemeClr val="tx1">
-                    <a:lumMod val="50000"/>
-                    <a:lumOff val="50000"/>
-                  </a:schemeClr>
-                </a:solidFill>
-              </a:rPr>
-              <a:t> - </a:t>
-            </a:r>
-            <a:r>
-              <a:rPr lang="pl-PL" sz="1400" dirty="0" err="1">
-                <a:solidFill>
-                  <a:schemeClr val="tx1">
-                    <a:lumMod val="50000"/>
-                    <a:lumOff val="50000"/>
-                  </a:schemeClr>
-                </a:solidFill>
-              </a:rPr>
-              <a:t>smoothing</a:t>
-            </a:r>
-            <a:r>
-              <a:rPr lang="pl-PL" sz="1400" dirty="0">
-                <a:solidFill>
-                  <a:schemeClr val="tx1">
-                    <a:lumMod val="50000"/>
-                    <a:lumOff val="50000"/>
-                  </a:schemeClr>
-                </a:solidFill>
-              </a:rPr>
-              <a:t> </a:t>
-            </a:r>
-            <a:r>
-              <a:rPr lang="pl-PL" sz="1400" dirty="0" err="1">
-                <a:solidFill>
-                  <a:schemeClr val="tx1">
-                    <a:lumMod val="50000"/>
-                    <a:lumOff val="50000"/>
-                  </a:schemeClr>
-                </a:solidFill>
-              </a:rPr>
-              <a:t>parameter</a:t>
-            </a:r>
-            <a:br>
-              <a:rPr lang="pl-PL" sz="1400" dirty="0">
-                <a:solidFill>
-                  <a:schemeClr val="tx1">
-                    <a:lumMod val="50000"/>
-                    <a:lumOff val="50000"/>
-                  </a:schemeClr>
-                </a:solidFill>
-              </a:rPr>
-            </a:br>
-            <a:r>
-              <a:rPr lang="pl-PL" sz="1400" i="1" dirty="0" err="1">
-                <a:solidFill>
-                  <a:schemeClr val="tx1">
-                    <a:lumMod val="50000"/>
-                    <a:lumOff val="50000"/>
-                  </a:schemeClr>
-                </a:solidFill>
-                <a:latin typeface="Helvetica" panose="020B0604020202020204" pitchFamily="34" charset="0"/>
-              </a:rPr>
-              <a:t>fit_prior</a:t>
-            </a:r>
-            <a:r>
-              <a:rPr lang="pl-PL" sz="1400" i="1" dirty="0">
-                <a:solidFill>
-                  <a:schemeClr val="tx1">
-                    <a:lumMod val="50000"/>
-                    <a:lumOff val="50000"/>
-                  </a:schemeClr>
-                </a:solidFill>
-                <a:latin typeface="Helvetica" panose="020B0604020202020204" pitchFamily="34" charset="0"/>
-              </a:rPr>
-              <a:t> </a:t>
-            </a:r>
-            <a:r>
-              <a:rPr lang="pl-PL" sz="1400" dirty="0">
-                <a:solidFill>
-                  <a:schemeClr val="tx1">
-                    <a:lumMod val="50000"/>
-                    <a:lumOff val="50000"/>
-                  </a:schemeClr>
-                </a:solidFill>
-              </a:rPr>
-              <a:t>- w</a:t>
-            </a:r>
-            <a:r>
-              <a:rPr lang="en-US" sz="1400" dirty="0" err="1">
-                <a:solidFill>
-                  <a:schemeClr val="tx1">
-                    <a:lumMod val="50000"/>
-                    <a:lumOff val="50000"/>
-                  </a:schemeClr>
-                </a:solidFill>
-              </a:rPr>
-              <a:t>hether</a:t>
-            </a:r>
-            <a:r>
-              <a:rPr lang="en-US" sz="1400" dirty="0">
-                <a:solidFill>
-                  <a:schemeClr val="tx1">
-                    <a:lumMod val="50000"/>
-                    <a:lumOff val="50000"/>
-                  </a:schemeClr>
-                </a:solidFill>
-              </a:rPr>
-              <a:t> to learn class prior probabilities or not</a:t>
-            </a:r>
-            <a:endParaRPr lang="pl-PL" sz="1400" dirty="0">
-              <a:solidFill>
-                <a:schemeClr val="tx1">
-                  <a:lumMod val="50000"/>
-                  <a:lumOff val="50000"/>
-                </a:schemeClr>
-              </a:solidFill>
-            </a:endParaRPr>
-          </a:p>
-          <a:p>
-            <a:pPr lvl="0"/>
-            <a:r>
-              <a:rPr lang="pl-PL" altLang="pl-PL" sz="1400" i="1" dirty="0" err="1">
-                <a:solidFill>
-                  <a:schemeClr val="tx1">
-                    <a:lumMod val="50000"/>
-                    <a:lumOff val="50000"/>
-                  </a:schemeClr>
-                </a:solidFill>
-                <a:latin typeface="Helvetica" panose="020B0604020202020204" pitchFamily="34" charset="0"/>
-              </a:rPr>
-              <a:t>class_prior</a:t>
-            </a:r>
-            <a:r>
-              <a:rPr lang="pl-PL" altLang="pl-PL" sz="1400" i="1" dirty="0">
-                <a:solidFill>
-                  <a:schemeClr val="tx1">
-                    <a:lumMod val="50000"/>
-                    <a:lumOff val="50000"/>
-                  </a:schemeClr>
-                </a:solidFill>
-                <a:latin typeface="Helvetica" panose="020B0604020202020204" pitchFamily="34" charset="0"/>
-              </a:rPr>
-              <a:t> </a:t>
-            </a:r>
-            <a:r>
-              <a:rPr kumimoji="0" lang="pl-PL" altLang="pl-PL" sz="1400" b="0" i="0" u="none" strike="noStrike" cap="none" normalizeH="0" baseline="0" dirty="0">
-                <a:ln>
-                  <a:noFill/>
-                </a:ln>
-                <a:solidFill>
-                  <a:schemeClr val="tx1">
-                    <a:lumMod val="50000"/>
-                    <a:lumOff val="50000"/>
-                  </a:schemeClr>
-                </a:solidFill>
-                <a:effectLst/>
-              </a:rPr>
-              <a:t>- r</a:t>
-            </a:r>
-            <a:r>
-              <a:rPr lang="en-US" sz="1400" dirty="0" err="1">
-                <a:solidFill>
-                  <a:schemeClr val="tx1">
-                    <a:lumMod val="50000"/>
-                    <a:lumOff val="50000"/>
-                  </a:schemeClr>
-                </a:solidFill>
-              </a:rPr>
-              <a:t>rior</a:t>
-            </a:r>
-            <a:r>
-              <a:rPr lang="en-US" sz="1400" dirty="0">
-                <a:solidFill>
-                  <a:schemeClr val="tx1">
-                    <a:lumMod val="50000"/>
-                    <a:lumOff val="50000"/>
-                  </a:schemeClr>
-                </a:solidFill>
-              </a:rPr>
-              <a:t> probabilities of the classes. If specified the priors are not adjusted according to the data</a:t>
-            </a:r>
-            <a:r>
-              <a:rPr kumimoji="0" lang="pl-PL" altLang="pl-PL" sz="1400" b="0" i="0" u="none" strike="noStrike" cap="none" normalizeH="0" baseline="0" dirty="0">
-                <a:ln>
-                  <a:noFill/>
-                </a:ln>
-                <a:solidFill>
-                  <a:schemeClr val="tx1">
-                    <a:lumMod val="50000"/>
-                    <a:lumOff val="50000"/>
-                  </a:schemeClr>
-                </a:solidFill>
-                <a:effectLst/>
-              </a:rPr>
-              <a:t> </a:t>
-            </a:r>
-          </a:p>
         </p:txBody>
       </p:sp>
       <p:cxnSp>
@@ -7516,6 +7538,121 @@
 </p:sld>
 </file>
 
+<file path=ppt/slides/slide12.xml><?xml version="1.0" encoding="utf-8"?>
+<p:sld xmlns:a="http://schemas.openxmlformats.org/drawingml/2006/main" xmlns:r="http://schemas.openxmlformats.org/officeDocument/2006/relationships" xmlns:p="http://schemas.openxmlformats.org/presentationml/2006/main">
+  <p:cSld>
+    <p:spTree>
+      <p:nvGrpSpPr>
+        <p:cNvPr id="1" name=""/>
+        <p:cNvGrpSpPr/>
+        <p:nvPr/>
+      </p:nvGrpSpPr>
+      <p:grpSpPr>
+        <a:xfrm>
+          <a:off x="0" y="0"/>
+          <a:ext cx="0" cy="0"/>
+          <a:chOff x="0" y="0"/>
+          <a:chExt cx="0" cy="0"/>
+        </a:xfrm>
+      </p:grpSpPr>
+      <p:sp>
+        <p:nvSpPr>
+          <p:cNvPr id="4" name="Tytuł 3">
+            <a:extLst>
+              <a:ext uri="{FF2B5EF4-FFF2-40B4-BE49-F238E27FC236}">
+                <a16:creationId xmlns:a16="http://schemas.microsoft.com/office/drawing/2014/main" id="{E0070140-E6FC-4E23-BCC3-BFF640BDBAB8}"/>
+              </a:ext>
+            </a:extLst>
+          </p:cNvPr>
+          <p:cNvSpPr>
+            <a:spLocks noGrp="1"/>
+          </p:cNvSpPr>
+          <p:nvPr>
+            <p:ph type="ctrTitle"/>
+          </p:nvPr>
+        </p:nvSpPr>
+        <p:spPr/>
+        <p:txBody>
+          <a:bodyPr/>
+          <a:lstStyle/>
+          <a:p>
+            <a:r>
+              <a:rPr lang="pl-PL" dirty="0" err="1"/>
+              <a:t>Thank</a:t>
+            </a:r>
+            <a:r>
+              <a:rPr lang="pl-PL" dirty="0"/>
+              <a:t> </a:t>
+            </a:r>
+            <a:r>
+              <a:rPr lang="pl-PL" dirty="0" err="1"/>
+              <a:t>you</a:t>
+            </a:r>
+            <a:r>
+              <a:rPr lang="pl-PL" dirty="0"/>
+              <a:t>!</a:t>
+            </a:r>
+          </a:p>
+        </p:txBody>
+      </p:sp>
+      <p:sp>
+        <p:nvSpPr>
+          <p:cNvPr id="5" name="Podtytuł 4">
+            <a:extLst>
+              <a:ext uri="{FF2B5EF4-FFF2-40B4-BE49-F238E27FC236}">
+                <a16:creationId xmlns:a16="http://schemas.microsoft.com/office/drawing/2014/main" id="{C1F3F904-2868-4668-AFC2-93A6A11E378F}"/>
+              </a:ext>
+            </a:extLst>
+          </p:cNvPr>
+          <p:cNvSpPr>
+            <a:spLocks noGrp="1"/>
+          </p:cNvSpPr>
+          <p:nvPr>
+            <p:ph type="subTitle" idx="1"/>
+          </p:nvPr>
+        </p:nvSpPr>
+        <p:spPr/>
+        <p:txBody>
+          <a:bodyPr>
+            <a:normAutofit lnSpcReduction="10000"/>
+          </a:bodyPr>
+          <a:lstStyle/>
+          <a:p>
+            <a:r>
+              <a:rPr lang="pl-PL" dirty="0"/>
+              <a:t>Aleksandra Musiał</a:t>
+            </a:r>
+          </a:p>
+          <a:p>
+            <a:r>
+              <a:rPr lang="pl-PL" dirty="0"/>
+              <a:t>Benedykt Waszkiewicz</a:t>
+            </a:r>
+          </a:p>
+          <a:p>
+            <a:r>
+              <a:rPr lang="pl-PL" dirty="0"/>
+              <a:t>GKiO3, sekcja 7</a:t>
+            </a:r>
+          </a:p>
+          <a:p>
+            <a:endParaRPr lang="pl-PL" dirty="0"/>
+          </a:p>
+        </p:txBody>
+      </p:sp>
+    </p:spTree>
+    <p:extLst>
+      <p:ext uri="{BB962C8B-B14F-4D97-AF65-F5344CB8AC3E}">
+        <p14:creationId xmlns:p14="http://schemas.microsoft.com/office/powerpoint/2010/main" val="1484513558"/>
+      </p:ext>
+    </p:extLst>
+  </p:cSld>
+  <p:clrMapOvr>
+    <a:masterClrMapping/>
+  </p:clrMapOvr>
+</p:sld>
+</file>
+
 <file path=ppt/slides/slide2.xml><?xml version="1.0" encoding="utf-8"?>
 <p:sld xmlns:a="http://schemas.openxmlformats.org/drawingml/2006/main" xmlns:r="http://schemas.openxmlformats.org/officeDocument/2006/relationships" xmlns:p="http://schemas.openxmlformats.org/presentationml/2006/main">
   <p:cSld>
@@ -7866,7 +8003,7 @@
           <p:nvPr>
             <p:extLst>
               <p:ext uri="{D42A27DB-BD31-4B8C-83A1-F6EECF244321}">
-                <p14:modId xmlns:p14="http://schemas.microsoft.com/office/powerpoint/2010/main" val="1482261264"/>
+                <p14:modId xmlns:p14="http://schemas.microsoft.com/office/powerpoint/2010/main" val="102212985"/>
               </p:ext>
             </p:extLst>
           </p:nvPr>
@@ -7938,7 +8075,7 @@
                     <a:bodyPr/>
                     <a:lstStyle/>
                     <a:p>
-                      <a:pPr marL="285750" indent="-285750" algn="ctr">
+                      <a:pPr marL="342900" indent="-342900" algn="ctr">
                         <a:buFont typeface="Arial" panose="020B0604020202020204" pitchFamily="34" charset="0"/>
                         <a:buChar char="•"/>
                       </a:pPr>
@@ -7977,14 +8114,14 @@
                       <a:endParaRPr lang="pl-PL" sz="2100" dirty="0"/>
                     </a:p>
                     <a:p>
-                      <a:pPr marL="0" indent="0" algn="ctr">
+                      <a:pPr marL="342900" indent="-342900" algn="ctr">
                         <a:buFont typeface="Arial" panose="020B0604020202020204" pitchFamily="34" charset="0"/>
-                        <a:buNone/>
+                        <a:buChar char="•"/>
                       </a:pPr>
                       <a:endParaRPr lang="pl-PL" sz="2100" dirty="0"/>
                     </a:p>
                     <a:p>
-                      <a:pPr marL="285750" indent="-285750" algn="ctr">
+                      <a:pPr marL="342900" indent="-342900" algn="ctr">
                         <a:buFont typeface="Arial" panose="020B0604020202020204" pitchFamily="34" charset="0"/>
                         <a:buChar char="•"/>
                       </a:pPr>
@@ -8038,14 +8175,14 @@
                       </a:r>
                     </a:p>
                     <a:p>
-                      <a:pPr marL="0" indent="0" algn="ctr">
+                      <a:pPr marL="342900" indent="-342900" algn="ctr">
                         <a:buFont typeface="Arial" panose="020B0604020202020204" pitchFamily="34" charset="0"/>
-                        <a:buNone/>
+                        <a:buChar char="•"/>
                       </a:pPr>
                       <a:endParaRPr lang="pl-PL" sz="2100" dirty="0"/>
                     </a:p>
                     <a:p>
-                      <a:pPr marL="285750" indent="-285750" algn="ctr">
+                      <a:pPr marL="342900" indent="-342900" algn="ctr">
                         <a:buFont typeface="Arial" panose="020B0604020202020204" pitchFamily="34" charset="0"/>
                         <a:buChar char="•"/>
                       </a:pPr>
@@ -8099,14 +8236,14 @@
                       </a:r>
                     </a:p>
                     <a:p>
-                      <a:pPr marL="0" indent="0" algn="ctr">
+                      <a:pPr marL="342900" indent="-342900" algn="ctr">
                         <a:buFont typeface="Arial" panose="020B0604020202020204" pitchFamily="34" charset="0"/>
-                        <a:buNone/>
+                        <a:buChar char="•"/>
                       </a:pPr>
                       <a:endParaRPr lang="pl-PL" sz="2100" dirty="0"/>
                     </a:p>
                     <a:p>
-                      <a:pPr marL="285750" indent="-285750" algn="ctr">
+                      <a:pPr marL="342900" indent="-342900" algn="ctr">
                         <a:buFont typeface="Arial" panose="020B0604020202020204" pitchFamily="34" charset="0"/>
                         <a:buChar char="•"/>
                       </a:pPr>
@@ -8133,7 +8270,10 @@
                       <a:endParaRPr lang="pl-PL" sz="2100" dirty="0"/>
                     </a:p>
                     <a:p>
-                      <a:pPr algn="ctr"/>
+                      <a:pPr marL="342900" indent="-342900" algn="ctr">
+                        <a:buFont typeface="Arial" panose="020B0604020202020204" pitchFamily="34" charset="0"/>
+                        <a:buChar char="•"/>
+                      </a:pPr>
                       <a:endParaRPr lang="pl-PL" sz="2100" dirty="0"/>
                     </a:p>
                   </a:txBody>
@@ -8490,6 +8630,246 @@
           <p:cNvPr id="2" name="Tytuł 1">
             <a:extLst>
               <a:ext uri="{FF2B5EF4-FFF2-40B4-BE49-F238E27FC236}">
+                <a16:creationId xmlns:a16="http://schemas.microsoft.com/office/drawing/2014/main" id="{6CDBC31C-AA5C-4A9C-9268-D90317A4AF12}"/>
+              </a:ext>
+            </a:extLst>
+          </p:cNvPr>
+          <p:cNvSpPr>
+            <a:spLocks noGrp="1"/>
+          </p:cNvSpPr>
+          <p:nvPr>
+            <p:ph type="title"/>
+          </p:nvPr>
+        </p:nvSpPr>
+        <p:spPr/>
+        <p:txBody>
+          <a:bodyPr/>
+          <a:lstStyle/>
+          <a:p>
+            <a:r>
+              <a:rPr lang="pl-PL" dirty="0"/>
+              <a:t>BAYESIAN NETWORK</a:t>
+            </a:r>
+          </a:p>
+        </p:txBody>
+      </p:sp>
+      <p:sp>
+        <p:nvSpPr>
+          <p:cNvPr id="3" name="Symbol zastępczy zawartości 2">
+            <a:extLst>
+              <a:ext uri="{FF2B5EF4-FFF2-40B4-BE49-F238E27FC236}">
+                <a16:creationId xmlns:a16="http://schemas.microsoft.com/office/drawing/2014/main" id="{8D73867E-61F7-4892-AB63-684CB8B9FBC4}"/>
+              </a:ext>
+            </a:extLst>
+          </p:cNvPr>
+          <p:cNvSpPr>
+            <a:spLocks noGrp="1"/>
+          </p:cNvSpPr>
+          <p:nvPr>
+            <p:ph idx="1"/>
+          </p:nvPr>
+        </p:nvSpPr>
+        <p:spPr>
+          <a:xfrm>
+            <a:off x="676657" y="2011680"/>
+            <a:ext cx="6185461" cy="4059606"/>
+          </a:xfrm>
+        </p:spPr>
+        <p:txBody>
+          <a:bodyPr>
+            <a:normAutofit/>
+          </a:bodyPr>
+          <a:lstStyle/>
+          <a:p>
+            <a:pPr marL="0" indent="0">
+              <a:buNone/>
+            </a:pPr>
+            <a:r>
+              <a:rPr lang="en-US" dirty="0"/>
+              <a:t>Bayesian networks are a type of </a:t>
+            </a:r>
+            <a:r>
+              <a:rPr lang="en-US" b="1" dirty="0"/>
+              <a:t>Probabilistic</a:t>
+            </a:r>
+            <a:r>
+              <a:rPr lang="pl-PL" b="1" dirty="0"/>
+              <a:t> </a:t>
+            </a:r>
+            <a:r>
+              <a:rPr lang="en-US" b="1" dirty="0"/>
+              <a:t>Graphical Model</a:t>
+            </a:r>
+            <a:r>
+              <a:rPr lang="pl-PL" b="1" dirty="0"/>
+              <a:t>. </a:t>
+            </a:r>
+          </a:p>
+          <a:p>
+            <a:pPr marL="0" indent="0">
+              <a:buNone/>
+            </a:pPr>
+            <a:r>
+              <a:rPr lang="en-US" dirty="0"/>
+              <a:t>A Bayesian network is composed of</a:t>
+            </a:r>
+            <a:r>
+              <a:rPr lang="pl-PL" dirty="0"/>
+              <a:t>:</a:t>
+            </a:r>
+          </a:p>
+          <a:p>
+            <a:r>
+              <a:rPr lang="pl-PL" b="1" dirty="0"/>
+              <a:t>- </a:t>
+            </a:r>
+            <a:r>
+              <a:rPr lang="en-US" b="1" dirty="0"/>
+              <a:t>random variables</a:t>
+            </a:r>
+            <a:r>
+              <a:rPr lang="en-US" dirty="0"/>
+              <a:t> (nodes)</a:t>
+            </a:r>
+            <a:r>
+              <a:rPr lang="pl-PL" dirty="0"/>
+              <a:t>,</a:t>
+            </a:r>
+            <a:r>
+              <a:rPr lang="en-US" dirty="0"/>
+              <a:t> </a:t>
+            </a:r>
+            <a:endParaRPr lang="pl-PL" dirty="0"/>
+          </a:p>
+          <a:p>
+            <a:r>
+              <a:rPr lang="pl-PL" dirty="0"/>
+              <a:t>- </a:t>
+            </a:r>
+            <a:r>
+              <a:rPr lang="en-US" dirty="0"/>
+              <a:t>their </a:t>
+            </a:r>
+            <a:r>
+              <a:rPr lang="en-US" b="1" dirty="0"/>
+              <a:t>conditional dependencies </a:t>
+            </a:r>
+            <a:r>
+              <a:rPr lang="en-US" dirty="0"/>
+              <a:t>(arcs) </a:t>
+            </a:r>
+            <a:endParaRPr lang="pl-PL" dirty="0"/>
+          </a:p>
+          <a:p>
+            <a:pPr marL="0" indent="0">
+              <a:buNone/>
+            </a:pPr>
+            <a:r>
+              <a:rPr lang="en-US" dirty="0"/>
+              <a:t>which, together, form a directed acyclic graph</a:t>
+            </a:r>
+            <a:r>
+              <a:rPr lang="pl-PL" dirty="0"/>
+              <a:t>. </a:t>
+            </a:r>
+            <a:r>
+              <a:rPr lang="en-US" dirty="0"/>
+              <a:t>A </a:t>
+            </a:r>
+            <a:r>
+              <a:rPr lang="en-US" b="1" dirty="0"/>
+              <a:t>conditional probability table</a:t>
+            </a:r>
+            <a:r>
+              <a:rPr lang="en-US" dirty="0"/>
+              <a:t> is associated with each node. </a:t>
+            </a:r>
+            <a:endParaRPr lang="pl-PL" dirty="0"/>
+          </a:p>
+        </p:txBody>
+      </p:sp>
+      <p:pic>
+        <p:nvPicPr>
+          <p:cNvPr id="1028" name="Picture 4" descr="Podobny obraz">
+            <a:extLst>
+              <a:ext uri="{FF2B5EF4-FFF2-40B4-BE49-F238E27FC236}">
+                <a16:creationId xmlns:a16="http://schemas.microsoft.com/office/drawing/2014/main" id="{7807EB99-98B6-4A5C-9FFA-DA18DE76F766}"/>
+              </a:ext>
+            </a:extLst>
+          </p:cNvPr>
+          <p:cNvPicPr>
+            <a:picLocks noChangeAspect="1" noChangeArrowheads="1"/>
+          </p:cNvPicPr>
+          <p:nvPr/>
+        </p:nvPicPr>
+        <p:blipFill>
+          <a:blip r:embed="rId2">
+            <a:extLst>
+              <a:ext uri="{28A0092B-C50C-407E-A947-70E740481C1C}">
+                <a14:useLocalDpi xmlns:a14="http://schemas.microsoft.com/office/drawing/2010/main" val="0"/>
+              </a:ext>
+            </a:extLst>
+          </a:blip>
+          <a:srcRect/>
+          <a:stretch>
+            <a:fillRect/>
+          </a:stretch>
+        </p:blipFill>
+        <p:spPr bwMode="auto">
+          <a:xfrm>
+            <a:off x="6752843" y="2011680"/>
+            <a:ext cx="4762500" cy="3810000"/>
+          </a:xfrm>
+          <a:prstGeom prst="rect">
+            <a:avLst/>
+          </a:prstGeom>
+          <a:noFill/>
+          <a:extLst>
+            <a:ext uri="{909E8E84-426E-40DD-AFC4-6F175D3DCCD1}">
+              <a14:hiddenFill xmlns:a14="http://schemas.microsoft.com/office/drawing/2010/main">
+                <a:solidFill>
+                  <a:srgbClr val="FFFFFF"/>
+                </a:solidFill>
+              </a14:hiddenFill>
+            </a:ext>
+          </a:extLst>
+        </p:spPr>
+      </p:pic>
+    </p:spTree>
+    <p:extLst>
+      <p:ext uri="{BB962C8B-B14F-4D97-AF65-F5344CB8AC3E}">
+        <p14:creationId xmlns:p14="http://schemas.microsoft.com/office/powerpoint/2010/main" val="1305184405"/>
+      </p:ext>
+    </p:extLst>
+  </p:cSld>
+  <p:clrMapOvr>
+    <a:masterClrMapping/>
+  </p:clrMapOvr>
+</p:sld>
+</file>
+
+<file path=ppt/slides/slide6.xml><?xml version="1.0" encoding="utf-8"?>
+<p:sld xmlns:a="http://schemas.openxmlformats.org/drawingml/2006/main" xmlns:r="http://schemas.openxmlformats.org/officeDocument/2006/relationships" xmlns:p="http://schemas.openxmlformats.org/presentationml/2006/main">
+  <p:cSld>
+    <p:spTree>
+      <p:nvGrpSpPr>
+        <p:cNvPr id="1" name=""/>
+        <p:cNvGrpSpPr/>
+        <p:nvPr/>
+      </p:nvGrpSpPr>
+      <p:grpSpPr>
+        <a:xfrm>
+          <a:off x="0" y="0"/>
+          <a:ext cx="0" cy="0"/>
+          <a:chOff x="0" y="0"/>
+          <a:chExt cx="0" cy="0"/>
+        </a:xfrm>
+      </p:grpSpPr>
+      <p:sp>
+        <p:nvSpPr>
+          <p:cNvPr id="2" name="Tytuł 1">
+            <a:extLst>
+              <a:ext uri="{FF2B5EF4-FFF2-40B4-BE49-F238E27FC236}">
                 <a16:creationId xmlns:a16="http://schemas.microsoft.com/office/drawing/2014/main" id="{100BE2AA-BD9A-4DCC-8974-8F1B0DDE87A7}"/>
               </a:ext>
             </a:extLst>
@@ -8628,237 +9008,6 @@
 </p:sld>
 </file>
 
-<file path=ppt/slides/slide6.xml><?xml version="1.0" encoding="utf-8"?>
-<p:sld xmlns:a="http://schemas.openxmlformats.org/drawingml/2006/main" xmlns:r="http://schemas.openxmlformats.org/officeDocument/2006/relationships" xmlns:p="http://schemas.openxmlformats.org/presentationml/2006/main">
-  <p:cSld>
-    <p:spTree>
-      <p:nvGrpSpPr>
-        <p:cNvPr id="1" name=""/>
-        <p:cNvGrpSpPr/>
-        <p:nvPr/>
-      </p:nvGrpSpPr>
-      <p:grpSpPr>
-        <a:xfrm>
-          <a:off x="0" y="0"/>
-          <a:ext cx="0" cy="0"/>
-          <a:chOff x="0" y="0"/>
-          <a:chExt cx="0" cy="0"/>
-        </a:xfrm>
-      </p:grpSpPr>
-      <p:sp>
-        <p:nvSpPr>
-          <p:cNvPr id="2" name="Tytuł 1">
-            <a:extLst>
-              <a:ext uri="{FF2B5EF4-FFF2-40B4-BE49-F238E27FC236}">
-                <a16:creationId xmlns:a16="http://schemas.microsoft.com/office/drawing/2014/main" id="{0A51062A-8999-4F86-86A2-6A1CF4D56E73}"/>
-              </a:ext>
-            </a:extLst>
-          </p:cNvPr>
-          <p:cNvSpPr>
-            <a:spLocks noGrp="1"/>
-          </p:cNvSpPr>
-          <p:nvPr>
-            <p:ph type="title"/>
-          </p:nvPr>
-        </p:nvSpPr>
-        <p:spPr/>
-        <p:txBody>
-          <a:bodyPr/>
-          <a:lstStyle/>
-          <a:p>
-            <a:r>
-              <a:rPr lang="pl-PL" dirty="0"/>
-              <a:t>NAIVE BAYES CASSIFICATION</a:t>
-            </a:r>
-          </a:p>
-        </p:txBody>
-      </p:sp>
-      <p:sp>
-        <p:nvSpPr>
-          <p:cNvPr id="3" name="Symbol zastępczy zawartości 2">
-            <a:extLst>
-              <a:ext uri="{FF2B5EF4-FFF2-40B4-BE49-F238E27FC236}">
-                <a16:creationId xmlns:a16="http://schemas.microsoft.com/office/drawing/2014/main" id="{A3CEEE95-2865-40F2-B3AB-495B5A46EA72}"/>
-              </a:ext>
-            </a:extLst>
-          </p:cNvPr>
-          <p:cNvSpPr>
-            <a:spLocks noGrp="1"/>
-          </p:cNvSpPr>
-          <p:nvPr>
-            <p:ph idx="1"/>
-          </p:nvPr>
-        </p:nvSpPr>
-        <p:spPr>
-          <a:xfrm>
-            <a:off x="719137" y="2592282"/>
-            <a:ext cx="10753725" cy="3766185"/>
-          </a:xfrm>
-        </p:spPr>
-        <p:txBody>
-          <a:bodyPr/>
-          <a:lstStyle/>
-          <a:p>
-            <a:r>
-              <a:rPr lang="pl-PL" dirty="0"/>
-              <a:t>Machine learning </a:t>
-            </a:r>
-            <a:r>
-              <a:rPr lang="pl-PL" dirty="0" err="1"/>
-              <a:t>method</a:t>
-            </a:r>
-            <a:r>
-              <a:rPr lang="pl-PL" dirty="0"/>
-              <a:t> </a:t>
-            </a:r>
-            <a:r>
-              <a:rPr lang="pl-PL" dirty="0" err="1"/>
-              <a:t>used</a:t>
-            </a:r>
-            <a:r>
-              <a:rPr lang="pl-PL" dirty="0"/>
-              <a:t> to </a:t>
-            </a:r>
-            <a:r>
-              <a:rPr lang="pl-PL" b="1" dirty="0" err="1"/>
-              <a:t>predict</a:t>
-            </a:r>
-            <a:r>
-              <a:rPr lang="pl-PL" b="1" dirty="0"/>
-              <a:t> the </a:t>
-            </a:r>
-            <a:r>
-              <a:rPr lang="pl-PL" b="1" dirty="0" err="1"/>
-              <a:t>likelihood</a:t>
-            </a:r>
-            <a:r>
-              <a:rPr lang="pl-PL" b="1" dirty="0"/>
-              <a:t> </a:t>
-            </a:r>
-            <a:r>
-              <a:rPr lang="pl-PL" dirty="0" err="1"/>
-              <a:t>an</a:t>
-            </a:r>
-            <a:r>
-              <a:rPr lang="pl-PL" dirty="0"/>
-              <a:t> event </a:t>
-            </a:r>
-            <a:r>
-              <a:rPr lang="pl-PL" dirty="0" err="1"/>
-              <a:t>will</a:t>
-            </a:r>
-            <a:r>
-              <a:rPr lang="pl-PL" dirty="0"/>
-              <a:t> </a:t>
-            </a:r>
-            <a:r>
-              <a:rPr lang="pl-PL" dirty="0" err="1"/>
-              <a:t>occur</a:t>
-            </a:r>
-            <a:r>
-              <a:rPr lang="pl-PL" dirty="0"/>
-              <a:t> </a:t>
-            </a:r>
-            <a:r>
-              <a:rPr lang="pl-PL" dirty="0" err="1"/>
-              <a:t>given</a:t>
-            </a:r>
-            <a:r>
-              <a:rPr lang="pl-PL" dirty="0"/>
-              <a:t> </a:t>
-            </a:r>
-            <a:r>
-              <a:rPr lang="pl-PL" dirty="0" err="1"/>
-              <a:t>evidence</a:t>
-            </a:r>
-            <a:r>
-              <a:rPr lang="pl-PL" dirty="0"/>
-              <a:t> </a:t>
-            </a:r>
-            <a:r>
-              <a:rPr lang="pl-PL" dirty="0" err="1"/>
-              <a:t>that’s</a:t>
-            </a:r>
-            <a:r>
-              <a:rPr lang="pl-PL" dirty="0"/>
-              <a:t> </a:t>
-            </a:r>
-            <a:r>
-              <a:rPr lang="pl-PL" dirty="0" err="1"/>
-              <a:t>present</a:t>
-            </a:r>
-            <a:r>
-              <a:rPr lang="pl-PL" dirty="0"/>
-              <a:t> in </a:t>
-            </a:r>
-            <a:r>
-              <a:rPr lang="pl-PL" dirty="0" err="1"/>
-              <a:t>your</a:t>
-            </a:r>
-            <a:r>
-              <a:rPr lang="pl-PL" dirty="0"/>
-              <a:t> data.</a:t>
-            </a:r>
-          </a:p>
-          <a:p>
-            <a:endParaRPr lang="pl-PL" dirty="0"/>
-          </a:p>
-          <a:p>
-            <a:r>
-              <a:rPr lang="pl-PL" dirty="0" err="1"/>
-              <a:t>Why</a:t>
-            </a:r>
-            <a:r>
-              <a:rPr lang="pl-PL" dirty="0"/>
-              <a:t> </a:t>
-            </a:r>
-            <a:r>
-              <a:rPr lang="pl-PL" dirty="0" err="1"/>
-              <a:t>naive</a:t>
-            </a:r>
-            <a:r>
-              <a:rPr lang="pl-PL" dirty="0"/>
-              <a:t>?</a:t>
-            </a:r>
-            <a:br>
-              <a:rPr lang="pl-PL" dirty="0"/>
-            </a:br>
-            <a:r>
-              <a:rPr lang="pl-PL" dirty="0"/>
-              <a:t>It </a:t>
-            </a:r>
-            <a:r>
-              <a:rPr lang="en-US" dirty="0"/>
-              <a:t>assumes that the presence (or absence) of a particular feature of a class is </a:t>
-            </a:r>
-            <a:r>
-              <a:rPr lang="en-US" b="1" dirty="0"/>
-              <a:t>unrelated</a:t>
-            </a:r>
-            <a:r>
-              <a:rPr lang="en-US" dirty="0"/>
-              <a:t> to the presence (or absence) of any other feature, given the class variable</a:t>
-            </a:r>
-            <a:r>
-              <a:rPr lang="pl-PL" dirty="0"/>
-              <a:t>.</a:t>
-            </a:r>
-          </a:p>
-        </p:txBody>
-      </p:sp>
-    </p:spTree>
-    <p:extLst>
-      <p:ext uri="{BB962C8B-B14F-4D97-AF65-F5344CB8AC3E}">
-        <p14:creationId xmlns:p14="http://schemas.microsoft.com/office/powerpoint/2010/main" val="63115705"/>
-      </p:ext>
-    </p:extLst>
-  </p:cSld>
-  <p:clrMapOvr>
-    <a:masterClrMapping/>
-  </p:clrMapOvr>
-</p:sld>
-</file>
-
 <file path=ppt/slides/slide7.xml><?xml version="1.0" encoding="utf-8"?>
 <p:sld xmlns:a="http://schemas.openxmlformats.org/drawingml/2006/main" xmlns:r="http://schemas.openxmlformats.org/officeDocument/2006/relationships" xmlns:p="http://schemas.openxmlformats.org/presentationml/2006/main">
   <p:cSld>
@@ -8881,7 +9030,7 @@
           <p:cNvPr id="2" name="Tytuł 1">
             <a:extLst>
               <a:ext uri="{FF2B5EF4-FFF2-40B4-BE49-F238E27FC236}">
-                <a16:creationId xmlns:a16="http://schemas.microsoft.com/office/drawing/2014/main" id="{38EA3D85-AC99-4132-8BC6-201CB49F747C}"/>
+                <a16:creationId xmlns:a16="http://schemas.microsoft.com/office/drawing/2014/main" id="{0A51062A-8999-4F86-86A2-6A1CF4D56E73}"/>
               </a:ext>
             </a:extLst>
           </p:cNvPr>
@@ -8892,19 +9041,14 @@
             <p:ph type="title"/>
           </p:nvPr>
         </p:nvSpPr>
-        <p:spPr>
-          <a:xfrm>
-            <a:off x="657224" y="499533"/>
-            <a:ext cx="10772775" cy="1658198"/>
-          </a:xfrm>
-        </p:spPr>
+        <p:spPr/>
         <p:txBody>
           <a:bodyPr/>
           <a:lstStyle/>
           <a:p>
             <a:r>
               <a:rPr lang="pl-PL" dirty="0"/>
-              <a:t>TYPES OF NAIVE BAYES MODELS</a:t>
+              <a:t>NAIVE BAYES CASSIFICATION</a:t>
             </a:r>
           </a:p>
         </p:txBody>
@@ -8914,7 +9058,7 @@
           <p:cNvPr id="3" name="Symbol zastępczy zawartości 2">
             <a:extLst>
               <a:ext uri="{FF2B5EF4-FFF2-40B4-BE49-F238E27FC236}">
-                <a16:creationId xmlns:a16="http://schemas.microsoft.com/office/drawing/2014/main" id="{EC218D09-7435-4241-AEA6-33D5A6A961A8}"/>
+                <a16:creationId xmlns:a16="http://schemas.microsoft.com/office/drawing/2014/main" id="{A3CEEE95-2865-40F2-B3AB-495B5A46EA72}"/>
               </a:ext>
             </a:extLst>
           </p:cNvPr>
@@ -8927,78 +9071,61 @@
         </p:nvSpPr>
         <p:spPr>
           <a:xfrm>
-            <a:off x="657224" y="2602574"/>
-            <a:ext cx="10876006" cy="2957966"/>
+            <a:off x="719137" y="2592282"/>
+            <a:ext cx="10753725" cy="3766185"/>
           </a:xfrm>
         </p:spPr>
         <p:txBody>
-          <a:bodyPr>
-            <a:normAutofit/>
-          </a:bodyPr>
+          <a:bodyPr/>
           <a:lstStyle/>
           <a:p>
             <a:r>
-              <a:rPr lang="pl-PL" b="1" dirty="0" err="1">
-                <a:solidFill>
-                  <a:schemeClr val="accent1">
-                    <a:lumMod val="75000"/>
-                  </a:schemeClr>
-                </a:solidFill>
-              </a:rPr>
-              <a:t>Multinomial</a:t>
+              <a:rPr lang="pl-PL" dirty="0"/>
+              <a:t>Machine learning </a:t>
+            </a:r>
+            <a:r>
+              <a:rPr lang="pl-PL" dirty="0" err="1"/>
+              <a:t>method</a:t>
+            </a:r>
+            <a:r>
+              <a:rPr lang="pl-PL" dirty="0"/>
+              <a:t> </a:t>
+            </a:r>
+            <a:r>
+              <a:rPr lang="pl-PL" dirty="0" err="1"/>
+              <a:t>used</a:t>
+            </a:r>
+            <a:r>
+              <a:rPr lang="pl-PL" dirty="0"/>
+              <a:t> to </a:t>
+            </a:r>
+            <a:r>
+              <a:rPr lang="pl-PL" b="1" dirty="0" err="1"/>
+              <a:t>predict</a:t>
             </a:r>
             <a:r>
               <a:rPr lang="pl-PL" b="1" dirty="0"/>
-              <a:t> – </a:t>
-            </a:r>
-            <a:r>
-              <a:rPr lang="en-US" b="1" dirty="0"/>
-              <a:t>works well for data </a:t>
-            </a:r>
-            <a:r>
-              <a:rPr lang="pl-PL" b="1" dirty="0"/>
-              <a:t>with </a:t>
+              <a:t> the </a:t>
             </a:r>
             <a:r>
               <a:rPr lang="pl-PL" b="1" dirty="0" err="1"/>
-              <a:t>categorical</a:t>
+              <a:t>likelihood</a:t>
             </a:r>
             <a:r>
               <a:rPr lang="pl-PL" b="1" dirty="0"/>
               <a:t> </a:t>
             </a:r>
             <a:r>
-              <a:rPr lang="pl-PL" b="1" dirty="0" err="1"/>
-              <a:t>features</a:t>
-            </a:r>
-            <a:r>
-              <a:rPr lang="pl-PL" b="1" dirty="0"/>
-              <a:t> </a:t>
-            </a:r>
-            <a:br>
-              <a:rPr lang="pl-PL" b="1" dirty="0"/>
-            </a:br>
-            <a:r>
-              <a:rPr lang="en-US" b="1" dirty="0"/>
-              <a:t>which can easily be turned into counts, such as word counts in text</a:t>
-            </a:r>
-            <a:endParaRPr lang="pl-PL" b="1" dirty="0"/>
-          </a:p>
-          <a:p>
-            <a:endParaRPr lang="pl-PL" dirty="0"/>
-          </a:p>
-          <a:p>
-            <a:r>
-              <a:rPr lang="pl-PL" b="1" dirty="0"/>
-              <a:t>Bernoulli</a:t>
+              <a:rPr lang="pl-PL" dirty="0" err="1"/>
+              <a:t>an</a:t>
             </a:r>
             <a:r>
               <a:rPr lang="pl-PL" dirty="0"/>
-              <a:t> – for </a:t>
+              <a:t> event </a:t>
             </a:r>
             <a:r>
               <a:rPr lang="pl-PL" dirty="0" err="1"/>
-              <a:t>making</a:t>
+              <a:t>will</a:t>
             </a:r>
             <a:r>
               <a:rPr lang="pl-PL" dirty="0"/>
@@ -9006,15 +9133,7 @@
             </a:r>
             <a:r>
               <a:rPr lang="pl-PL" dirty="0" err="1"/>
-              <a:t>predictions</a:t>
-            </a:r>
-            <a:r>
-              <a:rPr lang="pl-PL" dirty="0"/>
-              <a:t> from </a:t>
-            </a:r>
-            <a:r>
-              <a:rPr lang="pl-PL" dirty="0" err="1"/>
-              <a:t>binary</a:t>
+              <a:t>occur</a:t>
             </a:r>
             <a:r>
               <a:rPr lang="pl-PL" dirty="0"/>
@@ -9022,25 +9141,7 @@
             </a:r>
             <a:r>
               <a:rPr lang="pl-PL" dirty="0" err="1"/>
-              <a:t>featurea</a:t>
-            </a:r>
-            <a:endParaRPr lang="pl-PL" dirty="0"/>
-          </a:p>
-          <a:p>
-            <a:endParaRPr lang="pl-PL" dirty="0"/>
-          </a:p>
-          <a:p>
-            <a:r>
-              <a:rPr lang="pl-PL" b="1" dirty="0" err="1"/>
-              <a:t>Gaussian</a:t>
-            </a:r>
-            <a:r>
-              <a:rPr lang="pl-PL" dirty="0"/>
-              <a:t> – for </a:t>
-            </a:r>
-            <a:r>
-              <a:rPr lang="pl-PL" dirty="0" err="1"/>
-              <a:t>making</a:t>
+              <a:t>given</a:t>
             </a:r>
             <a:r>
               <a:rPr lang="pl-PL" dirty="0"/>
@@ -9048,15 +9149,7 @@
             </a:r>
             <a:r>
               <a:rPr lang="pl-PL" dirty="0" err="1"/>
-              <a:t>predictions</a:t>
-            </a:r>
-            <a:r>
-              <a:rPr lang="pl-PL" dirty="0"/>
-              <a:t> from </a:t>
-            </a:r>
-            <a:r>
-              <a:rPr lang="pl-PL" dirty="0" err="1"/>
-              <a:t>normally</a:t>
+              <a:t>evidence</a:t>
             </a:r>
             <a:r>
               <a:rPr lang="pl-PL" dirty="0"/>
@@ -9064,7 +9157,7 @@
             </a:r>
             <a:r>
               <a:rPr lang="pl-PL" dirty="0" err="1"/>
-              <a:t>distributed</a:t>
+              <a:t>that’s</a:t>
             </a:r>
             <a:r>
               <a:rPr lang="pl-PL" dirty="0"/>
@@ -9072,16 +9165,71 @@
             </a:r>
             <a:r>
               <a:rPr lang="pl-PL" dirty="0" err="1"/>
-              <a:t>features</a:t>
-            </a:r>
+              <a:t>present</a:t>
+            </a:r>
+            <a:r>
+              <a:rPr lang="pl-PL" dirty="0"/>
+              <a:t> in </a:t>
+            </a:r>
+            <a:r>
+              <a:rPr lang="pl-PL" dirty="0" err="1"/>
+              <a:t>your</a:t>
+            </a:r>
+            <a:r>
+              <a:rPr lang="pl-PL" dirty="0"/>
+              <a:t> data.</a:t>
+            </a:r>
+          </a:p>
+          <a:p>
             <a:endParaRPr lang="pl-PL" dirty="0"/>
+          </a:p>
+          <a:p>
+            <a:r>
+              <a:rPr lang="pl-PL" dirty="0" err="1"/>
+              <a:t>Why</a:t>
+            </a:r>
+            <a:r>
+              <a:rPr lang="pl-PL" dirty="0"/>
+              <a:t> </a:t>
+            </a:r>
+            <a:r>
+              <a:rPr lang="pl-PL" dirty="0" err="1"/>
+              <a:t>naive</a:t>
+            </a:r>
+            <a:r>
+              <a:rPr lang="pl-PL" dirty="0"/>
+              <a:t>?</a:t>
+            </a:r>
+            <a:br>
+              <a:rPr lang="pl-PL" dirty="0"/>
+            </a:br>
+            <a:r>
+              <a:rPr lang="pl-PL" dirty="0"/>
+              <a:t>It </a:t>
+            </a:r>
+            <a:r>
+              <a:rPr lang="en-US" dirty="0"/>
+              <a:t>assumes that the presence (or absence) of a particular feature of a class is </a:t>
+            </a:r>
+            <a:r>
+              <a:rPr lang="en-US" b="1" dirty="0"/>
+              <a:t>unrelated</a:t>
+            </a:r>
+            <a:r>
+              <a:rPr lang="en-US" dirty="0"/>
+              <a:t> to the presence (or absence) of any other feature, given the class variable</a:t>
+            </a:r>
+            <a:r>
+              <a:rPr lang="pl-PL" dirty="0"/>
+              <a:t>.</a:t>
+            </a:r>
           </a:p>
         </p:txBody>
       </p:sp>
     </p:spTree>
     <p:extLst>
       <p:ext uri="{BB962C8B-B14F-4D97-AF65-F5344CB8AC3E}">
-        <p14:creationId xmlns:p14="http://schemas.microsoft.com/office/powerpoint/2010/main" val="971962103"/>
+        <p14:creationId xmlns:p14="http://schemas.microsoft.com/office/powerpoint/2010/main" val="63115705"/>
       </p:ext>
     </p:extLst>
   </p:cSld>
@@ -9113,6 +9261,238 @@
           <p:cNvPr id="2" name="Tytuł 1">
             <a:extLst>
               <a:ext uri="{FF2B5EF4-FFF2-40B4-BE49-F238E27FC236}">
+                <a16:creationId xmlns:a16="http://schemas.microsoft.com/office/drawing/2014/main" id="{38EA3D85-AC99-4132-8BC6-201CB49F747C}"/>
+              </a:ext>
+            </a:extLst>
+          </p:cNvPr>
+          <p:cNvSpPr>
+            <a:spLocks noGrp="1"/>
+          </p:cNvSpPr>
+          <p:nvPr>
+            <p:ph type="title"/>
+          </p:nvPr>
+        </p:nvSpPr>
+        <p:spPr>
+          <a:xfrm>
+            <a:off x="657224" y="499533"/>
+            <a:ext cx="10772775" cy="1658198"/>
+          </a:xfrm>
+        </p:spPr>
+        <p:txBody>
+          <a:bodyPr/>
+          <a:lstStyle/>
+          <a:p>
+            <a:r>
+              <a:rPr lang="pl-PL" dirty="0"/>
+              <a:t>TYPES OF NAIVE BAYES MODELS</a:t>
+            </a:r>
+          </a:p>
+        </p:txBody>
+      </p:sp>
+      <p:sp>
+        <p:nvSpPr>
+          <p:cNvPr id="3" name="Symbol zastępczy zawartości 2">
+            <a:extLst>
+              <a:ext uri="{FF2B5EF4-FFF2-40B4-BE49-F238E27FC236}">
+                <a16:creationId xmlns:a16="http://schemas.microsoft.com/office/drawing/2014/main" id="{EC218D09-7435-4241-AEA6-33D5A6A961A8}"/>
+              </a:ext>
+            </a:extLst>
+          </p:cNvPr>
+          <p:cNvSpPr>
+            <a:spLocks noGrp="1"/>
+          </p:cNvSpPr>
+          <p:nvPr>
+            <p:ph idx="1"/>
+          </p:nvPr>
+        </p:nvSpPr>
+        <p:spPr>
+          <a:xfrm>
+            <a:off x="657224" y="2602574"/>
+            <a:ext cx="10876006" cy="2957966"/>
+          </a:xfrm>
+        </p:spPr>
+        <p:txBody>
+          <a:bodyPr>
+            <a:normAutofit/>
+          </a:bodyPr>
+          <a:lstStyle/>
+          <a:p>
+            <a:r>
+              <a:rPr lang="pl-PL" b="1" dirty="0" err="1">
+                <a:solidFill>
+                  <a:schemeClr val="accent1">
+                    <a:lumMod val="75000"/>
+                  </a:schemeClr>
+                </a:solidFill>
+              </a:rPr>
+              <a:t>Multinomial</a:t>
+            </a:r>
+            <a:r>
+              <a:rPr lang="pl-PL" b="1" dirty="0"/>
+              <a:t> – </a:t>
+            </a:r>
+            <a:r>
+              <a:rPr lang="en-US" b="1" dirty="0"/>
+              <a:t>works well for data </a:t>
+            </a:r>
+            <a:r>
+              <a:rPr lang="pl-PL" b="1" dirty="0"/>
+              <a:t>with </a:t>
+            </a:r>
+            <a:r>
+              <a:rPr lang="pl-PL" b="1" dirty="0" err="1"/>
+              <a:t>categorical</a:t>
+            </a:r>
+            <a:r>
+              <a:rPr lang="pl-PL" b="1" dirty="0"/>
+              <a:t> </a:t>
+            </a:r>
+            <a:r>
+              <a:rPr lang="pl-PL" b="1" dirty="0" err="1"/>
+              <a:t>features</a:t>
+            </a:r>
+            <a:r>
+              <a:rPr lang="pl-PL" b="1" dirty="0"/>
+              <a:t> </a:t>
+            </a:r>
+            <a:br>
+              <a:rPr lang="pl-PL" b="1" dirty="0"/>
+            </a:br>
+            <a:r>
+              <a:rPr lang="en-US" b="1" dirty="0"/>
+              <a:t>which can easily be turned into counts, such as word counts in text</a:t>
+            </a:r>
+            <a:endParaRPr lang="pl-PL" b="1" dirty="0"/>
+          </a:p>
+          <a:p>
+            <a:endParaRPr lang="pl-PL" dirty="0"/>
+          </a:p>
+          <a:p>
+            <a:r>
+              <a:rPr lang="pl-PL" b="1" dirty="0"/>
+              <a:t>Bernoulli</a:t>
+            </a:r>
+            <a:r>
+              <a:rPr lang="pl-PL" dirty="0"/>
+              <a:t> – for </a:t>
+            </a:r>
+            <a:r>
+              <a:rPr lang="pl-PL" dirty="0" err="1"/>
+              <a:t>making</a:t>
+            </a:r>
+            <a:r>
+              <a:rPr lang="pl-PL" dirty="0"/>
+              <a:t> </a:t>
+            </a:r>
+            <a:r>
+              <a:rPr lang="pl-PL" dirty="0" err="1"/>
+              <a:t>predictions</a:t>
+            </a:r>
+            <a:r>
+              <a:rPr lang="pl-PL" dirty="0"/>
+              <a:t> from </a:t>
+            </a:r>
+            <a:r>
+              <a:rPr lang="pl-PL" dirty="0" err="1"/>
+              <a:t>binary</a:t>
+            </a:r>
+            <a:r>
+              <a:rPr lang="pl-PL" dirty="0"/>
+              <a:t> </a:t>
+            </a:r>
+            <a:r>
+              <a:rPr lang="pl-PL" dirty="0" err="1"/>
+              <a:t>features</a:t>
+            </a:r>
+            <a:endParaRPr lang="pl-PL" dirty="0"/>
+          </a:p>
+          <a:p>
+            <a:endParaRPr lang="pl-PL" dirty="0"/>
+          </a:p>
+          <a:p>
+            <a:r>
+              <a:rPr lang="pl-PL" b="1" dirty="0" err="1"/>
+              <a:t>Gaussian</a:t>
+            </a:r>
+            <a:r>
+              <a:rPr lang="pl-PL" dirty="0"/>
+              <a:t> – for </a:t>
+            </a:r>
+            <a:r>
+              <a:rPr lang="pl-PL" dirty="0" err="1"/>
+              <a:t>making</a:t>
+            </a:r>
+            <a:r>
+              <a:rPr lang="pl-PL" dirty="0"/>
+              <a:t> </a:t>
+            </a:r>
+            <a:r>
+              <a:rPr lang="pl-PL" dirty="0" err="1"/>
+              <a:t>predictions</a:t>
+            </a:r>
+            <a:r>
+              <a:rPr lang="pl-PL" dirty="0"/>
+              <a:t> from </a:t>
+            </a:r>
+            <a:r>
+              <a:rPr lang="pl-PL" dirty="0" err="1"/>
+              <a:t>normally</a:t>
+            </a:r>
+            <a:r>
+              <a:rPr lang="pl-PL" dirty="0"/>
+              <a:t> </a:t>
+            </a:r>
+            <a:r>
+              <a:rPr lang="pl-PL" dirty="0" err="1"/>
+              <a:t>distributed</a:t>
+            </a:r>
+            <a:r>
+              <a:rPr lang="pl-PL" dirty="0"/>
+              <a:t> </a:t>
+            </a:r>
+            <a:r>
+              <a:rPr lang="pl-PL" dirty="0" err="1"/>
+              <a:t>features</a:t>
+            </a:r>
+            <a:endParaRPr lang="pl-PL" dirty="0"/>
+          </a:p>
+        </p:txBody>
+      </p:sp>
+    </p:spTree>
+    <p:extLst>
+      <p:ext uri="{BB962C8B-B14F-4D97-AF65-F5344CB8AC3E}">
+        <p14:creationId xmlns:p14="http://schemas.microsoft.com/office/powerpoint/2010/main" val="971962103"/>
+      </p:ext>
+    </p:extLst>
+  </p:cSld>
+  <p:clrMapOvr>
+    <a:masterClrMapping/>
+  </p:clrMapOvr>
+</p:sld>
+</file>
+
+<file path=ppt/slides/slide9.xml><?xml version="1.0" encoding="utf-8"?>
+<p:sld xmlns:a="http://schemas.openxmlformats.org/drawingml/2006/main" xmlns:r="http://schemas.openxmlformats.org/officeDocument/2006/relationships" xmlns:p="http://schemas.openxmlformats.org/presentationml/2006/main">
+  <p:cSld>
+    <p:spTree>
+      <p:nvGrpSpPr>
+        <p:cNvPr id="1" name=""/>
+        <p:cNvGrpSpPr/>
+        <p:nvPr/>
+      </p:nvGrpSpPr>
+      <p:grpSpPr>
+        <a:xfrm>
+          <a:off x="0" y="0"/>
+          <a:ext cx="0" cy="0"/>
+          <a:chOff x="0" y="0"/>
+          <a:chExt cx="0" cy="0"/>
+        </a:xfrm>
+      </p:grpSpPr>
+      <p:sp>
+        <p:nvSpPr>
+          <p:cNvPr id="2" name="Tytuł 1">
+            <a:extLst>
+              <a:ext uri="{FF2B5EF4-FFF2-40B4-BE49-F238E27FC236}">
                 <a16:creationId xmlns:a16="http://schemas.microsoft.com/office/drawing/2014/main" id="{C333938A-51D0-4A9E-9C11-51B237A94384}"/>
               </a:ext>
             </a:extLst>
@@ -9156,12 +9536,14 @@
             </p:nvSpPr>
             <p:spPr>
               <a:xfrm>
-                <a:off x="838200" y="2083626"/>
-                <a:ext cx="10515600" cy="1094038"/>
+                <a:off x="838200" y="2083625"/>
+                <a:ext cx="10515600" cy="867603"/>
               </a:xfrm>
             </p:spPr>
             <p:txBody>
-              <a:bodyPr/>
+              <a:bodyPr>
+                <a:normAutofit/>
+              </a:bodyPr>
               <a:lstStyle/>
               <a:p>
                 <a:r>
@@ -9358,6 +9740,14 @@
                 <a:endParaRPr lang="pl-PL" dirty="0"/>
               </a:p>
               <a:p>
+                <a:endParaRPr lang="pl-PL" i="1" dirty="0">
+                  <a:latin typeface="Cambria Math" panose="02040503050406030204" pitchFamily="18" charset="0"/>
+                </a:endParaRPr>
+              </a:p>
+              <a:p>
+                <a:endParaRPr lang="pl-PL" dirty="0"/>
+              </a:p>
+              <a:p>
                 <a:pPr marL="0" indent="0">
                   <a:buNone/>
                 </a:pPr>
@@ -9394,8 +9784,8 @@
             </p:nvSpPr>
             <p:spPr>
               <a:xfrm>
-                <a:off x="838200" y="2083626"/>
-                <a:ext cx="10515600" cy="1094038"/>
+                <a:off x="838200" y="2083625"/>
+                <a:ext cx="10515600" cy="867603"/>
               </a:xfrm>
               <a:blipFill>
                 <a:blip r:embed="rId2"/>
@@ -9419,68 +9809,8 @@
           </p:sp>
         </mc:Fallback>
       </mc:AlternateContent>
-      <p:pic>
-        <p:nvPicPr>
-          <p:cNvPr id="4" name="Obraz 3">
-            <a:extLst>
-              <a:ext uri="{FF2B5EF4-FFF2-40B4-BE49-F238E27FC236}">
-                <a16:creationId xmlns:a16="http://schemas.microsoft.com/office/drawing/2014/main" id="{0E6B7B34-BFA9-47A3-8CCA-F76C62245FA5}"/>
-              </a:ext>
-            </a:extLst>
-          </p:cNvPr>
-          <p:cNvPicPr>
-            <a:picLocks noChangeAspect="1"/>
-          </p:cNvPicPr>
-          <p:nvPr/>
-        </p:nvPicPr>
-        <p:blipFill>
-          <a:blip r:embed="rId3"/>
-          <a:stretch>
-            <a:fillRect/>
-          </a:stretch>
-        </p:blipFill>
-        <p:spPr>
-          <a:xfrm>
-            <a:off x="2707226" y="2803077"/>
-            <a:ext cx="1695238" cy="1019048"/>
-          </a:xfrm>
-          <a:prstGeom prst="rect">
-            <a:avLst/>
-          </a:prstGeom>
-        </p:spPr>
-      </p:pic>
-      <p:pic>
-        <p:nvPicPr>
-          <p:cNvPr id="6" name="Obraz 5">
-            <a:extLst>
-              <a:ext uri="{FF2B5EF4-FFF2-40B4-BE49-F238E27FC236}">
-                <a16:creationId xmlns:a16="http://schemas.microsoft.com/office/drawing/2014/main" id="{4118C384-0CAE-4B37-86AA-FE579FC83F53}"/>
-              </a:ext>
-            </a:extLst>
-          </p:cNvPr>
-          <p:cNvPicPr>
-            <a:picLocks noChangeAspect="1"/>
-          </p:cNvPicPr>
-          <p:nvPr/>
-        </p:nvPicPr>
-        <p:blipFill>
-          <a:blip r:embed="rId4"/>
-          <a:stretch>
-            <a:fillRect/>
-          </a:stretch>
-        </p:blipFill>
-        <p:spPr>
-          <a:xfrm>
-            <a:off x="1863922" y="5072394"/>
-            <a:ext cx="3381846" cy="825716"/>
-          </a:xfrm>
-          <a:prstGeom prst="rect">
-            <a:avLst/>
-          </a:prstGeom>
-        </p:spPr>
-      </p:pic>
-      <mc:AlternateContent xmlns:mc="http://schemas.openxmlformats.org/markup-compatibility/2006">
-        <mc:Choice xmlns:a14="http://schemas.microsoft.com/office/drawing/2010/main" Requires="a14">
+      <mc:AlternateContent xmlns:mc="http://schemas.openxmlformats.org/markup-compatibility/2006" xmlns:a14="http://schemas.microsoft.com/office/drawing/2010/main">
+        <mc:Choice Requires="a14">
           <p:sp>
             <p:nvSpPr>
               <p:cNvPr id="7" name="pole tekstowe 6">
@@ -9522,7 +9852,9 @@
                     <m:f>
                       <m:fPr>
                         <m:ctrlPr>
-                          <a:rPr lang="pl-PL" sz="2400"/>
+                          <a:rPr lang="pl-PL" sz="2400" i="1">
+                            <a:latin typeface="Cambria Math" panose="02040503050406030204" pitchFamily="18" charset="0"/>
+                          </a:rPr>
                         </m:ctrlPr>
                       </m:fPr>
                       <m:num>
@@ -9726,7 +10058,7 @@
             </p:txBody>
           </p:sp>
         </mc:Choice>
-        <mc:Fallback>
+        <mc:Fallback xmlns="">
           <p:sp>
             <p:nvSpPr>
               <p:cNvPr id="7" name="pole tekstowe 6">
@@ -9771,240 +10103,419 @@
           </p:sp>
         </mc:Fallback>
       </mc:AlternateContent>
+      <mc:AlternateContent xmlns:mc="http://schemas.openxmlformats.org/markup-compatibility/2006">
+        <mc:Choice xmlns:a14="http://schemas.microsoft.com/office/drawing/2010/main" Requires="a14">
+          <p:sp>
+            <p:nvSpPr>
+              <p:cNvPr id="5" name="Prostokąt 4">
+                <a:extLst>
+                  <a:ext uri="{FF2B5EF4-FFF2-40B4-BE49-F238E27FC236}">
+                    <a16:creationId xmlns:a16="http://schemas.microsoft.com/office/drawing/2014/main" id="{9FDF0D35-3237-4BCE-B57A-2DE4E4B0866F}"/>
+                  </a:ext>
+                </a:extLst>
+              </p:cNvPr>
+              <p:cNvSpPr/>
+              <p:nvPr/>
+            </p:nvSpPr>
+            <p:spPr>
+              <a:xfrm>
+                <a:off x="2345163" y="2951228"/>
+                <a:ext cx="1593859" cy="666529"/>
+              </a:xfrm>
+              <a:prstGeom prst="rect">
+                <a:avLst/>
+              </a:prstGeom>
+            </p:spPr>
+            <p:txBody>
+              <a:bodyPr wrap="square">
+                <a:spAutoFit/>
+              </a:bodyPr>
+              <a:lstStyle/>
+              <a:p>
+                <a14:m>
+                  <m:oMathPara xmlns:m="http://schemas.openxmlformats.org/officeDocument/2006/math">
+                    <m:oMathParaPr>
+                      <m:jc m:val="centerGroup"/>
+                    </m:oMathParaPr>
+                    <m:oMath xmlns:m="http://schemas.openxmlformats.org/officeDocument/2006/math">
+                      <m:acc>
+                        <m:accPr>
+                          <m:chr m:val="̂"/>
+                          <m:ctrlPr>
+                            <a:rPr lang="pl-PL" sz="2000" i="1">
+                              <a:latin typeface="Cambria Math" panose="02040503050406030204" pitchFamily="18" charset="0"/>
+                            </a:rPr>
+                          </m:ctrlPr>
+                        </m:accPr>
+                        <m:e>
+                          <m:r>
+                            <a:rPr lang="pl-PL" sz="2000" i="1">
+                              <a:latin typeface="Cambria Math" panose="02040503050406030204" pitchFamily="18" charset="0"/>
+                            </a:rPr>
+                            <m:t>𝑃</m:t>
+                          </m:r>
+                        </m:e>
+                      </m:acc>
+                      <m:d>
+                        <m:dPr>
+                          <m:ctrlPr>
+                            <a:rPr lang="pl-PL" sz="2000" i="1">
+                              <a:latin typeface="Cambria Math" panose="02040503050406030204" pitchFamily="18" charset="0"/>
+                            </a:rPr>
+                          </m:ctrlPr>
+                        </m:dPr>
+                        <m:e>
+                          <m:r>
+                            <a:rPr lang="pl-PL" sz="2000" i="1">
+                              <a:latin typeface="Cambria Math" panose="02040503050406030204" pitchFamily="18" charset="0"/>
+                            </a:rPr>
+                            <m:t>𝑐</m:t>
+                          </m:r>
+                        </m:e>
+                      </m:d>
+                      <m:r>
+                        <a:rPr lang="pl-PL" sz="2000" i="1">
+                          <a:latin typeface="Cambria Math" panose="02040503050406030204" pitchFamily="18" charset="0"/>
+                        </a:rPr>
+                        <m:t>=</m:t>
+                      </m:r>
+                      <m:f>
+                        <m:fPr>
+                          <m:ctrlPr>
+                            <a:rPr lang="pl-PL" sz="2000" i="1">
+                              <a:latin typeface="Cambria Math" panose="02040503050406030204" pitchFamily="18" charset="0"/>
+                            </a:rPr>
+                          </m:ctrlPr>
+                        </m:fPr>
+                        <m:num>
+                          <m:sSub>
+                            <m:sSubPr>
+                              <m:ctrlPr>
+                                <a:rPr lang="pl-PL" sz="2000" i="1">
+                                  <a:latin typeface="Cambria Math" panose="02040503050406030204" pitchFamily="18" charset="0"/>
+                                </a:rPr>
+                              </m:ctrlPr>
+                            </m:sSubPr>
+                            <m:e>
+                              <m:r>
+                                <a:rPr lang="pl-PL" sz="2000" i="1">
+                                  <a:latin typeface="Cambria Math" panose="02040503050406030204" pitchFamily="18" charset="0"/>
+                                </a:rPr>
+                                <m:t>𝑁</m:t>
+                              </m:r>
+                            </m:e>
+                            <m:sub>
+                              <m:r>
+                                <a:rPr lang="pl-PL" sz="2000" i="1">
+                                  <a:latin typeface="Cambria Math" panose="02040503050406030204" pitchFamily="18" charset="0"/>
+                                </a:rPr>
+                                <m:t>𝑐</m:t>
+                              </m:r>
+                            </m:sub>
+                          </m:sSub>
+                        </m:num>
+                        <m:den>
+                          <m:r>
+                            <a:rPr lang="pl-PL" sz="2000" i="1">
+                              <a:latin typeface="Cambria Math" panose="02040503050406030204" pitchFamily="18" charset="0"/>
+                            </a:rPr>
+                            <m:t>𝑁</m:t>
+                          </m:r>
+                        </m:den>
+                      </m:f>
+                    </m:oMath>
+                  </m:oMathPara>
+                </a14:m>
+                <a:endParaRPr lang="pl-PL" sz="2000" dirty="0"/>
+              </a:p>
+            </p:txBody>
+          </p:sp>
+        </mc:Choice>
+        <mc:Fallback>
+          <p:sp>
+            <p:nvSpPr>
+              <p:cNvPr id="5" name="Prostokąt 4">
+                <a:extLst>
+                  <a:ext uri="{FF2B5EF4-FFF2-40B4-BE49-F238E27FC236}">
+                    <a16:creationId xmlns:a16="http://schemas.microsoft.com/office/drawing/2014/main" id="{9FDF0D35-3237-4BCE-B57A-2DE4E4B0866F}"/>
+                  </a:ext>
+                </a:extLst>
+              </p:cNvPr>
+              <p:cNvSpPr>
+                <a:spLocks noRot="1" noChangeAspect="1" noMove="1" noResize="1" noEditPoints="1" noAdjustHandles="1" noChangeArrowheads="1" noChangeShapeType="1" noTextEdit="1"/>
+              </p:cNvSpPr>
+              <p:nvPr/>
+            </p:nvSpPr>
+            <p:spPr>
+              <a:xfrm>
+                <a:off x="2345163" y="2951228"/>
+                <a:ext cx="1593859" cy="666529"/>
+              </a:xfrm>
+              <a:prstGeom prst="rect">
+                <a:avLst/>
+              </a:prstGeom>
+              <a:blipFill>
+                <a:blip r:embed="rId6"/>
+                <a:stretch>
+                  <a:fillRect/>
+                </a:stretch>
+              </a:blipFill>
+            </p:spPr>
+            <p:txBody>
+              <a:bodyPr/>
+              <a:lstStyle/>
+              <a:p>
+                <a:r>
+                  <a:rPr lang="pl-PL">
+                    <a:noFill/>
+                  </a:rPr>
+                  <a:t> </a:t>
+                </a:r>
+              </a:p>
+            </p:txBody>
+          </p:sp>
+        </mc:Fallback>
+      </mc:AlternateContent>
+      <mc:AlternateContent xmlns:mc="http://schemas.openxmlformats.org/markup-compatibility/2006">
+        <mc:Choice xmlns:a14="http://schemas.microsoft.com/office/drawing/2010/main" Requires="a14">
+          <p:sp>
+            <p:nvSpPr>
+              <p:cNvPr id="8" name="Prostokąt 7">
+                <a:extLst>
+                  <a:ext uri="{FF2B5EF4-FFF2-40B4-BE49-F238E27FC236}">
+                    <a16:creationId xmlns:a16="http://schemas.microsoft.com/office/drawing/2014/main" id="{2AD78A06-3585-4F1D-BB8B-F1B6A6F819B0}"/>
+                  </a:ext>
+                </a:extLst>
+              </p:cNvPr>
+              <p:cNvSpPr/>
+              <p:nvPr/>
+            </p:nvSpPr>
+            <p:spPr>
+              <a:xfrm>
+                <a:off x="1762014" y="5084201"/>
+                <a:ext cx="3098349" cy="744243"/>
+              </a:xfrm>
+              <a:prstGeom prst="rect">
+                <a:avLst/>
+              </a:prstGeom>
+            </p:spPr>
+            <p:txBody>
+              <a:bodyPr wrap="none">
+                <a:spAutoFit/>
+              </a:bodyPr>
+              <a:lstStyle/>
+              <a:p>
+                <a14:m>
+                  <m:oMathPara xmlns:m="http://schemas.openxmlformats.org/officeDocument/2006/math">
+                    <m:oMathParaPr>
+                      <m:jc m:val="centerGroup"/>
+                    </m:oMathParaPr>
+                    <m:oMath xmlns:m="http://schemas.openxmlformats.org/officeDocument/2006/math">
+                      <m:acc>
+                        <m:accPr>
+                          <m:chr m:val="̂"/>
+                          <m:ctrlPr>
+                            <a:rPr lang="pl-PL" sz="2000" i="1" smtClean="0">
+                              <a:latin typeface="Cambria Math" panose="02040503050406030204" pitchFamily="18" charset="0"/>
+                            </a:rPr>
+                          </m:ctrlPr>
+                        </m:accPr>
+                        <m:e>
+                          <m:r>
+                            <a:rPr lang="pl-PL" sz="2000" i="1">
+                              <a:latin typeface="Cambria Math" panose="02040503050406030204" pitchFamily="18" charset="0"/>
+                            </a:rPr>
+                            <m:t>𝑃</m:t>
+                          </m:r>
+                        </m:e>
+                      </m:acc>
+                      <m:d>
+                        <m:dPr>
+                          <m:ctrlPr>
+                            <a:rPr lang="pl-PL" sz="2000" i="1">
+                              <a:latin typeface="Cambria Math" panose="02040503050406030204" pitchFamily="18" charset="0"/>
+                            </a:rPr>
+                          </m:ctrlPr>
+                        </m:dPr>
+                        <m:e>
+                          <m:r>
+                            <a:rPr lang="pl-PL" sz="2000" b="0" i="1" smtClean="0">
+                              <a:latin typeface="Cambria Math" panose="02040503050406030204" pitchFamily="18" charset="0"/>
+                            </a:rPr>
+                            <m:t>𝑤</m:t>
+                          </m:r>
+                          <m:r>
+                            <a:rPr lang="pl-PL" sz="2000" b="0" i="1" smtClean="0">
+                              <a:latin typeface="Cambria Math" panose="02040503050406030204" pitchFamily="18" charset="0"/>
+                            </a:rPr>
+                            <m:t>|</m:t>
+                          </m:r>
+                          <m:r>
+                            <a:rPr lang="pl-PL" sz="2000" i="1">
+                              <a:latin typeface="Cambria Math" panose="02040503050406030204" pitchFamily="18" charset="0"/>
+                            </a:rPr>
+                            <m:t>𝑐</m:t>
+                          </m:r>
+                        </m:e>
+                      </m:d>
+                      <m:r>
+                        <a:rPr lang="pl-PL" sz="2000" i="1">
+                          <a:latin typeface="Cambria Math" panose="02040503050406030204" pitchFamily="18" charset="0"/>
+                        </a:rPr>
+                        <m:t>=</m:t>
+                      </m:r>
+                      <m:f>
+                        <m:fPr>
+                          <m:ctrlPr>
+                            <a:rPr lang="pl-PL" sz="2000" i="1">
+                              <a:latin typeface="Cambria Math" panose="02040503050406030204" pitchFamily="18" charset="0"/>
+                            </a:rPr>
+                          </m:ctrlPr>
+                        </m:fPr>
+                        <m:num>
+                          <m:r>
+                            <a:rPr lang="pl-PL" sz="2000" b="0" i="1" smtClean="0">
+                              <a:latin typeface="Cambria Math" panose="02040503050406030204" pitchFamily="18" charset="0"/>
+                            </a:rPr>
+                            <m:t>𝑐𝑜𝑢𝑛𝑡</m:t>
+                          </m:r>
+                          <m:d>
+                            <m:dPr>
+                              <m:ctrlPr>
+                                <a:rPr lang="pl-PL" sz="2000" b="0" i="1" smtClean="0">
+                                  <a:latin typeface="Cambria Math" panose="02040503050406030204" pitchFamily="18" charset="0"/>
+                                </a:rPr>
+                              </m:ctrlPr>
+                            </m:dPr>
+                            <m:e>
+                              <m:r>
+                                <a:rPr lang="pl-PL" sz="2000" b="0" i="1" smtClean="0">
+                                  <a:latin typeface="Cambria Math" panose="02040503050406030204" pitchFamily="18" charset="0"/>
+                                </a:rPr>
+                                <m:t>𝑤</m:t>
+                              </m:r>
+                              <m:r>
+                                <a:rPr lang="pl-PL" sz="2000" b="0" i="1" smtClean="0">
+                                  <a:latin typeface="Cambria Math" panose="02040503050406030204" pitchFamily="18" charset="0"/>
+                                </a:rPr>
+                                <m:t>,</m:t>
+                              </m:r>
+                              <m:r>
+                                <a:rPr lang="pl-PL" sz="2000" b="0" i="1" smtClean="0">
+                                  <a:latin typeface="Cambria Math" panose="02040503050406030204" pitchFamily="18" charset="0"/>
+                                </a:rPr>
+                                <m:t>𝑐</m:t>
+                              </m:r>
+                            </m:e>
+                          </m:d>
+                          <m:r>
+                            <a:rPr lang="pl-PL" sz="2000" b="0" i="1" smtClean="0">
+                              <a:latin typeface="Cambria Math" panose="02040503050406030204" pitchFamily="18" charset="0"/>
+                            </a:rPr>
+                            <m:t>+1</m:t>
+                          </m:r>
+                        </m:num>
+                        <m:den>
+                          <m:r>
+                            <a:rPr lang="pl-PL" sz="2000" b="0" i="1" smtClean="0">
+                              <a:latin typeface="Cambria Math" panose="02040503050406030204" pitchFamily="18" charset="0"/>
+                            </a:rPr>
+                            <m:t>𝑐𝑜𝑢𝑛𝑡</m:t>
+                          </m:r>
+                          <m:d>
+                            <m:dPr>
+                              <m:ctrlPr>
+                                <a:rPr lang="pl-PL" sz="2000" b="0" i="1" smtClean="0">
+                                  <a:latin typeface="Cambria Math" panose="02040503050406030204" pitchFamily="18" charset="0"/>
+                                </a:rPr>
+                              </m:ctrlPr>
+                            </m:dPr>
+                            <m:e>
+                              <m:r>
+                                <a:rPr lang="pl-PL" sz="2000" b="0" i="1" smtClean="0">
+                                  <a:latin typeface="Cambria Math" panose="02040503050406030204" pitchFamily="18" charset="0"/>
+                                </a:rPr>
+                                <m:t>𝑐</m:t>
+                              </m:r>
+                            </m:e>
+                          </m:d>
+                          <m:r>
+                            <a:rPr lang="pl-PL" sz="2000" b="0" i="1" smtClean="0">
+                              <a:latin typeface="Cambria Math" panose="02040503050406030204" pitchFamily="18" charset="0"/>
+                            </a:rPr>
+                            <m:t>+|</m:t>
+                          </m:r>
+                          <m:r>
+                            <a:rPr lang="pl-PL" sz="2000" b="0" i="1" smtClean="0">
+                              <a:latin typeface="Cambria Math" panose="02040503050406030204" pitchFamily="18" charset="0"/>
+                            </a:rPr>
+                            <m:t>𝑉</m:t>
+                          </m:r>
+                          <m:r>
+                            <a:rPr lang="pl-PL" sz="2000" b="0" i="1" smtClean="0">
+                              <a:latin typeface="Cambria Math" panose="02040503050406030204" pitchFamily="18" charset="0"/>
+                            </a:rPr>
+                            <m:t>|</m:t>
+                          </m:r>
+                        </m:den>
+                      </m:f>
+                    </m:oMath>
+                  </m:oMathPara>
+                </a14:m>
+                <a:endParaRPr lang="pl-PL" sz="2000" dirty="0"/>
+              </a:p>
+            </p:txBody>
+          </p:sp>
+        </mc:Choice>
+        <mc:Fallback>
+          <p:sp>
+            <p:nvSpPr>
+              <p:cNvPr id="8" name="Prostokąt 7">
+                <a:extLst>
+                  <a:ext uri="{FF2B5EF4-FFF2-40B4-BE49-F238E27FC236}">
+                    <a16:creationId xmlns:a16="http://schemas.microsoft.com/office/drawing/2014/main" id="{2AD78A06-3585-4F1D-BB8B-F1B6A6F819B0}"/>
+                  </a:ext>
+                </a:extLst>
+              </p:cNvPr>
+              <p:cNvSpPr>
+                <a:spLocks noRot="1" noChangeAspect="1" noMove="1" noResize="1" noEditPoints="1" noAdjustHandles="1" noChangeArrowheads="1" noChangeShapeType="1" noTextEdit="1"/>
+              </p:cNvSpPr>
+              <p:nvPr/>
+            </p:nvSpPr>
+            <p:spPr>
+              <a:xfrm>
+                <a:off x="1762014" y="5084201"/>
+                <a:ext cx="3098349" cy="744243"/>
+              </a:xfrm>
+              <a:prstGeom prst="rect">
+                <a:avLst/>
+              </a:prstGeom>
+              <a:blipFill>
+                <a:blip r:embed="rId7"/>
+                <a:stretch>
+                  <a:fillRect/>
+                </a:stretch>
+              </a:blipFill>
+            </p:spPr>
+            <p:txBody>
+              <a:bodyPr/>
+              <a:lstStyle/>
+              <a:p>
+                <a:r>
+                  <a:rPr lang="pl-PL">
+                    <a:noFill/>
+                  </a:rPr>
+                  <a:t> </a:t>
+                </a:r>
+              </a:p>
+            </p:txBody>
+          </p:sp>
+        </mc:Fallback>
+      </mc:AlternateContent>
     </p:spTree>
     <p:extLst>
       <p:ext uri="{BB962C8B-B14F-4D97-AF65-F5344CB8AC3E}">
         <p14:creationId xmlns:p14="http://schemas.microsoft.com/office/powerpoint/2010/main" val="2541092116"/>
-      </p:ext>
-    </p:extLst>
-  </p:cSld>
-  <p:clrMapOvr>
-    <a:masterClrMapping/>
-  </p:clrMapOvr>
-</p:sld>
-</file>
-
-<file path=ppt/slides/slide9.xml><?xml version="1.0" encoding="utf-8"?>
-<p:sld xmlns:a="http://schemas.openxmlformats.org/drawingml/2006/main" xmlns:r="http://schemas.openxmlformats.org/officeDocument/2006/relationships" xmlns:p="http://schemas.openxmlformats.org/presentationml/2006/main">
-  <p:cSld>
-    <p:spTree>
-      <p:nvGrpSpPr>
-        <p:cNvPr id="1" name=""/>
-        <p:cNvGrpSpPr/>
-        <p:nvPr/>
-      </p:nvGrpSpPr>
-      <p:grpSpPr>
-        <a:xfrm>
-          <a:off x="0" y="0"/>
-          <a:ext cx="0" cy="0"/>
-          <a:chOff x="0" y="0"/>
-          <a:chExt cx="0" cy="0"/>
-        </a:xfrm>
-      </p:grpSpPr>
-      <p:sp>
-        <p:nvSpPr>
-          <p:cNvPr id="2" name="Tytuł 1">
-            <a:extLst>
-              <a:ext uri="{FF2B5EF4-FFF2-40B4-BE49-F238E27FC236}">
-                <a16:creationId xmlns:a16="http://schemas.microsoft.com/office/drawing/2014/main" id="{43FFD594-743A-46EF-A077-7643F272547C}"/>
-              </a:ext>
-            </a:extLst>
-          </p:cNvPr>
-          <p:cNvSpPr>
-            <a:spLocks noGrp="1"/>
-          </p:cNvSpPr>
-          <p:nvPr>
-            <p:ph type="title"/>
-          </p:nvPr>
-        </p:nvSpPr>
-        <p:spPr/>
-        <p:txBody>
-          <a:bodyPr/>
-          <a:lstStyle/>
-          <a:p>
-            <a:r>
-              <a:rPr lang="pl-PL" dirty="0"/>
-              <a:t>SCIKIT-LEARN (SKLEARN) LIBRARY</a:t>
-            </a:r>
-          </a:p>
-        </p:txBody>
-      </p:sp>
-      <p:sp>
-        <p:nvSpPr>
-          <p:cNvPr id="3" name="Symbol zastępczy zawartości 2">
-            <a:extLst>
-              <a:ext uri="{FF2B5EF4-FFF2-40B4-BE49-F238E27FC236}">
-                <a16:creationId xmlns:a16="http://schemas.microsoft.com/office/drawing/2014/main" id="{395F5246-30F7-4F27-A0DF-0D03370E94F3}"/>
-              </a:ext>
-            </a:extLst>
-          </p:cNvPr>
-          <p:cNvSpPr>
-            <a:spLocks noGrp="1"/>
-          </p:cNvSpPr>
-          <p:nvPr>
-            <p:ph idx="1"/>
-          </p:nvPr>
-        </p:nvSpPr>
-        <p:spPr>
-          <a:xfrm>
-            <a:off x="838200" y="2442841"/>
-            <a:ext cx="10515600" cy="2145013"/>
-          </a:xfrm>
-        </p:spPr>
-        <p:txBody>
-          <a:bodyPr/>
-          <a:lstStyle/>
-          <a:p>
-            <a:pPr marL="0" indent="0">
-              <a:buNone/>
-            </a:pPr>
-            <a:r>
-              <a:rPr lang="pl-PL" dirty="0"/>
-              <a:t>F</a:t>
-            </a:r>
-            <a:r>
-              <a:rPr lang="en-US" dirty="0" err="1"/>
-              <a:t>ree</a:t>
-            </a:r>
-            <a:r>
-              <a:rPr lang="en-US" dirty="0"/>
-              <a:t> software </a:t>
-            </a:r>
-            <a:r>
-              <a:rPr lang="en-US" b="1" dirty="0"/>
-              <a:t>machine learning</a:t>
-            </a:r>
-            <a:r>
-              <a:rPr lang="pl-PL" b="1" dirty="0"/>
-              <a:t> </a:t>
-            </a:r>
-            <a:r>
-              <a:rPr lang="pl-PL" dirty="0"/>
-              <a:t>l</a:t>
-            </a:r>
-            <a:r>
-              <a:rPr lang="en-US" dirty="0" err="1"/>
-              <a:t>ibrary</a:t>
-            </a:r>
-            <a:r>
-              <a:rPr lang="en-US" dirty="0"/>
-              <a:t> for the Python programming language. </a:t>
-            </a:r>
-            <a:r>
-              <a:rPr lang="pl-PL" dirty="0"/>
-              <a:t>It </a:t>
-            </a:r>
-            <a:r>
-              <a:rPr lang="pl-PL" dirty="0" err="1"/>
-              <a:t>features</a:t>
-            </a:r>
-            <a:r>
-              <a:rPr lang="pl-PL" dirty="0"/>
-              <a:t> </a:t>
-            </a:r>
-            <a:r>
-              <a:rPr lang="pl-PL" dirty="0" err="1"/>
-              <a:t>various</a:t>
-            </a:r>
-            <a:r>
-              <a:rPr lang="en-US" dirty="0"/>
-              <a:t> </a:t>
-            </a:r>
-            <a:r>
-              <a:rPr lang="en-US" b="1" dirty="0"/>
-              <a:t>classification</a:t>
-            </a:r>
-            <a:r>
-              <a:rPr lang="en-US" dirty="0"/>
-              <a:t>,</a:t>
-            </a:r>
-            <a:r>
-              <a:rPr lang="pl-PL" dirty="0"/>
-              <a:t> </a:t>
-            </a:r>
-            <a:r>
-              <a:rPr lang="en-US" dirty="0"/>
-              <a:t>regression</a:t>
-            </a:r>
-            <a:r>
-              <a:rPr lang="pl-PL" dirty="0"/>
-              <a:t> </a:t>
-            </a:r>
-            <a:r>
-              <a:rPr lang="en-US" dirty="0"/>
-              <a:t>and clustering</a:t>
-            </a:r>
-            <a:r>
-              <a:rPr lang="pl-PL" dirty="0"/>
-              <a:t> </a:t>
-            </a:r>
-            <a:r>
-              <a:rPr lang="en-US" dirty="0"/>
-              <a:t>algorithms including support vector machines, random forests, gradient boosting, and is designed to interoperate with the Python numerical and scientific libraries </a:t>
-            </a:r>
-            <a:r>
-              <a:rPr lang="en-US" b="1" dirty="0"/>
-              <a:t>NumPy</a:t>
-            </a:r>
-            <a:r>
-              <a:rPr lang="en-US" dirty="0"/>
-              <a:t> and SciPy</a:t>
-            </a:r>
-            <a:endParaRPr lang="pl-PL" dirty="0"/>
-          </a:p>
-        </p:txBody>
-      </p:sp>
-      <p:pic>
-        <p:nvPicPr>
-          <p:cNvPr id="4" name="Picture 4" descr="Znalezione obrazy dla zapytania sklearn vs scikit-learn">
-            <a:extLst>
-              <a:ext uri="{FF2B5EF4-FFF2-40B4-BE49-F238E27FC236}">
-                <a16:creationId xmlns:a16="http://schemas.microsoft.com/office/drawing/2014/main" id="{C5EBD9CB-313B-45B3-96CB-51C046D3D358}"/>
-              </a:ext>
-            </a:extLst>
-          </p:cNvPr>
-          <p:cNvPicPr>
-            <a:picLocks noChangeAspect="1" noChangeArrowheads="1"/>
-          </p:cNvPicPr>
-          <p:nvPr/>
-        </p:nvPicPr>
-        <p:blipFill>
-          <a:blip r:embed="rId2">
-            <a:extLst>
-              <a:ext uri="{28A0092B-C50C-407E-A947-70E740481C1C}">
-                <a14:useLocalDpi xmlns:a14="http://schemas.microsoft.com/office/drawing/2010/main" val="0"/>
-              </a:ext>
-            </a:extLst>
-          </a:blip>
-          <a:srcRect/>
-          <a:stretch>
-            <a:fillRect/>
-          </a:stretch>
-        </p:blipFill>
-        <p:spPr bwMode="auto">
-          <a:xfrm>
-            <a:off x="7209217" y="4193060"/>
-            <a:ext cx="3722092" cy="2003726"/>
-          </a:xfrm>
-          <a:prstGeom prst="rect">
-            <a:avLst/>
-          </a:prstGeom>
-          <a:noFill/>
-          <a:extLst>
-            <a:ext uri="{909E8E84-426E-40DD-AFC4-6F175D3DCCD1}">
-              <a14:hiddenFill xmlns:a14="http://schemas.microsoft.com/office/drawing/2010/main">
-                <a:solidFill>
-                  <a:srgbClr val="FFFFFF"/>
-                </a:solidFill>
-              </a14:hiddenFill>
-            </a:ext>
-          </a:extLst>
-        </p:spPr>
-      </p:pic>
-    </p:spTree>
-    <p:extLst>
-      <p:ext uri="{BB962C8B-B14F-4D97-AF65-F5344CB8AC3E}">
-        <p14:creationId xmlns:p14="http://schemas.microsoft.com/office/powerpoint/2010/main" val="4204773736"/>
       </p:ext>
     </p:extLst>
   </p:cSld>

--- a/Documentation/ANG/BIAI_presentation.pptx
+++ b/Documentation/ANG/BIAI_presentation.pptx
@@ -17,7 +17,8 @@
     <p:sldId id="263" r:id="rId11"/>
     <p:sldId id="265" r:id="rId12"/>
     <p:sldId id="264" r:id="rId13"/>
-    <p:sldId id="267" r:id="rId14"/>
+    <p:sldId id="268" r:id="rId14"/>
+    <p:sldId id="267" r:id="rId15"/>
   </p:sldIdLst>
   <p:sldSz cx="12192000" cy="6858000"/>
   <p:notesSz cx="6858000" cy="9144000"/>
@@ -122,6 +123,1805 @@
     </p:ext>
   </p:extLst>
 </p:presentation>
+</file>
+
+<file path=ppt/charts/chart1.xml><?xml version="1.0" encoding="utf-8"?>
+<c:chartSpace xmlns:c="http://schemas.openxmlformats.org/drawingml/2006/chart" xmlns:a="http://schemas.openxmlformats.org/drawingml/2006/main" xmlns:r="http://schemas.openxmlformats.org/officeDocument/2006/relationships">
+  <c:date1904 val="0"/>
+  <c:lang val="pl-PL"/>
+  <c:roundedCorners val="0"/>
+  <mc:AlternateContent xmlns:mc="http://schemas.openxmlformats.org/markup-compatibility/2006">
+    <mc:Choice xmlns:c14="http://schemas.microsoft.com/office/drawing/2007/8/2/chart" Requires="c14">
+      <c14:style val="102"/>
+    </mc:Choice>
+    <mc:Fallback>
+      <c:style val="2"/>
+    </mc:Fallback>
+  </mc:AlternateContent>
+  <c:chart>
+    <c:title>
+      <c:tx>
+        <c:rich>
+          <a:bodyPr rot="0" spcFirstLastPara="1" vertOverflow="ellipsis" vert="horz" wrap="square" anchor="ctr" anchorCtr="1"/>
+          <a:lstStyle/>
+          <a:p>
+            <a:pPr>
+              <a:defRPr sz="1862" b="0" i="0" u="none" strike="noStrike" kern="1200" spc="0" baseline="0">
+                <a:solidFill>
+                  <a:schemeClr val="tx1">
+                    <a:lumMod val="65000"/>
+                    <a:lumOff val="35000"/>
+                  </a:schemeClr>
+                </a:solidFill>
+                <a:latin typeface="+mn-lt"/>
+                <a:ea typeface="+mn-ea"/>
+                <a:cs typeface="+mn-cs"/>
+              </a:defRPr>
+            </a:pPr>
+            <a:r>
+              <a:rPr lang="pl-PL" dirty="0" smtClean="0"/>
+              <a:t>Action</a:t>
+            </a:r>
+          </a:p>
+        </c:rich>
+      </c:tx>
+      <c:layout/>
+      <c:overlay val="0"/>
+      <c:spPr>
+        <a:noFill/>
+        <a:ln>
+          <a:noFill/>
+        </a:ln>
+        <a:effectLst/>
+      </c:spPr>
+      <c:txPr>
+        <a:bodyPr rot="0" spcFirstLastPara="1" vertOverflow="ellipsis" vert="horz" wrap="square" anchor="ctr" anchorCtr="1"/>
+        <a:lstStyle/>
+        <a:p>
+          <a:pPr>
+            <a:defRPr sz="1862" b="0" i="0" u="none" strike="noStrike" kern="1200" spc="0" baseline="0">
+              <a:solidFill>
+                <a:schemeClr val="tx1">
+                  <a:lumMod val="65000"/>
+                  <a:lumOff val="35000"/>
+                </a:schemeClr>
+              </a:solidFill>
+              <a:latin typeface="+mn-lt"/>
+              <a:ea typeface="+mn-ea"/>
+              <a:cs typeface="+mn-cs"/>
+            </a:defRPr>
+          </a:pPr>
+          <a:endParaRPr lang="pl-PL"/>
+        </a:p>
+      </c:txPr>
+    </c:title>
+    <c:autoTitleDeleted val="0"/>
+    <c:plotArea>
+      <c:layout/>
+      <c:lineChart>
+        <c:grouping val="standard"/>
+        <c:varyColors val="0"/>
+        <c:ser>
+          <c:idx val="0"/>
+          <c:order val="0"/>
+          <c:tx>
+            <c:strRef>
+              <c:f>Arkusz1!$B$1</c:f>
+              <c:strCache>
+                <c:ptCount val="1"/>
+                <c:pt idx="0">
+                  <c:v>Accuracy</c:v>
+                </c:pt>
+              </c:strCache>
+            </c:strRef>
+          </c:tx>
+          <c:spPr>
+            <a:ln w="28575" cap="rnd">
+              <a:solidFill>
+                <a:schemeClr val="accent1"/>
+              </a:solidFill>
+              <a:round/>
+            </a:ln>
+            <a:effectLst/>
+          </c:spPr>
+          <c:marker>
+            <c:symbol val="none"/>
+          </c:marker>
+          <c:cat>
+            <c:strRef>
+              <c:f>Arkusz1!$A$2:$A$7</c:f>
+              <c:strCache>
+                <c:ptCount val="6"/>
+                <c:pt idx="0">
+                  <c:v>15/85</c:v>
+                </c:pt>
+                <c:pt idx="1">
+                  <c:v>20/80</c:v>
+                </c:pt>
+                <c:pt idx="2">
+                  <c:v>25/75</c:v>
+                </c:pt>
+                <c:pt idx="3">
+                  <c:v>30/70</c:v>
+                </c:pt>
+                <c:pt idx="4">
+                  <c:v>35/65</c:v>
+                </c:pt>
+                <c:pt idx="5">
+                  <c:v>40/60</c:v>
+                </c:pt>
+              </c:strCache>
+            </c:strRef>
+          </c:cat>
+          <c:val>
+            <c:numRef>
+              <c:f>Arkusz1!$B$2:$B$7</c:f>
+              <c:numCache>
+                <c:formatCode>General</c:formatCode>
+                <c:ptCount val="6"/>
+                <c:pt idx="0">
+                  <c:v>0.87265055619485998</c:v>
+                </c:pt>
+                <c:pt idx="1">
+                  <c:v>0.87442462600690396</c:v>
+                </c:pt>
+                <c:pt idx="2">
+                  <c:v>0.87894131185270397</c:v>
+                </c:pt>
+                <c:pt idx="3">
+                  <c:v>0.88214422708093598</c:v>
+                </c:pt>
+                <c:pt idx="4">
+                  <c:v>0.88270590169324303</c:v>
+                </c:pt>
+                <c:pt idx="5">
+                  <c:v>0.88298331415419995</c:v>
+                </c:pt>
+              </c:numCache>
+            </c:numRef>
+          </c:val>
+          <c:smooth val="0"/>
+        </c:ser>
+        <c:dLbls>
+          <c:showLegendKey val="0"/>
+          <c:showVal val="0"/>
+          <c:showCatName val="0"/>
+          <c:showSerName val="0"/>
+          <c:showPercent val="0"/>
+          <c:showBubbleSize val="0"/>
+        </c:dLbls>
+        <c:smooth val="0"/>
+        <c:axId val="471480224"/>
+        <c:axId val="471482576"/>
+      </c:lineChart>
+      <c:catAx>
+        <c:axId val="471480224"/>
+        <c:scaling>
+          <c:orientation val="minMax"/>
+        </c:scaling>
+        <c:delete val="0"/>
+        <c:axPos val="b"/>
+        <c:numFmt formatCode="General" sourceLinked="1"/>
+        <c:majorTickMark val="none"/>
+        <c:minorTickMark val="none"/>
+        <c:tickLblPos val="nextTo"/>
+        <c:spPr>
+          <a:noFill/>
+          <a:ln w="9525" cap="flat" cmpd="sng" algn="ctr">
+            <a:solidFill>
+              <a:schemeClr val="tx1">
+                <a:lumMod val="15000"/>
+                <a:lumOff val="85000"/>
+              </a:schemeClr>
+            </a:solidFill>
+            <a:round/>
+          </a:ln>
+          <a:effectLst/>
+        </c:spPr>
+        <c:txPr>
+          <a:bodyPr rot="-60000000" spcFirstLastPara="1" vertOverflow="ellipsis" vert="horz" wrap="square" anchor="ctr" anchorCtr="1"/>
+          <a:lstStyle/>
+          <a:p>
+            <a:pPr>
+              <a:defRPr sz="1197" b="0" i="0" u="none" strike="noStrike" kern="1200" baseline="0">
+                <a:solidFill>
+                  <a:schemeClr val="tx1">
+                    <a:lumMod val="65000"/>
+                    <a:lumOff val="35000"/>
+                  </a:schemeClr>
+                </a:solidFill>
+                <a:latin typeface="+mn-lt"/>
+                <a:ea typeface="+mn-ea"/>
+                <a:cs typeface="+mn-cs"/>
+              </a:defRPr>
+            </a:pPr>
+            <a:endParaRPr lang="pl-PL"/>
+          </a:p>
+        </c:txPr>
+        <c:crossAx val="471482576"/>
+        <c:crosses val="autoZero"/>
+        <c:auto val="1"/>
+        <c:lblAlgn val="ctr"/>
+        <c:lblOffset val="100"/>
+        <c:noMultiLvlLbl val="0"/>
+      </c:catAx>
+      <c:valAx>
+        <c:axId val="471482576"/>
+        <c:scaling>
+          <c:orientation val="minMax"/>
+        </c:scaling>
+        <c:delete val="0"/>
+        <c:axPos val="l"/>
+        <c:majorGridlines>
+          <c:spPr>
+            <a:ln w="9525" cap="flat" cmpd="sng" algn="ctr">
+              <a:solidFill>
+                <a:schemeClr val="tx1">
+                  <a:lumMod val="15000"/>
+                  <a:lumOff val="85000"/>
+                </a:schemeClr>
+              </a:solidFill>
+              <a:round/>
+            </a:ln>
+            <a:effectLst/>
+          </c:spPr>
+        </c:majorGridlines>
+        <c:numFmt formatCode="General" sourceLinked="1"/>
+        <c:majorTickMark val="none"/>
+        <c:minorTickMark val="none"/>
+        <c:tickLblPos val="nextTo"/>
+        <c:spPr>
+          <a:noFill/>
+          <a:ln>
+            <a:noFill/>
+          </a:ln>
+          <a:effectLst/>
+        </c:spPr>
+        <c:txPr>
+          <a:bodyPr rot="-60000000" spcFirstLastPara="1" vertOverflow="ellipsis" vert="horz" wrap="square" anchor="ctr" anchorCtr="1"/>
+          <a:lstStyle/>
+          <a:p>
+            <a:pPr>
+              <a:defRPr sz="1197" b="0" i="0" u="none" strike="noStrike" kern="1200" baseline="0">
+                <a:solidFill>
+                  <a:schemeClr val="tx1">
+                    <a:lumMod val="65000"/>
+                    <a:lumOff val="35000"/>
+                  </a:schemeClr>
+                </a:solidFill>
+                <a:latin typeface="+mn-lt"/>
+                <a:ea typeface="+mn-ea"/>
+                <a:cs typeface="+mn-cs"/>
+              </a:defRPr>
+            </a:pPr>
+            <a:endParaRPr lang="pl-PL"/>
+          </a:p>
+        </c:txPr>
+        <c:crossAx val="471480224"/>
+        <c:crosses val="autoZero"/>
+        <c:crossBetween val="between"/>
+        <c:majorUnit val="5.000000000000001E-3"/>
+      </c:valAx>
+      <c:spPr>
+        <a:noFill/>
+        <a:ln>
+          <a:noFill/>
+        </a:ln>
+        <a:effectLst/>
+      </c:spPr>
+    </c:plotArea>
+    <c:legend>
+      <c:legendPos val="b"/>
+      <c:layout/>
+      <c:overlay val="0"/>
+      <c:spPr>
+        <a:noFill/>
+        <a:ln>
+          <a:noFill/>
+        </a:ln>
+        <a:effectLst/>
+      </c:spPr>
+      <c:txPr>
+        <a:bodyPr rot="0" spcFirstLastPara="1" vertOverflow="ellipsis" vert="horz" wrap="square" anchor="ctr" anchorCtr="1"/>
+        <a:lstStyle/>
+        <a:p>
+          <a:pPr>
+            <a:defRPr sz="1197" b="0" i="0" u="none" strike="noStrike" kern="1200" baseline="0">
+              <a:solidFill>
+                <a:schemeClr val="tx1">
+                  <a:lumMod val="65000"/>
+                  <a:lumOff val="35000"/>
+                </a:schemeClr>
+              </a:solidFill>
+              <a:latin typeface="+mn-lt"/>
+              <a:ea typeface="+mn-ea"/>
+              <a:cs typeface="+mn-cs"/>
+            </a:defRPr>
+          </a:pPr>
+          <a:endParaRPr lang="pl-PL"/>
+        </a:p>
+      </c:txPr>
+    </c:legend>
+    <c:plotVisOnly val="1"/>
+    <c:dispBlanksAs val="gap"/>
+    <c:showDLblsOverMax val="0"/>
+  </c:chart>
+  <c:spPr>
+    <a:noFill/>
+    <a:ln>
+      <a:noFill/>
+    </a:ln>
+    <a:effectLst/>
+  </c:spPr>
+  <c:txPr>
+    <a:bodyPr/>
+    <a:lstStyle/>
+    <a:p>
+      <a:pPr>
+        <a:defRPr/>
+      </a:pPr>
+      <a:endParaRPr lang="pl-PL"/>
+    </a:p>
+  </c:txPr>
+  <c:externalData r:id="rId3">
+    <c:autoUpdate val="0"/>
+  </c:externalData>
+</c:chartSpace>
+</file>
+
+<file path=ppt/charts/chart2.xml><?xml version="1.0" encoding="utf-8"?>
+<c:chartSpace xmlns:c="http://schemas.openxmlformats.org/drawingml/2006/chart" xmlns:a="http://schemas.openxmlformats.org/drawingml/2006/main" xmlns:r="http://schemas.openxmlformats.org/officeDocument/2006/relationships">
+  <c:date1904 val="0"/>
+  <c:lang val="pl-PL"/>
+  <c:roundedCorners val="0"/>
+  <mc:AlternateContent xmlns:mc="http://schemas.openxmlformats.org/markup-compatibility/2006">
+    <mc:Choice xmlns:c14="http://schemas.microsoft.com/office/drawing/2007/8/2/chart" Requires="c14">
+      <c14:style val="102"/>
+    </mc:Choice>
+    <mc:Fallback>
+      <c:style val="2"/>
+    </mc:Fallback>
+  </mc:AlternateContent>
+  <c:chart>
+    <c:title>
+      <c:tx>
+        <c:rich>
+          <a:bodyPr rot="0" spcFirstLastPara="1" vertOverflow="ellipsis" vert="horz" wrap="square" anchor="ctr" anchorCtr="1"/>
+          <a:lstStyle/>
+          <a:p>
+            <a:pPr>
+              <a:defRPr sz="1862" b="0" i="0" u="none" strike="noStrike" kern="1200" spc="0" baseline="0">
+                <a:solidFill>
+                  <a:schemeClr val="tx1">
+                    <a:lumMod val="65000"/>
+                    <a:lumOff val="35000"/>
+                  </a:schemeClr>
+                </a:solidFill>
+                <a:latin typeface="+mn-lt"/>
+                <a:ea typeface="+mn-ea"/>
+                <a:cs typeface="+mn-cs"/>
+              </a:defRPr>
+            </a:pPr>
+            <a:r>
+              <a:rPr lang="pl-PL" dirty="0" smtClean="0"/>
+              <a:t>Drama</a:t>
+            </a:r>
+          </a:p>
+        </c:rich>
+      </c:tx>
+      <c:layout/>
+      <c:overlay val="0"/>
+      <c:spPr>
+        <a:noFill/>
+        <a:ln>
+          <a:noFill/>
+        </a:ln>
+        <a:effectLst/>
+      </c:spPr>
+      <c:txPr>
+        <a:bodyPr rot="0" spcFirstLastPara="1" vertOverflow="ellipsis" vert="horz" wrap="square" anchor="ctr" anchorCtr="1"/>
+        <a:lstStyle/>
+        <a:p>
+          <a:pPr>
+            <a:defRPr sz="1862" b="0" i="0" u="none" strike="noStrike" kern="1200" spc="0" baseline="0">
+              <a:solidFill>
+                <a:schemeClr val="tx1">
+                  <a:lumMod val="65000"/>
+                  <a:lumOff val="35000"/>
+                </a:schemeClr>
+              </a:solidFill>
+              <a:latin typeface="+mn-lt"/>
+              <a:ea typeface="+mn-ea"/>
+              <a:cs typeface="+mn-cs"/>
+            </a:defRPr>
+          </a:pPr>
+          <a:endParaRPr lang="pl-PL"/>
+        </a:p>
+      </c:txPr>
+    </c:title>
+    <c:autoTitleDeleted val="0"/>
+    <c:plotArea>
+      <c:layout/>
+      <c:lineChart>
+        <c:grouping val="standard"/>
+        <c:varyColors val="0"/>
+        <c:ser>
+          <c:idx val="0"/>
+          <c:order val="0"/>
+          <c:tx>
+            <c:strRef>
+              <c:f>Arkusz1!$B$1</c:f>
+              <c:strCache>
+                <c:ptCount val="1"/>
+                <c:pt idx="0">
+                  <c:v>Accuracy</c:v>
+                </c:pt>
+              </c:strCache>
+            </c:strRef>
+          </c:tx>
+          <c:spPr>
+            <a:ln w="28575" cap="rnd">
+              <a:solidFill>
+                <a:schemeClr val="accent1"/>
+              </a:solidFill>
+              <a:round/>
+            </a:ln>
+            <a:effectLst/>
+          </c:spPr>
+          <c:marker>
+            <c:symbol val="none"/>
+          </c:marker>
+          <c:cat>
+            <c:strRef>
+              <c:f>Arkusz1!$A$2:$A$7</c:f>
+              <c:strCache>
+                <c:ptCount val="6"/>
+                <c:pt idx="0">
+                  <c:v>15/85</c:v>
+                </c:pt>
+                <c:pt idx="1">
+                  <c:v>20/80</c:v>
+                </c:pt>
+                <c:pt idx="2">
+                  <c:v>25/75</c:v>
+                </c:pt>
+                <c:pt idx="3">
+                  <c:v>30/70</c:v>
+                </c:pt>
+                <c:pt idx="4">
+                  <c:v>35/65</c:v>
+                </c:pt>
+                <c:pt idx="5">
+                  <c:v>40/60</c:v>
+                </c:pt>
+              </c:strCache>
+            </c:strRef>
+          </c:cat>
+          <c:val>
+            <c:numRef>
+              <c:f>Arkusz1!$B$2:$B$7</c:f>
+              <c:numCache>
+                <c:formatCode>General</c:formatCode>
+                <c:ptCount val="6"/>
+                <c:pt idx="0">
+                  <c:v>0.683544303797468</c:v>
+                </c:pt>
+                <c:pt idx="1">
+                  <c:v>0.68023590333716899</c:v>
+                </c:pt>
+                <c:pt idx="2">
+                  <c:v>0.681357882623705</c:v>
+                </c:pt>
+                <c:pt idx="3">
+                  <c:v>0.68824319140774803</c:v>
+                </c:pt>
+                <c:pt idx="4">
+                  <c:v>0.68855827716587203</c:v>
+                </c:pt>
+                <c:pt idx="5">
+                  <c:v>0.68742807825086305</c:v>
+                </c:pt>
+              </c:numCache>
+            </c:numRef>
+          </c:val>
+          <c:smooth val="0"/>
+        </c:ser>
+        <c:dLbls>
+          <c:showLegendKey val="0"/>
+          <c:showVal val="0"/>
+          <c:showCatName val="0"/>
+          <c:showSerName val="0"/>
+          <c:showPercent val="0"/>
+          <c:showBubbleSize val="0"/>
+        </c:dLbls>
+        <c:smooth val="0"/>
+        <c:axId val="475428200"/>
+        <c:axId val="475426240"/>
+      </c:lineChart>
+      <c:catAx>
+        <c:axId val="475428200"/>
+        <c:scaling>
+          <c:orientation val="minMax"/>
+        </c:scaling>
+        <c:delete val="0"/>
+        <c:axPos val="b"/>
+        <c:numFmt formatCode="General" sourceLinked="1"/>
+        <c:majorTickMark val="none"/>
+        <c:minorTickMark val="none"/>
+        <c:tickLblPos val="nextTo"/>
+        <c:spPr>
+          <a:noFill/>
+          <a:ln w="9525" cap="flat" cmpd="sng" algn="ctr">
+            <a:solidFill>
+              <a:schemeClr val="tx1">
+                <a:lumMod val="15000"/>
+                <a:lumOff val="85000"/>
+              </a:schemeClr>
+            </a:solidFill>
+            <a:round/>
+          </a:ln>
+          <a:effectLst/>
+        </c:spPr>
+        <c:txPr>
+          <a:bodyPr rot="-60000000" spcFirstLastPara="1" vertOverflow="ellipsis" vert="horz" wrap="square" anchor="ctr" anchorCtr="1"/>
+          <a:lstStyle/>
+          <a:p>
+            <a:pPr>
+              <a:defRPr sz="1197" b="0" i="0" u="none" strike="noStrike" kern="1200" baseline="0">
+                <a:solidFill>
+                  <a:schemeClr val="tx1">
+                    <a:lumMod val="65000"/>
+                    <a:lumOff val="35000"/>
+                  </a:schemeClr>
+                </a:solidFill>
+                <a:latin typeface="+mn-lt"/>
+                <a:ea typeface="+mn-ea"/>
+                <a:cs typeface="+mn-cs"/>
+              </a:defRPr>
+            </a:pPr>
+            <a:endParaRPr lang="pl-PL"/>
+          </a:p>
+        </c:txPr>
+        <c:crossAx val="475426240"/>
+        <c:crosses val="autoZero"/>
+        <c:auto val="1"/>
+        <c:lblAlgn val="ctr"/>
+        <c:lblOffset val="100"/>
+        <c:noMultiLvlLbl val="0"/>
+      </c:catAx>
+      <c:valAx>
+        <c:axId val="475426240"/>
+        <c:scaling>
+          <c:orientation val="minMax"/>
+        </c:scaling>
+        <c:delete val="0"/>
+        <c:axPos val="l"/>
+        <c:majorGridlines>
+          <c:spPr>
+            <a:ln w="9525" cap="flat" cmpd="sng" algn="ctr">
+              <a:solidFill>
+                <a:schemeClr val="tx1">
+                  <a:lumMod val="15000"/>
+                  <a:lumOff val="85000"/>
+                </a:schemeClr>
+              </a:solidFill>
+              <a:round/>
+            </a:ln>
+            <a:effectLst/>
+          </c:spPr>
+        </c:majorGridlines>
+        <c:numFmt formatCode="General" sourceLinked="1"/>
+        <c:majorTickMark val="none"/>
+        <c:minorTickMark val="none"/>
+        <c:tickLblPos val="nextTo"/>
+        <c:spPr>
+          <a:noFill/>
+          <a:ln>
+            <a:noFill/>
+          </a:ln>
+          <a:effectLst/>
+        </c:spPr>
+        <c:txPr>
+          <a:bodyPr rot="-60000000" spcFirstLastPara="1" vertOverflow="ellipsis" vert="horz" wrap="square" anchor="ctr" anchorCtr="1"/>
+          <a:lstStyle/>
+          <a:p>
+            <a:pPr>
+              <a:defRPr sz="1197" b="0" i="0" u="none" strike="noStrike" kern="1200" baseline="0">
+                <a:solidFill>
+                  <a:schemeClr val="tx1">
+                    <a:lumMod val="65000"/>
+                    <a:lumOff val="35000"/>
+                  </a:schemeClr>
+                </a:solidFill>
+                <a:latin typeface="+mn-lt"/>
+                <a:ea typeface="+mn-ea"/>
+                <a:cs typeface="+mn-cs"/>
+              </a:defRPr>
+            </a:pPr>
+            <a:endParaRPr lang="pl-PL"/>
+          </a:p>
+        </c:txPr>
+        <c:crossAx val="475428200"/>
+        <c:crosses val="autoZero"/>
+        <c:crossBetween val="between"/>
+      </c:valAx>
+      <c:spPr>
+        <a:noFill/>
+        <a:ln>
+          <a:noFill/>
+        </a:ln>
+        <a:effectLst/>
+      </c:spPr>
+    </c:plotArea>
+    <c:legend>
+      <c:legendPos val="b"/>
+      <c:layout/>
+      <c:overlay val="0"/>
+      <c:spPr>
+        <a:noFill/>
+        <a:ln>
+          <a:noFill/>
+        </a:ln>
+        <a:effectLst/>
+      </c:spPr>
+      <c:txPr>
+        <a:bodyPr rot="0" spcFirstLastPara="1" vertOverflow="ellipsis" vert="horz" wrap="square" anchor="ctr" anchorCtr="1"/>
+        <a:lstStyle/>
+        <a:p>
+          <a:pPr>
+            <a:defRPr sz="1197" b="0" i="0" u="none" strike="noStrike" kern="1200" baseline="0">
+              <a:solidFill>
+                <a:schemeClr val="tx1">
+                  <a:lumMod val="65000"/>
+                  <a:lumOff val="35000"/>
+                </a:schemeClr>
+              </a:solidFill>
+              <a:latin typeface="+mn-lt"/>
+              <a:ea typeface="+mn-ea"/>
+              <a:cs typeface="+mn-cs"/>
+            </a:defRPr>
+          </a:pPr>
+          <a:endParaRPr lang="pl-PL"/>
+        </a:p>
+      </c:txPr>
+    </c:legend>
+    <c:plotVisOnly val="1"/>
+    <c:dispBlanksAs val="gap"/>
+    <c:showDLblsOverMax val="0"/>
+  </c:chart>
+  <c:spPr>
+    <a:noFill/>
+    <a:ln>
+      <a:noFill/>
+    </a:ln>
+    <a:effectLst/>
+  </c:spPr>
+  <c:txPr>
+    <a:bodyPr/>
+    <a:lstStyle/>
+    <a:p>
+      <a:pPr>
+        <a:defRPr/>
+      </a:pPr>
+      <a:endParaRPr lang="pl-PL"/>
+    </a:p>
+  </c:txPr>
+  <c:externalData r:id="rId3">
+    <c:autoUpdate val="0"/>
+  </c:externalData>
+</c:chartSpace>
+</file>
+
+<file path=ppt/charts/colors1.xml><?xml version="1.0" encoding="utf-8"?>
+<cs:colorStyle xmlns:cs="http://schemas.microsoft.com/office/drawing/2012/chartStyle" xmlns:a="http://schemas.openxmlformats.org/drawingml/2006/main" meth="cycle" id="10">
+  <a:schemeClr val="accent1"/>
+  <a:schemeClr val="accent2"/>
+  <a:schemeClr val="accent3"/>
+  <a:schemeClr val="accent4"/>
+  <a:schemeClr val="accent5"/>
+  <a:schemeClr val="accent6"/>
+  <cs:variation/>
+  <cs:variation>
+    <a:lumMod val="60000"/>
+  </cs:variation>
+  <cs:variation>
+    <a:lumMod val="80000"/>
+    <a:lumOff val="20000"/>
+  </cs:variation>
+  <cs:variation>
+    <a:lumMod val="80000"/>
+  </cs:variation>
+  <cs:variation>
+    <a:lumMod val="60000"/>
+    <a:lumOff val="40000"/>
+  </cs:variation>
+  <cs:variation>
+    <a:lumMod val="50000"/>
+  </cs:variation>
+  <cs:variation>
+    <a:lumMod val="70000"/>
+    <a:lumOff val="30000"/>
+  </cs:variation>
+  <cs:variation>
+    <a:lumMod val="70000"/>
+  </cs:variation>
+  <cs:variation>
+    <a:lumMod val="50000"/>
+    <a:lumOff val="50000"/>
+  </cs:variation>
+</cs:colorStyle>
+</file>
+
+<file path=ppt/charts/colors2.xml><?xml version="1.0" encoding="utf-8"?>
+<cs:colorStyle xmlns:cs="http://schemas.microsoft.com/office/drawing/2012/chartStyle" xmlns:a="http://schemas.openxmlformats.org/drawingml/2006/main" meth="cycle" id="10">
+  <a:schemeClr val="accent1"/>
+  <a:schemeClr val="accent2"/>
+  <a:schemeClr val="accent3"/>
+  <a:schemeClr val="accent4"/>
+  <a:schemeClr val="accent5"/>
+  <a:schemeClr val="accent6"/>
+  <cs:variation/>
+  <cs:variation>
+    <a:lumMod val="60000"/>
+  </cs:variation>
+  <cs:variation>
+    <a:lumMod val="80000"/>
+    <a:lumOff val="20000"/>
+  </cs:variation>
+  <cs:variation>
+    <a:lumMod val="80000"/>
+  </cs:variation>
+  <cs:variation>
+    <a:lumMod val="60000"/>
+    <a:lumOff val="40000"/>
+  </cs:variation>
+  <cs:variation>
+    <a:lumMod val="50000"/>
+  </cs:variation>
+  <cs:variation>
+    <a:lumMod val="70000"/>
+    <a:lumOff val="30000"/>
+  </cs:variation>
+  <cs:variation>
+    <a:lumMod val="70000"/>
+  </cs:variation>
+  <cs:variation>
+    <a:lumMod val="50000"/>
+    <a:lumOff val="50000"/>
+  </cs:variation>
+</cs:colorStyle>
+</file>
+
+<file path=ppt/charts/style1.xml><?xml version="1.0" encoding="utf-8"?>
+<cs:chartStyle xmlns:cs="http://schemas.microsoft.com/office/drawing/2012/chartStyle" xmlns:a="http://schemas.openxmlformats.org/drawingml/2006/main" id="227">
+  <cs:axisTitle>
+    <cs:lnRef idx="0"/>
+    <cs:fillRef idx="0"/>
+    <cs:effectRef idx="0"/>
+    <cs:fontRef idx="minor">
+      <a:schemeClr val="tx1">
+        <a:lumMod val="65000"/>
+        <a:lumOff val="35000"/>
+      </a:schemeClr>
+    </cs:fontRef>
+    <cs:defRPr sz="1330" kern="1200"/>
+  </cs:axisTitle>
+  <cs:categoryAxis>
+    <cs:lnRef idx="0"/>
+    <cs:fillRef idx="0"/>
+    <cs:effectRef idx="0"/>
+    <cs:fontRef idx="minor">
+      <a:schemeClr val="tx1">
+        <a:lumMod val="65000"/>
+        <a:lumOff val="35000"/>
+      </a:schemeClr>
+    </cs:fontRef>
+    <cs:spPr>
+      <a:ln w="9525" cap="flat" cmpd="sng" algn="ctr">
+        <a:solidFill>
+          <a:schemeClr val="tx1">
+            <a:lumMod val="15000"/>
+            <a:lumOff val="85000"/>
+          </a:schemeClr>
+        </a:solidFill>
+        <a:round/>
+      </a:ln>
+    </cs:spPr>
+    <cs:defRPr sz="1197" kern="1200"/>
+  </cs:categoryAxis>
+  <cs:chartArea mods="allowNoFillOverride allowNoLineOverride">
+    <cs:lnRef idx="0"/>
+    <cs:fillRef idx="0"/>
+    <cs:effectRef idx="0"/>
+    <cs:fontRef idx="minor">
+      <a:schemeClr val="tx1"/>
+    </cs:fontRef>
+    <cs:spPr>
+      <a:solidFill>
+        <a:schemeClr val="bg1"/>
+      </a:solidFill>
+      <a:ln w="9525" cap="flat" cmpd="sng" algn="ctr">
+        <a:solidFill>
+          <a:schemeClr val="tx1">
+            <a:lumMod val="15000"/>
+            <a:lumOff val="85000"/>
+          </a:schemeClr>
+        </a:solidFill>
+        <a:round/>
+      </a:ln>
+    </cs:spPr>
+    <cs:defRPr sz="1330" kern="1200"/>
+  </cs:chartArea>
+  <cs:dataLabel>
+    <cs:lnRef idx="0"/>
+    <cs:fillRef idx="0"/>
+    <cs:effectRef idx="0"/>
+    <cs:fontRef idx="minor">
+      <a:schemeClr val="tx1">
+        <a:lumMod val="75000"/>
+        <a:lumOff val="25000"/>
+      </a:schemeClr>
+    </cs:fontRef>
+    <cs:defRPr sz="1197" kern="1200"/>
+  </cs:dataLabel>
+  <cs:dataLabelCallout>
+    <cs:lnRef idx="0"/>
+    <cs:fillRef idx="0"/>
+    <cs:effectRef idx="0"/>
+    <cs:fontRef idx="minor">
+      <a:schemeClr val="dk1">
+        <a:lumMod val="65000"/>
+        <a:lumOff val="35000"/>
+      </a:schemeClr>
+    </cs:fontRef>
+    <cs:spPr>
+      <a:solidFill>
+        <a:schemeClr val="lt1"/>
+      </a:solidFill>
+      <a:ln>
+        <a:solidFill>
+          <a:schemeClr val="dk1">
+            <a:lumMod val="25000"/>
+            <a:lumOff val="75000"/>
+          </a:schemeClr>
+        </a:solidFill>
+      </a:ln>
+    </cs:spPr>
+    <cs:defRPr sz="1197" kern="1200"/>
+    <cs:bodyPr rot="0" spcFirstLastPara="1" vertOverflow="clip" horzOverflow="clip" vert="horz" wrap="square" lIns="36576" tIns="18288" rIns="36576" bIns="18288" anchor="ctr" anchorCtr="1">
+      <a:spAutoFit/>
+    </cs:bodyPr>
+  </cs:dataLabelCallout>
+  <cs:dataPoint>
+    <cs:lnRef idx="0"/>
+    <cs:fillRef idx="1">
+      <cs:styleClr val="auto"/>
+    </cs:fillRef>
+    <cs:effectRef idx="0"/>
+    <cs:fontRef idx="minor">
+      <a:schemeClr val="tx1"/>
+    </cs:fontRef>
+    <cs:spPr>
+      <a:solidFill>
+        <a:schemeClr val="phClr"/>
+      </a:solidFill>
+    </cs:spPr>
+  </cs:dataPoint>
+  <cs:dataPoint3D>
+    <cs:lnRef idx="0"/>
+    <cs:fillRef idx="1">
+      <cs:styleClr val="auto"/>
+    </cs:fillRef>
+    <cs:effectRef idx="0"/>
+    <cs:fontRef idx="minor">
+      <a:schemeClr val="tx1"/>
+    </cs:fontRef>
+    <cs:spPr>
+      <a:solidFill>
+        <a:schemeClr val="phClr"/>
+      </a:solidFill>
+    </cs:spPr>
+  </cs:dataPoint3D>
+  <cs:dataPointLine>
+    <cs:lnRef idx="0">
+      <cs:styleClr val="auto"/>
+    </cs:lnRef>
+    <cs:fillRef idx="1"/>
+    <cs:effectRef idx="0"/>
+    <cs:fontRef idx="minor">
+      <a:schemeClr val="tx1"/>
+    </cs:fontRef>
+    <cs:spPr>
+      <a:ln w="28575" cap="rnd">
+        <a:solidFill>
+          <a:schemeClr val="phClr"/>
+        </a:solidFill>
+        <a:round/>
+      </a:ln>
+    </cs:spPr>
+  </cs:dataPointLine>
+  <cs:dataPointMarker>
+    <cs:lnRef idx="0">
+      <cs:styleClr val="auto"/>
+    </cs:lnRef>
+    <cs:fillRef idx="1">
+      <cs:styleClr val="auto"/>
+    </cs:fillRef>
+    <cs:effectRef idx="0"/>
+    <cs:fontRef idx="minor">
+      <a:schemeClr val="tx1"/>
+    </cs:fontRef>
+    <cs:spPr>
+      <a:solidFill>
+        <a:schemeClr val="phClr"/>
+      </a:solidFill>
+      <a:ln w="9525">
+        <a:solidFill>
+          <a:schemeClr val="phClr"/>
+        </a:solidFill>
+      </a:ln>
+    </cs:spPr>
+  </cs:dataPointMarker>
+  <cs:dataPointMarkerLayout symbol="circle" size="5"/>
+  <cs:dataPointWireframe>
+    <cs:lnRef idx="0">
+      <cs:styleClr val="auto"/>
+    </cs:lnRef>
+    <cs:fillRef idx="1"/>
+    <cs:effectRef idx="0"/>
+    <cs:fontRef idx="minor">
+      <a:schemeClr val="tx1"/>
+    </cs:fontRef>
+    <cs:spPr>
+      <a:ln w="9525" cap="rnd">
+        <a:solidFill>
+          <a:schemeClr val="phClr"/>
+        </a:solidFill>
+        <a:round/>
+      </a:ln>
+    </cs:spPr>
+  </cs:dataPointWireframe>
+  <cs:dataTable>
+    <cs:lnRef idx="0"/>
+    <cs:fillRef idx="0"/>
+    <cs:effectRef idx="0"/>
+    <cs:fontRef idx="minor">
+      <a:schemeClr val="tx1">
+        <a:lumMod val="65000"/>
+        <a:lumOff val="35000"/>
+      </a:schemeClr>
+    </cs:fontRef>
+    <cs:spPr>
+      <a:noFill/>
+      <a:ln w="9525" cap="flat" cmpd="sng" algn="ctr">
+        <a:solidFill>
+          <a:schemeClr val="tx1">
+            <a:lumMod val="15000"/>
+            <a:lumOff val="85000"/>
+          </a:schemeClr>
+        </a:solidFill>
+        <a:round/>
+      </a:ln>
+    </cs:spPr>
+    <cs:defRPr sz="1197" kern="1200"/>
+  </cs:dataTable>
+  <cs:downBar>
+    <cs:lnRef idx="0"/>
+    <cs:fillRef idx="0"/>
+    <cs:effectRef idx="0"/>
+    <cs:fontRef idx="minor">
+      <a:schemeClr val="dk1"/>
+    </cs:fontRef>
+    <cs:spPr>
+      <a:solidFill>
+        <a:schemeClr val="dk1">
+          <a:lumMod val="65000"/>
+          <a:lumOff val="35000"/>
+        </a:schemeClr>
+      </a:solidFill>
+      <a:ln w="9525">
+        <a:solidFill>
+          <a:schemeClr val="tx1">
+            <a:lumMod val="65000"/>
+            <a:lumOff val="35000"/>
+          </a:schemeClr>
+        </a:solidFill>
+      </a:ln>
+    </cs:spPr>
+  </cs:downBar>
+  <cs:dropLine>
+    <cs:lnRef idx="0"/>
+    <cs:fillRef idx="0"/>
+    <cs:effectRef idx="0"/>
+    <cs:fontRef idx="minor">
+      <a:schemeClr val="tx1"/>
+    </cs:fontRef>
+    <cs:spPr>
+      <a:ln w="9525" cap="flat" cmpd="sng" algn="ctr">
+        <a:solidFill>
+          <a:schemeClr val="tx1">
+            <a:lumMod val="35000"/>
+            <a:lumOff val="65000"/>
+          </a:schemeClr>
+        </a:solidFill>
+        <a:round/>
+      </a:ln>
+    </cs:spPr>
+  </cs:dropLine>
+  <cs:errorBar>
+    <cs:lnRef idx="0"/>
+    <cs:fillRef idx="0"/>
+    <cs:effectRef idx="0"/>
+    <cs:fontRef idx="minor">
+      <a:schemeClr val="tx1"/>
+    </cs:fontRef>
+    <cs:spPr>
+      <a:ln w="9525" cap="flat" cmpd="sng" algn="ctr">
+        <a:solidFill>
+          <a:schemeClr val="tx1">
+            <a:lumMod val="65000"/>
+            <a:lumOff val="35000"/>
+          </a:schemeClr>
+        </a:solidFill>
+        <a:round/>
+      </a:ln>
+    </cs:spPr>
+  </cs:errorBar>
+  <cs:floor>
+    <cs:lnRef idx="0"/>
+    <cs:fillRef idx="0"/>
+    <cs:effectRef idx="0"/>
+    <cs:fontRef idx="minor">
+      <a:schemeClr val="tx1"/>
+    </cs:fontRef>
+    <cs:spPr>
+      <a:noFill/>
+      <a:ln>
+        <a:noFill/>
+      </a:ln>
+    </cs:spPr>
+  </cs:floor>
+  <cs:gridlineMajor>
+    <cs:lnRef idx="0"/>
+    <cs:fillRef idx="0"/>
+    <cs:effectRef idx="0"/>
+    <cs:fontRef idx="minor">
+      <a:schemeClr val="tx1"/>
+    </cs:fontRef>
+    <cs:spPr>
+      <a:ln w="9525" cap="flat" cmpd="sng" algn="ctr">
+        <a:solidFill>
+          <a:schemeClr val="tx1">
+            <a:lumMod val="15000"/>
+            <a:lumOff val="85000"/>
+          </a:schemeClr>
+        </a:solidFill>
+        <a:round/>
+      </a:ln>
+    </cs:spPr>
+  </cs:gridlineMajor>
+  <cs:gridlineMinor>
+    <cs:lnRef idx="0"/>
+    <cs:fillRef idx="0"/>
+    <cs:effectRef idx="0"/>
+    <cs:fontRef idx="minor">
+      <a:schemeClr val="tx1"/>
+    </cs:fontRef>
+    <cs:spPr>
+      <a:ln w="9525" cap="flat" cmpd="sng" algn="ctr">
+        <a:solidFill>
+          <a:schemeClr val="tx1">
+            <a:lumMod val="5000"/>
+            <a:lumOff val="95000"/>
+          </a:schemeClr>
+        </a:solidFill>
+        <a:round/>
+      </a:ln>
+    </cs:spPr>
+  </cs:gridlineMinor>
+  <cs:hiLoLine>
+    <cs:lnRef idx="0"/>
+    <cs:fillRef idx="0"/>
+    <cs:effectRef idx="0"/>
+    <cs:fontRef idx="minor">
+      <a:schemeClr val="tx1"/>
+    </cs:fontRef>
+    <cs:spPr>
+      <a:ln w="9525" cap="flat" cmpd="sng" algn="ctr">
+        <a:solidFill>
+          <a:schemeClr val="tx1">
+            <a:lumMod val="75000"/>
+            <a:lumOff val="25000"/>
+          </a:schemeClr>
+        </a:solidFill>
+        <a:round/>
+      </a:ln>
+    </cs:spPr>
+  </cs:hiLoLine>
+  <cs:leaderLine>
+    <cs:lnRef idx="0"/>
+    <cs:fillRef idx="0"/>
+    <cs:effectRef idx="0"/>
+    <cs:fontRef idx="minor">
+      <a:schemeClr val="tx1"/>
+    </cs:fontRef>
+    <cs:spPr>
+      <a:ln w="9525" cap="flat" cmpd="sng" algn="ctr">
+        <a:solidFill>
+          <a:schemeClr val="tx1">
+            <a:lumMod val="35000"/>
+            <a:lumOff val="65000"/>
+          </a:schemeClr>
+        </a:solidFill>
+        <a:round/>
+      </a:ln>
+    </cs:spPr>
+  </cs:leaderLine>
+  <cs:legend>
+    <cs:lnRef idx="0"/>
+    <cs:fillRef idx="0"/>
+    <cs:effectRef idx="0"/>
+    <cs:fontRef idx="minor">
+      <a:schemeClr val="tx1">
+        <a:lumMod val="65000"/>
+        <a:lumOff val="35000"/>
+      </a:schemeClr>
+    </cs:fontRef>
+    <cs:defRPr sz="1197" kern="1200"/>
+  </cs:legend>
+  <cs:plotArea mods="allowNoFillOverride allowNoLineOverride">
+    <cs:lnRef idx="0"/>
+    <cs:fillRef idx="0"/>
+    <cs:effectRef idx="0"/>
+    <cs:fontRef idx="minor">
+      <a:schemeClr val="tx1"/>
+    </cs:fontRef>
+  </cs:plotArea>
+  <cs:plotArea3D mods="allowNoFillOverride allowNoLineOverride">
+    <cs:lnRef idx="0"/>
+    <cs:fillRef idx="0"/>
+    <cs:effectRef idx="0"/>
+    <cs:fontRef idx="minor">
+      <a:schemeClr val="tx1"/>
+    </cs:fontRef>
+  </cs:plotArea3D>
+  <cs:seriesAxis>
+    <cs:lnRef idx="0"/>
+    <cs:fillRef idx="0"/>
+    <cs:effectRef idx="0"/>
+    <cs:fontRef idx="minor">
+      <a:schemeClr val="tx1">
+        <a:lumMod val="65000"/>
+        <a:lumOff val="35000"/>
+      </a:schemeClr>
+    </cs:fontRef>
+    <cs:defRPr sz="1197" kern="1200"/>
+  </cs:seriesAxis>
+  <cs:seriesLine>
+    <cs:lnRef idx="0"/>
+    <cs:fillRef idx="0"/>
+    <cs:effectRef idx="0"/>
+    <cs:fontRef idx="minor">
+      <a:schemeClr val="tx1"/>
+    </cs:fontRef>
+    <cs:spPr>
+      <a:ln w="9525" cap="flat" cmpd="sng" algn="ctr">
+        <a:solidFill>
+          <a:schemeClr val="tx1">
+            <a:lumMod val="35000"/>
+            <a:lumOff val="65000"/>
+          </a:schemeClr>
+        </a:solidFill>
+        <a:round/>
+      </a:ln>
+    </cs:spPr>
+  </cs:seriesLine>
+  <cs:title>
+    <cs:lnRef idx="0"/>
+    <cs:fillRef idx="0"/>
+    <cs:effectRef idx="0"/>
+    <cs:fontRef idx="minor">
+      <a:schemeClr val="tx1">
+        <a:lumMod val="65000"/>
+        <a:lumOff val="35000"/>
+      </a:schemeClr>
+    </cs:fontRef>
+    <cs:defRPr sz="1862" b="0" kern="1200" spc="0" baseline="0"/>
+  </cs:title>
+  <cs:trendline>
+    <cs:lnRef idx="0">
+      <cs:styleClr val="auto"/>
+    </cs:lnRef>
+    <cs:fillRef idx="0"/>
+    <cs:effectRef idx="0"/>
+    <cs:fontRef idx="minor">
+      <a:schemeClr val="tx1"/>
+    </cs:fontRef>
+    <cs:spPr>
+      <a:ln w="19050" cap="rnd">
+        <a:solidFill>
+          <a:schemeClr val="phClr"/>
+        </a:solidFill>
+        <a:prstDash val="sysDot"/>
+      </a:ln>
+    </cs:spPr>
+  </cs:trendline>
+  <cs:trendlineLabel>
+    <cs:lnRef idx="0"/>
+    <cs:fillRef idx="0"/>
+    <cs:effectRef idx="0"/>
+    <cs:fontRef idx="minor">
+      <a:schemeClr val="tx1">
+        <a:lumMod val="65000"/>
+        <a:lumOff val="35000"/>
+      </a:schemeClr>
+    </cs:fontRef>
+    <cs:defRPr sz="1197" kern="1200"/>
+  </cs:trendlineLabel>
+  <cs:upBar>
+    <cs:lnRef idx="0"/>
+    <cs:fillRef idx="0"/>
+    <cs:effectRef idx="0"/>
+    <cs:fontRef idx="minor">
+      <a:schemeClr val="dk1"/>
+    </cs:fontRef>
+    <cs:spPr>
+      <a:solidFill>
+        <a:schemeClr val="lt1"/>
+      </a:solidFill>
+      <a:ln w="9525">
+        <a:solidFill>
+          <a:schemeClr val="tx1">
+            <a:lumMod val="15000"/>
+            <a:lumOff val="85000"/>
+          </a:schemeClr>
+        </a:solidFill>
+      </a:ln>
+    </cs:spPr>
+  </cs:upBar>
+  <cs:valueAxis>
+    <cs:lnRef idx="0"/>
+    <cs:fillRef idx="0"/>
+    <cs:effectRef idx="0"/>
+    <cs:fontRef idx="minor">
+      <a:schemeClr val="tx1">
+        <a:lumMod val="65000"/>
+        <a:lumOff val="35000"/>
+      </a:schemeClr>
+    </cs:fontRef>
+    <cs:defRPr sz="1197" kern="1200"/>
+  </cs:valueAxis>
+  <cs:wall>
+    <cs:lnRef idx="0"/>
+    <cs:fillRef idx="0"/>
+    <cs:effectRef idx="0"/>
+    <cs:fontRef idx="minor">
+      <a:schemeClr val="tx1"/>
+    </cs:fontRef>
+    <cs:spPr>
+      <a:noFill/>
+      <a:ln>
+        <a:noFill/>
+      </a:ln>
+    </cs:spPr>
+  </cs:wall>
+</cs:chartStyle>
+</file>
+
+<file path=ppt/charts/style2.xml><?xml version="1.0" encoding="utf-8"?>
+<cs:chartStyle xmlns:cs="http://schemas.microsoft.com/office/drawing/2012/chartStyle" xmlns:a="http://schemas.openxmlformats.org/drawingml/2006/main" id="227">
+  <cs:axisTitle>
+    <cs:lnRef idx="0"/>
+    <cs:fillRef idx="0"/>
+    <cs:effectRef idx="0"/>
+    <cs:fontRef idx="minor">
+      <a:schemeClr val="tx1">
+        <a:lumMod val="65000"/>
+        <a:lumOff val="35000"/>
+      </a:schemeClr>
+    </cs:fontRef>
+    <cs:defRPr sz="1330" kern="1200"/>
+  </cs:axisTitle>
+  <cs:categoryAxis>
+    <cs:lnRef idx="0"/>
+    <cs:fillRef idx="0"/>
+    <cs:effectRef idx="0"/>
+    <cs:fontRef idx="minor">
+      <a:schemeClr val="tx1">
+        <a:lumMod val="65000"/>
+        <a:lumOff val="35000"/>
+      </a:schemeClr>
+    </cs:fontRef>
+    <cs:spPr>
+      <a:ln w="9525" cap="flat" cmpd="sng" algn="ctr">
+        <a:solidFill>
+          <a:schemeClr val="tx1">
+            <a:lumMod val="15000"/>
+            <a:lumOff val="85000"/>
+          </a:schemeClr>
+        </a:solidFill>
+        <a:round/>
+      </a:ln>
+    </cs:spPr>
+    <cs:defRPr sz="1197" kern="1200"/>
+  </cs:categoryAxis>
+  <cs:chartArea mods="allowNoFillOverride allowNoLineOverride">
+    <cs:lnRef idx="0"/>
+    <cs:fillRef idx="0"/>
+    <cs:effectRef idx="0"/>
+    <cs:fontRef idx="minor">
+      <a:schemeClr val="tx1"/>
+    </cs:fontRef>
+    <cs:spPr>
+      <a:solidFill>
+        <a:schemeClr val="bg1"/>
+      </a:solidFill>
+      <a:ln w="9525" cap="flat" cmpd="sng" algn="ctr">
+        <a:solidFill>
+          <a:schemeClr val="tx1">
+            <a:lumMod val="15000"/>
+            <a:lumOff val="85000"/>
+          </a:schemeClr>
+        </a:solidFill>
+        <a:round/>
+      </a:ln>
+    </cs:spPr>
+    <cs:defRPr sz="1330" kern="1200"/>
+  </cs:chartArea>
+  <cs:dataLabel>
+    <cs:lnRef idx="0"/>
+    <cs:fillRef idx="0"/>
+    <cs:effectRef idx="0"/>
+    <cs:fontRef idx="minor">
+      <a:schemeClr val="tx1">
+        <a:lumMod val="75000"/>
+        <a:lumOff val="25000"/>
+      </a:schemeClr>
+    </cs:fontRef>
+    <cs:defRPr sz="1197" kern="1200"/>
+  </cs:dataLabel>
+  <cs:dataLabelCallout>
+    <cs:lnRef idx="0"/>
+    <cs:fillRef idx="0"/>
+    <cs:effectRef idx="0"/>
+    <cs:fontRef idx="minor">
+      <a:schemeClr val="dk1">
+        <a:lumMod val="65000"/>
+        <a:lumOff val="35000"/>
+      </a:schemeClr>
+    </cs:fontRef>
+    <cs:spPr>
+      <a:solidFill>
+        <a:schemeClr val="lt1"/>
+      </a:solidFill>
+      <a:ln>
+        <a:solidFill>
+          <a:schemeClr val="dk1">
+            <a:lumMod val="25000"/>
+            <a:lumOff val="75000"/>
+          </a:schemeClr>
+        </a:solidFill>
+      </a:ln>
+    </cs:spPr>
+    <cs:defRPr sz="1197" kern="1200"/>
+    <cs:bodyPr rot="0" spcFirstLastPara="1" vertOverflow="clip" horzOverflow="clip" vert="horz" wrap="square" lIns="36576" tIns="18288" rIns="36576" bIns="18288" anchor="ctr" anchorCtr="1">
+      <a:spAutoFit/>
+    </cs:bodyPr>
+  </cs:dataLabelCallout>
+  <cs:dataPoint>
+    <cs:lnRef idx="0"/>
+    <cs:fillRef idx="1">
+      <cs:styleClr val="auto"/>
+    </cs:fillRef>
+    <cs:effectRef idx="0"/>
+    <cs:fontRef idx="minor">
+      <a:schemeClr val="tx1"/>
+    </cs:fontRef>
+    <cs:spPr>
+      <a:solidFill>
+        <a:schemeClr val="phClr"/>
+      </a:solidFill>
+    </cs:spPr>
+  </cs:dataPoint>
+  <cs:dataPoint3D>
+    <cs:lnRef idx="0"/>
+    <cs:fillRef idx="1">
+      <cs:styleClr val="auto"/>
+    </cs:fillRef>
+    <cs:effectRef idx="0"/>
+    <cs:fontRef idx="minor">
+      <a:schemeClr val="tx1"/>
+    </cs:fontRef>
+    <cs:spPr>
+      <a:solidFill>
+        <a:schemeClr val="phClr"/>
+      </a:solidFill>
+    </cs:spPr>
+  </cs:dataPoint3D>
+  <cs:dataPointLine>
+    <cs:lnRef idx="0">
+      <cs:styleClr val="auto"/>
+    </cs:lnRef>
+    <cs:fillRef idx="1"/>
+    <cs:effectRef idx="0"/>
+    <cs:fontRef idx="minor">
+      <a:schemeClr val="tx1"/>
+    </cs:fontRef>
+    <cs:spPr>
+      <a:ln w="28575" cap="rnd">
+        <a:solidFill>
+          <a:schemeClr val="phClr"/>
+        </a:solidFill>
+        <a:round/>
+      </a:ln>
+    </cs:spPr>
+  </cs:dataPointLine>
+  <cs:dataPointMarker>
+    <cs:lnRef idx="0">
+      <cs:styleClr val="auto"/>
+    </cs:lnRef>
+    <cs:fillRef idx="1">
+      <cs:styleClr val="auto"/>
+    </cs:fillRef>
+    <cs:effectRef idx="0"/>
+    <cs:fontRef idx="minor">
+      <a:schemeClr val="tx1"/>
+    </cs:fontRef>
+    <cs:spPr>
+      <a:solidFill>
+        <a:schemeClr val="phClr"/>
+      </a:solidFill>
+      <a:ln w="9525">
+        <a:solidFill>
+          <a:schemeClr val="phClr"/>
+        </a:solidFill>
+      </a:ln>
+    </cs:spPr>
+  </cs:dataPointMarker>
+  <cs:dataPointMarkerLayout symbol="circle" size="5"/>
+  <cs:dataPointWireframe>
+    <cs:lnRef idx="0">
+      <cs:styleClr val="auto"/>
+    </cs:lnRef>
+    <cs:fillRef idx="1"/>
+    <cs:effectRef idx="0"/>
+    <cs:fontRef idx="minor">
+      <a:schemeClr val="tx1"/>
+    </cs:fontRef>
+    <cs:spPr>
+      <a:ln w="9525" cap="rnd">
+        <a:solidFill>
+          <a:schemeClr val="phClr"/>
+        </a:solidFill>
+        <a:round/>
+      </a:ln>
+    </cs:spPr>
+  </cs:dataPointWireframe>
+  <cs:dataTable>
+    <cs:lnRef idx="0"/>
+    <cs:fillRef idx="0"/>
+    <cs:effectRef idx="0"/>
+    <cs:fontRef idx="minor">
+      <a:schemeClr val="tx1">
+        <a:lumMod val="65000"/>
+        <a:lumOff val="35000"/>
+      </a:schemeClr>
+    </cs:fontRef>
+    <cs:spPr>
+      <a:noFill/>
+      <a:ln w="9525" cap="flat" cmpd="sng" algn="ctr">
+        <a:solidFill>
+          <a:schemeClr val="tx1">
+            <a:lumMod val="15000"/>
+            <a:lumOff val="85000"/>
+          </a:schemeClr>
+        </a:solidFill>
+        <a:round/>
+      </a:ln>
+    </cs:spPr>
+    <cs:defRPr sz="1197" kern="1200"/>
+  </cs:dataTable>
+  <cs:downBar>
+    <cs:lnRef idx="0"/>
+    <cs:fillRef idx="0"/>
+    <cs:effectRef idx="0"/>
+    <cs:fontRef idx="minor">
+      <a:schemeClr val="dk1"/>
+    </cs:fontRef>
+    <cs:spPr>
+      <a:solidFill>
+        <a:schemeClr val="dk1">
+          <a:lumMod val="65000"/>
+          <a:lumOff val="35000"/>
+        </a:schemeClr>
+      </a:solidFill>
+      <a:ln w="9525">
+        <a:solidFill>
+          <a:schemeClr val="tx1">
+            <a:lumMod val="65000"/>
+            <a:lumOff val="35000"/>
+          </a:schemeClr>
+        </a:solidFill>
+      </a:ln>
+    </cs:spPr>
+  </cs:downBar>
+  <cs:dropLine>
+    <cs:lnRef idx="0"/>
+    <cs:fillRef idx="0"/>
+    <cs:effectRef idx="0"/>
+    <cs:fontRef idx="minor">
+      <a:schemeClr val="tx1"/>
+    </cs:fontRef>
+    <cs:spPr>
+      <a:ln w="9525" cap="flat" cmpd="sng" algn="ctr">
+        <a:solidFill>
+          <a:schemeClr val="tx1">
+            <a:lumMod val="35000"/>
+            <a:lumOff val="65000"/>
+          </a:schemeClr>
+        </a:solidFill>
+        <a:round/>
+      </a:ln>
+    </cs:spPr>
+  </cs:dropLine>
+  <cs:errorBar>
+    <cs:lnRef idx="0"/>
+    <cs:fillRef idx="0"/>
+    <cs:effectRef idx="0"/>
+    <cs:fontRef idx="minor">
+      <a:schemeClr val="tx1"/>
+    </cs:fontRef>
+    <cs:spPr>
+      <a:ln w="9525" cap="flat" cmpd="sng" algn="ctr">
+        <a:solidFill>
+          <a:schemeClr val="tx1">
+            <a:lumMod val="65000"/>
+            <a:lumOff val="35000"/>
+          </a:schemeClr>
+        </a:solidFill>
+        <a:round/>
+      </a:ln>
+    </cs:spPr>
+  </cs:errorBar>
+  <cs:floor>
+    <cs:lnRef idx="0"/>
+    <cs:fillRef idx="0"/>
+    <cs:effectRef idx="0"/>
+    <cs:fontRef idx="minor">
+      <a:schemeClr val="tx1"/>
+    </cs:fontRef>
+    <cs:spPr>
+      <a:noFill/>
+      <a:ln>
+        <a:noFill/>
+      </a:ln>
+    </cs:spPr>
+  </cs:floor>
+  <cs:gridlineMajor>
+    <cs:lnRef idx="0"/>
+    <cs:fillRef idx="0"/>
+    <cs:effectRef idx="0"/>
+    <cs:fontRef idx="minor">
+      <a:schemeClr val="tx1"/>
+    </cs:fontRef>
+    <cs:spPr>
+      <a:ln w="9525" cap="flat" cmpd="sng" algn="ctr">
+        <a:solidFill>
+          <a:schemeClr val="tx1">
+            <a:lumMod val="15000"/>
+            <a:lumOff val="85000"/>
+          </a:schemeClr>
+        </a:solidFill>
+        <a:round/>
+      </a:ln>
+    </cs:spPr>
+  </cs:gridlineMajor>
+  <cs:gridlineMinor>
+    <cs:lnRef idx="0"/>
+    <cs:fillRef idx="0"/>
+    <cs:effectRef idx="0"/>
+    <cs:fontRef idx="minor">
+      <a:schemeClr val="tx1"/>
+    </cs:fontRef>
+    <cs:spPr>
+      <a:ln w="9525" cap="flat" cmpd="sng" algn="ctr">
+        <a:solidFill>
+          <a:schemeClr val="tx1">
+            <a:lumMod val="5000"/>
+            <a:lumOff val="95000"/>
+          </a:schemeClr>
+        </a:solidFill>
+        <a:round/>
+      </a:ln>
+    </cs:spPr>
+  </cs:gridlineMinor>
+  <cs:hiLoLine>
+    <cs:lnRef idx="0"/>
+    <cs:fillRef idx="0"/>
+    <cs:effectRef idx="0"/>
+    <cs:fontRef idx="minor">
+      <a:schemeClr val="tx1"/>
+    </cs:fontRef>
+    <cs:spPr>
+      <a:ln w="9525" cap="flat" cmpd="sng" algn="ctr">
+        <a:solidFill>
+          <a:schemeClr val="tx1">
+            <a:lumMod val="75000"/>
+            <a:lumOff val="25000"/>
+          </a:schemeClr>
+        </a:solidFill>
+        <a:round/>
+      </a:ln>
+    </cs:spPr>
+  </cs:hiLoLine>
+  <cs:leaderLine>
+    <cs:lnRef idx="0"/>
+    <cs:fillRef idx="0"/>
+    <cs:effectRef idx="0"/>
+    <cs:fontRef idx="minor">
+      <a:schemeClr val="tx1"/>
+    </cs:fontRef>
+    <cs:spPr>
+      <a:ln w="9525" cap="flat" cmpd="sng" algn="ctr">
+        <a:solidFill>
+          <a:schemeClr val="tx1">
+            <a:lumMod val="35000"/>
+            <a:lumOff val="65000"/>
+          </a:schemeClr>
+        </a:solidFill>
+        <a:round/>
+      </a:ln>
+    </cs:spPr>
+  </cs:leaderLine>
+  <cs:legend>
+    <cs:lnRef idx="0"/>
+    <cs:fillRef idx="0"/>
+    <cs:effectRef idx="0"/>
+    <cs:fontRef idx="minor">
+      <a:schemeClr val="tx1">
+        <a:lumMod val="65000"/>
+        <a:lumOff val="35000"/>
+      </a:schemeClr>
+    </cs:fontRef>
+    <cs:defRPr sz="1197" kern="1200"/>
+  </cs:legend>
+  <cs:plotArea mods="allowNoFillOverride allowNoLineOverride">
+    <cs:lnRef idx="0"/>
+    <cs:fillRef idx="0"/>
+    <cs:effectRef idx="0"/>
+    <cs:fontRef idx="minor">
+      <a:schemeClr val="tx1"/>
+    </cs:fontRef>
+  </cs:plotArea>
+  <cs:plotArea3D mods="allowNoFillOverride allowNoLineOverride">
+    <cs:lnRef idx="0"/>
+    <cs:fillRef idx="0"/>
+    <cs:effectRef idx="0"/>
+    <cs:fontRef idx="minor">
+      <a:schemeClr val="tx1"/>
+    </cs:fontRef>
+  </cs:plotArea3D>
+  <cs:seriesAxis>
+    <cs:lnRef idx="0"/>
+    <cs:fillRef idx="0"/>
+    <cs:effectRef idx="0"/>
+    <cs:fontRef idx="minor">
+      <a:schemeClr val="tx1">
+        <a:lumMod val="65000"/>
+        <a:lumOff val="35000"/>
+      </a:schemeClr>
+    </cs:fontRef>
+    <cs:defRPr sz="1197" kern="1200"/>
+  </cs:seriesAxis>
+  <cs:seriesLine>
+    <cs:lnRef idx="0"/>
+    <cs:fillRef idx="0"/>
+    <cs:effectRef idx="0"/>
+    <cs:fontRef idx="minor">
+      <a:schemeClr val="tx1"/>
+    </cs:fontRef>
+    <cs:spPr>
+      <a:ln w="9525" cap="flat" cmpd="sng" algn="ctr">
+        <a:solidFill>
+          <a:schemeClr val="tx1">
+            <a:lumMod val="35000"/>
+            <a:lumOff val="65000"/>
+          </a:schemeClr>
+        </a:solidFill>
+        <a:round/>
+      </a:ln>
+    </cs:spPr>
+  </cs:seriesLine>
+  <cs:title>
+    <cs:lnRef idx="0"/>
+    <cs:fillRef idx="0"/>
+    <cs:effectRef idx="0"/>
+    <cs:fontRef idx="minor">
+      <a:schemeClr val="tx1">
+        <a:lumMod val="65000"/>
+        <a:lumOff val="35000"/>
+      </a:schemeClr>
+    </cs:fontRef>
+    <cs:defRPr sz="1862" b="0" kern="1200" spc="0" baseline="0"/>
+  </cs:title>
+  <cs:trendline>
+    <cs:lnRef idx="0">
+      <cs:styleClr val="auto"/>
+    </cs:lnRef>
+    <cs:fillRef idx="0"/>
+    <cs:effectRef idx="0"/>
+    <cs:fontRef idx="minor">
+      <a:schemeClr val="tx1"/>
+    </cs:fontRef>
+    <cs:spPr>
+      <a:ln w="19050" cap="rnd">
+        <a:solidFill>
+          <a:schemeClr val="phClr"/>
+        </a:solidFill>
+        <a:prstDash val="sysDot"/>
+      </a:ln>
+    </cs:spPr>
+  </cs:trendline>
+  <cs:trendlineLabel>
+    <cs:lnRef idx="0"/>
+    <cs:fillRef idx="0"/>
+    <cs:effectRef idx="0"/>
+    <cs:fontRef idx="minor">
+      <a:schemeClr val="tx1">
+        <a:lumMod val="65000"/>
+        <a:lumOff val="35000"/>
+      </a:schemeClr>
+    </cs:fontRef>
+    <cs:defRPr sz="1197" kern="1200"/>
+  </cs:trendlineLabel>
+  <cs:upBar>
+    <cs:lnRef idx="0"/>
+    <cs:fillRef idx="0"/>
+    <cs:effectRef idx="0"/>
+    <cs:fontRef idx="minor">
+      <a:schemeClr val="dk1"/>
+    </cs:fontRef>
+    <cs:spPr>
+      <a:solidFill>
+        <a:schemeClr val="lt1"/>
+      </a:solidFill>
+      <a:ln w="9525">
+        <a:solidFill>
+          <a:schemeClr val="tx1">
+            <a:lumMod val="15000"/>
+            <a:lumOff val="85000"/>
+          </a:schemeClr>
+        </a:solidFill>
+      </a:ln>
+    </cs:spPr>
+  </cs:upBar>
+  <cs:valueAxis>
+    <cs:lnRef idx="0"/>
+    <cs:fillRef idx="0"/>
+    <cs:effectRef idx="0"/>
+    <cs:fontRef idx="minor">
+      <a:schemeClr val="tx1">
+        <a:lumMod val="65000"/>
+        <a:lumOff val="35000"/>
+      </a:schemeClr>
+    </cs:fontRef>
+    <cs:defRPr sz="1197" kern="1200"/>
+  </cs:valueAxis>
+  <cs:wall>
+    <cs:lnRef idx="0"/>
+    <cs:fillRef idx="0"/>
+    <cs:effectRef idx="0"/>
+    <cs:fontRef idx="minor">
+      <a:schemeClr val="tx1"/>
+    </cs:fontRef>
+    <cs:spPr>
+      <a:noFill/>
+      <a:ln>
+        <a:noFill/>
+      </a:ln>
+    </cs:spPr>
+  </cs:wall>
+</cs:chartStyle>
 </file>
 
 <file path=ppt/slideLayouts/slideLayout1.xml><?xml version="1.0" encoding="utf-8"?>
@@ -6272,7 +8072,7 @@
           <p:cNvPr id="2" name="Tytuł 1">
             <a:extLst>
               <a:ext uri="{FF2B5EF4-FFF2-40B4-BE49-F238E27FC236}">
-                <a16:creationId xmlns:a16="http://schemas.microsoft.com/office/drawing/2014/main" id="{671C8F6B-0B5E-4996-8FB1-0DAFAE2287B6}"/>
+                <a16:creationId xmlns:a16="http://schemas.microsoft.com/office/drawing/2014/main" xmlns="" id="{671C8F6B-0B5E-4996-8FB1-0DAFAE2287B6}"/>
               </a:ext>
             </a:extLst>
           </p:cNvPr>
@@ -6290,6 +8090,10 @@
           </a:bodyPr>
           <a:lstStyle/>
           <a:p>
+            <a:r>
+              <a:rPr lang="pl-PL" dirty="0"/>
+              <a:t/>
+            </a:r>
             <a:br>
               <a:rPr lang="pl-PL" dirty="0"/>
             </a:br>
@@ -6310,7 +8114,7 @@
           <p:cNvPr id="3" name="Podtytuł 2">
             <a:extLst>
               <a:ext uri="{FF2B5EF4-FFF2-40B4-BE49-F238E27FC236}">
-                <a16:creationId xmlns:a16="http://schemas.microsoft.com/office/drawing/2014/main" id="{D873FCAE-45C7-46C4-BEEE-E8A5DD2734D6}"/>
+                <a16:creationId xmlns:a16="http://schemas.microsoft.com/office/drawing/2014/main" xmlns="" id="{D873FCAE-45C7-46C4-BEEE-E8A5DD2734D6}"/>
               </a:ext>
             </a:extLst>
           </p:cNvPr>
@@ -6385,7 +8189,7 @@
           <p:cNvPr id="2" name="Tytuł 1">
             <a:extLst>
               <a:ext uri="{FF2B5EF4-FFF2-40B4-BE49-F238E27FC236}">
-                <a16:creationId xmlns:a16="http://schemas.microsoft.com/office/drawing/2014/main" id="{43FFD594-743A-46EF-A077-7643F272547C}"/>
+                <a16:creationId xmlns:a16="http://schemas.microsoft.com/office/drawing/2014/main" xmlns="" id="{43FFD594-743A-46EF-A077-7643F272547C}"/>
               </a:ext>
             </a:extLst>
           </p:cNvPr>
@@ -6413,7 +8217,7 @@
           <p:cNvPr id="3" name="Symbol zastępczy zawartości 2">
             <a:extLst>
               <a:ext uri="{FF2B5EF4-FFF2-40B4-BE49-F238E27FC236}">
-                <a16:creationId xmlns:a16="http://schemas.microsoft.com/office/drawing/2014/main" id="{395F5246-30F7-4F27-A0DF-0D03370E94F3}"/>
+                <a16:creationId xmlns:a16="http://schemas.microsoft.com/office/drawing/2014/main" xmlns="" id="{395F5246-30F7-4F27-A0DF-0D03370E94F3}"/>
               </a:ext>
             </a:extLst>
           </p:cNvPr>
@@ -6541,7 +8345,7 @@
           <p:cNvPr id="4" name="Picture 4" descr="Znalezione obrazy dla zapytania sklearn vs scikit-learn">
             <a:extLst>
               <a:ext uri="{FF2B5EF4-FFF2-40B4-BE49-F238E27FC236}">
-                <a16:creationId xmlns:a16="http://schemas.microsoft.com/office/drawing/2014/main" id="{C5EBD9CB-313B-45B3-96CB-51C046D3D358}"/>
+                <a16:creationId xmlns:a16="http://schemas.microsoft.com/office/drawing/2014/main" xmlns="" id="{C5EBD9CB-313B-45B3-96CB-51C046D3D358}"/>
               </a:ext>
             </a:extLst>
           </p:cNvPr>
@@ -6551,7 +8355,7 @@
           <p:nvPr/>
         </p:nvPicPr>
         <p:blipFill>
-          <a:blip r:embed="rId2">
+          <a:blip r:embed="rId2" cstate="print">
             <a:extLst>
               <a:ext uri="{28A0092B-C50C-407E-A947-70E740481C1C}">
                 <a14:useLocalDpi xmlns:a14="http://schemas.microsoft.com/office/drawing/2010/main" val="0"/>
@@ -6618,7 +8422,7 @@
           <p:cNvPr id="2" name="Tytuł 1">
             <a:extLst>
               <a:ext uri="{FF2B5EF4-FFF2-40B4-BE49-F238E27FC236}">
-                <a16:creationId xmlns:a16="http://schemas.microsoft.com/office/drawing/2014/main" id="{7A19E2FD-56B0-455D-9670-4345C00ACBED}"/>
+                <a16:creationId xmlns:a16="http://schemas.microsoft.com/office/drawing/2014/main" xmlns="" id="{7A19E2FD-56B0-455D-9670-4345C00ACBED}"/>
               </a:ext>
             </a:extLst>
           </p:cNvPr>
@@ -6646,7 +8450,7 @@
           <p:cNvPr id="5" name="Rectangle 1">
             <a:extLst>
               <a:ext uri="{FF2B5EF4-FFF2-40B4-BE49-F238E27FC236}">
-                <a16:creationId xmlns:a16="http://schemas.microsoft.com/office/drawing/2014/main" id="{60944E72-15F4-4572-B65B-6F4DB1CCFC39}"/>
+                <a16:creationId xmlns:a16="http://schemas.microsoft.com/office/drawing/2014/main" xmlns="" id="{60944E72-15F4-4572-B65B-6F4DB1CCFC39}"/>
               </a:ext>
             </a:extLst>
           </p:cNvPr>
@@ -6978,12 +8782,20 @@
               <a:rPr lang="en-US" dirty="0"/>
               <a:t> </a:t>
             </a:r>
+            <a:r>
+              <a:rPr lang="pl-PL" dirty="0"/>
+              <a:t/>
+            </a:r>
             <a:br>
               <a:rPr lang="pl-PL" dirty="0"/>
             </a:br>
             <a:r>
               <a:rPr lang="en-US" sz="1800" dirty="0"/>
               <a:t>this strategy consists in fitting one classifier per class. For each classifier, </a:t>
+            </a:r>
+            <a:r>
+              <a:rPr lang="pl-PL" sz="1800" dirty="0"/>
+              <a:t/>
             </a:r>
             <a:br>
               <a:rPr lang="pl-PL" sz="1800" dirty="0"/>
@@ -7022,7 +8834,7 @@
           <p:cNvPr id="4" name="Obraz 3">
             <a:extLst>
               <a:ext uri="{FF2B5EF4-FFF2-40B4-BE49-F238E27FC236}">
-                <a16:creationId xmlns:a16="http://schemas.microsoft.com/office/drawing/2014/main" id="{6098B3CA-ED67-410E-A895-D514BFE8ECB1}"/>
+                <a16:creationId xmlns:a16="http://schemas.microsoft.com/office/drawing/2014/main" xmlns="" id="{6098B3CA-ED67-410E-A895-D514BFE8ECB1}"/>
               </a:ext>
             </a:extLst>
           </p:cNvPr>
@@ -7052,7 +8864,7 @@
           <p:cNvPr id="7" name="Rectangle 2">
             <a:extLst>
               <a:ext uri="{FF2B5EF4-FFF2-40B4-BE49-F238E27FC236}">
-                <a16:creationId xmlns:a16="http://schemas.microsoft.com/office/drawing/2014/main" id="{00B051EA-8990-4233-907B-356A27B0B45E}"/>
+                <a16:creationId xmlns:a16="http://schemas.microsoft.com/office/drawing/2014/main" xmlns="" id="{00B051EA-8990-4233-907B-356A27B0B45E}"/>
               </a:ext>
             </a:extLst>
           </p:cNvPr>
@@ -7450,7 +9262,7 @@
           <p:cNvPr id="11" name="Łącznik prosty ze strzałką 10">
             <a:extLst>
               <a:ext uri="{FF2B5EF4-FFF2-40B4-BE49-F238E27FC236}">
-                <a16:creationId xmlns:a16="http://schemas.microsoft.com/office/drawing/2014/main" id="{7FDEBDB7-B7D3-45D9-B72B-ADDD5912A15E}"/>
+                <a16:creationId xmlns:a16="http://schemas.microsoft.com/office/drawing/2014/main" xmlns="" id="{7FDEBDB7-B7D3-45D9-B72B-ADDD5912A15E}"/>
               </a:ext>
             </a:extLst>
           </p:cNvPr>
@@ -7489,7 +9301,7 @@
           <p:cNvPr id="12" name="Łącznik prosty ze strzałką 11">
             <a:extLst>
               <a:ext uri="{FF2B5EF4-FFF2-40B4-BE49-F238E27FC236}">
-                <a16:creationId xmlns:a16="http://schemas.microsoft.com/office/drawing/2014/main" id="{CE04212C-0E6D-4808-99C4-78A4643ED1FC}"/>
+                <a16:creationId xmlns:a16="http://schemas.microsoft.com/office/drawing/2014/main" xmlns="" id="{CE04212C-0E6D-4808-99C4-78A4643ED1FC}"/>
               </a:ext>
             </a:extLst>
           </p:cNvPr>
@@ -7557,10 +9369,110 @@
       </p:grpSpPr>
       <p:sp>
         <p:nvSpPr>
+          <p:cNvPr id="2" name="Tytuł 1"/>
+          <p:cNvSpPr>
+            <a:spLocks noGrp="1"/>
+          </p:cNvSpPr>
+          <p:nvPr>
+            <p:ph type="title"/>
+          </p:nvPr>
+        </p:nvSpPr>
+        <p:spPr/>
+        <p:txBody>
+          <a:bodyPr/>
+          <a:lstStyle/>
+          <a:p>
+            <a:r>
+              <a:rPr lang="pl-PL" dirty="0" err="1" smtClean="0"/>
+              <a:t>Results</a:t>
+            </a:r>
+            <a:endParaRPr lang="pl-PL" dirty="0"/>
+          </a:p>
+        </p:txBody>
+      </p:sp>
+      <p:graphicFrame>
+        <p:nvGraphicFramePr>
+          <p:cNvPr id="20" name="Symbol zastępczy zawartości 19"/>
+          <p:cNvGraphicFramePr>
+            <a:graphicFrameLocks noGrp="1"/>
+          </p:cNvGraphicFramePr>
+          <p:nvPr>
+            <p:ph idx="1"/>
+            <p:extLst>
+              <p:ext uri="{D42A27DB-BD31-4B8C-83A1-F6EECF244321}">
+                <p14:modId xmlns:p14="http://schemas.microsoft.com/office/powerpoint/2010/main" val="208061901"/>
+              </p:ext>
+            </p:extLst>
+          </p:nvPr>
+        </p:nvGraphicFramePr>
+        <p:xfrm>
+          <a:off x="900000" y="2340000"/>
+          <a:ext cx="4320000" cy="3005803"/>
+        </p:xfrm>
+        <a:graphic>
+          <a:graphicData uri="http://schemas.openxmlformats.org/drawingml/2006/chart">
+            <c:chart xmlns:c="http://schemas.openxmlformats.org/drawingml/2006/chart" xmlns:r="http://schemas.openxmlformats.org/officeDocument/2006/relationships" r:id="rId2"/>
+          </a:graphicData>
+        </a:graphic>
+      </p:graphicFrame>
+      <p:graphicFrame>
+        <p:nvGraphicFramePr>
+          <p:cNvPr id="24" name="Wykres 23"/>
+          <p:cNvGraphicFramePr/>
+          <p:nvPr>
+            <p:extLst>
+              <p:ext uri="{D42A27DB-BD31-4B8C-83A1-F6EECF244321}">
+                <p14:modId xmlns:p14="http://schemas.microsoft.com/office/powerpoint/2010/main" val="1190209314"/>
+              </p:ext>
+            </p:extLst>
+          </p:nvPr>
+        </p:nvGraphicFramePr>
+        <p:xfrm>
+          <a:off x="6300000" y="2340000"/>
+          <a:ext cx="4320000" cy="3006000"/>
+        </p:xfrm>
+        <a:graphic>
+          <a:graphicData uri="http://schemas.openxmlformats.org/drawingml/2006/chart">
+            <c:chart xmlns:c="http://schemas.openxmlformats.org/drawingml/2006/chart" xmlns:r="http://schemas.openxmlformats.org/officeDocument/2006/relationships" r:id="rId3"/>
+          </a:graphicData>
+        </a:graphic>
+      </p:graphicFrame>
+    </p:spTree>
+    <p:extLst>
+      <p:ext uri="{BB962C8B-B14F-4D97-AF65-F5344CB8AC3E}">
+        <p14:creationId xmlns:p14="http://schemas.microsoft.com/office/powerpoint/2010/main" val="1826095395"/>
+      </p:ext>
+    </p:extLst>
+  </p:cSld>
+  <p:clrMapOvr>
+    <a:masterClrMapping/>
+  </p:clrMapOvr>
+</p:sld>
+</file>
+
+<file path=ppt/slides/slide13.xml><?xml version="1.0" encoding="utf-8"?>
+<p:sld xmlns:a="http://schemas.openxmlformats.org/drawingml/2006/main" xmlns:r="http://schemas.openxmlformats.org/officeDocument/2006/relationships" xmlns:p="http://schemas.openxmlformats.org/presentationml/2006/main">
+  <p:cSld>
+    <p:spTree>
+      <p:nvGrpSpPr>
+        <p:cNvPr id="1" name=""/>
+        <p:cNvGrpSpPr/>
+        <p:nvPr/>
+      </p:nvGrpSpPr>
+      <p:grpSpPr>
+        <a:xfrm>
+          <a:off x="0" y="0"/>
+          <a:ext cx="0" cy="0"/>
+          <a:chOff x="0" y="0"/>
+          <a:chExt cx="0" cy="0"/>
+        </a:xfrm>
+      </p:grpSpPr>
+      <p:sp>
+        <p:nvSpPr>
           <p:cNvPr id="4" name="Tytuł 3">
             <a:extLst>
               <a:ext uri="{FF2B5EF4-FFF2-40B4-BE49-F238E27FC236}">
-                <a16:creationId xmlns:a16="http://schemas.microsoft.com/office/drawing/2014/main" id="{E0070140-E6FC-4E23-BCC3-BFF640BDBAB8}"/>
+                <a16:creationId xmlns:a16="http://schemas.microsoft.com/office/drawing/2014/main" xmlns="" id="{E0070140-E6FC-4E23-BCC3-BFF640BDBAB8}"/>
               </a:ext>
             </a:extLst>
           </p:cNvPr>
@@ -7600,7 +9512,7 @@
           <p:cNvPr id="5" name="Podtytuł 4">
             <a:extLst>
               <a:ext uri="{FF2B5EF4-FFF2-40B4-BE49-F238E27FC236}">
-                <a16:creationId xmlns:a16="http://schemas.microsoft.com/office/drawing/2014/main" id="{C1F3F904-2868-4668-AFC2-93A6A11E378F}"/>
+                <a16:creationId xmlns:a16="http://schemas.microsoft.com/office/drawing/2014/main" xmlns="" id="{C1F3F904-2868-4668-AFC2-93A6A11E378F}"/>
               </a:ext>
             </a:extLst>
           </p:cNvPr>
@@ -7675,7 +9587,7 @@
           <p:cNvPr id="4" name="Obraz 3">
             <a:extLst>
               <a:ext uri="{FF2B5EF4-FFF2-40B4-BE49-F238E27FC236}">
-                <a16:creationId xmlns:a16="http://schemas.microsoft.com/office/drawing/2014/main" id="{07D10AA3-9D76-4224-A5BD-8CC4FDF2AA37}"/>
+                <a16:creationId xmlns:a16="http://schemas.microsoft.com/office/drawing/2014/main" xmlns="" id="{07D10AA3-9D76-4224-A5BD-8CC4FDF2AA37}"/>
               </a:ext>
             </a:extLst>
           </p:cNvPr>
@@ -7705,7 +9617,7 @@
           <p:cNvPr id="2" name="Tytuł 1">
             <a:extLst>
               <a:ext uri="{FF2B5EF4-FFF2-40B4-BE49-F238E27FC236}">
-                <a16:creationId xmlns:a16="http://schemas.microsoft.com/office/drawing/2014/main" id="{D2CF7B45-F00C-4AFD-9201-7BE6150A2691}"/>
+                <a16:creationId xmlns:a16="http://schemas.microsoft.com/office/drawing/2014/main" xmlns="" id="{D2CF7B45-F00C-4AFD-9201-7BE6150A2691}"/>
               </a:ext>
             </a:extLst>
           </p:cNvPr>
@@ -7738,7 +9650,7 @@
           <p:cNvPr id="3" name="Symbol zastępczy zawartości 2">
             <a:extLst>
               <a:ext uri="{FF2B5EF4-FFF2-40B4-BE49-F238E27FC236}">
-                <a16:creationId xmlns:a16="http://schemas.microsoft.com/office/drawing/2014/main" id="{E86183F6-C8A6-436C-BD80-17C579E60E63}"/>
+                <a16:creationId xmlns:a16="http://schemas.microsoft.com/office/drawing/2014/main" xmlns="" id="{E86183F6-C8A6-436C-BD80-17C579E60E63}"/>
               </a:ext>
             </a:extLst>
           </p:cNvPr>
@@ -7888,7 +9800,7 @@
           <p:cNvPr id="2056" name="Picture 8" descr="Znalezione obrazy dla zapytania kaggle icon png">
             <a:extLst>
               <a:ext uri="{FF2B5EF4-FFF2-40B4-BE49-F238E27FC236}">
-                <a16:creationId xmlns:a16="http://schemas.microsoft.com/office/drawing/2014/main" id="{8525CFD8-A887-48A8-9DC9-7A33EE9840F5}"/>
+                <a16:creationId xmlns:a16="http://schemas.microsoft.com/office/drawing/2014/main" xmlns="" id="{8525CFD8-A887-48A8-9DC9-7A33EE9840F5}"/>
               </a:ext>
             </a:extLst>
           </p:cNvPr>
@@ -7898,7 +9810,7 @@
           <p:nvPr/>
         </p:nvPicPr>
         <p:blipFill>
-          <a:blip r:embed="rId3">
+          <a:blip r:embed="rId3" cstate="print">
             <a:extLst>
               <a:ext uri="{28A0092B-C50C-407E-A947-70E740481C1C}">
                 <a14:useLocalDpi xmlns:a14="http://schemas.microsoft.com/office/drawing/2010/main" val="0"/>
@@ -7965,7 +9877,7 @@
           <p:cNvPr id="2" name="Tytuł 1">
             <a:extLst>
               <a:ext uri="{FF2B5EF4-FFF2-40B4-BE49-F238E27FC236}">
-                <a16:creationId xmlns:a16="http://schemas.microsoft.com/office/drawing/2014/main" id="{F06B32C9-DE34-4F1B-BD2E-79CF7FFBF045}"/>
+                <a16:creationId xmlns:a16="http://schemas.microsoft.com/office/drawing/2014/main" xmlns="" id="{F06B32C9-DE34-4F1B-BD2E-79CF7FFBF045}"/>
               </a:ext>
             </a:extLst>
           </p:cNvPr>
@@ -7993,7 +9905,7 @@
           <p:cNvPr id="6" name="Tabela 5">
             <a:extLst>
               <a:ext uri="{FF2B5EF4-FFF2-40B4-BE49-F238E27FC236}">
-                <a16:creationId xmlns:a16="http://schemas.microsoft.com/office/drawing/2014/main" id="{7D5AEF2A-0663-4EE4-A417-06C2FF0691CE}"/>
+                <a16:creationId xmlns:a16="http://schemas.microsoft.com/office/drawing/2014/main" xmlns="" id="{7D5AEF2A-0663-4EE4-A417-06C2FF0691CE}"/>
               </a:ext>
             </a:extLst>
           </p:cNvPr>
@@ -8022,14 +9934,14 @@
                 <a:gridCol w="4233043">
                   <a:extLst>
                     <a:ext uri="{9D8B030D-6E8A-4147-A177-3AD203B41FA5}">
-                      <a16:colId xmlns:a16="http://schemas.microsoft.com/office/drawing/2014/main" val="3825491113"/>
+                      <a16:colId xmlns:a16="http://schemas.microsoft.com/office/drawing/2014/main" xmlns="" val="3825491113"/>
                     </a:ext>
                   </a:extLst>
                 </a:gridCol>
                 <a:gridCol w="4233043">
                   <a:extLst>
                     <a:ext uri="{9D8B030D-6E8A-4147-A177-3AD203B41FA5}">
-                      <a16:colId xmlns:a16="http://schemas.microsoft.com/office/drawing/2014/main" val="3142304272"/>
+                      <a16:colId xmlns:a16="http://schemas.microsoft.com/office/drawing/2014/main" xmlns="" val="3142304272"/>
                     </a:ext>
                   </a:extLst>
                 </a:gridCol>
@@ -8065,7 +9977,7 @@
                 </a:tc>
                 <a:extLst>
                   <a:ext uri="{0D108BD9-81ED-4DB2-BD59-A6C34878D82A}">
-                    <a16:rowId xmlns:a16="http://schemas.microsoft.com/office/drawing/2014/main" val="2379597642"/>
+                    <a16:rowId xmlns:a16="http://schemas.microsoft.com/office/drawing/2014/main" xmlns="" val="2379597642"/>
                   </a:ext>
                 </a:extLst>
               </a:tr>
@@ -8499,7 +10411,7 @@
                 </a:tc>
                 <a:extLst>
                   <a:ext uri="{0D108BD9-81ED-4DB2-BD59-A6C34878D82A}">
-                    <a16:rowId xmlns:a16="http://schemas.microsoft.com/office/drawing/2014/main" val="64528084"/>
+                    <a16:rowId xmlns:a16="http://schemas.microsoft.com/office/drawing/2014/main" xmlns="" val="64528084"/>
                   </a:ext>
                 </a:extLst>
               </a:tr>
@@ -8542,7 +10454,7 @@
           <p:cNvPr id="2" name="Tytuł 1">
             <a:extLst>
               <a:ext uri="{FF2B5EF4-FFF2-40B4-BE49-F238E27FC236}">
-                <a16:creationId xmlns:a16="http://schemas.microsoft.com/office/drawing/2014/main" id="{D345AC1A-72D1-4266-9EE3-4C0431113D1C}"/>
+                <a16:creationId xmlns:a16="http://schemas.microsoft.com/office/drawing/2014/main" xmlns="" id="{D345AC1A-72D1-4266-9EE3-4C0431113D1C}"/>
               </a:ext>
             </a:extLst>
           </p:cNvPr>
@@ -8570,7 +10482,7 @@
           <p:cNvPr id="4" name="Obraz 3">
             <a:extLst>
               <a:ext uri="{FF2B5EF4-FFF2-40B4-BE49-F238E27FC236}">
-                <a16:creationId xmlns:a16="http://schemas.microsoft.com/office/drawing/2014/main" id="{AE83C3D1-DFE5-4A9F-8813-256F15574F82}"/>
+                <a16:creationId xmlns:a16="http://schemas.microsoft.com/office/drawing/2014/main" xmlns="" id="{AE83C3D1-DFE5-4A9F-8813-256F15574F82}"/>
               </a:ext>
             </a:extLst>
           </p:cNvPr>
@@ -8630,7 +10542,7 @@
           <p:cNvPr id="2" name="Tytuł 1">
             <a:extLst>
               <a:ext uri="{FF2B5EF4-FFF2-40B4-BE49-F238E27FC236}">
-                <a16:creationId xmlns:a16="http://schemas.microsoft.com/office/drawing/2014/main" id="{6CDBC31C-AA5C-4A9C-9268-D90317A4AF12}"/>
+                <a16:creationId xmlns:a16="http://schemas.microsoft.com/office/drawing/2014/main" xmlns="" id="{6CDBC31C-AA5C-4A9C-9268-D90317A4AF12}"/>
               </a:ext>
             </a:extLst>
           </p:cNvPr>
@@ -8658,7 +10570,7 @@
           <p:cNvPr id="3" name="Symbol zastępczy zawartości 2">
             <a:extLst>
               <a:ext uri="{FF2B5EF4-FFF2-40B4-BE49-F238E27FC236}">
-                <a16:creationId xmlns:a16="http://schemas.microsoft.com/office/drawing/2014/main" id="{8D73867E-61F7-4892-AB63-684CB8B9FBC4}"/>
+                <a16:creationId xmlns:a16="http://schemas.microsoft.com/office/drawing/2014/main" xmlns="" id="{8D73867E-61F7-4892-AB63-684CB8B9FBC4}"/>
               </a:ext>
             </a:extLst>
           </p:cNvPr>
@@ -8793,7 +10705,7 @@
           <p:cNvPr id="1028" name="Picture 4" descr="Podobny obraz">
             <a:extLst>
               <a:ext uri="{FF2B5EF4-FFF2-40B4-BE49-F238E27FC236}">
-                <a16:creationId xmlns:a16="http://schemas.microsoft.com/office/drawing/2014/main" id="{7807EB99-98B6-4A5C-9FFA-DA18DE76F766}"/>
+                <a16:creationId xmlns:a16="http://schemas.microsoft.com/office/drawing/2014/main" xmlns="" id="{7807EB99-98B6-4A5C-9FFA-DA18DE76F766}"/>
               </a:ext>
             </a:extLst>
           </p:cNvPr>
@@ -8870,7 +10782,7 @@
           <p:cNvPr id="2" name="Tytuł 1">
             <a:extLst>
               <a:ext uri="{FF2B5EF4-FFF2-40B4-BE49-F238E27FC236}">
-                <a16:creationId xmlns:a16="http://schemas.microsoft.com/office/drawing/2014/main" id="{100BE2AA-BD9A-4DCC-8974-8F1B0DDE87A7}"/>
+                <a16:creationId xmlns:a16="http://schemas.microsoft.com/office/drawing/2014/main" xmlns="" id="{100BE2AA-BD9A-4DCC-8974-8F1B0DDE87A7}"/>
               </a:ext>
             </a:extLst>
           </p:cNvPr>
@@ -8898,7 +10810,7 @@
           <p:cNvPr id="3" name="Symbol zastępczy zawartości 2">
             <a:extLst>
               <a:ext uri="{FF2B5EF4-FFF2-40B4-BE49-F238E27FC236}">
-                <a16:creationId xmlns:a16="http://schemas.microsoft.com/office/drawing/2014/main" id="{BE0F26BC-1C04-4CD2-BD33-4D3230CD7517}"/>
+                <a16:creationId xmlns:a16="http://schemas.microsoft.com/office/drawing/2014/main" xmlns="" id="{BE0F26BC-1C04-4CD2-BD33-4D3230CD7517}"/>
               </a:ext>
             </a:extLst>
           </p:cNvPr>
@@ -8953,7 +10865,7 @@
           <p:cNvPr id="1026" name="Picture 2" descr="https://skymind.ai/images/wiki/bayes_theorem.jpg">
             <a:extLst>
               <a:ext uri="{FF2B5EF4-FFF2-40B4-BE49-F238E27FC236}">
-                <a16:creationId xmlns:a16="http://schemas.microsoft.com/office/drawing/2014/main" id="{BC07174E-E9EF-4320-ADD3-A0CD61A505E7}"/>
+                <a16:creationId xmlns:a16="http://schemas.microsoft.com/office/drawing/2014/main" xmlns="" id="{BC07174E-E9EF-4320-ADD3-A0CD61A505E7}"/>
               </a:ext>
             </a:extLst>
           </p:cNvPr>
@@ -9030,7 +10942,7 @@
           <p:cNvPr id="2" name="Tytuł 1">
             <a:extLst>
               <a:ext uri="{FF2B5EF4-FFF2-40B4-BE49-F238E27FC236}">
-                <a16:creationId xmlns:a16="http://schemas.microsoft.com/office/drawing/2014/main" id="{0A51062A-8999-4F86-86A2-6A1CF4D56E73}"/>
+                <a16:creationId xmlns:a16="http://schemas.microsoft.com/office/drawing/2014/main" xmlns="" id="{0A51062A-8999-4F86-86A2-6A1CF4D56E73}"/>
               </a:ext>
             </a:extLst>
           </p:cNvPr>
@@ -9058,7 +10970,7 @@
           <p:cNvPr id="3" name="Symbol zastępczy zawartości 2">
             <a:extLst>
               <a:ext uri="{FF2B5EF4-FFF2-40B4-BE49-F238E27FC236}">
-                <a16:creationId xmlns:a16="http://schemas.microsoft.com/office/drawing/2014/main" id="{A3CEEE95-2865-40F2-B3AB-495B5A46EA72}"/>
+                <a16:creationId xmlns:a16="http://schemas.microsoft.com/office/drawing/2014/main" xmlns="" id="{A3CEEE95-2865-40F2-B3AB-495B5A46EA72}"/>
               </a:ext>
             </a:extLst>
           </p:cNvPr>
@@ -9261,7 +11173,7 @@
           <p:cNvPr id="2" name="Tytuł 1">
             <a:extLst>
               <a:ext uri="{FF2B5EF4-FFF2-40B4-BE49-F238E27FC236}">
-                <a16:creationId xmlns:a16="http://schemas.microsoft.com/office/drawing/2014/main" id="{38EA3D85-AC99-4132-8BC6-201CB49F747C}"/>
+                <a16:creationId xmlns:a16="http://schemas.microsoft.com/office/drawing/2014/main" xmlns="" id="{38EA3D85-AC99-4132-8BC6-201CB49F747C}"/>
               </a:ext>
             </a:extLst>
           </p:cNvPr>
@@ -9294,7 +11206,7 @@
           <p:cNvPr id="3" name="Symbol zastępczy zawartości 2">
             <a:extLst>
               <a:ext uri="{FF2B5EF4-FFF2-40B4-BE49-F238E27FC236}">
-                <a16:creationId xmlns:a16="http://schemas.microsoft.com/office/drawing/2014/main" id="{EC218D09-7435-4241-AEA6-33D5A6A961A8}"/>
+                <a16:creationId xmlns:a16="http://schemas.microsoft.com/office/drawing/2014/main" xmlns="" id="{EC218D09-7435-4241-AEA6-33D5A6A961A8}"/>
               </a:ext>
             </a:extLst>
           </p:cNvPr>
@@ -9493,7 +11405,7 @@
           <p:cNvPr id="2" name="Tytuł 1">
             <a:extLst>
               <a:ext uri="{FF2B5EF4-FFF2-40B4-BE49-F238E27FC236}">
-                <a16:creationId xmlns:a16="http://schemas.microsoft.com/office/drawing/2014/main" id="{C333938A-51D0-4A9E-9C11-51B237A94384}"/>
+                <a16:creationId xmlns:a16="http://schemas.microsoft.com/office/drawing/2014/main" xmlns="" id="{C333938A-51D0-4A9E-9C11-51B237A94384}"/>
               </a:ext>
             </a:extLst>
           </p:cNvPr>
@@ -9516,14 +11428,14 @@
           </a:p>
         </p:txBody>
       </p:sp>
-      <mc:AlternateContent xmlns:mc="http://schemas.openxmlformats.org/markup-compatibility/2006">
-        <mc:Choice xmlns:a14="http://schemas.microsoft.com/office/drawing/2010/main" Requires="a14">
+      <mc:AlternateContent xmlns:mc="http://schemas.openxmlformats.org/markup-compatibility/2006" xmlns:a14="http://schemas.microsoft.com/office/drawing/2010/main">
+        <mc:Choice Requires="a14">
           <p:sp>
             <p:nvSpPr>
               <p:cNvPr id="3" name="Symbol zastępczy zawartości 2">
                 <a:extLst>
                   <a:ext uri="{FF2B5EF4-FFF2-40B4-BE49-F238E27FC236}">
-                    <a16:creationId xmlns:a16="http://schemas.microsoft.com/office/drawing/2014/main" id="{2C817F9D-3511-4045-8EA9-724230F6E405}"/>
+                    <a16:creationId xmlns:a16="http://schemas.microsoft.com/office/drawing/2014/main" xmlns="" id="{2C817F9D-3511-4045-8EA9-724230F6E405}"/>
                   </a:ext>
                 </a:extLst>
               </p:cNvPr>
@@ -9765,7 +11677,7 @@
             </p:txBody>
           </p:sp>
         </mc:Choice>
-        <mc:Fallback>
+        <mc:Fallback xmlns="">
           <p:sp>
             <p:nvSpPr>
               <p:cNvPr id="3" name="Symbol zastępczy zawartości 2">
@@ -9816,7 +11728,7 @@
               <p:cNvPr id="7" name="pole tekstowe 6">
                 <a:extLst>
                   <a:ext uri="{FF2B5EF4-FFF2-40B4-BE49-F238E27FC236}">
-                    <a16:creationId xmlns:a16="http://schemas.microsoft.com/office/drawing/2014/main" id="{2EDACCE0-D800-4A2A-981E-929BB93C8129}"/>
+                    <a16:creationId xmlns:a16="http://schemas.microsoft.com/office/drawing/2014/main" xmlns="" id="{2EDACCE0-D800-4A2A-981E-929BB93C8129}"/>
                   </a:ext>
                 </a:extLst>
               </p:cNvPr>
@@ -10103,14 +12015,14 @@
           </p:sp>
         </mc:Fallback>
       </mc:AlternateContent>
-      <mc:AlternateContent xmlns:mc="http://schemas.openxmlformats.org/markup-compatibility/2006">
-        <mc:Choice xmlns:a14="http://schemas.microsoft.com/office/drawing/2010/main" Requires="a14">
+      <mc:AlternateContent xmlns:mc="http://schemas.openxmlformats.org/markup-compatibility/2006" xmlns:a14="http://schemas.microsoft.com/office/drawing/2010/main">
+        <mc:Choice Requires="a14">
           <p:sp>
             <p:nvSpPr>
               <p:cNvPr id="5" name="Prostokąt 4">
                 <a:extLst>
                   <a:ext uri="{FF2B5EF4-FFF2-40B4-BE49-F238E27FC236}">
-                    <a16:creationId xmlns:a16="http://schemas.microsoft.com/office/drawing/2014/main" id="{9FDF0D35-3237-4BCE-B57A-2DE4E4B0866F}"/>
+                    <a16:creationId xmlns:a16="http://schemas.microsoft.com/office/drawing/2014/main" xmlns="" id="{9FDF0D35-3237-4BCE-B57A-2DE4E4B0866F}"/>
                   </a:ext>
                 </a:extLst>
               </p:cNvPr>
@@ -10132,6 +12044,7 @@
               </a:bodyPr>
               <a:lstStyle/>
               <a:p>
+                <a:pPr/>
                 <a14:m>
                   <m:oMathPara xmlns:m="http://schemas.openxmlformats.org/officeDocument/2006/math">
                     <m:oMathParaPr>
@@ -10231,7 +12144,7 @@
             </p:txBody>
           </p:sp>
         </mc:Choice>
-        <mc:Fallback>
+        <mc:Fallback xmlns="">
           <p:sp>
             <p:nvSpPr>
               <p:cNvPr id="5" name="Prostokąt 4">
@@ -10276,14 +12189,14 @@
           </p:sp>
         </mc:Fallback>
       </mc:AlternateContent>
-      <mc:AlternateContent xmlns:mc="http://schemas.openxmlformats.org/markup-compatibility/2006">
-        <mc:Choice xmlns:a14="http://schemas.microsoft.com/office/drawing/2010/main" Requires="a14">
+      <mc:AlternateContent xmlns:mc="http://schemas.openxmlformats.org/markup-compatibility/2006" xmlns:a14="http://schemas.microsoft.com/office/drawing/2010/main">
+        <mc:Choice Requires="a14">
           <p:sp>
             <p:nvSpPr>
               <p:cNvPr id="8" name="Prostokąt 7">
                 <a:extLst>
                   <a:ext uri="{FF2B5EF4-FFF2-40B4-BE49-F238E27FC236}">
-                    <a16:creationId xmlns:a16="http://schemas.microsoft.com/office/drawing/2014/main" id="{2AD78A06-3585-4F1D-BB8B-F1B6A6F819B0}"/>
+                    <a16:creationId xmlns:a16="http://schemas.microsoft.com/office/drawing/2014/main" xmlns="" id="{2AD78A06-3585-4F1D-BB8B-F1B6A6F819B0}"/>
                   </a:ext>
                 </a:extLst>
               </p:cNvPr>
@@ -10305,6 +12218,7 @@
               </a:bodyPr>
               <a:lstStyle/>
               <a:p>
+                <a:pPr/>
                 <a14:m>
                   <m:oMathPara xmlns:m="http://schemas.openxmlformats.org/officeDocument/2006/math">
                     <m:oMathParaPr>
@@ -10467,7 +12381,7 @@
             </p:txBody>
           </p:sp>
         </mc:Choice>
-        <mc:Fallback>
+        <mc:Fallback xmlns="">
           <p:sp>
             <p:nvSpPr>
               <p:cNvPr id="8" name="Prostokąt 7">
